--- a/006 - Projeto Interdisciplinar - Paulo Alceu -  TEMPLATE CBL-SE Canvases (1).pptx
+++ b/006 - Projeto Interdisciplinar - Paulo Alceu -  TEMPLATE CBL-SE Canvases (1).pptx
@@ -3801,7 +3801,7 @@
           </a:ln>
           <a:extLst>
             <a:ext uri="{C572A759-6A51-4108-AA02-DFA0A04FC94B}">
-              <ma14:wrappingTextBoxFlag xmlns:ma14="http://schemas.microsoft.com/office/mac/drawingml/2011/main" xmlns:a14="http://schemas.microsoft.com/office/drawing/2010/main" xmlns:m="http://schemas.openxmlformats.org/officeDocument/2006/math" xmlns="" val="1"/>
+              <ma14:wrappingTextBoxFlag xmlns="" xmlns:m="http://schemas.openxmlformats.org/officeDocument/2006/math" xmlns:a14="http://schemas.microsoft.com/office/drawing/2010/main" xmlns:ma14="http://schemas.microsoft.com/office/mac/drawingml/2011/main" val="1"/>
             </a:ext>
           </a:extLst>
         </p:spPr>
@@ -3840,7 +3840,7 @@
           </a:ln>
           <a:extLst>
             <a:ext uri="{C572A759-6A51-4108-AA02-DFA0A04FC94B}">
-              <ma14:wrappingTextBoxFlag xmlns:ma14="http://schemas.microsoft.com/office/mac/drawingml/2011/main" xmlns:a14="http://schemas.microsoft.com/office/drawing/2010/main" xmlns:m="http://schemas.openxmlformats.org/officeDocument/2006/math" xmlns="" val="1"/>
+              <ma14:wrappingTextBoxFlag xmlns="" xmlns:m="http://schemas.openxmlformats.org/officeDocument/2006/math" xmlns:a14="http://schemas.microsoft.com/office/drawing/2010/main" xmlns:ma14="http://schemas.microsoft.com/office/mac/drawingml/2011/main" val="1"/>
             </a:ext>
           </a:extLst>
         </p:spPr>
@@ -4983,7 +4983,7 @@
                 <a:effectLst/>
                 <a:extLst>
                   <a:ext uri="{C572A759-6A51-4108-AA02-DFA0A04FC94B}">
-                    <ma14:wrappingTextBoxFlag xmlns:ma14="http://schemas.microsoft.com/office/mac/drawingml/2011/main" xmlns:a14="http://schemas.microsoft.com/office/drawing/2010/main" xmlns:m="http://schemas.openxmlformats.org/officeDocument/2006/math" xmlns="" val="1"/>
+                    <ma14:wrappingTextBoxFlag xmlns="" xmlns:m="http://schemas.openxmlformats.org/officeDocument/2006/math" xmlns:a14="http://schemas.microsoft.com/office/drawing/2010/main" xmlns:ma14="http://schemas.microsoft.com/office/mac/drawingml/2011/main" val="1"/>
                   </a:ext>
                 </a:extLst>
               </p:spPr>
@@ -5035,7 +5035,7 @@
               <a:effectLst/>
               <a:extLst>
                 <a:ext uri="{C572A759-6A51-4108-AA02-DFA0A04FC94B}">
-                  <ma14:wrappingTextBoxFlag xmlns:ma14="http://schemas.microsoft.com/office/mac/drawingml/2011/main" xmlns:a14="http://schemas.microsoft.com/office/drawing/2010/main" xmlns:m="http://schemas.openxmlformats.org/officeDocument/2006/math" xmlns="" val="1"/>
+                  <ma14:wrappingTextBoxFlag xmlns="" xmlns:m="http://schemas.openxmlformats.org/officeDocument/2006/math" xmlns:a14="http://schemas.microsoft.com/office/drawing/2010/main" xmlns:ma14="http://schemas.microsoft.com/office/mac/drawingml/2011/main" val="1"/>
                 </a:ext>
               </a:extLst>
             </p:spPr>
@@ -5164,7 +5164,7 @@
                 <a:effectLst/>
                 <a:extLst>
                   <a:ext uri="{C572A759-6A51-4108-AA02-DFA0A04FC94B}">
-                    <ma14:wrappingTextBoxFlag xmlns:ma14="http://schemas.microsoft.com/office/mac/drawingml/2011/main" xmlns:a14="http://schemas.microsoft.com/office/drawing/2010/main" xmlns:m="http://schemas.openxmlformats.org/officeDocument/2006/math" xmlns="" val="1"/>
+                    <ma14:wrappingTextBoxFlag xmlns="" xmlns:m="http://schemas.openxmlformats.org/officeDocument/2006/math" xmlns:a14="http://schemas.microsoft.com/office/drawing/2010/main" xmlns:ma14="http://schemas.microsoft.com/office/mac/drawingml/2011/main" val="1"/>
                   </a:ext>
                 </a:extLst>
               </p:spPr>
@@ -5215,7 +5215,7 @@
               <a:effectLst/>
               <a:extLst>
                 <a:ext uri="{C572A759-6A51-4108-AA02-DFA0A04FC94B}">
-                  <ma14:wrappingTextBoxFlag xmlns:ma14="http://schemas.microsoft.com/office/mac/drawingml/2011/main" xmlns:a14="http://schemas.microsoft.com/office/drawing/2010/main" xmlns:m="http://schemas.openxmlformats.org/officeDocument/2006/math" xmlns="" val="1"/>
+                  <ma14:wrappingTextBoxFlag xmlns="" xmlns:m="http://schemas.openxmlformats.org/officeDocument/2006/math" xmlns:a14="http://schemas.microsoft.com/office/drawing/2010/main" xmlns:ma14="http://schemas.microsoft.com/office/mac/drawingml/2011/main" val="1"/>
                 </a:ext>
               </a:extLst>
             </p:spPr>
@@ -5345,7 +5345,7 @@
                 <a:effectLst/>
                 <a:extLst>
                   <a:ext uri="{C572A759-6A51-4108-AA02-DFA0A04FC94B}">
-                    <ma14:wrappingTextBoxFlag xmlns:ma14="http://schemas.microsoft.com/office/mac/drawingml/2011/main" xmlns:a14="http://schemas.microsoft.com/office/drawing/2010/main" xmlns:m="http://schemas.openxmlformats.org/officeDocument/2006/math" xmlns="" val="1"/>
+                    <ma14:wrappingTextBoxFlag xmlns="" xmlns:m="http://schemas.openxmlformats.org/officeDocument/2006/math" xmlns:a14="http://schemas.microsoft.com/office/drawing/2010/main" xmlns:ma14="http://schemas.microsoft.com/office/mac/drawingml/2011/main" val="1"/>
                   </a:ext>
                 </a:extLst>
               </p:spPr>
@@ -5396,7 +5396,7 @@
               <a:effectLst/>
               <a:extLst>
                 <a:ext uri="{C572A759-6A51-4108-AA02-DFA0A04FC94B}">
-                  <ma14:wrappingTextBoxFlag xmlns:ma14="http://schemas.microsoft.com/office/mac/drawingml/2011/main" xmlns:a14="http://schemas.microsoft.com/office/drawing/2010/main" xmlns:m="http://schemas.openxmlformats.org/officeDocument/2006/math" xmlns="" val="1"/>
+                  <ma14:wrappingTextBoxFlag xmlns="" xmlns:m="http://schemas.openxmlformats.org/officeDocument/2006/math" xmlns:a14="http://schemas.microsoft.com/office/drawing/2010/main" xmlns:ma14="http://schemas.microsoft.com/office/mac/drawingml/2011/main" val="1"/>
                 </a:ext>
               </a:extLst>
             </p:spPr>
@@ -5523,7 +5523,7 @@
                 <a:effectLst/>
                 <a:extLst>
                   <a:ext uri="{C572A759-6A51-4108-AA02-DFA0A04FC94B}">
-                    <ma14:wrappingTextBoxFlag xmlns:ma14="http://schemas.microsoft.com/office/mac/drawingml/2011/main" xmlns:a14="http://schemas.microsoft.com/office/drawing/2010/main" xmlns:m="http://schemas.openxmlformats.org/officeDocument/2006/math" xmlns="" val="1"/>
+                    <ma14:wrappingTextBoxFlag xmlns="" xmlns:m="http://schemas.openxmlformats.org/officeDocument/2006/math" xmlns:a14="http://schemas.microsoft.com/office/drawing/2010/main" xmlns:ma14="http://schemas.microsoft.com/office/mac/drawingml/2011/main" val="1"/>
                   </a:ext>
                 </a:extLst>
               </p:spPr>
@@ -5574,7 +5574,7 @@
               <a:effectLst/>
               <a:extLst>
                 <a:ext uri="{C572A759-6A51-4108-AA02-DFA0A04FC94B}">
-                  <ma14:wrappingTextBoxFlag xmlns:ma14="http://schemas.microsoft.com/office/mac/drawingml/2011/main" xmlns:a14="http://schemas.microsoft.com/office/drawing/2010/main" xmlns:m="http://schemas.openxmlformats.org/officeDocument/2006/math" xmlns="" val="1"/>
+                  <ma14:wrappingTextBoxFlag xmlns="" xmlns:m="http://schemas.openxmlformats.org/officeDocument/2006/math" xmlns:a14="http://schemas.microsoft.com/office/drawing/2010/main" xmlns:ma14="http://schemas.microsoft.com/office/mac/drawingml/2011/main" val="1"/>
                 </a:ext>
               </a:extLst>
             </p:spPr>
@@ -5742,7 +5742,7 @@
                 <a:effectLst/>
                 <a:extLst>
                   <a:ext uri="{C572A759-6A51-4108-AA02-DFA0A04FC94B}">
-                    <ma14:wrappingTextBoxFlag xmlns:ma14="http://schemas.microsoft.com/office/mac/drawingml/2011/main" xmlns:a14="http://schemas.microsoft.com/office/drawing/2010/main" xmlns:m="http://schemas.openxmlformats.org/officeDocument/2006/math" xmlns="" val="1"/>
+                    <ma14:wrappingTextBoxFlag xmlns="" xmlns:m="http://schemas.openxmlformats.org/officeDocument/2006/math" xmlns:a14="http://schemas.microsoft.com/office/drawing/2010/main" xmlns:ma14="http://schemas.microsoft.com/office/mac/drawingml/2011/main" val="1"/>
                   </a:ext>
                 </a:extLst>
               </p:spPr>
@@ -5793,7 +5793,7 @@
               <a:effectLst/>
               <a:extLst>
                 <a:ext uri="{C572A759-6A51-4108-AA02-DFA0A04FC94B}">
-                  <ma14:wrappingTextBoxFlag xmlns:ma14="http://schemas.microsoft.com/office/mac/drawingml/2011/main" xmlns:a14="http://schemas.microsoft.com/office/drawing/2010/main" xmlns:m="http://schemas.openxmlformats.org/officeDocument/2006/math" xmlns="" val="1"/>
+                  <ma14:wrappingTextBoxFlag xmlns="" xmlns:m="http://schemas.openxmlformats.org/officeDocument/2006/math" xmlns:a14="http://schemas.microsoft.com/office/drawing/2010/main" xmlns:ma14="http://schemas.microsoft.com/office/mac/drawingml/2011/main" val="1"/>
                 </a:ext>
               </a:extLst>
             </p:spPr>
@@ -5916,7 +5916,7 @@
                 <a:effectLst/>
                 <a:extLst>
                   <a:ext uri="{C572A759-6A51-4108-AA02-DFA0A04FC94B}">
-                    <ma14:wrappingTextBoxFlag xmlns:ma14="http://schemas.microsoft.com/office/mac/drawingml/2011/main" xmlns:a14="http://schemas.microsoft.com/office/drawing/2010/main" xmlns:m="http://schemas.openxmlformats.org/officeDocument/2006/math" xmlns="" val="1"/>
+                    <ma14:wrappingTextBoxFlag xmlns="" xmlns:m="http://schemas.openxmlformats.org/officeDocument/2006/math" xmlns:a14="http://schemas.microsoft.com/office/drawing/2010/main" xmlns:ma14="http://schemas.microsoft.com/office/mac/drawingml/2011/main" val="1"/>
                   </a:ext>
                 </a:extLst>
               </p:spPr>
@@ -5967,7 +5967,7 @@
               <a:effectLst/>
               <a:extLst>
                 <a:ext uri="{C572A759-6A51-4108-AA02-DFA0A04FC94B}">
-                  <ma14:wrappingTextBoxFlag xmlns:ma14="http://schemas.microsoft.com/office/mac/drawingml/2011/main" xmlns:a14="http://schemas.microsoft.com/office/drawing/2010/main" xmlns:m="http://schemas.openxmlformats.org/officeDocument/2006/math" xmlns="" val="1"/>
+                  <ma14:wrappingTextBoxFlag xmlns="" xmlns:m="http://schemas.openxmlformats.org/officeDocument/2006/math" xmlns:a14="http://schemas.microsoft.com/office/drawing/2010/main" xmlns:ma14="http://schemas.microsoft.com/office/mac/drawingml/2011/main" val="1"/>
                 </a:ext>
               </a:extLst>
             </p:spPr>
@@ -6090,7 +6090,7 @@
                 <a:effectLst/>
                 <a:extLst>
                   <a:ext uri="{C572A759-6A51-4108-AA02-DFA0A04FC94B}">
-                    <ma14:wrappingTextBoxFlag xmlns:ma14="http://schemas.microsoft.com/office/mac/drawingml/2011/main" xmlns:a14="http://schemas.microsoft.com/office/drawing/2010/main" xmlns:m="http://schemas.openxmlformats.org/officeDocument/2006/math" xmlns="" val="1"/>
+                    <ma14:wrappingTextBoxFlag xmlns="" xmlns:m="http://schemas.openxmlformats.org/officeDocument/2006/math" xmlns:a14="http://schemas.microsoft.com/office/drawing/2010/main" xmlns:ma14="http://schemas.microsoft.com/office/mac/drawingml/2011/main" val="1"/>
                   </a:ext>
                 </a:extLst>
               </p:spPr>
@@ -6141,7 +6141,7 @@
               <a:effectLst/>
               <a:extLst>
                 <a:ext uri="{C572A759-6A51-4108-AA02-DFA0A04FC94B}">
-                  <ma14:wrappingTextBoxFlag xmlns:ma14="http://schemas.microsoft.com/office/mac/drawingml/2011/main" xmlns:a14="http://schemas.microsoft.com/office/drawing/2010/main" xmlns:m="http://schemas.openxmlformats.org/officeDocument/2006/math" xmlns="" val="1"/>
+                  <ma14:wrappingTextBoxFlag xmlns="" xmlns:m="http://schemas.openxmlformats.org/officeDocument/2006/math" xmlns:a14="http://schemas.microsoft.com/office/drawing/2010/main" xmlns:ma14="http://schemas.microsoft.com/office/mac/drawingml/2011/main" val="1"/>
                 </a:ext>
               </a:extLst>
             </p:spPr>
@@ -6298,7 +6298,7 @@
                 <a:effectLst/>
                 <a:extLst>
                   <a:ext uri="{C572A759-6A51-4108-AA02-DFA0A04FC94B}">
-                    <ma14:wrappingTextBoxFlag xmlns:ma14="http://schemas.microsoft.com/office/mac/drawingml/2011/main" xmlns:a14="http://schemas.microsoft.com/office/drawing/2010/main" xmlns:m="http://schemas.openxmlformats.org/officeDocument/2006/math" xmlns="" val="1"/>
+                    <ma14:wrappingTextBoxFlag xmlns="" xmlns:m="http://schemas.openxmlformats.org/officeDocument/2006/math" xmlns:a14="http://schemas.microsoft.com/office/drawing/2010/main" xmlns:ma14="http://schemas.microsoft.com/office/mac/drawingml/2011/main" val="1"/>
                   </a:ext>
                 </a:extLst>
               </p:spPr>
@@ -6383,7 +6383,7 @@
               <a:effectLst/>
               <a:extLst>
                 <a:ext uri="{C572A759-6A51-4108-AA02-DFA0A04FC94B}">
-                  <ma14:wrappingTextBoxFlag xmlns:ma14="http://schemas.microsoft.com/office/mac/drawingml/2011/main" xmlns:a14="http://schemas.microsoft.com/office/drawing/2010/main" xmlns:m="http://schemas.openxmlformats.org/officeDocument/2006/math" xmlns="" val="1"/>
+                  <ma14:wrappingTextBoxFlag xmlns="" xmlns:m="http://schemas.openxmlformats.org/officeDocument/2006/math" xmlns:a14="http://schemas.microsoft.com/office/drawing/2010/main" xmlns:ma14="http://schemas.microsoft.com/office/mac/drawingml/2011/main" val="1"/>
                 </a:ext>
               </a:extLst>
             </p:spPr>
@@ -6506,7 +6506,7 @@
                 <a:effectLst/>
                 <a:extLst>
                   <a:ext uri="{C572A759-6A51-4108-AA02-DFA0A04FC94B}">
-                    <ma14:wrappingTextBoxFlag xmlns:ma14="http://schemas.microsoft.com/office/mac/drawingml/2011/main" xmlns:a14="http://schemas.microsoft.com/office/drawing/2010/main" xmlns:m="http://schemas.openxmlformats.org/officeDocument/2006/math" xmlns="" val="1"/>
+                    <ma14:wrappingTextBoxFlag xmlns="" xmlns:m="http://schemas.openxmlformats.org/officeDocument/2006/math" xmlns:a14="http://schemas.microsoft.com/office/drawing/2010/main" xmlns:ma14="http://schemas.microsoft.com/office/mac/drawingml/2011/main" val="1"/>
                   </a:ext>
                 </a:extLst>
               </p:spPr>
@@ -6557,7 +6557,7 @@
               <a:effectLst/>
               <a:extLst>
                 <a:ext uri="{C572A759-6A51-4108-AA02-DFA0A04FC94B}">
-                  <ma14:wrappingTextBoxFlag xmlns:ma14="http://schemas.microsoft.com/office/mac/drawingml/2011/main" xmlns:a14="http://schemas.microsoft.com/office/drawing/2010/main" xmlns:m="http://schemas.openxmlformats.org/officeDocument/2006/math" xmlns="" val="1"/>
+                  <ma14:wrappingTextBoxFlag xmlns="" xmlns:m="http://schemas.openxmlformats.org/officeDocument/2006/math" xmlns:a14="http://schemas.microsoft.com/office/drawing/2010/main" xmlns:ma14="http://schemas.microsoft.com/office/mac/drawingml/2011/main" val="1"/>
                 </a:ext>
               </a:extLst>
             </p:spPr>
@@ -6721,7 +6721,7 @@
                 <a:effectLst/>
                 <a:extLst>
                   <a:ext uri="{C572A759-6A51-4108-AA02-DFA0A04FC94B}">
-                    <ma14:wrappingTextBoxFlag xmlns:ma14="http://schemas.microsoft.com/office/mac/drawingml/2011/main" xmlns:a14="http://schemas.microsoft.com/office/drawing/2010/main" xmlns:m="http://schemas.openxmlformats.org/officeDocument/2006/math" xmlns="" val="1"/>
+                    <ma14:wrappingTextBoxFlag xmlns="" xmlns:m="http://schemas.openxmlformats.org/officeDocument/2006/math" xmlns:a14="http://schemas.microsoft.com/office/drawing/2010/main" xmlns:ma14="http://schemas.microsoft.com/office/mac/drawingml/2011/main" val="1"/>
                   </a:ext>
                 </a:extLst>
               </p:spPr>
@@ -6772,7 +6772,7 @@
               <a:effectLst/>
               <a:extLst>
                 <a:ext uri="{C572A759-6A51-4108-AA02-DFA0A04FC94B}">
-                  <ma14:wrappingTextBoxFlag xmlns:ma14="http://schemas.microsoft.com/office/mac/drawingml/2011/main" xmlns:a14="http://schemas.microsoft.com/office/drawing/2010/main" xmlns:m="http://schemas.openxmlformats.org/officeDocument/2006/math" xmlns="" val="1"/>
+                  <ma14:wrappingTextBoxFlag xmlns="" xmlns:m="http://schemas.openxmlformats.org/officeDocument/2006/math" xmlns:a14="http://schemas.microsoft.com/office/drawing/2010/main" xmlns:ma14="http://schemas.microsoft.com/office/mac/drawingml/2011/main" val="1"/>
                 </a:ext>
               </a:extLst>
             </p:spPr>
@@ -6895,7 +6895,7 @@
                 <a:effectLst/>
                 <a:extLst>
                   <a:ext uri="{C572A759-6A51-4108-AA02-DFA0A04FC94B}">
-                    <ma14:wrappingTextBoxFlag xmlns:ma14="http://schemas.microsoft.com/office/mac/drawingml/2011/main" xmlns:a14="http://schemas.microsoft.com/office/drawing/2010/main" xmlns:m="http://schemas.openxmlformats.org/officeDocument/2006/math" xmlns="" val="1"/>
+                    <ma14:wrappingTextBoxFlag xmlns="" xmlns:m="http://schemas.openxmlformats.org/officeDocument/2006/math" xmlns:a14="http://schemas.microsoft.com/office/drawing/2010/main" xmlns:ma14="http://schemas.microsoft.com/office/mac/drawingml/2011/main" val="1"/>
                   </a:ext>
                 </a:extLst>
               </p:spPr>
@@ -6946,7 +6946,7 @@
               <a:effectLst/>
               <a:extLst>
                 <a:ext uri="{C572A759-6A51-4108-AA02-DFA0A04FC94B}">
-                  <ma14:wrappingTextBoxFlag xmlns:ma14="http://schemas.microsoft.com/office/mac/drawingml/2011/main" xmlns:a14="http://schemas.microsoft.com/office/drawing/2010/main" xmlns:m="http://schemas.openxmlformats.org/officeDocument/2006/math" xmlns="" val="1"/>
+                  <ma14:wrappingTextBoxFlag xmlns="" xmlns:m="http://schemas.openxmlformats.org/officeDocument/2006/math" xmlns:a14="http://schemas.microsoft.com/office/drawing/2010/main" xmlns:ma14="http://schemas.microsoft.com/office/mac/drawingml/2011/main" val="1"/>
                 </a:ext>
               </a:extLst>
             </p:spPr>
@@ -7069,7 +7069,7 @@
                 <a:effectLst/>
                 <a:extLst>
                   <a:ext uri="{C572A759-6A51-4108-AA02-DFA0A04FC94B}">
-                    <ma14:wrappingTextBoxFlag xmlns:ma14="http://schemas.microsoft.com/office/mac/drawingml/2011/main" xmlns:a14="http://schemas.microsoft.com/office/drawing/2010/main" xmlns:m="http://schemas.openxmlformats.org/officeDocument/2006/math" xmlns="" val="1"/>
+                    <ma14:wrappingTextBoxFlag xmlns="" xmlns:m="http://schemas.openxmlformats.org/officeDocument/2006/math" xmlns:a14="http://schemas.microsoft.com/office/drawing/2010/main" xmlns:ma14="http://schemas.microsoft.com/office/mac/drawingml/2011/main" val="1"/>
                   </a:ext>
                 </a:extLst>
               </p:spPr>
@@ -7120,7 +7120,7 @@
               <a:effectLst/>
               <a:extLst>
                 <a:ext uri="{C572A759-6A51-4108-AA02-DFA0A04FC94B}">
-                  <ma14:wrappingTextBoxFlag xmlns:ma14="http://schemas.microsoft.com/office/mac/drawingml/2011/main" xmlns:a14="http://schemas.microsoft.com/office/drawing/2010/main" xmlns:m="http://schemas.openxmlformats.org/officeDocument/2006/math" xmlns="" val="1"/>
+                  <ma14:wrappingTextBoxFlag xmlns="" xmlns:m="http://schemas.openxmlformats.org/officeDocument/2006/math" xmlns:a14="http://schemas.microsoft.com/office/drawing/2010/main" xmlns:ma14="http://schemas.microsoft.com/office/mac/drawingml/2011/main" val="1"/>
                 </a:ext>
               </a:extLst>
             </p:spPr>
@@ -7243,7 +7243,7 @@
                 <a:effectLst/>
                 <a:extLst>
                   <a:ext uri="{C572A759-6A51-4108-AA02-DFA0A04FC94B}">
-                    <ma14:wrappingTextBoxFlag xmlns:ma14="http://schemas.microsoft.com/office/mac/drawingml/2011/main" xmlns:a14="http://schemas.microsoft.com/office/drawing/2010/main" xmlns:m="http://schemas.openxmlformats.org/officeDocument/2006/math" xmlns="" val="1"/>
+                    <ma14:wrappingTextBoxFlag xmlns="" xmlns:m="http://schemas.openxmlformats.org/officeDocument/2006/math" xmlns:a14="http://schemas.microsoft.com/office/drawing/2010/main" xmlns:ma14="http://schemas.microsoft.com/office/mac/drawingml/2011/main" val="1"/>
                   </a:ext>
                 </a:extLst>
               </p:spPr>
@@ -7294,7 +7294,7 @@
               <a:effectLst/>
               <a:extLst>
                 <a:ext uri="{C572A759-6A51-4108-AA02-DFA0A04FC94B}">
-                  <ma14:wrappingTextBoxFlag xmlns:ma14="http://schemas.microsoft.com/office/mac/drawingml/2011/main" xmlns:a14="http://schemas.microsoft.com/office/drawing/2010/main" xmlns:m="http://schemas.openxmlformats.org/officeDocument/2006/math" xmlns="" val="1"/>
+                  <ma14:wrappingTextBoxFlag xmlns="" xmlns:m="http://schemas.openxmlformats.org/officeDocument/2006/math" xmlns:a14="http://schemas.microsoft.com/office/drawing/2010/main" xmlns:ma14="http://schemas.microsoft.com/office/mac/drawingml/2011/main" val="1"/>
                 </a:ext>
               </a:extLst>
             </p:spPr>
@@ -7417,7 +7417,7 @@
                 <a:effectLst/>
                 <a:extLst>
                   <a:ext uri="{C572A759-6A51-4108-AA02-DFA0A04FC94B}">
-                    <ma14:wrappingTextBoxFlag xmlns:ma14="http://schemas.microsoft.com/office/mac/drawingml/2011/main" xmlns:a14="http://schemas.microsoft.com/office/drawing/2010/main" xmlns:m="http://schemas.openxmlformats.org/officeDocument/2006/math" xmlns="" val="1"/>
+                    <ma14:wrappingTextBoxFlag xmlns="" xmlns:m="http://schemas.openxmlformats.org/officeDocument/2006/math" xmlns:a14="http://schemas.microsoft.com/office/drawing/2010/main" xmlns:ma14="http://schemas.microsoft.com/office/mac/drawingml/2011/main" val="1"/>
                   </a:ext>
                 </a:extLst>
               </p:spPr>
@@ -7468,7 +7468,7 @@
               <a:effectLst/>
               <a:extLst>
                 <a:ext uri="{C572A759-6A51-4108-AA02-DFA0A04FC94B}">
-                  <ma14:wrappingTextBoxFlag xmlns:ma14="http://schemas.microsoft.com/office/mac/drawingml/2011/main" xmlns:a14="http://schemas.microsoft.com/office/drawing/2010/main" xmlns:m="http://schemas.openxmlformats.org/officeDocument/2006/math" xmlns="" val="1"/>
+                  <ma14:wrappingTextBoxFlag xmlns="" xmlns:m="http://schemas.openxmlformats.org/officeDocument/2006/math" xmlns:a14="http://schemas.microsoft.com/office/drawing/2010/main" xmlns:ma14="http://schemas.microsoft.com/office/mac/drawingml/2011/main" val="1"/>
                 </a:ext>
               </a:extLst>
             </p:spPr>
@@ -7583,7 +7583,7 @@
           </a:ln>
           <a:extLst>
             <a:ext uri="{C572A759-6A51-4108-AA02-DFA0A04FC94B}">
-              <ma14:wrappingTextBoxFlag xmlns:ma14="http://schemas.microsoft.com/office/mac/drawingml/2011/main" xmlns:a14="http://schemas.microsoft.com/office/drawing/2010/main" xmlns:m="http://schemas.openxmlformats.org/officeDocument/2006/math" xmlns="" val="1"/>
+              <ma14:wrappingTextBoxFlag xmlns="" xmlns:m="http://schemas.openxmlformats.org/officeDocument/2006/math" xmlns:a14="http://schemas.microsoft.com/office/drawing/2010/main" xmlns:ma14="http://schemas.microsoft.com/office/mac/drawingml/2011/main" val="1"/>
             </a:ext>
           </a:extLst>
         </p:spPr>
@@ -7674,7 +7674,7 @@
           </a:ln>
           <a:extLst>
             <a:ext uri="{C572A759-6A51-4108-AA02-DFA0A04FC94B}">
-              <ma14:wrappingTextBoxFlag xmlns:ma14="http://schemas.microsoft.com/office/mac/drawingml/2011/main" xmlns:a14="http://schemas.microsoft.com/office/drawing/2010/main" xmlns:m="http://schemas.openxmlformats.org/officeDocument/2006/math" xmlns="" val="1"/>
+              <ma14:wrappingTextBoxFlag xmlns="" xmlns:m="http://schemas.openxmlformats.org/officeDocument/2006/math" xmlns:a14="http://schemas.microsoft.com/office/drawing/2010/main" xmlns:ma14="http://schemas.microsoft.com/office/mac/drawingml/2011/main" val="1"/>
             </a:ext>
           </a:extLst>
         </p:spPr>
@@ -7805,7 +7805,7 @@
           </a:ln>
           <a:extLst>
             <a:ext uri="{C572A759-6A51-4108-AA02-DFA0A04FC94B}">
-              <ma14:wrappingTextBoxFlag xmlns:ma14="http://schemas.microsoft.com/office/mac/drawingml/2011/main" xmlns:a14="http://schemas.microsoft.com/office/drawing/2010/main" xmlns:m="http://schemas.openxmlformats.org/officeDocument/2006/math" xmlns="" val="1"/>
+              <ma14:wrappingTextBoxFlag xmlns="" xmlns:m="http://schemas.openxmlformats.org/officeDocument/2006/math" xmlns:a14="http://schemas.microsoft.com/office/drawing/2010/main" xmlns:ma14="http://schemas.microsoft.com/office/mac/drawingml/2011/main" val="1"/>
             </a:ext>
           </a:extLst>
         </p:spPr>
@@ -7856,7 +7856,7 @@
           </a:ln>
           <a:extLst>
             <a:ext uri="{C572A759-6A51-4108-AA02-DFA0A04FC94B}">
-              <ma14:wrappingTextBoxFlag xmlns:ma14="http://schemas.microsoft.com/office/mac/drawingml/2011/main" xmlns:a14="http://schemas.microsoft.com/office/drawing/2010/main" xmlns:m="http://schemas.openxmlformats.org/officeDocument/2006/math" xmlns="" val="1"/>
+              <ma14:wrappingTextBoxFlag xmlns="" xmlns:m="http://schemas.openxmlformats.org/officeDocument/2006/math" xmlns:a14="http://schemas.microsoft.com/office/drawing/2010/main" xmlns:ma14="http://schemas.microsoft.com/office/mac/drawingml/2011/main" val="1"/>
             </a:ext>
           </a:extLst>
         </p:spPr>
@@ -7903,7 +7903,7 @@
           </a:ln>
           <a:extLst>
             <a:ext uri="{C572A759-6A51-4108-AA02-DFA0A04FC94B}">
-              <ma14:wrappingTextBoxFlag xmlns:ma14="http://schemas.microsoft.com/office/mac/drawingml/2011/main" xmlns:a14="http://schemas.microsoft.com/office/drawing/2010/main" xmlns:m="http://schemas.openxmlformats.org/officeDocument/2006/math" xmlns="" val="1"/>
+              <ma14:wrappingTextBoxFlag xmlns="" xmlns:m="http://schemas.openxmlformats.org/officeDocument/2006/math" xmlns:a14="http://schemas.microsoft.com/office/drawing/2010/main" xmlns:ma14="http://schemas.microsoft.com/office/mac/drawingml/2011/main" val="1"/>
             </a:ext>
           </a:extLst>
         </p:spPr>
@@ -7950,7 +7950,7 @@
           </a:ln>
           <a:extLst>
             <a:ext uri="{C572A759-6A51-4108-AA02-DFA0A04FC94B}">
-              <ma14:wrappingTextBoxFlag xmlns:ma14="http://schemas.microsoft.com/office/mac/drawingml/2011/main" xmlns:a14="http://schemas.microsoft.com/office/drawing/2010/main" xmlns:m="http://schemas.openxmlformats.org/officeDocument/2006/math" xmlns="" val="1"/>
+              <ma14:wrappingTextBoxFlag xmlns="" xmlns:m="http://schemas.openxmlformats.org/officeDocument/2006/math" xmlns:a14="http://schemas.microsoft.com/office/drawing/2010/main" xmlns:ma14="http://schemas.microsoft.com/office/mac/drawingml/2011/main" val="1"/>
             </a:ext>
           </a:extLst>
         </p:spPr>
@@ -8118,7 +8118,7 @@
           </a:ln>
           <a:extLst>
             <a:ext uri="{C572A759-6A51-4108-AA02-DFA0A04FC94B}">
-              <ma14:wrappingTextBoxFlag xmlns:ma14="http://schemas.microsoft.com/office/mac/drawingml/2011/main" xmlns:a14="http://schemas.microsoft.com/office/drawing/2010/main" xmlns:m="http://schemas.openxmlformats.org/officeDocument/2006/math" xmlns="" val="1"/>
+              <ma14:wrappingTextBoxFlag xmlns="" xmlns:m="http://schemas.openxmlformats.org/officeDocument/2006/math" xmlns:a14="http://schemas.microsoft.com/office/drawing/2010/main" xmlns:ma14="http://schemas.microsoft.com/office/mac/drawingml/2011/main" val="1"/>
             </a:ext>
           </a:extLst>
         </p:spPr>
@@ -8165,7 +8165,7 @@
           </a:ln>
           <a:extLst>
             <a:ext uri="{C572A759-6A51-4108-AA02-DFA0A04FC94B}">
-              <ma14:wrappingTextBoxFlag xmlns:ma14="http://schemas.microsoft.com/office/mac/drawingml/2011/main" xmlns:a14="http://schemas.microsoft.com/office/drawing/2010/main" xmlns:m="http://schemas.openxmlformats.org/officeDocument/2006/math" xmlns="" val="1"/>
+              <ma14:wrappingTextBoxFlag xmlns="" xmlns:m="http://schemas.openxmlformats.org/officeDocument/2006/math" xmlns:a14="http://schemas.microsoft.com/office/drawing/2010/main" xmlns:ma14="http://schemas.microsoft.com/office/mac/drawingml/2011/main" val="1"/>
             </a:ext>
           </a:extLst>
         </p:spPr>
@@ -8255,7 +8255,7 @@
           </a:ln>
           <a:extLst>
             <a:ext uri="{C572A759-6A51-4108-AA02-DFA0A04FC94B}">
-              <ma14:wrappingTextBoxFlag xmlns:ma14="http://schemas.microsoft.com/office/mac/drawingml/2011/main" xmlns:a14="http://schemas.microsoft.com/office/drawing/2010/main" xmlns:m="http://schemas.openxmlformats.org/officeDocument/2006/math" xmlns="" val="1"/>
+              <ma14:wrappingTextBoxFlag xmlns="" xmlns:m="http://schemas.openxmlformats.org/officeDocument/2006/math" xmlns:a14="http://schemas.microsoft.com/office/drawing/2010/main" xmlns:ma14="http://schemas.microsoft.com/office/mac/drawingml/2011/main" val="1"/>
             </a:ext>
           </a:extLst>
         </p:spPr>
@@ -8342,7 +8342,7 @@
           </a:ln>
           <a:extLst>
             <a:ext uri="{C572A759-6A51-4108-AA02-DFA0A04FC94B}">
-              <ma14:wrappingTextBoxFlag xmlns:ma14="http://schemas.microsoft.com/office/mac/drawingml/2011/main" xmlns:a14="http://schemas.microsoft.com/office/drawing/2010/main" xmlns:m="http://schemas.openxmlformats.org/officeDocument/2006/math" xmlns="" val="1"/>
+              <ma14:wrappingTextBoxFlag xmlns="" xmlns:m="http://schemas.openxmlformats.org/officeDocument/2006/math" xmlns:a14="http://schemas.microsoft.com/office/drawing/2010/main" xmlns:ma14="http://schemas.microsoft.com/office/mac/drawingml/2011/main" val="1"/>
             </a:ext>
           </a:extLst>
         </p:spPr>
@@ -8429,7 +8429,7 @@
           </a:ln>
           <a:extLst>
             <a:ext uri="{C572A759-6A51-4108-AA02-DFA0A04FC94B}">
-              <ma14:wrappingTextBoxFlag xmlns:ma14="http://schemas.microsoft.com/office/mac/drawingml/2011/main" xmlns:a14="http://schemas.microsoft.com/office/drawing/2010/main" xmlns:m="http://schemas.openxmlformats.org/officeDocument/2006/math" xmlns="" val="1"/>
+              <ma14:wrappingTextBoxFlag xmlns="" xmlns:m="http://schemas.openxmlformats.org/officeDocument/2006/math" xmlns:a14="http://schemas.microsoft.com/office/drawing/2010/main" xmlns:ma14="http://schemas.microsoft.com/office/mac/drawingml/2011/main" val="1"/>
             </a:ext>
           </a:extLst>
         </p:spPr>
@@ -8476,7 +8476,7 @@
           </a:ln>
           <a:extLst>
             <a:ext uri="{C572A759-6A51-4108-AA02-DFA0A04FC94B}">
-              <ma14:wrappingTextBoxFlag xmlns:ma14="http://schemas.microsoft.com/office/mac/drawingml/2011/main" xmlns:a14="http://schemas.microsoft.com/office/drawing/2010/main" xmlns:m="http://schemas.openxmlformats.org/officeDocument/2006/math" xmlns="" val="1"/>
+              <ma14:wrappingTextBoxFlag xmlns="" xmlns:m="http://schemas.openxmlformats.org/officeDocument/2006/math" xmlns:a14="http://schemas.microsoft.com/office/drawing/2010/main" xmlns:ma14="http://schemas.microsoft.com/office/mac/drawingml/2011/main" val="1"/>
             </a:ext>
           </a:extLst>
         </p:spPr>
@@ -8523,7 +8523,7 @@
           </a:ln>
           <a:extLst>
             <a:ext uri="{C572A759-6A51-4108-AA02-DFA0A04FC94B}">
-              <ma14:wrappingTextBoxFlag xmlns:ma14="http://schemas.microsoft.com/office/mac/drawingml/2011/main" xmlns:a14="http://schemas.microsoft.com/office/drawing/2010/main" xmlns:m="http://schemas.openxmlformats.org/officeDocument/2006/math" xmlns="" val="1"/>
+              <ma14:wrappingTextBoxFlag xmlns="" xmlns:m="http://schemas.openxmlformats.org/officeDocument/2006/math" xmlns:a14="http://schemas.microsoft.com/office/drawing/2010/main" xmlns:ma14="http://schemas.microsoft.com/office/mac/drawingml/2011/main" val="1"/>
             </a:ext>
           </a:extLst>
         </p:spPr>
@@ -8650,7 +8650,7 @@
           </a:ln>
           <a:extLst>
             <a:ext uri="{C572A759-6A51-4108-AA02-DFA0A04FC94B}">
-              <ma14:wrappingTextBoxFlag xmlns:ma14="http://schemas.microsoft.com/office/mac/drawingml/2011/main" xmlns:a14="http://schemas.microsoft.com/office/drawing/2010/main" xmlns:m="http://schemas.openxmlformats.org/officeDocument/2006/math" xmlns="" val="1"/>
+              <ma14:wrappingTextBoxFlag xmlns="" xmlns:m="http://schemas.openxmlformats.org/officeDocument/2006/math" xmlns:a14="http://schemas.microsoft.com/office/drawing/2010/main" xmlns:ma14="http://schemas.microsoft.com/office/mac/drawingml/2011/main" val="1"/>
             </a:ext>
           </a:extLst>
         </p:spPr>
@@ -8737,7 +8737,7 @@
           </a:ln>
           <a:extLst>
             <a:ext uri="{C572A759-6A51-4108-AA02-DFA0A04FC94B}">
-              <ma14:wrappingTextBoxFlag xmlns:ma14="http://schemas.microsoft.com/office/mac/drawingml/2011/main" xmlns:a14="http://schemas.microsoft.com/office/drawing/2010/main" xmlns:m="http://schemas.openxmlformats.org/officeDocument/2006/math" xmlns="" val="1"/>
+              <ma14:wrappingTextBoxFlag xmlns="" xmlns:m="http://schemas.openxmlformats.org/officeDocument/2006/math" xmlns:a14="http://schemas.microsoft.com/office/drawing/2010/main" xmlns:ma14="http://schemas.microsoft.com/office/mac/drawingml/2011/main" val="1"/>
             </a:ext>
           </a:extLst>
         </p:spPr>
@@ -8824,7 +8824,7 @@
           </a:ln>
           <a:extLst>
             <a:ext uri="{C572A759-6A51-4108-AA02-DFA0A04FC94B}">
-              <ma14:wrappingTextBoxFlag xmlns:ma14="http://schemas.microsoft.com/office/mac/drawingml/2011/main" xmlns:a14="http://schemas.microsoft.com/office/drawing/2010/main" xmlns:m="http://schemas.openxmlformats.org/officeDocument/2006/math" xmlns="" val="1"/>
+              <ma14:wrappingTextBoxFlag xmlns="" xmlns:m="http://schemas.openxmlformats.org/officeDocument/2006/math" xmlns:a14="http://schemas.microsoft.com/office/drawing/2010/main" xmlns:ma14="http://schemas.microsoft.com/office/mac/drawingml/2011/main" val="1"/>
             </a:ext>
           </a:extLst>
         </p:spPr>
@@ -8926,7 +8926,7 @@
           </a:ln>
           <a:extLst>
             <a:ext uri="{C572A759-6A51-4108-AA02-DFA0A04FC94B}">
-              <ma14:wrappingTextBoxFlag xmlns:ma14="http://schemas.microsoft.com/office/mac/drawingml/2011/main" xmlns:a14="http://schemas.microsoft.com/office/drawing/2010/main" xmlns:m="http://schemas.openxmlformats.org/officeDocument/2006/math" xmlns="" val="1"/>
+              <ma14:wrappingTextBoxFlag xmlns="" xmlns:m="http://schemas.openxmlformats.org/officeDocument/2006/math" xmlns:a14="http://schemas.microsoft.com/office/drawing/2010/main" xmlns:ma14="http://schemas.microsoft.com/office/mac/drawingml/2011/main" val="1"/>
             </a:ext>
           </a:extLst>
         </p:spPr>
@@ -8973,7 +8973,7 @@
           </a:ln>
           <a:extLst>
             <a:ext uri="{C572A759-6A51-4108-AA02-DFA0A04FC94B}">
-              <ma14:wrappingTextBoxFlag xmlns:ma14="http://schemas.microsoft.com/office/mac/drawingml/2011/main" xmlns:a14="http://schemas.microsoft.com/office/drawing/2010/main" xmlns:m="http://schemas.openxmlformats.org/officeDocument/2006/math" xmlns="" val="1"/>
+              <ma14:wrappingTextBoxFlag xmlns="" xmlns:m="http://schemas.openxmlformats.org/officeDocument/2006/math" xmlns:a14="http://schemas.microsoft.com/office/drawing/2010/main" xmlns:ma14="http://schemas.microsoft.com/office/mac/drawingml/2011/main" val="1"/>
             </a:ext>
           </a:extLst>
         </p:spPr>
@@ -9024,7 +9024,7 @@
           </a:ln>
           <a:extLst>
             <a:ext uri="{C572A759-6A51-4108-AA02-DFA0A04FC94B}">
-              <ma14:wrappingTextBoxFlag xmlns:ma14="http://schemas.microsoft.com/office/mac/drawingml/2011/main" xmlns:a14="http://schemas.microsoft.com/office/drawing/2010/main" xmlns:m="http://schemas.openxmlformats.org/officeDocument/2006/math" xmlns="" val="1"/>
+              <ma14:wrappingTextBoxFlag xmlns="" xmlns:m="http://schemas.openxmlformats.org/officeDocument/2006/math" xmlns:a14="http://schemas.microsoft.com/office/drawing/2010/main" xmlns:ma14="http://schemas.microsoft.com/office/mac/drawingml/2011/main" val="1"/>
             </a:ext>
           </a:extLst>
         </p:spPr>
@@ -9071,7 +9071,7 @@
           </a:ln>
           <a:extLst>
             <a:ext uri="{C572A759-6A51-4108-AA02-DFA0A04FC94B}">
-              <ma14:wrappingTextBoxFlag xmlns:ma14="http://schemas.microsoft.com/office/mac/drawingml/2011/main" xmlns:a14="http://schemas.microsoft.com/office/drawing/2010/main" xmlns:m="http://schemas.openxmlformats.org/officeDocument/2006/math" xmlns="" val="1"/>
+              <ma14:wrappingTextBoxFlag xmlns="" xmlns:m="http://schemas.openxmlformats.org/officeDocument/2006/math" xmlns:a14="http://schemas.microsoft.com/office/drawing/2010/main" xmlns:ma14="http://schemas.microsoft.com/office/mac/drawingml/2011/main" val="1"/>
             </a:ext>
           </a:extLst>
         </p:spPr>
@@ -9198,7 +9198,7 @@
           </a:ln>
           <a:extLst>
             <a:ext uri="{C572A759-6A51-4108-AA02-DFA0A04FC94B}">
-              <ma14:wrappingTextBoxFlag xmlns:ma14="http://schemas.microsoft.com/office/mac/drawingml/2011/main" xmlns:a14="http://schemas.microsoft.com/office/drawing/2010/main" xmlns:m="http://schemas.openxmlformats.org/officeDocument/2006/math" xmlns="" val="1"/>
+              <ma14:wrappingTextBoxFlag xmlns="" xmlns:m="http://schemas.openxmlformats.org/officeDocument/2006/math" xmlns:a14="http://schemas.microsoft.com/office/drawing/2010/main" xmlns:ma14="http://schemas.microsoft.com/office/mac/drawingml/2011/main" val="1"/>
             </a:ext>
           </a:extLst>
         </p:spPr>
@@ -9285,7 +9285,7 @@
           </a:ln>
           <a:extLst>
             <a:ext uri="{C572A759-6A51-4108-AA02-DFA0A04FC94B}">
-              <ma14:wrappingTextBoxFlag xmlns:ma14="http://schemas.microsoft.com/office/mac/drawingml/2011/main" xmlns:a14="http://schemas.microsoft.com/office/drawing/2010/main" xmlns:m="http://schemas.openxmlformats.org/officeDocument/2006/math" xmlns="" val="1"/>
+              <ma14:wrappingTextBoxFlag xmlns="" xmlns:m="http://schemas.openxmlformats.org/officeDocument/2006/math" xmlns:a14="http://schemas.microsoft.com/office/drawing/2010/main" xmlns:ma14="http://schemas.microsoft.com/office/mac/drawingml/2011/main" val="1"/>
             </a:ext>
           </a:extLst>
         </p:spPr>
@@ -9372,7 +9372,7 @@
           </a:ln>
           <a:extLst>
             <a:ext uri="{C572A759-6A51-4108-AA02-DFA0A04FC94B}">
-              <ma14:wrappingTextBoxFlag xmlns:ma14="http://schemas.microsoft.com/office/mac/drawingml/2011/main" xmlns:a14="http://schemas.microsoft.com/office/drawing/2010/main" xmlns:m="http://schemas.openxmlformats.org/officeDocument/2006/math" xmlns="" val="1"/>
+              <ma14:wrappingTextBoxFlag xmlns="" xmlns:m="http://schemas.openxmlformats.org/officeDocument/2006/math" xmlns:a14="http://schemas.microsoft.com/office/drawing/2010/main" xmlns:ma14="http://schemas.microsoft.com/office/mac/drawingml/2011/main" val="1"/>
             </a:ext>
           </a:extLst>
         </p:spPr>
@@ -9459,7 +9459,7 @@
           </a:ln>
           <a:extLst>
             <a:ext uri="{C572A759-6A51-4108-AA02-DFA0A04FC94B}">
-              <ma14:wrappingTextBoxFlag xmlns:ma14="http://schemas.microsoft.com/office/mac/drawingml/2011/main" xmlns:a14="http://schemas.microsoft.com/office/drawing/2010/main" xmlns:m="http://schemas.openxmlformats.org/officeDocument/2006/math" xmlns="" val="1"/>
+              <ma14:wrappingTextBoxFlag xmlns="" xmlns:m="http://schemas.openxmlformats.org/officeDocument/2006/math" xmlns:a14="http://schemas.microsoft.com/office/drawing/2010/main" xmlns:ma14="http://schemas.microsoft.com/office/mac/drawingml/2011/main" val="1"/>
             </a:ext>
           </a:extLst>
         </p:spPr>
@@ -9506,7 +9506,7 @@
           </a:ln>
           <a:extLst>
             <a:ext uri="{C572A759-6A51-4108-AA02-DFA0A04FC94B}">
-              <ma14:wrappingTextBoxFlag xmlns:ma14="http://schemas.microsoft.com/office/mac/drawingml/2011/main" xmlns:a14="http://schemas.microsoft.com/office/drawing/2010/main" xmlns:m="http://schemas.openxmlformats.org/officeDocument/2006/math" xmlns="" val="1"/>
+              <ma14:wrappingTextBoxFlag xmlns="" xmlns:m="http://schemas.openxmlformats.org/officeDocument/2006/math" xmlns:a14="http://schemas.microsoft.com/office/drawing/2010/main" xmlns:ma14="http://schemas.microsoft.com/office/mac/drawingml/2011/main" val="1"/>
             </a:ext>
           </a:extLst>
         </p:spPr>
@@ -9590,7 +9590,7 @@
           </a:ln>
           <a:extLst>
             <a:ext uri="{C572A759-6A51-4108-AA02-DFA0A04FC94B}">
-              <ma14:wrappingTextBoxFlag xmlns:ma14="http://schemas.microsoft.com/office/mac/drawingml/2011/main" xmlns:a14="http://schemas.microsoft.com/office/drawing/2010/main" xmlns:m="http://schemas.openxmlformats.org/officeDocument/2006/math" xmlns="" val="1"/>
+              <ma14:wrappingTextBoxFlag xmlns="" xmlns:m="http://schemas.openxmlformats.org/officeDocument/2006/math" xmlns:a14="http://schemas.microsoft.com/office/drawing/2010/main" xmlns:ma14="http://schemas.microsoft.com/office/mac/drawingml/2011/main" val="1"/>
             </a:ext>
           </a:extLst>
         </p:spPr>
@@ -9749,7 +9749,7 @@
           </a:ln>
           <a:extLst>
             <a:ext uri="{C572A759-6A51-4108-AA02-DFA0A04FC94B}">
-              <ma14:wrappingTextBoxFlag xmlns:ma14="http://schemas.microsoft.com/office/mac/drawingml/2011/main" xmlns:a14="http://schemas.microsoft.com/office/drawing/2010/main" xmlns:m="http://schemas.openxmlformats.org/officeDocument/2006/math" xmlns="" val="1"/>
+              <ma14:wrappingTextBoxFlag xmlns="" xmlns:m="http://schemas.openxmlformats.org/officeDocument/2006/math" xmlns:a14="http://schemas.microsoft.com/office/drawing/2010/main" xmlns:ma14="http://schemas.microsoft.com/office/mac/drawingml/2011/main" val="1"/>
             </a:ext>
           </a:extLst>
         </p:spPr>
@@ -9785,10 +9785,10 @@
         </p:nvGrpSpPr>
         <p:grpSpPr>
           <a:xfrm>
-            <a:off x="0" y="-144637"/>
-            <a:ext cx="24565708" cy="14071652"/>
+            <a:off x="30001" y="-158261"/>
+            <a:ext cx="24842178" cy="14043612"/>
             <a:chOff x="0" y="0"/>
-            <a:chExt cx="24191971" cy="13618412"/>
+            <a:chExt cx="24464234" cy="13591275"/>
           </a:xfrm>
         </p:grpSpPr>
         <p:grpSp>
@@ -9888,7 +9888,7 @@
                 <a:effectLst/>
                 <a:extLst>
                   <a:ext uri="{C572A759-6A51-4108-AA02-DFA0A04FC94B}">
-                    <ma14:wrappingTextBoxFlag xmlns:ma14="http://schemas.microsoft.com/office/mac/drawingml/2011/main" xmlns:a14="http://schemas.microsoft.com/office/drawing/2010/main" xmlns:m="http://schemas.openxmlformats.org/officeDocument/2006/math" xmlns="" val="1"/>
+                    <ma14:wrappingTextBoxFlag xmlns="" xmlns:m="http://schemas.openxmlformats.org/officeDocument/2006/math" xmlns:a14="http://schemas.microsoft.com/office/drawing/2010/main" xmlns:ma14="http://schemas.microsoft.com/office/mac/drawingml/2011/main" val="1"/>
                   </a:ext>
                 </a:extLst>
               </p:spPr>
@@ -9940,7 +9940,7 @@
               <a:effectLst/>
               <a:extLst>
                 <a:ext uri="{C572A759-6A51-4108-AA02-DFA0A04FC94B}">
-                  <ma14:wrappingTextBoxFlag xmlns:ma14="http://schemas.microsoft.com/office/mac/drawingml/2011/main" xmlns:a14="http://schemas.microsoft.com/office/drawing/2010/main" xmlns:m="http://schemas.openxmlformats.org/officeDocument/2006/math" xmlns="" val="1"/>
+                  <ma14:wrappingTextBoxFlag xmlns="" xmlns:m="http://schemas.openxmlformats.org/officeDocument/2006/math" xmlns:a14="http://schemas.microsoft.com/office/drawing/2010/main" xmlns:ma14="http://schemas.microsoft.com/office/mac/drawingml/2011/main" val="1"/>
                 </a:ext>
               </a:extLst>
             </p:spPr>
@@ -10117,9 +10117,9 @@
           </p:nvGrpSpPr>
           <p:grpSpPr>
             <a:xfrm>
-              <a:off x="6659169" y="44072"/>
+              <a:off x="6624026" y="0"/>
               <a:ext cx="6220626" cy="13530269"/>
-              <a:chOff x="0" y="1"/>
+              <a:chOff x="-35143" y="-44071"/>
               <a:chExt cx="6220624" cy="13530268"/>
             </a:xfrm>
           </p:grpSpPr>
@@ -10131,9 +10131,9 @@
             </p:nvGrpSpPr>
             <p:grpSpPr>
               <a:xfrm>
-                <a:off x="0" y="1"/>
+                <a:off x="-35143" y="-44071"/>
                 <a:ext cx="6220624" cy="13530268"/>
-                <a:chOff x="0" y="1"/>
+                <a:chOff x="-35143" y="-44071"/>
                 <a:chExt cx="6220623" cy="13530267"/>
               </a:xfrm>
             </p:grpSpPr>
@@ -10145,7 +10145,7 @@
               </p:nvSpPr>
               <p:spPr>
                 <a:xfrm>
-                  <a:off x="0" y="1"/>
+                  <a:off x="-35143" y="-44071"/>
                   <a:ext cx="6220623" cy="13530267"/>
                 </a:xfrm>
                 <a:prstGeom prst="rect">
@@ -10206,7 +10206,7 @@
                 <a:effectLst/>
                 <a:extLst>
                   <a:ext uri="{C572A759-6A51-4108-AA02-DFA0A04FC94B}">
-                    <ma14:wrappingTextBoxFlag xmlns:ma14="http://schemas.microsoft.com/office/mac/drawingml/2011/main" xmlns:a14="http://schemas.microsoft.com/office/drawing/2010/main" xmlns:m="http://schemas.openxmlformats.org/officeDocument/2006/math" xmlns="" val="1"/>
+                    <ma14:wrappingTextBoxFlag xmlns="" xmlns:m="http://schemas.openxmlformats.org/officeDocument/2006/math" xmlns:a14="http://schemas.microsoft.com/office/drawing/2010/main" xmlns:ma14="http://schemas.microsoft.com/office/mac/drawingml/2011/main" val="1"/>
                   </a:ext>
                 </a:extLst>
               </p:spPr>
@@ -10258,7 +10258,7 @@
               <a:effectLst/>
               <a:extLst>
                 <a:ext uri="{C572A759-6A51-4108-AA02-DFA0A04FC94B}">
-                  <ma14:wrappingTextBoxFlag xmlns:ma14="http://schemas.microsoft.com/office/mac/drawingml/2011/main" xmlns:a14="http://schemas.microsoft.com/office/drawing/2010/main" xmlns:m="http://schemas.openxmlformats.org/officeDocument/2006/math" xmlns="" val="1"/>
+                  <ma14:wrappingTextBoxFlag xmlns="" xmlns:m="http://schemas.openxmlformats.org/officeDocument/2006/math" xmlns:a14="http://schemas.microsoft.com/office/drawing/2010/main" xmlns:ma14="http://schemas.microsoft.com/office/mac/drawingml/2011/main" val="1"/>
                 </a:ext>
               </a:extLst>
             </p:spPr>
@@ -10415,9 +10415,9 @@
           <p:grpSpPr>
             <a:xfrm>
               <a:off x="12954909" y="0"/>
-              <a:ext cx="11237062" cy="4479616"/>
+              <a:ext cx="11237063" cy="4479617"/>
               <a:chOff x="0" y="0"/>
-              <a:chExt cx="11237060" cy="4479615"/>
+              <a:chExt cx="11237061" cy="4479616"/>
             </a:xfrm>
           </p:grpSpPr>
           <p:grpSp>
@@ -10429,9 +10429,9 @@
             <p:grpSpPr>
               <a:xfrm>
                 <a:off x="0" y="0"/>
-                <a:ext cx="11237060" cy="4479615"/>
+                <a:ext cx="11237061" cy="4479616"/>
                 <a:chOff x="0" y="0"/>
-                <a:chExt cx="11237059" cy="4479614"/>
+                <a:chExt cx="11237060" cy="4479615"/>
               </a:xfrm>
             </p:grpSpPr>
             <p:sp>
@@ -10500,7 +10500,7 @@
                 <a:effectLst/>
                 <a:extLst>
                   <a:ext uri="{C572A759-6A51-4108-AA02-DFA0A04FC94B}">
-                    <ma14:wrappingTextBoxFlag xmlns:ma14="http://schemas.microsoft.com/office/mac/drawingml/2011/main" xmlns:a14="http://schemas.microsoft.com/office/drawing/2010/main" xmlns:m="http://schemas.openxmlformats.org/officeDocument/2006/math" xmlns="" val="1"/>
+                    <ma14:wrappingTextBoxFlag xmlns="" xmlns:m="http://schemas.openxmlformats.org/officeDocument/2006/math" xmlns:a14="http://schemas.microsoft.com/office/drawing/2010/main" xmlns:ma14="http://schemas.microsoft.com/office/mac/drawingml/2011/main" val="1"/>
                   </a:ext>
                 </a:extLst>
               </p:spPr>
@@ -10551,7 +10551,7 @@
               <a:effectLst/>
               <a:extLst>
                 <a:ext uri="{C572A759-6A51-4108-AA02-DFA0A04FC94B}">
-                  <ma14:wrappingTextBoxFlag xmlns:ma14="http://schemas.microsoft.com/office/mac/drawingml/2011/main" xmlns:a14="http://schemas.microsoft.com/office/drawing/2010/main" xmlns:m="http://schemas.openxmlformats.org/officeDocument/2006/math" xmlns="" val="1"/>
+                  <ma14:wrappingTextBoxFlag xmlns="" xmlns:m="http://schemas.openxmlformats.org/officeDocument/2006/math" xmlns:a14="http://schemas.microsoft.com/office/drawing/2010/main" xmlns:ma14="http://schemas.microsoft.com/office/mac/drawingml/2011/main" val="1"/>
                 </a:ext>
               </a:extLst>
             </p:spPr>
@@ -10591,10 +10591,10 @@
           </p:nvGrpSpPr>
           <p:grpSpPr>
             <a:xfrm>
-              <a:off x="12977354" y="4506644"/>
-              <a:ext cx="11192175" cy="5246372"/>
-              <a:chOff x="1" y="0"/>
-              <a:chExt cx="11192174" cy="5246370"/>
+              <a:off x="12954909" y="4533670"/>
+              <a:ext cx="11192175" cy="5813205"/>
+              <a:chOff x="-22444" y="27026"/>
+              <a:chExt cx="11192174" cy="5813203"/>
             </a:xfrm>
           </p:grpSpPr>
           <p:grpSp>
@@ -10605,9 +10605,9 @@
             </p:nvGrpSpPr>
             <p:grpSpPr>
               <a:xfrm>
-                <a:off x="1" y="0"/>
+                <a:off x="-22444" y="27026"/>
                 <a:ext cx="11192174" cy="5246370"/>
-                <a:chOff x="1" y="0"/>
+                <a:chOff x="-22444" y="27026"/>
                 <a:chExt cx="11192173" cy="5246369"/>
               </a:xfrm>
             </p:grpSpPr>
@@ -10619,7 +10619,7 @@
               </p:nvSpPr>
               <p:spPr>
                 <a:xfrm>
-                  <a:off x="1" y="0"/>
+                  <a:off x="-22444" y="27026"/>
                   <a:ext cx="11192173" cy="5246369"/>
                 </a:xfrm>
                 <a:prstGeom prst="rect">
@@ -10663,7 +10663,7 @@
               </p:nvSpPr>
               <p:spPr>
                 <a:xfrm>
-                  <a:off x="129631" y="182414"/>
+                  <a:off x="138098" y="125536"/>
                   <a:ext cx="4432731" cy="660319"/>
                 </a:xfrm>
                 <a:prstGeom prst="rect">
@@ -10677,7 +10677,7 @@
                 <a:effectLst/>
                 <a:extLst>
                   <a:ext uri="{C572A759-6A51-4108-AA02-DFA0A04FC94B}">
-                    <ma14:wrappingTextBoxFlag xmlns:ma14="http://schemas.microsoft.com/office/mac/drawingml/2011/main" xmlns:a14="http://schemas.microsoft.com/office/drawing/2010/main" xmlns:m="http://schemas.openxmlformats.org/officeDocument/2006/math" xmlns="" val="1"/>
+                    <ma14:wrappingTextBoxFlag xmlns="" xmlns:m="http://schemas.openxmlformats.org/officeDocument/2006/math" xmlns:a14="http://schemas.microsoft.com/office/drawing/2010/main" xmlns:ma14="http://schemas.microsoft.com/office/mac/drawingml/2011/main" val="1"/>
                   </a:ext>
                 </a:extLst>
               </p:spPr>
@@ -10700,6 +10700,7 @@
                 </a:lstStyle>
                 <a:p>
                   <a:r>
+                    <a:rPr dirty="0"/>
                     <a:t>Essential Question</a:t>
                   </a:r>
                 </a:p>
@@ -10714,8 +10715,8 @@
             </p:nvSpPr>
             <p:spPr>
               <a:xfrm>
-                <a:off x="198070" y="589961"/>
-                <a:ext cx="9970221" cy="3745055"/>
+                <a:off x="138098" y="710111"/>
+                <a:ext cx="9970221" cy="5130118"/>
               </a:xfrm>
               <a:prstGeom prst="rect">
                 <a:avLst/>
@@ -10728,7 +10729,7 @@
               <a:effectLst/>
               <a:extLst>
                 <a:ext uri="{C572A759-6A51-4108-AA02-DFA0A04FC94B}">
-                  <ma14:wrappingTextBoxFlag xmlns:ma14="http://schemas.microsoft.com/office/mac/drawingml/2011/main" xmlns:a14="http://schemas.microsoft.com/office/drawing/2010/main" xmlns:m="http://schemas.openxmlformats.org/officeDocument/2006/math" xmlns="" val="1"/>
+                  <ma14:wrappingTextBoxFlag xmlns="" xmlns:m="http://schemas.openxmlformats.org/officeDocument/2006/math" xmlns:a14="http://schemas.microsoft.com/office/drawing/2010/main" xmlns:ma14="http://schemas.microsoft.com/office/mac/drawingml/2011/main" val="1"/>
                 </a:ext>
               </a:extLst>
             </p:spPr>
@@ -10766,7 +10767,56 @@
                 </a:pPr>
                 <a:r>
                   <a:rPr lang="pt-BR" dirty="0" smtClean="0"/>
-                  <a:t>Como abordadremos a escalabilidade do aplicativo</a:t>
+                  <a:t>Como abordadremos a escalabilidade do </a:t>
+                </a:r>
+                <a:r>
+                  <a:rPr lang="pt-BR" dirty="0" smtClean="0"/>
+                  <a:t>aplicativo?</a:t>
+                </a:r>
+                <a:endParaRPr lang="pt-BR" dirty="0" smtClean="0"/>
+              </a:p>
+              <a:p>
+                <a:pPr marL="514350" indent="-514350">
+                  <a:buFont typeface="+mj-lt"/>
+                  <a:buAutoNum type="arabicPeriod"/>
+                </a:pPr>
+                <a:r>
+                  <a:rPr lang="pt-BR" dirty="0" smtClean="0"/>
+                  <a:t>Como garantiremps uma experiência de usuário </a:t>
+                </a:r>
+                <a:r>
+                  <a:rPr lang="pt-BR" dirty="0" smtClean="0"/>
+                  <a:t>satisfatória?</a:t>
+                </a:r>
+                <a:endParaRPr lang="pt-BR" dirty="0" smtClean="0"/>
+              </a:p>
+              <a:p>
+                <a:pPr marL="514350" indent="-514350">
+                  <a:buFont typeface="+mj-lt"/>
+                  <a:buAutoNum type="arabicPeriod"/>
+                </a:pPr>
+                <a:r>
+                  <a:rPr lang="pt-BR" dirty="0" smtClean="0"/>
+                  <a:t>Como eduacar o usuário a guardar mais </a:t>
+                </a:r>
+                <a:r>
+                  <a:rPr lang="pt-BR" dirty="0" smtClean="0"/>
+                  <a:t>dinheiro?</a:t>
+                </a:r>
+                <a:endParaRPr lang="pt-BR" dirty="0" smtClean="0"/>
+              </a:p>
+              <a:p>
+                <a:pPr marL="514350" indent="-514350">
+                  <a:buFont typeface="+mj-lt"/>
+                  <a:buAutoNum type="arabicPeriod"/>
+                </a:pPr>
+                <a:r>
+                  <a:rPr lang="pt-BR" dirty="0" smtClean="0"/>
+                  <a:t>Qual a estrategia para novas </a:t>
+                </a:r>
+                <a:r>
+                  <a:rPr lang="pt-BR" dirty="0" smtClean="0"/>
+                  <a:t>funcionalidades?</a:t>
                 </a:r>
               </a:p>
               <a:p>
@@ -10775,29 +10825,16 @@
                   <a:buAutoNum type="arabicPeriod"/>
                 </a:pPr>
                 <a:r>
-                  <a:rPr lang="pt-BR" dirty="0" smtClean="0"/>
-                  <a:t>Como garantiremps uma experiência de usuário satisfatória</a:t>
+                  <a:rPr lang="pt-BR" dirty="0"/>
+                  <a:t>Como lidaremos com o gerenciamento e a análise de grandes volumes de dados financeiros?</a:t>
                 </a:r>
+                <a:endParaRPr lang="pt-BR" dirty="0" smtClean="0"/>
               </a:p>
               <a:p>
                 <a:pPr marL="514350" indent="-514350">
                   <a:buFont typeface="+mj-lt"/>
                   <a:buAutoNum type="arabicPeriod"/>
                 </a:pPr>
-                <a:r>
-                  <a:rPr lang="pt-BR" dirty="0" smtClean="0"/>
-                  <a:t>Como eduacar o usuário a guardar mais dinheiro</a:t>
-                </a:r>
-              </a:p>
-              <a:p>
-                <a:pPr marL="514350" indent="-514350">
-                  <a:buFont typeface="+mj-lt"/>
-                  <a:buAutoNum type="arabicPeriod"/>
-                </a:pPr>
-                <a:r>
-                  <a:rPr lang="pt-BR" smtClean="0"/>
-                  <a:t>Qual a estrategia para novas funcionalidades</a:t>
-                </a:r>
                 <a:endParaRPr lang="pt-BR" dirty="0" smtClean="0"/>
               </a:p>
               <a:p>
@@ -10821,10 +10858,10 @@
           </p:nvGrpSpPr>
           <p:grpSpPr>
             <a:xfrm>
-              <a:off x="12985819" y="9780042"/>
-              <a:ext cx="11175240" cy="3838370"/>
-              <a:chOff x="0" y="0"/>
-              <a:chExt cx="11175239" cy="3838368"/>
+              <a:off x="12985818" y="9166917"/>
+              <a:ext cx="11478416" cy="4387578"/>
+              <a:chOff x="-1" y="-613124"/>
+              <a:chExt cx="11478415" cy="4387575"/>
             </a:xfrm>
           </p:grpSpPr>
           <p:grpSp>
@@ -10835,10 +10872,10 @@
             </p:nvGrpSpPr>
             <p:grpSpPr>
               <a:xfrm>
-                <a:off x="0" y="0"/>
-                <a:ext cx="11175240" cy="3838369"/>
-                <a:chOff x="0" y="0"/>
-                <a:chExt cx="11175239" cy="3838368"/>
+                <a:off x="-1" y="-613124"/>
+                <a:ext cx="11175241" cy="4387575"/>
+                <a:chOff x="-1" y="-613124"/>
+                <a:chExt cx="11175240" cy="4387574"/>
               </a:xfrm>
             </p:grpSpPr>
             <p:sp>
@@ -10849,7 +10886,7 @@
               </p:nvSpPr>
               <p:spPr>
                 <a:xfrm>
-                  <a:off x="0" y="0"/>
+                  <a:off x="-1" y="-63919"/>
                   <a:ext cx="11175240" cy="3838369"/>
                 </a:xfrm>
                 <a:prstGeom prst="rect">
@@ -10893,7 +10930,7 @@
               </p:nvSpPr>
               <p:spPr>
                 <a:xfrm>
-                  <a:off x="129632" y="152400"/>
+                  <a:off x="185011" y="-613124"/>
                   <a:ext cx="2408859" cy="660319"/>
                 </a:xfrm>
                 <a:prstGeom prst="rect">
@@ -10907,7 +10944,7 @@
                 <a:effectLst/>
                 <a:extLst>
                   <a:ext uri="{C572A759-6A51-4108-AA02-DFA0A04FC94B}">
-                    <ma14:wrappingTextBoxFlag xmlns:ma14="http://schemas.microsoft.com/office/mac/drawingml/2011/main" xmlns:a14="http://schemas.microsoft.com/office/drawing/2010/main" xmlns:m="http://schemas.openxmlformats.org/officeDocument/2006/math" xmlns="" val="1"/>
+                    <ma14:wrappingTextBoxFlag xmlns="" xmlns:m="http://schemas.openxmlformats.org/officeDocument/2006/math" xmlns:a14="http://schemas.microsoft.com/office/drawing/2010/main" xmlns:ma14="http://schemas.microsoft.com/office/mac/drawingml/2011/main" val="1"/>
                   </a:ext>
                 </a:extLst>
               </p:spPr>
@@ -10930,6 +10967,7 @@
                 </a:lstStyle>
                 <a:p>
                   <a:r>
+                    <a:rPr dirty="0"/>
                     <a:t>Challenge</a:t>
                   </a:r>
                 </a:p>
@@ -10944,8 +10982,8 @@
             </p:nvSpPr>
             <p:spPr>
               <a:xfrm>
-                <a:off x="310639" y="1619756"/>
-                <a:ext cx="9970222" cy="598855"/>
+                <a:off x="530090" y="213584"/>
+                <a:ext cx="10948324" cy="3283366"/>
               </a:xfrm>
               <a:prstGeom prst="rect">
                 <a:avLst/>
@@ -10958,7 +10996,7 @@
               <a:effectLst/>
               <a:extLst>
                 <a:ext uri="{C572A759-6A51-4108-AA02-DFA0A04FC94B}">
-                  <ma14:wrappingTextBoxFlag xmlns:ma14="http://schemas.microsoft.com/office/mac/drawingml/2011/main" xmlns:a14="http://schemas.microsoft.com/office/drawing/2010/main" xmlns:m="http://schemas.openxmlformats.org/officeDocument/2006/math" xmlns="" val="1"/>
+                  <ma14:wrappingTextBoxFlag xmlns="" xmlns:m="http://schemas.openxmlformats.org/officeDocument/2006/math" xmlns:a14="http://schemas.microsoft.com/office/drawing/2010/main" xmlns:ma14="http://schemas.microsoft.com/office/mac/drawingml/2011/main" val="1"/>
                 </a:ext>
               </a:extLst>
             </p:spPr>
@@ -10981,8 +11019,69 @@
               </a:lstStyle>
               <a:p>
                 <a:r>
-                  <a:t>[a preencher]</a:t>
+                  <a:rPr lang="pt-BR" dirty="0" smtClean="0"/>
+                  <a:t>-Desenvolver </a:t>
                 </a:r>
+                <a:r>
+                  <a:rPr lang="pt-BR" dirty="0"/>
+                  <a:t>um sistema seguro e eficiente para integrar dados bancários dos </a:t>
+                </a:r>
+                <a:r>
+                  <a:rPr lang="pt-BR" dirty="0" smtClean="0"/>
+                  <a:t>usuários</a:t>
+                </a:r>
+                <a:endParaRPr lang="pt-BR" dirty="0"/>
+              </a:p>
+              <a:p>
+                <a:r>
+                  <a:rPr lang="pt-BR" dirty="0"/>
+                  <a:t>-Garantia de Segurança dos Dados do Usuário</a:t>
+                </a:r>
+                <a:r>
+                  <a:rPr lang="pt-BR" dirty="0"/>
+                  <a:t/>
+                </a:r>
+                <a:br>
+                  <a:rPr lang="pt-BR" dirty="0"/>
+                </a:br>
+                <a:r>
+                  <a:rPr lang="pt-BR" dirty="0"/>
+                  <a:t>-Escalabilidade do Aplicativo</a:t>
+                </a:r>
+                <a:r>
+                  <a:rPr lang="pt-BR" dirty="0"/>
+                  <a:t/>
+                </a:r>
+                <a:br>
+                  <a:rPr lang="pt-BR" dirty="0"/>
+                </a:br>
+                <a:r>
+                  <a:rPr lang="pt-BR" dirty="0"/>
+                  <a:t>- Experiência de Usuário Satisfatória</a:t>
+                </a:r>
+                <a:r>
+                  <a:rPr lang="pt-BR" dirty="0"/>
+                  <a:t/>
+                </a:r>
+                <a:br>
+                  <a:rPr lang="pt-BR" dirty="0"/>
+                </a:br>
+                <a:r>
+                  <a:rPr lang="pt-BR" dirty="0"/>
+                  <a:t>-Educação Financeira dos Usuários</a:t>
+                </a:r>
+                <a:r>
+                  <a:rPr lang="pt-BR" dirty="0"/>
+                  <a:t/>
+                </a:r>
+                <a:br>
+                  <a:rPr lang="pt-BR" dirty="0"/>
+                </a:br>
+                <a:r>
+                  <a:rPr lang="pt-BR" dirty="0"/>
+                  <a:t>-Estratégia para Novas Funcionalidades</a:t>
+                </a:r>
+                <a:endParaRPr dirty="0"/>
               </a:p>
             </p:txBody>
           </p:sp>
@@ -11029,10 +11128,10 @@
         </p:nvGrpSpPr>
         <p:grpSpPr>
           <a:xfrm>
-            <a:off x="0" y="0"/>
-            <a:ext cx="15339528" cy="13716001"/>
-            <a:chOff x="2542" y="0"/>
-            <a:chExt cx="15339527" cy="13715999"/>
+            <a:off x="-17114" y="0"/>
+            <a:ext cx="15356642" cy="13716001"/>
+            <a:chOff x="-14572" y="0"/>
+            <a:chExt cx="15356641" cy="13715999"/>
           </a:xfrm>
         </p:grpSpPr>
         <p:grpSp>
@@ -11043,10 +11142,10 @@
           </p:nvGrpSpPr>
           <p:grpSpPr>
             <a:xfrm>
-              <a:off x="2542" y="13512"/>
-              <a:ext cx="11463096" cy="13702483"/>
-              <a:chOff x="0" y="-1"/>
-              <a:chExt cx="11463095" cy="13702480"/>
+              <a:off x="-14572" y="13515"/>
+              <a:ext cx="10692882" cy="13702483"/>
+              <a:chOff x="-17114" y="2"/>
+              <a:chExt cx="10692881" cy="13702480"/>
             </a:xfrm>
           </p:grpSpPr>
           <p:grpSp>
@@ -11057,9 +11156,9 @@
             </p:nvGrpSpPr>
             <p:grpSpPr>
               <a:xfrm>
-                <a:off x="0" y="-1"/>
+                <a:off x="-17113" y="2"/>
                 <a:ext cx="10692880" cy="13702480"/>
-                <a:chOff x="0" y="-1"/>
+                <a:chOff x="-17113" y="2"/>
                 <a:chExt cx="10692878" cy="13702477"/>
               </a:xfrm>
             </p:grpSpPr>
@@ -11071,7 +11170,7 @@
               </p:nvSpPr>
               <p:spPr>
                 <a:xfrm>
-                  <a:off x="0" y="-1"/>
+                  <a:off x="-17113" y="2"/>
                   <a:ext cx="10692878" cy="13702477"/>
                 </a:xfrm>
                 <a:prstGeom prst="rect">
@@ -11129,7 +11228,7 @@
                 <a:effectLst/>
                 <a:extLst>
                   <a:ext uri="{C572A759-6A51-4108-AA02-DFA0A04FC94B}">
-                    <ma14:wrappingTextBoxFlag xmlns:ma14="http://schemas.microsoft.com/office/mac/drawingml/2011/main" xmlns:a14="http://schemas.microsoft.com/office/drawing/2010/main" xmlns:m="http://schemas.openxmlformats.org/officeDocument/2006/math" xmlns="" val="1"/>
+                    <ma14:wrappingTextBoxFlag xmlns="" xmlns:m="http://schemas.openxmlformats.org/officeDocument/2006/math" xmlns:a14="http://schemas.microsoft.com/office/drawing/2010/main" xmlns:ma14="http://schemas.microsoft.com/office/mac/drawingml/2011/main" val="1"/>
                   </a:ext>
                 </a:extLst>
               </p:spPr>
@@ -11168,8 +11267,8 @@
             </p:nvSpPr>
             <p:spPr>
               <a:xfrm>
-                <a:off x="213462" y="1270329"/>
-                <a:ext cx="11249633" cy="598855"/>
+                <a:off x="-17114" y="1092753"/>
+                <a:ext cx="10692881" cy="12595157"/>
               </a:xfrm>
               <a:prstGeom prst="rect">
                 <a:avLst/>
@@ -11182,7 +11281,7 @@
               <a:effectLst/>
               <a:extLst>
                 <a:ext uri="{C572A759-6A51-4108-AA02-DFA0A04FC94B}">
-                  <ma14:wrappingTextBoxFlag xmlns:ma14="http://schemas.microsoft.com/office/mac/drawingml/2011/main" xmlns:a14="http://schemas.microsoft.com/office/drawing/2010/main" xmlns:m="http://schemas.openxmlformats.org/officeDocument/2006/math" xmlns="" val="1"/>
+                  <ma14:wrappingTextBoxFlag xmlns="" xmlns:m="http://schemas.openxmlformats.org/officeDocument/2006/math" xmlns:a14="http://schemas.microsoft.com/office/drawing/2010/main" xmlns:ma14="http://schemas.microsoft.com/office/mac/drawingml/2011/main" val="1"/>
                 </a:ext>
               </a:extLst>
             </p:spPr>
@@ -11208,11 +11307,188 @@
                 </a:lvl1pPr>
               </a:lstStyle>
               <a:p>
+                <a:pPr marL="514350" indent="-514350">
+                  <a:buFont typeface="+mj-lt"/>
+                  <a:buAutoNum type="arabicPeriod"/>
+                </a:pPr>
                 <a:r>
-                  <a:rPr lang="pt-BR" dirty="0"/>
-                  <a:t>[a preencher]</a:t>
+                  <a:rPr lang="pt-BR" sz="2800" dirty="0"/>
+                  <a:t>Quais são os requisitos de segurança específicos que devem ser atendidos para proteger os dados bancários dos usuários</a:t>
                 </a:r>
-                <a:endParaRPr dirty="0"/>
+                <a:r>
+                  <a:rPr lang="pt-BR" sz="2800" dirty="0" smtClean="0"/>
+                  <a:t>?</a:t>
+                </a:r>
+              </a:p>
+              <a:p>
+                <a:pPr marL="514350" indent="-514350">
+                  <a:buFont typeface="+mj-lt"/>
+                  <a:buAutoNum type="arabicPeriod"/>
+                </a:pPr>
+                <a:r>
+                  <a:rPr lang="pt-BR" sz="2800" dirty="0" smtClean="0"/>
+                  <a:t>Como </a:t>
+                </a:r>
+                <a:r>
+                  <a:rPr lang="pt-BR" sz="2800" dirty="0"/>
+                  <a:t>garantiremos a criptografia adequada dos dados bancários durante a transmissão e armazenamento</a:t>
+                </a:r>
+                <a:r>
+                  <a:rPr lang="pt-BR" sz="2800" dirty="0" smtClean="0"/>
+                  <a:t>?</a:t>
+                </a:r>
+              </a:p>
+              <a:p>
+                <a:pPr marL="514350" indent="-514350">
+                  <a:buFont typeface="+mj-lt"/>
+                  <a:buAutoNum type="arabicPeriod"/>
+                </a:pPr>
+                <a:endParaRPr lang="pt-BR" sz="2800" dirty="0"/>
+              </a:p>
+              <a:p>
+                <a:pPr marL="514350" indent="-514350">
+                  <a:buFont typeface="+mj-lt"/>
+                  <a:buAutoNum type="arabicPeriod"/>
+                </a:pPr>
+                <a:r>
+                  <a:rPr lang="pt-BR" sz="2800" dirty="0" smtClean="0"/>
+                  <a:t>Quais </a:t>
+                </a:r>
+                <a:r>
+                  <a:rPr lang="pt-BR" sz="2800" dirty="0"/>
+                  <a:t>métodos de autenticação e autorização serão usados para garantir que apenas usuários autorizados acessem os dados bancários</a:t>
+                </a:r>
+                <a:r>
+                  <a:rPr lang="pt-BR" sz="2800" dirty="0" smtClean="0"/>
+                  <a:t>?</a:t>
+                </a:r>
+              </a:p>
+              <a:p>
+                <a:pPr marL="514350" indent="-514350">
+                  <a:buFont typeface="+mj-lt"/>
+                  <a:buAutoNum type="arabicPeriod"/>
+                </a:pPr>
+                <a:endParaRPr lang="pt-BR" sz="2800" dirty="0" smtClean="0"/>
+              </a:p>
+              <a:p>
+                <a:pPr marL="514350" indent="-514350">
+                  <a:buFont typeface="+mj-lt"/>
+                  <a:buAutoNum type="arabicPeriod"/>
+                </a:pPr>
+                <a:r>
+                  <a:rPr lang="pt-BR" sz="2800" dirty="0"/>
+                  <a:t>Como vamos gerenciar e proteger as credenciais de acesso às APIs bancárias</a:t>
+                </a:r>
+                <a:r>
+                  <a:rPr lang="pt-BR" sz="2800" dirty="0" smtClean="0"/>
+                  <a:t>?</a:t>
+                </a:r>
+              </a:p>
+              <a:p>
+                <a:pPr marL="514350" indent="-514350">
+                  <a:buFont typeface="+mj-lt"/>
+                  <a:buAutoNum type="arabicPeriod"/>
+                </a:pPr>
+                <a:endParaRPr lang="pt-BR" sz="2800" dirty="0"/>
+              </a:p>
+              <a:p>
+                <a:pPr marL="514350" indent="-514350">
+                  <a:buFont typeface="+mj-lt"/>
+                  <a:buAutoNum type="arabicPeriod"/>
+                </a:pPr>
+                <a:r>
+                  <a:rPr lang="pt-BR" sz="2800" dirty="0" smtClean="0"/>
+                  <a:t>Quais </a:t>
+                </a:r>
+                <a:r>
+                  <a:rPr lang="pt-BR" sz="2800" dirty="0"/>
+                  <a:t>são os procedimentos para lidar com uma violação de dados e como garantiremos a resposta rápida e eficaz a incidentes de segurança</a:t>
+                </a:r>
+                <a:r>
+                  <a:rPr lang="pt-BR" sz="2800" dirty="0" smtClean="0"/>
+                  <a:t>?</a:t>
+                </a:r>
+              </a:p>
+              <a:p>
+                <a:pPr marL="514350" indent="-514350">
+                  <a:buFont typeface="+mj-lt"/>
+                  <a:buAutoNum type="arabicPeriod"/>
+                </a:pPr>
+                <a:endParaRPr lang="pt-BR" sz="2800" dirty="0" smtClean="0"/>
+              </a:p>
+              <a:p>
+                <a:pPr marL="514350" indent="-514350">
+                  <a:buFont typeface="+mj-lt"/>
+                  <a:buAutoNum type="arabicPeriod"/>
+                </a:pPr>
+                <a:r>
+                  <a:rPr lang="pt-BR" sz="2800" dirty="0" smtClean="0"/>
+                  <a:t>Como </a:t>
+                </a:r>
+                <a:r>
+                  <a:rPr lang="pt-BR" sz="2800" dirty="0"/>
+                  <a:t>vamos garantir a precisão e a integridade dos dados ao integrar diferentes fontes bancárias</a:t>
+                </a:r>
+                <a:r>
+                  <a:rPr lang="pt-BR" sz="2800" dirty="0" smtClean="0"/>
+                  <a:t>?</a:t>
+                </a:r>
+              </a:p>
+              <a:p>
+                <a:pPr marL="514350" indent="-514350">
+                  <a:buFont typeface="+mj-lt"/>
+                  <a:buAutoNum type="arabicPeriod"/>
+                </a:pPr>
+                <a:endParaRPr lang="pt-BR" sz="2800" dirty="0"/>
+              </a:p>
+              <a:p>
+                <a:pPr marL="514350" indent="-514350">
+                  <a:buFont typeface="+mj-lt"/>
+                  <a:buAutoNum type="arabicPeriod"/>
+                </a:pPr>
+                <a:r>
+                  <a:rPr lang="pt-BR" sz="2800" dirty="0" smtClean="0"/>
+                  <a:t>Quais </a:t>
+                </a:r>
+                <a:r>
+                  <a:rPr lang="pt-BR" sz="2800" dirty="0"/>
+                  <a:t>técnicas serão usadas para garantir que a integração com múltiplas instituições financeiras não afete a performance do aplicativo</a:t>
+                </a:r>
+                <a:r>
+                  <a:rPr lang="pt-BR" sz="2800" dirty="0" smtClean="0"/>
+                  <a:t>?</a:t>
+                </a:r>
+              </a:p>
+              <a:p>
+                <a:pPr marL="514350" indent="-514350">
+                  <a:buFont typeface="+mj-lt"/>
+                  <a:buAutoNum type="arabicPeriod"/>
+                </a:pPr>
+                <a:endParaRPr lang="pt-BR" sz="2800" dirty="0" smtClean="0"/>
+              </a:p>
+              <a:p>
+                <a:pPr marL="514350" indent="-514350">
+                  <a:buFont typeface="+mj-lt"/>
+                  <a:buAutoNum type="arabicPeriod"/>
+                </a:pPr>
+                <a:endParaRPr lang="pt-BR" sz="2800" dirty="0"/>
+              </a:p>
+              <a:p>
+                <a:pPr marL="514350" indent="-514350">
+                  <a:buFont typeface="+mj-lt"/>
+                  <a:buAutoNum type="arabicPeriod"/>
+                </a:pPr>
+                <a:r>
+                  <a:rPr lang="pt-BR" sz="2800" dirty="0"/>
+                  <a:t>Como vamos educar os usuários sobre as medidas de segurança que estão sendo implementadas para proteger seus dados bancários</a:t>
+                </a:r>
+                <a:r>
+                  <a:rPr lang="pt-BR" sz="2800" dirty="0" smtClean="0"/>
+                  <a:t>?</a:t>
+                </a:r>
+              </a:p>
+              <a:p>
+                <a:endParaRPr lang="pt-BR" dirty="0"/>
               </a:p>
             </p:txBody>
           </p:sp>
@@ -11311,7 +11587,7 @@
                 <a:effectLst/>
                 <a:extLst>
                   <a:ext uri="{C572A759-6A51-4108-AA02-DFA0A04FC94B}">
-                    <ma14:wrappingTextBoxFlag xmlns:ma14="http://schemas.microsoft.com/office/mac/drawingml/2011/main" xmlns:a14="http://schemas.microsoft.com/office/drawing/2010/main" xmlns:m="http://schemas.openxmlformats.org/officeDocument/2006/math" xmlns="" val="1"/>
+                    <ma14:wrappingTextBoxFlag xmlns="" xmlns:m="http://schemas.openxmlformats.org/officeDocument/2006/math" xmlns:a14="http://schemas.microsoft.com/office/drawing/2010/main" xmlns:ma14="http://schemas.microsoft.com/office/mac/drawingml/2011/main" val="1"/>
                   </a:ext>
                 </a:extLst>
               </p:spPr>
@@ -11364,7 +11640,7 @@
               <a:effectLst/>
               <a:extLst>
                 <a:ext uri="{C572A759-6A51-4108-AA02-DFA0A04FC94B}">
-                  <ma14:wrappingTextBoxFlag xmlns:ma14="http://schemas.microsoft.com/office/mac/drawingml/2011/main" xmlns:a14="http://schemas.microsoft.com/office/drawing/2010/main" xmlns:m="http://schemas.openxmlformats.org/officeDocument/2006/math" xmlns="" val="1"/>
+                  <ma14:wrappingTextBoxFlag xmlns="" xmlns:m="http://schemas.openxmlformats.org/officeDocument/2006/math" xmlns:a14="http://schemas.microsoft.com/office/drawing/2010/main" xmlns:ma14="http://schemas.microsoft.com/office/mac/drawingml/2011/main" val="1"/>
                 </a:ext>
               </a:extLst>
             </p:spPr>
@@ -11508,7 +11784,7 @@
           <a:effectLst/>
           <a:extLst>
             <a:ext uri="{C572A759-6A51-4108-AA02-DFA0A04FC94B}">
-              <ma14:wrappingTextBoxFlag xmlns:ma14="http://schemas.microsoft.com/office/mac/drawingml/2011/main" xmlns:a14="http://schemas.microsoft.com/office/drawing/2010/main" xmlns:m="http://schemas.openxmlformats.org/officeDocument/2006/math" xmlns="" val="1"/>
+              <ma14:wrappingTextBoxFlag xmlns="" xmlns:m="http://schemas.openxmlformats.org/officeDocument/2006/math" xmlns:a14="http://schemas.microsoft.com/office/drawing/2010/main" xmlns:ma14="http://schemas.microsoft.com/office/mac/drawingml/2011/main" val="1"/>
             </a:ext>
           </a:extLst>
         </p:spPr>
@@ -11560,7 +11836,7 @@
           <a:effectLst/>
           <a:extLst>
             <a:ext uri="{C572A759-6A51-4108-AA02-DFA0A04FC94B}">
-              <ma14:wrappingTextBoxFlag xmlns:ma14="http://schemas.microsoft.com/office/mac/drawingml/2011/main" xmlns:a14="http://schemas.microsoft.com/office/drawing/2010/main" xmlns:m="http://schemas.openxmlformats.org/officeDocument/2006/math" xmlns="" val="1"/>
+              <ma14:wrappingTextBoxFlag xmlns="" xmlns:m="http://schemas.openxmlformats.org/officeDocument/2006/math" xmlns:a14="http://schemas.microsoft.com/office/drawing/2010/main" xmlns:ma14="http://schemas.microsoft.com/office/mac/drawingml/2011/main" val="1"/>
             </a:ext>
           </a:extLst>
         </p:spPr>
@@ -11614,7 +11890,7 @@
           <a:effectLst/>
           <a:extLst>
             <a:ext uri="{C572A759-6A51-4108-AA02-DFA0A04FC94B}">
-              <ma14:wrappingTextBoxFlag xmlns:ma14="http://schemas.microsoft.com/office/mac/drawingml/2011/main" xmlns:a14="http://schemas.microsoft.com/office/drawing/2010/main" xmlns:m="http://schemas.openxmlformats.org/officeDocument/2006/math" xmlns="" val="1"/>
+              <ma14:wrappingTextBoxFlag xmlns="" xmlns:m="http://schemas.openxmlformats.org/officeDocument/2006/math" xmlns:a14="http://schemas.microsoft.com/office/drawing/2010/main" xmlns:ma14="http://schemas.microsoft.com/office/mac/drawingml/2011/main" val="1"/>
             </a:ext>
           </a:extLst>
         </p:spPr>
@@ -11666,7 +11942,7 @@
           <a:effectLst/>
           <a:extLst>
             <a:ext uri="{C572A759-6A51-4108-AA02-DFA0A04FC94B}">
-              <ma14:wrappingTextBoxFlag xmlns:ma14="http://schemas.microsoft.com/office/mac/drawingml/2011/main" xmlns:a14="http://schemas.microsoft.com/office/drawing/2010/main" xmlns:m="http://schemas.openxmlformats.org/officeDocument/2006/math" xmlns="" val="1"/>
+              <ma14:wrappingTextBoxFlag xmlns="" xmlns:m="http://schemas.openxmlformats.org/officeDocument/2006/math" xmlns:a14="http://schemas.microsoft.com/office/drawing/2010/main" xmlns:ma14="http://schemas.microsoft.com/office/mac/drawingml/2011/main" val="1"/>
             </a:ext>
           </a:extLst>
         </p:spPr>
@@ -11839,7 +12115,7 @@
                 <a:effectLst/>
                 <a:extLst>
                   <a:ext uri="{C572A759-6A51-4108-AA02-DFA0A04FC94B}">
-                    <ma14:wrappingTextBoxFlag xmlns:ma14="http://schemas.microsoft.com/office/mac/drawingml/2011/main" xmlns:a14="http://schemas.microsoft.com/office/drawing/2010/main" xmlns:m="http://schemas.openxmlformats.org/officeDocument/2006/math" xmlns="" val="1"/>
+                    <ma14:wrappingTextBoxFlag xmlns="" xmlns:m="http://schemas.openxmlformats.org/officeDocument/2006/math" xmlns:a14="http://schemas.microsoft.com/office/drawing/2010/main" xmlns:ma14="http://schemas.microsoft.com/office/mac/drawingml/2011/main" val="1"/>
                   </a:ext>
                 </a:extLst>
               </p:spPr>
@@ -11892,7 +12168,7 @@
               <a:effectLst/>
               <a:extLst>
                 <a:ext uri="{C572A759-6A51-4108-AA02-DFA0A04FC94B}">
-                  <ma14:wrappingTextBoxFlag xmlns:ma14="http://schemas.microsoft.com/office/mac/drawingml/2011/main" xmlns:a14="http://schemas.microsoft.com/office/drawing/2010/main" xmlns:m="http://schemas.openxmlformats.org/officeDocument/2006/math" xmlns="" val="1"/>
+                  <ma14:wrappingTextBoxFlag xmlns="" xmlns:m="http://schemas.openxmlformats.org/officeDocument/2006/math" xmlns:a14="http://schemas.microsoft.com/office/drawing/2010/main" xmlns:ma14="http://schemas.microsoft.com/office/mac/drawingml/2011/main" val="1"/>
                 </a:ext>
               </a:extLst>
             </p:spPr>
@@ -12021,7 +12297,7 @@
                 <a:effectLst/>
                 <a:extLst>
                   <a:ext uri="{C572A759-6A51-4108-AA02-DFA0A04FC94B}">
-                    <ma14:wrappingTextBoxFlag xmlns:ma14="http://schemas.microsoft.com/office/mac/drawingml/2011/main" xmlns:a14="http://schemas.microsoft.com/office/drawing/2010/main" xmlns:m="http://schemas.openxmlformats.org/officeDocument/2006/math" xmlns="" val="1"/>
+                    <ma14:wrappingTextBoxFlag xmlns="" xmlns:m="http://schemas.openxmlformats.org/officeDocument/2006/math" xmlns:a14="http://schemas.microsoft.com/office/drawing/2010/main" xmlns:ma14="http://schemas.microsoft.com/office/mac/drawingml/2011/main" val="1"/>
                   </a:ext>
                 </a:extLst>
               </p:spPr>
@@ -12074,7 +12350,7 @@
               <a:effectLst/>
               <a:extLst>
                 <a:ext uri="{C572A759-6A51-4108-AA02-DFA0A04FC94B}">
-                  <ma14:wrappingTextBoxFlag xmlns:ma14="http://schemas.microsoft.com/office/mac/drawingml/2011/main" xmlns:a14="http://schemas.microsoft.com/office/drawing/2010/main" xmlns:m="http://schemas.openxmlformats.org/officeDocument/2006/math" xmlns="" val="1"/>
+                  <ma14:wrappingTextBoxFlag xmlns="" xmlns:m="http://schemas.openxmlformats.org/officeDocument/2006/math" xmlns:a14="http://schemas.microsoft.com/office/drawing/2010/main" xmlns:ma14="http://schemas.microsoft.com/office/mac/drawingml/2011/main" val="1"/>
                 </a:ext>
               </a:extLst>
             </p:spPr>
@@ -12218,7 +12494,7 @@
           <a:effectLst/>
           <a:extLst>
             <a:ext uri="{C572A759-6A51-4108-AA02-DFA0A04FC94B}">
-              <ma14:wrappingTextBoxFlag xmlns:ma14="http://schemas.microsoft.com/office/mac/drawingml/2011/main" xmlns:a14="http://schemas.microsoft.com/office/drawing/2010/main" xmlns:m="http://schemas.openxmlformats.org/officeDocument/2006/math" xmlns="" val="1"/>
+              <ma14:wrappingTextBoxFlag xmlns="" xmlns:m="http://schemas.openxmlformats.org/officeDocument/2006/math" xmlns:a14="http://schemas.microsoft.com/office/drawing/2010/main" xmlns:ma14="http://schemas.microsoft.com/office/mac/drawingml/2011/main" val="1"/>
             </a:ext>
           </a:extLst>
         </p:spPr>
@@ -12270,7 +12546,7 @@
           <a:effectLst/>
           <a:extLst>
             <a:ext uri="{C572A759-6A51-4108-AA02-DFA0A04FC94B}">
-              <ma14:wrappingTextBoxFlag xmlns:ma14="http://schemas.microsoft.com/office/mac/drawingml/2011/main" xmlns:a14="http://schemas.microsoft.com/office/drawing/2010/main" xmlns:m="http://schemas.openxmlformats.org/officeDocument/2006/math" xmlns="" val="1"/>
+              <ma14:wrappingTextBoxFlag xmlns="" xmlns:m="http://schemas.openxmlformats.org/officeDocument/2006/math" xmlns:a14="http://schemas.microsoft.com/office/drawing/2010/main" xmlns:ma14="http://schemas.microsoft.com/office/mac/drawingml/2011/main" val="1"/>
             </a:ext>
           </a:extLst>
         </p:spPr>
@@ -12324,7 +12600,7 @@
           <a:effectLst/>
           <a:extLst>
             <a:ext uri="{C572A759-6A51-4108-AA02-DFA0A04FC94B}">
-              <ma14:wrappingTextBoxFlag xmlns:ma14="http://schemas.microsoft.com/office/mac/drawingml/2011/main" xmlns:a14="http://schemas.microsoft.com/office/drawing/2010/main" xmlns:m="http://schemas.openxmlformats.org/officeDocument/2006/math" xmlns="" val="1"/>
+              <ma14:wrappingTextBoxFlag xmlns="" xmlns:m="http://schemas.openxmlformats.org/officeDocument/2006/math" xmlns:a14="http://schemas.microsoft.com/office/drawing/2010/main" xmlns:ma14="http://schemas.microsoft.com/office/mac/drawingml/2011/main" val="1"/>
             </a:ext>
           </a:extLst>
         </p:spPr>
@@ -12376,7 +12652,7 @@
           <a:effectLst/>
           <a:extLst>
             <a:ext uri="{C572A759-6A51-4108-AA02-DFA0A04FC94B}">
-              <ma14:wrappingTextBoxFlag xmlns:ma14="http://schemas.microsoft.com/office/mac/drawingml/2011/main" xmlns:a14="http://schemas.microsoft.com/office/drawing/2010/main" xmlns:m="http://schemas.openxmlformats.org/officeDocument/2006/math" xmlns="" val="1"/>
+              <ma14:wrappingTextBoxFlag xmlns="" xmlns:m="http://schemas.openxmlformats.org/officeDocument/2006/math" xmlns:a14="http://schemas.microsoft.com/office/drawing/2010/main" xmlns:ma14="http://schemas.microsoft.com/office/mac/drawingml/2011/main" val="1"/>
             </a:ext>
           </a:extLst>
         </p:spPr>
@@ -12542,7 +12818,7 @@
                 <a:effectLst/>
                 <a:extLst>
                   <a:ext uri="{C572A759-6A51-4108-AA02-DFA0A04FC94B}">
-                    <ma14:wrappingTextBoxFlag xmlns:ma14="http://schemas.microsoft.com/office/mac/drawingml/2011/main" xmlns:a14="http://schemas.microsoft.com/office/drawing/2010/main" xmlns:m="http://schemas.openxmlformats.org/officeDocument/2006/math" xmlns="" val="1"/>
+                    <ma14:wrappingTextBoxFlag xmlns="" xmlns:m="http://schemas.openxmlformats.org/officeDocument/2006/math" xmlns:a14="http://schemas.microsoft.com/office/drawing/2010/main" xmlns:ma14="http://schemas.microsoft.com/office/mac/drawingml/2011/main" val="1"/>
                   </a:ext>
                 </a:extLst>
               </p:spPr>
@@ -12595,7 +12871,7 @@
               <a:effectLst/>
               <a:extLst>
                 <a:ext uri="{C572A759-6A51-4108-AA02-DFA0A04FC94B}">
-                  <ma14:wrappingTextBoxFlag xmlns:ma14="http://schemas.microsoft.com/office/mac/drawingml/2011/main" xmlns:a14="http://schemas.microsoft.com/office/drawing/2010/main" xmlns:m="http://schemas.openxmlformats.org/officeDocument/2006/math" xmlns="" val="1"/>
+                  <ma14:wrappingTextBoxFlag xmlns="" xmlns:m="http://schemas.openxmlformats.org/officeDocument/2006/math" xmlns:a14="http://schemas.microsoft.com/office/drawing/2010/main" xmlns:ma14="http://schemas.microsoft.com/office/mac/drawingml/2011/main" val="1"/>
                 </a:ext>
               </a:extLst>
             </p:spPr>
@@ -12724,7 +13000,7 @@
                 <a:effectLst/>
                 <a:extLst>
                   <a:ext uri="{C572A759-6A51-4108-AA02-DFA0A04FC94B}">
-                    <ma14:wrappingTextBoxFlag xmlns:ma14="http://schemas.microsoft.com/office/mac/drawingml/2011/main" xmlns:a14="http://schemas.microsoft.com/office/drawing/2010/main" xmlns:m="http://schemas.openxmlformats.org/officeDocument/2006/math" xmlns="" val="1"/>
+                    <ma14:wrappingTextBoxFlag xmlns="" xmlns:m="http://schemas.openxmlformats.org/officeDocument/2006/math" xmlns:a14="http://schemas.microsoft.com/office/drawing/2010/main" xmlns:ma14="http://schemas.microsoft.com/office/mac/drawingml/2011/main" val="1"/>
                   </a:ext>
                 </a:extLst>
               </p:spPr>
@@ -12777,7 +13053,7 @@
               <a:effectLst/>
               <a:extLst>
                 <a:ext uri="{C572A759-6A51-4108-AA02-DFA0A04FC94B}">
-                  <ma14:wrappingTextBoxFlag xmlns:ma14="http://schemas.microsoft.com/office/mac/drawingml/2011/main" xmlns:a14="http://schemas.microsoft.com/office/drawing/2010/main" xmlns:m="http://schemas.openxmlformats.org/officeDocument/2006/math" xmlns="" val="1"/>
+                  <ma14:wrappingTextBoxFlag xmlns="" xmlns:m="http://schemas.openxmlformats.org/officeDocument/2006/math" xmlns:a14="http://schemas.microsoft.com/office/drawing/2010/main" xmlns:ma14="http://schemas.microsoft.com/office/mac/drawingml/2011/main" val="1"/>
                 </a:ext>
               </a:extLst>
             </p:spPr>
@@ -12921,7 +13197,7 @@
           <a:effectLst/>
           <a:extLst>
             <a:ext uri="{C572A759-6A51-4108-AA02-DFA0A04FC94B}">
-              <ma14:wrappingTextBoxFlag xmlns:ma14="http://schemas.microsoft.com/office/mac/drawingml/2011/main" xmlns:a14="http://schemas.microsoft.com/office/drawing/2010/main" xmlns:m="http://schemas.openxmlformats.org/officeDocument/2006/math" xmlns="" val="1"/>
+              <ma14:wrappingTextBoxFlag xmlns="" xmlns:m="http://schemas.openxmlformats.org/officeDocument/2006/math" xmlns:a14="http://schemas.microsoft.com/office/drawing/2010/main" xmlns:ma14="http://schemas.microsoft.com/office/mac/drawingml/2011/main" val="1"/>
             </a:ext>
           </a:extLst>
         </p:spPr>
@@ -12973,7 +13249,7 @@
           <a:effectLst/>
           <a:extLst>
             <a:ext uri="{C572A759-6A51-4108-AA02-DFA0A04FC94B}">
-              <ma14:wrappingTextBoxFlag xmlns:ma14="http://schemas.microsoft.com/office/mac/drawingml/2011/main" xmlns:a14="http://schemas.microsoft.com/office/drawing/2010/main" xmlns:m="http://schemas.openxmlformats.org/officeDocument/2006/math" xmlns="" val="1"/>
+              <ma14:wrappingTextBoxFlag xmlns="" xmlns:m="http://schemas.openxmlformats.org/officeDocument/2006/math" xmlns:a14="http://schemas.microsoft.com/office/drawing/2010/main" xmlns:ma14="http://schemas.microsoft.com/office/mac/drawingml/2011/main" val="1"/>
             </a:ext>
           </a:extLst>
         </p:spPr>
@@ -13027,7 +13303,7 @@
           <a:effectLst/>
           <a:extLst>
             <a:ext uri="{C572A759-6A51-4108-AA02-DFA0A04FC94B}">
-              <ma14:wrappingTextBoxFlag xmlns:ma14="http://schemas.microsoft.com/office/mac/drawingml/2011/main" xmlns:a14="http://schemas.microsoft.com/office/drawing/2010/main" xmlns:m="http://schemas.openxmlformats.org/officeDocument/2006/math" xmlns="" val="1"/>
+              <ma14:wrappingTextBoxFlag xmlns="" xmlns:m="http://schemas.openxmlformats.org/officeDocument/2006/math" xmlns:a14="http://schemas.microsoft.com/office/drawing/2010/main" xmlns:ma14="http://schemas.microsoft.com/office/mac/drawingml/2011/main" val="1"/>
             </a:ext>
           </a:extLst>
         </p:spPr>
@@ -13079,7 +13355,7 @@
           <a:effectLst/>
           <a:extLst>
             <a:ext uri="{C572A759-6A51-4108-AA02-DFA0A04FC94B}">
-              <ma14:wrappingTextBoxFlag xmlns:ma14="http://schemas.microsoft.com/office/mac/drawingml/2011/main" xmlns:a14="http://schemas.microsoft.com/office/drawing/2010/main" xmlns:m="http://schemas.openxmlformats.org/officeDocument/2006/math" xmlns="" val="1"/>
+              <ma14:wrappingTextBoxFlag xmlns="" xmlns:m="http://schemas.openxmlformats.org/officeDocument/2006/math" xmlns:a14="http://schemas.microsoft.com/office/drawing/2010/main" xmlns:ma14="http://schemas.microsoft.com/office/mac/drawingml/2011/main" val="1"/>
             </a:ext>
           </a:extLst>
         </p:spPr>
@@ -13245,7 +13521,7 @@
                 <a:effectLst/>
                 <a:extLst>
                   <a:ext uri="{C572A759-6A51-4108-AA02-DFA0A04FC94B}">
-                    <ma14:wrappingTextBoxFlag xmlns:ma14="http://schemas.microsoft.com/office/mac/drawingml/2011/main" xmlns:a14="http://schemas.microsoft.com/office/drawing/2010/main" xmlns:m="http://schemas.openxmlformats.org/officeDocument/2006/math" xmlns="" val="1"/>
+                    <ma14:wrappingTextBoxFlag xmlns="" xmlns:m="http://schemas.openxmlformats.org/officeDocument/2006/math" xmlns:a14="http://schemas.microsoft.com/office/drawing/2010/main" xmlns:ma14="http://schemas.microsoft.com/office/mac/drawingml/2011/main" val="1"/>
                   </a:ext>
                 </a:extLst>
               </p:spPr>
@@ -13298,7 +13574,7 @@
               <a:effectLst/>
               <a:extLst>
                 <a:ext uri="{C572A759-6A51-4108-AA02-DFA0A04FC94B}">
-                  <ma14:wrappingTextBoxFlag xmlns:ma14="http://schemas.microsoft.com/office/mac/drawingml/2011/main" xmlns:a14="http://schemas.microsoft.com/office/drawing/2010/main" xmlns:m="http://schemas.openxmlformats.org/officeDocument/2006/math" xmlns="" val="1"/>
+                  <ma14:wrappingTextBoxFlag xmlns="" xmlns:m="http://schemas.openxmlformats.org/officeDocument/2006/math" xmlns:a14="http://schemas.microsoft.com/office/drawing/2010/main" xmlns:ma14="http://schemas.microsoft.com/office/mac/drawingml/2011/main" val="1"/>
                 </a:ext>
               </a:extLst>
             </p:spPr>
@@ -13427,7 +13703,7 @@
                 <a:effectLst/>
                 <a:extLst>
                   <a:ext uri="{C572A759-6A51-4108-AA02-DFA0A04FC94B}">
-                    <ma14:wrappingTextBoxFlag xmlns:ma14="http://schemas.microsoft.com/office/mac/drawingml/2011/main" xmlns:a14="http://schemas.microsoft.com/office/drawing/2010/main" xmlns:m="http://schemas.openxmlformats.org/officeDocument/2006/math" xmlns="" val="1"/>
+                    <ma14:wrappingTextBoxFlag xmlns="" xmlns:m="http://schemas.openxmlformats.org/officeDocument/2006/math" xmlns:a14="http://schemas.microsoft.com/office/drawing/2010/main" xmlns:ma14="http://schemas.microsoft.com/office/mac/drawingml/2011/main" val="1"/>
                   </a:ext>
                 </a:extLst>
               </p:spPr>
@@ -13480,7 +13756,7 @@
               <a:effectLst/>
               <a:extLst>
                 <a:ext uri="{C572A759-6A51-4108-AA02-DFA0A04FC94B}">
-                  <ma14:wrappingTextBoxFlag xmlns:ma14="http://schemas.microsoft.com/office/mac/drawingml/2011/main" xmlns:a14="http://schemas.microsoft.com/office/drawing/2010/main" xmlns:m="http://schemas.openxmlformats.org/officeDocument/2006/math" xmlns="" val="1"/>
+                  <ma14:wrappingTextBoxFlag xmlns="" xmlns:m="http://schemas.openxmlformats.org/officeDocument/2006/math" xmlns:a14="http://schemas.microsoft.com/office/drawing/2010/main" xmlns:ma14="http://schemas.microsoft.com/office/mac/drawingml/2011/main" val="1"/>
                 </a:ext>
               </a:extLst>
             </p:spPr>
@@ -13624,7 +13900,7 @@
           <a:effectLst/>
           <a:extLst>
             <a:ext uri="{C572A759-6A51-4108-AA02-DFA0A04FC94B}">
-              <ma14:wrappingTextBoxFlag xmlns:ma14="http://schemas.microsoft.com/office/mac/drawingml/2011/main" xmlns:a14="http://schemas.microsoft.com/office/drawing/2010/main" xmlns:m="http://schemas.openxmlformats.org/officeDocument/2006/math" xmlns="" val="1"/>
+              <ma14:wrappingTextBoxFlag xmlns="" xmlns:m="http://schemas.openxmlformats.org/officeDocument/2006/math" xmlns:a14="http://schemas.microsoft.com/office/drawing/2010/main" xmlns:ma14="http://schemas.microsoft.com/office/mac/drawingml/2011/main" val="1"/>
             </a:ext>
           </a:extLst>
         </p:spPr>
@@ -13676,7 +13952,7 @@
           <a:effectLst/>
           <a:extLst>
             <a:ext uri="{C572A759-6A51-4108-AA02-DFA0A04FC94B}">
-              <ma14:wrappingTextBoxFlag xmlns:ma14="http://schemas.microsoft.com/office/mac/drawingml/2011/main" xmlns:a14="http://schemas.microsoft.com/office/drawing/2010/main" xmlns:m="http://schemas.openxmlformats.org/officeDocument/2006/math" xmlns="" val="1"/>
+              <ma14:wrappingTextBoxFlag xmlns="" xmlns:m="http://schemas.openxmlformats.org/officeDocument/2006/math" xmlns:a14="http://schemas.microsoft.com/office/drawing/2010/main" xmlns:ma14="http://schemas.microsoft.com/office/mac/drawingml/2011/main" val="1"/>
             </a:ext>
           </a:extLst>
         </p:spPr>
@@ -13730,7 +14006,7 @@
           <a:effectLst/>
           <a:extLst>
             <a:ext uri="{C572A759-6A51-4108-AA02-DFA0A04FC94B}">
-              <ma14:wrappingTextBoxFlag xmlns:ma14="http://schemas.microsoft.com/office/mac/drawingml/2011/main" xmlns:a14="http://schemas.microsoft.com/office/drawing/2010/main" xmlns:m="http://schemas.openxmlformats.org/officeDocument/2006/math" xmlns="" val="1"/>
+              <ma14:wrappingTextBoxFlag xmlns="" xmlns:m="http://schemas.openxmlformats.org/officeDocument/2006/math" xmlns:a14="http://schemas.microsoft.com/office/drawing/2010/main" xmlns:ma14="http://schemas.microsoft.com/office/mac/drawingml/2011/main" val="1"/>
             </a:ext>
           </a:extLst>
         </p:spPr>
@@ -13782,7 +14058,7 @@
           <a:effectLst/>
           <a:extLst>
             <a:ext uri="{C572A759-6A51-4108-AA02-DFA0A04FC94B}">
-              <ma14:wrappingTextBoxFlag xmlns:ma14="http://schemas.microsoft.com/office/mac/drawingml/2011/main" xmlns:a14="http://schemas.microsoft.com/office/drawing/2010/main" xmlns:m="http://schemas.openxmlformats.org/officeDocument/2006/math" xmlns="" val="1"/>
+              <ma14:wrappingTextBoxFlag xmlns="" xmlns:m="http://schemas.openxmlformats.org/officeDocument/2006/math" xmlns:a14="http://schemas.microsoft.com/office/drawing/2010/main" xmlns:ma14="http://schemas.microsoft.com/office/mac/drawingml/2011/main" val="1"/>
             </a:ext>
           </a:extLst>
         </p:spPr>
@@ -13948,7 +14224,7 @@
                 <a:effectLst/>
                 <a:extLst>
                   <a:ext uri="{C572A759-6A51-4108-AA02-DFA0A04FC94B}">
-                    <ma14:wrappingTextBoxFlag xmlns:ma14="http://schemas.microsoft.com/office/mac/drawingml/2011/main" xmlns:a14="http://schemas.microsoft.com/office/drawing/2010/main" xmlns:m="http://schemas.openxmlformats.org/officeDocument/2006/math" xmlns="" val="1"/>
+                    <ma14:wrappingTextBoxFlag xmlns="" xmlns:m="http://schemas.openxmlformats.org/officeDocument/2006/math" xmlns:a14="http://schemas.microsoft.com/office/drawing/2010/main" xmlns:ma14="http://schemas.microsoft.com/office/mac/drawingml/2011/main" val="1"/>
                   </a:ext>
                 </a:extLst>
               </p:spPr>
@@ -14001,7 +14277,7 @@
               <a:effectLst/>
               <a:extLst>
                 <a:ext uri="{C572A759-6A51-4108-AA02-DFA0A04FC94B}">
-                  <ma14:wrappingTextBoxFlag xmlns:ma14="http://schemas.microsoft.com/office/mac/drawingml/2011/main" xmlns:a14="http://schemas.microsoft.com/office/drawing/2010/main" xmlns:m="http://schemas.openxmlformats.org/officeDocument/2006/math" xmlns="" val="1"/>
+                  <ma14:wrappingTextBoxFlag xmlns="" xmlns:m="http://schemas.openxmlformats.org/officeDocument/2006/math" xmlns:a14="http://schemas.microsoft.com/office/drawing/2010/main" xmlns:ma14="http://schemas.microsoft.com/office/mac/drawingml/2011/main" val="1"/>
                 </a:ext>
               </a:extLst>
             </p:spPr>
@@ -14130,7 +14406,7 @@
                 <a:effectLst/>
                 <a:extLst>
                   <a:ext uri="{C572A759-6A51-4108-AA02-DFA0A04FC94B}">
-                    <ma14:wrappingTextBoxFlag xmlns:ma14="http://schemas.microsoft.com/office/mac/drawingml/2011/main" xmlns:a14="http://schemas.microsoft.com/office/drawing/2010/main" xmlns:m="http://schemas.openxmlformats.org/officeDocument/2006/math" xmlns="" val="1"/>
+                    <ma14:wrappingTextBoxFlag xmlns="" xmlns:m="http://schemas.openxmlformats.org/officeDocument/2006/math" xmlns:a14="http://schemas.microsoft.com/office/drawing/2010/main" xmlns:ma14="http://schemas.microsoft.com/office/mac/drawingml/2011/main" val="1"/>
                   </a:ext>
                 </a:extLst>
               </p:spPr>
@@ -14183,7 +14459,7 @@
               <a:effectLst/>
               <a:extLst>
                 <a:ext uri="{C572A759-6A51-4108-AA02-DFA0A04FC94B}">
-                  <ma14:wrappingTextBoxFlag xmlns:ma14="http://schemas.microsoft.com/office/mac/drawingml/2011/main" xmlns:a14="http://schemas.microsoft.com/office/drawing/2010/main" xmlns:m="http://schemas.openxmlformats.org/officeDocument/2006/math" xmlns="" val="1"/>
+                  <ma14:wrappingTextBoxFlag xmlns="" xmlns:m="http://schemas.openxmlformats.org/officeDocument/2006/math" xmlns:a14="http://schemas.microsoft.com/office/drawing/2010/main" xmlns:ma14="http://schemas.microsoft.com/office/mac/drawingml/2011/main" val="1"/>
                 </a:ext>
               </a:extLst>
             </p:spPr>
@@ -14327,7 +14603,7 @@
           <a:effectLst/>
           <a:extLst>
             <a:ext uri="{C572A759-6A51-4108-AA02-DFA0A04FC94B}">
-              <ma14:wrappingTextBoxFlag xmlns:ma14="http://schemas.microsoft.com/office/mac/drawingml/2011/main" xmlns:a14="http://schemas.microsoft.com/office/drawing/2010/main" xmlns:m="http://schemas.openxmlformats.org/officeDocument/2006/math" xmlns="" val="1"/>
+              <ma14:wrappingTextBoxFlag xmlns="" xmlns:m="http://schemas.openxmlformats.org/officeDocument/2006/math" xmlns:a14="http://schemas.microsoft.com/office/drawing/2010/main" xmlns:ma14="http://schemas.microsoft.com/office/mac/drawingml/2011/main" val="1"/>
             </a:ext>
           </a:extLst>
         </p:spPr>
@@ -14379,7 +14655,7 @@
           <a:effectLst/>
           <a:extLst>
             <a:ext uri="{C572A759-6A51-4108-AA02-DFA0A04FC94B}">
-              <ma14:wrappingTextBoxFlag xmlns:ma14="http://schemas.microsoft.com/office/mac/drawingml/2011/main" xmlns:a14="http://schemas.microsoft.com/office/drawing/2010/main" xmlns:m="http://schemas.openxmlformats.org/officeDocument/2006/math" xmlns="" val="1"/>
+              <ma14:wrappingTextBoxFlag xmlns="" xmlns:m="http://schemas.openxmlformats.org/officeDocument/2006/math" xmlns:a14="http://schemas.microsoft.com/office/drawing/2010/main" xmlns:ma14="http://schemas.microsoft.com/office/mac/drawingml/2011/main" val="1"/>
             </a:ext>
           </a:extLst>
         </p:spPr>
@@ -14433,7 +14709,7 @@
           <a:effectLst/>
           <a:extLst>
             <a:ext uri="{C572A759-6A51-4108-AA02-DFA0A04FC94B}">
-              <ma14:wrappingTextBoxFlag xmlns:ma14="http://schemas.microsoft.com/office/mac/drawingml/2011/main" xmlns:a14="http://schemas.microsoft.com/office/drawing/2010/main" xmlns:m="http://schemas.openxmlformats.org/officeDocument/2006/math" xmlns="" val="1"/>
+              <ma14:wrappingTextBoxFlag xmlns="" xmlns:m="http://schemas.openxmlformats.org/officeDocument/2006/math" xmlns:a14="http://schemas.microsoft.com/office/drawing/2010/main" xmlns:ma14="http://schemas.microsoft.com/office/mac/drawingml/2011/main" val="1"/>
             </a:ext>
           </a:extLst>
         </p:spPr>
@@ -14485,7 +14761,7 @@
           <a:effectLst/>
           <a:extLst>
             <a:ext uri="{C572A759-6A51-4108-AA02-DFA0A04FC94B}">
-              <ma14:wrappingTextBoxFlag xmlns:ma14="http://schemas.microsoft.com/office/mac/drawingml/2011/main" xmlns:a14="http://schemas.microsoft.com/office/drawing/2010/main" xmlns:m="http://schemas.openxmlformats.org/officeDocument/2006/math" xmlns="" val="1"/>
+              <ma14:wrappingTextBoxFlag xmlns="" xmlns:m="http://schemas.openxmlformats.org/officeDocument/2006/math" xmlns:a14="http://schemas.microsoft.com/office/drawing/2010/main" xmlns:ma14="http://schemas.microsoft.com/office/mac/drawingml/2011/main" val="1"/>
             </a:ext>
           </a:extLst>
         </p:spPr>
@@ -14651,7 +14927,7 @@
                 <a:effectLst/>
                 <a:extLst>
                   <a:ext uri="{C572A759-6A51-4108-AA02-DFA0A04FC94B}">
-                    <ma14:wrappingTextBoxFlag xmlns:ma14="http://schemas.microsoft.com/office/mac/drawingml/2011/main" xmlns:a14="http://schemas.microsoft.com/office/drawing/2010/main" xmlns:m="http://schemas.openxmlformats.org/officeDocument/2006/math" xmlns="" val="1"/>
+                    <ma14:wrappingTextBoxFlag xmlns="" xmlns:m="http://schemas.openxmlformats.org/officeDocument/2006/math" xmlns:a14="http://schemas.microsoft.com/office/drawing/2010/main" xmlns:ma14="http://schemas.microsoft.com/office/mac/drawingml/2011/main" val="1"/>
                   </a:ext>
                 </a:extLst>
               </p:spPr>
@@ -14704,7 +14980,7 @@
               <a:effectLst/>
               <a:extLst>
                 <a:ext uri="{C572A759-6A51-4108-AA02-DFA0A04FC94B}">
-                  <ma14:wrappingTextBoxFlag xmlns:ma14="http://schemas.microsoft.com/office/mac/drawingml/2011/main" xmlns:a14="http://schemas.microsoft.com/office/drawing/2010/main" xmlns:m="http://schemas.openxmlformats.org/officeDocument/2006/math" xmlns="" val="1"/>
+                  <ma14:wrappingTextBoxFlag xmlns="" xmlns:m="http://schemas.openxmlformats.org/officeDocument/2006/math" xmlns:a14="http://schemas.microsoft.com/office/drawing/2010/main" xmlns:ma14="http://schemas.microsoft.com/office/mac/drawingml/2011/main" val="1"/>
                 </a:ext>
               </a:extLst>
             </p:spPr>
@@ -14833,7 +15109,7 @@
                 <a:effectLst/>
                 <a:extLst>
                   <a:ext uri="{C572A759-6A51-4108-AA02-DFA0A04FC94B}">
-                    <ma14:wrappingTextBoxFlag xmlns:ma14="http://schemas.microsoft.com/office/mac/drawingml/2011/main" xmlns:a14="http://schemas.microsoft.com/office/drawing/2010/main" xmlns:m="http://schemas.openxmlformats.org/officeDocument/2006/math" xmlns="" val="1"/>
+                    <ma14:wrappingTextBoxFlag xmlns="" xmlns:m="http://schemas.openxmlformats.org/officeDocument/2006/math" xmlns:a14="http://schemas.microsoft.com/office/drawing/2010/main" xmlns:ma14="http://schemas.microsoft.com/office/mac/drawingml/2011/main" val="1"/>
                   </a:ext>
                 </a:extLst>
               </p:spPr>
@@ -14886,7 +15162,7 @@
               <a:effectLst/>
               <a:extLst>
                 <a:ext uri="{C572A759-6A51-4108-AA02-DFA0A04FC94B}">
-                  <ma14:wrappingTextBoxFlag xmlns:ma14="http://schemas.microsoft.com/office/mac/drawingml/2011/main" xmlns:a14="http://schemas.microsoft.com/office/drawing/2010/main" xmlns:m="http://schemas.openxmlformats.org/officeDocument/2006/math" xmlns="" val="1"/>
+                  <ma14:wrappingTextBoxFlag xmlns="" xmlns:m="http://schemas.openxmlformats.org/officeDocument/2006/math" xmlns:a14="http://schemas.microsoft.com/office/drawing/2010/main" xmlns:ma14="http://schemas.microsoft.com/office/mac/drawingml/2011/main" val="1"/>
                 </a:ext>
               </a:extLst>
             </p:spPr>
@@ -15030,7 +15306,7 @@
           <a:effectLst/>
           <a:extLst>
             <a:ext uri="{C572A759-6A51-4108-AA02-DFA0A04FC94B}">
-              <ma14:wrappingTextBoxFlag xmlns:ma14="http://schemas.microsoft.com/office/mac/drawingml/2011/main" xmlns:a14="http://schemas.microsoft.com/office/drawing/2010/main" xmlns:m="http://schemas.openxmlformats.org/officeDocument/2006/math" xmlns="" val="1"/>
+              <ma14:wrappingTextBoxFlag xmlns="" xmlns:m="http://schemas.openxmlformats.org/officeDocument/2006/math" xmlns:a14="http://schemas.microsoft.com/office/drawing/2010/main" xmlns:ma14="http://schemas.microsoft.com/office/mac/drawingml/2011/main" val="1"/>
             </a:ext>
           </a:extLst>
         </p:spPr>
@@ -15082,7 +15358,7 @@
           <a:effectLst/>
           <a:extLst>
             <a:ext uri="{C572A759-6A51-4108-AA02-DFA0A04FC94B}">
-              <ma14:wrappingTextBoxFlag xmlns:ma14="http://schemas.microsoft.com/office/mac/drawingml/2011/main" xmlns:a14="http://schemas.microsoft.com/office/drawing/2010/main" xmlns:m="http://schemas.openxmlformats.org/officeDocument/2006/math" xmlns="" val="1"/>
+              <ma14:wrappingTextBoxFlag xmlns="" xmlns:m="http://schemas.openxmlformats.org/officeDocument/2006/math" xmlns:a14="http://schemas.microsoft.com/office/drawing/2010/main" xmlns:ma14="http://schemas.microsoft.com/office/mac/drawingml/2011/main" val="1"/>
             </a:ext>
           </a:extLst>
         </p:spPr>
@@ -15136,7 +15412,7 @@
           <a:effectLst/>
           <a:extLst>
             <a:ext uri="{C572A759-6A51-4108-AA02-DFA0A04FC94B}">
-              <ma14:wrappingTextBoxFlag xmlns:ma14="http://schemas.microsoft.com/office/mac/drawingml/2011/main" xmlns:a14="http://schemas.microsoft.com/office/drawing/2010/main" xmlns:m="http://schemas.openxmlformats.org/officeDocument/2006/math" xmlns="" val="1"/>
+              <ma14:wrappingTextBoxFlag xmlns="" xmlns:m="http://schemas.openxmlformats.org/officeDocument/2006/math" xmlns:a14="http://schemas.microsoft.com/office/drawing/2010/main" xmlns:ma14="http://schemas.microsoft.com/office/mac/drawingml/2011/main" val="1"/>
             </a:ext>
           </a:extLst>
         </p:spPr>
@@ -15188,7 +15464,7 @@
           <a:effectLst/>
           <a:extLst>
             <a:ext uri="{C572A759-6A51-4108-AA02-DFA0A04FC94B}">
-              <ma14:wrappingTextBoxFlag xmlns:ma14="http://schemas.microsoft.com/office/mac/drawingml/2011/main" xmlns:a14="http://schemas.microsoft.com/office/drawing/2010/main" xmlns:m="http://schemas.openxmlformats.org/officeDocument/2006/math" xmlns="" val="1"/>
+              <ma14:wrappingTextBoxFlag xmlns="" xmlns:m="http://schemas.openxmlformats.org/officeDocument/2006/math" xmlns:a14="http://schemas.microsoft.com/office/drawing/2010/main" xmlns:ma14="http://schemas.microsoft.com/office/mac/drawingml/2011/main" val="1"/>
             </a:ext>
           </a:extLst>
         </p:spPr>

--- a/006 - Projeto Interdisciplinar - Paulo Alceu -  TEMPLATE CBL-SE Canvases (1).pptx
+++ b/006 - Projeto Interdisciplinar - Paulo Alceu -  TEMPLATE CBL-SE Canvases (1).pptx
@@ -560,6 +560,72 @@
 </p:notesMaster>
 </file>
 
+<file path=ppt/notesSlides/notesSlide1.xml><?xml version="1.0" encoding="utf-8"?>
+<p:notes xmlns:a="http://schemas.openxmlformats.org/drawingml/2006/main" xmlns:r="http://schemas.openxmlformats.org/officeDocument/2006/relationships" xmlns:p="http://schemas.openxmlformats.org/presentationml/2006/main">
+  <p:cSld>
+    <p:spTree>
+      <p:nvGrpSpPr>
+        <p:cNvPr id="1" name=""/>
+        <p:cNvGrpSpPr/>
+        <p:nvPr/>
+      </p:nvGrpSpPr>
+      <p:grpSpPr>
+        <a:xfrm>
+          <a:off x="0" y="0"/>
+          <a:ext cx="0" cy="0"/>
+          <a:chOff x="0" y="0"/>
+          <a:chExt cx="0" cy="0"/>
+        </a:xfrm>
+      </p:grpSpPr>
+      <p:sp>
+        <p:nvSpPr>
+          <p:cNvPr id="2" name="Espaço Reservado para Imagem de Slide 1"/>
+          <p:cNvSpPr>
+            <a:spLocks noGrp="1" noRot="1" noChangeAspect="1"/>
+          </p:cNvSpPr>
+          <p:nvPr>
+            <p:ph type="sldImg"/>
+          </p:nvPr>
+        </p:nvSpPr>
+        <p:spPr>
+          <a:xfrm>
+            <a:off x="381000" y="685800"/>
+            <a:ext cx="6096000" cy="3429000"/>
+          </a:xfrm>
+        </p:spPr>
+      </p:sp>
+      <p:sp>
+        <p:nvSpPr>
+          <p:cNvPr id="3" name="Espaço Reservado para Anotações 2"/>
+          <p:cNvSpPr>
+            <a:spLocks noGrp="1"/>
+          </p:cNvSpPr>
+          <p:nvPr>
+            <p:ph type="body" idx="1"/>
+          </p:nvPr>
+        </p:nvSpPr>
+        <p:spPr/>
+        <p:txBody>
+          <a:bodyPr/>
+          <a:lstStyle/>
+          <a:p>
+            <a:endParaRPr lang="pt-BR" dirty="0"/>
+          </a:p>
+        </p:txBody>
+      </p:sp>
+    </p:spTree>
+    <p:extLst>
+      <p:ext uri="{BB962C8B-B14F-4D97-AF65-F5344CB8AC3E}">
+        <p14:creationId xmlns:p14="http://schemas.microsoft.com/office/powerpoint/2010/main" val="1541341802"/>
+      </p:ext>
+    </p:extLst>
+  </p:cSld>
+  <p:clrMapOvr>
+    <a:masterClrMapping/>
+  </p:clrMapOvr>
+</p:notes>
+</file>
+
 <file path=ppt/slideLayouts/slideLayout1.xml><?xml version="1.0" encoding="utf-8"?>
 <p:sldLayout xmlns:a="http://schemas.openxmlformats.org/drawingml/2006/main" xmlns:r="http://schemas.openxmlformats.org/officeDocument/2006/relationships" xmlns:p="http://schemas.openxmlformats.org/presentationml/2006/main" type="title">
   <p:cSld name="Title &amp; Subtitle">
@@ -3801,7 +3867,7 @@
           </a:ln>
           <a:extLst>
             <a:ext uri="{C572A759-6A51-4108-AA02-DFA0A04FC94B}">
-              <ma14:wrappingTextBoxFlag xmlns="" xmlns:m="http://schemas.openxmlformats.org/officeDocument/2006/math" xmlns:a14="http://schemas.microsoft.com/office/drawing/2010/main" xmlns:ma14="http://schemas.microsoft.com/office/mac/drawingml/2011/main" val="1"/>
+              <ma14:wrappingTextBoxFlag xmlns:ma14="http://schemas.microsoft.com/office/mac/drawingml/2011/main" xmlns:a14="http://schemas.microsoft.com/office/drawing/2010/main" xmlns:m="http://schemas.openxmlformats.org/officeDocument/2006/math" xmlns="" val="1"/>
             </a:ext>
           </a:extLst>
         </p:spPr>
@@ -3840,7 +3906,7 @@
           </a:ln>
           <a:extLst>
             <a:ext uri="{C572A759-6A51-4108-AA02-DFA0A04FC94B}">
-              <ma14:wrappingTextBoxFlag xmlns="" xmlns:m="http://schemas.openxmlformats.org/officeDocument/2006/math" xmlns:a14="http://schemas.microsoft.com/office/drawing/2010/main" xmlns:ma14="http://schemas.microsoft.com/office/mac/drawingml/2011/main" val="1"/>
+              <ma14:wrappingTextBoxFlag xmlns:ma14="http://schemas.microsoft.com/office/mac/drawingml/2011/main" xmlns:a14="http://schemas.microsoft.com/office/drawing/2010/main" xmlns:m="http://schemas.openxmlformats.org/officeDocument/2006/math" xmlns="" val="1"/>
             </a:ext>
           </a:extLst>
         </p:spPr>
@@ -4983,7 +5049,7 @@
                 <a:effectLst/>
                 <a:extLst>
                   <a:ext uri="{C572A759-6A51-4108-AA02-DFA0A04FC94B}">
-                    <ma14:wrappingTextBoxFlag xmlns="" xmlns:m="http://schemas.openxmlformats.org/officeDocument/2006/math" xmlns:a14="http://schemas.microsoft.com/office/drawing/2010/main" xmlns:ma14="http://schemas.microsoft.com/office/mac/drawingml/2011/main" val="1"/>
+                    <ma14:wrappingTextBoxFlag xmlns:ma14="http://schemas.microsoft.com/office/mac/drawingml/2011/main" xmlns:a14="http://schemas.microsoft.com/office/drawing/2010/main" xmlns:m="http://schemas.openxmlformats.org/officeDocument/2006/math" xmlns="" val="1"/>
                   </a:ext>
                 </a:extLst>
               </p:spPr>
@@ -5035,7 +5101,7 @@
               <a:effectLst/>
               <a:extLst>
                 <a:ext uri="{C572A759-6A51-4108-AA02-DFA0A04FC94B}">
-                  <ma14:wrappingTextBoxFlag xmlns="" xmlns:m="http://schemas.openxmlformats.org/officeDocument/2006/math" xmlns:a14="http://schemas.microsoft.com/office/drawing/2010/main" xmlns:ma14="http://schemas.microsoft.com/office/mac/drawingml/2011/main" val="1"/>
+                  <ma14:wrappingTextBoxFlag xmlns:ma14="http://schemas.microsoft.com/office/mac/drawingml/2011/main" xmlns:a14="http://schemas.microsoft.com/office/drawing/2010/main" xmlns:m="http://schemas.openxmlformats.org/officeDocument/2006/math" xmlns="" val="1"/>
                 </a:ext>
               </a:extLst>
             </p:spPr>
@@ -5164,7 +5230,7 @@
                 <a:effectLst/>
                 <a:extLst>
                   <a:ext uri="{C572A759-6A51-4108-AA02-DFA0A04FC94B}">
-                    <ma14:wrappingTextBoxFlag xmlns="" xmlns:m="http://schemas.openxmlformats.org/officeDocument/2006/math" xmlns:a14="http://schemas.microsoft.com/office/drawing/2010/main" xmlns:ma14="http://schemas.microsoft.com/office/mac/drawingml/2011/main" val="1"/>
+                    <ma14:wrappingTextBoxFlag xmlns:ma14="http://schemas.microsoft.com/office/mac/drawingml/2011/main" xmlns:a14="http://schemas.microsoft.com/office/drawing/2010/main" xmlns:m="http://schemas.openxmlformats.org/officeDocument/2006/math" xmlns="" val="1"/>
                   </a:ext>
                 </a:extLst>
               </p:spPr>
@@ -5215,7 +5281,7 @@
               <a:effectLst/>
               <a:extLst>
                 <a:ext uri="{C572A759-6A51-4108-AA02-DFA0A04FC94B}">
-                  <ma14:wrappingTextBoxFlag xmlns="" xmlns:m="http://schemas.openxmlformats.org/officeDocument/2006/math" xmlns:a14="http://schemas.microsoft.com/office/drawing/2010/main" xmlns:ma14="http://schemas.microsoft.com/office/mac/drawingml/2011/main" val="1"/>
+                  <ma14:wrappingTextBoxFlag xmlns:ma14="http://schemas.microsoft.com/office/mac/drawingml/2011/main" xmlns:a14="http://schemas.microsoft.com/office/drawing/2010/main" xmlns:m="http://schemas.openxmlformats.org/officeDocument/2006/math" xmlns="" val="1"/>
                 </a:ext>
               </a:extLst>
             </p:spPr>
@@ -5345,7 +5411,7 @@
                 <a:effectLst/>
                 <a:extLst>
                   <a:ext uri="{C572A759-6A51-4108-AA02-DFA0A04FC94B}">
-                    <ma14:wrappingTextBoxFlag xmlns="" xmlns:m="http://schemas.openxmlformats.org/officeDocument/2006/math" xmlns:a14="http://schemas.microsoft.com/office/drawing/2010/main" xmlns:ma14="http://schemas.microsoft.com/office/mac/drawingml/2011/main" val="1"/>
+                    <ma14:wrappingTextBoxFlag xmlns:ma14="http://schemas.microsoft.com/office/mac/drawingml/2011/main" xmlns:a14="http://schemas.microsoft.com/office/drawing/2010/main" xmlns:m="http://schemas.openxmlformats.org/officeDocument/2006/math" xmlns="" val="1"/>
                   </a:ext>
                 </a:extLst>
               </p:spPr>
@@ -5396,7 +5462,7 @@
               <a:effectLst/>
               <a:extLst>
                 <a:ext uri="{C572A759-6A51-4108-AA02-DFA0A04FC94B}">
-                  <ma14:wrappingTextBoxFlag xmlns="" xmlns:m="http://schemas.openxmlformats.org/officeDocument/2006/math" xmlns:a14="http://schemas.microsoft.com/office/drawing/2010/main" xmlns:ma14="http://schemas.microsoft.com/office/mac/drawingml/2011/main" val="1"/>
+                  <ma14:wrappingTextBoxFlag xmlns:ma14="http://schemas.microsoft.com/office/mac/drawingml/2011/main" xmlns:a14="http://schemas.microsoft.com/office/drawing/2010/main" xmlns:m="http://schemas.openxmlformats.org/officeDocument/2006/math" xmlns="" val="1"/>
                 </a:ext>
               </a:extLst>
             </p:spPr>
@@ -5523,7 +5589,7 @@
                 <a:effectLst/>
                 <a:extLst>
                   <a:ext uri="{C572A759-6A51-4108-AA02-DFA0A04FC94B}">
-                    <ma14:wrappingTextBoxFlag xmlns="" xmlns:m="http://schemas.openxmlformats.org/officeDocument/2006/math" xmlns:a14="http://schemas.microsoft.com/office/drawing/2010/main" xmlns:ma14="http://schemas.microsoft.com/office/mac/drawingml/2011/main" val="1"/>
+                    <ma14:wrappingTextBoxFlag xmlns:ma14="http://schemas.microsoft.com/office/mac/drawingml/2011/main" xmlns:a14="http://schemas.microsoft.com/office/drawing/2010/main" xmlns:m="http://schemas.openxmlformats.org/officeDocument/2006/math" xmlns="" val="1"/>
                   </a:ext>
                 </a:extLst>
               </p:spPr>
@@ -5574,7 +5640,7 @@
               <a:effectLst/>
               <a:extLst>
                 <a:ext uri="{C572A759-6A51-4108-AA02-DFA0A04FC94B}">
-                  <ma14:wrappingTextBoxFlag xmlns="" xmlns:m="http://schemas.openxmlformats.org/officeDocument/2006/math" xmlns:a14="http://schemas.microsoft.com/office/drawing/2010/main" xmlns:ma14="http://schemas.microsoft.com/office/mac/drawingml/2011/main" val="1"/>
+                  <ma14:wrappingTextBoxFlag xmlns:ma14="http://schemas.microsoft.com/office/mac/drawingml/2011/main" xmlns:a14="http://schemas.microsoft.com/office/drawing/2010/main" xmlns:m="http://schemas.openxmlformats.org/officeDocument/2006/math" xmlns="" val="1"/>
                 </a:ext>
               </a:extLst>
             </p:spPr>
@@ -5643,9 +5709,9 @@
         <p:grpSpPr>
           <a:xfrm>
             <a:off x="82522" y="72009"/>
-            <a:ext cx="24217317" cy="13567452"/>
+            <a:ext cx="24217320" cy="13563052"/>
             <a:chOff x="0" y="0"/>
-            <a:chExt cx="24217316" cy="13567451"/>
+            <a:chExt cx="24217319" cy="13563051"/>
           </a:xfrm>
         </p:grpSpPr>
         <p:grpSp>
@@ -5657,9 +5723,9 @@
           <p:grpSpPr>
             <a:xfrm>
               <a:off x="45453" y="0"/>
-              <a:ext cx="8631360" cy="6648909"/>
+              <a:ext cx="8631362" cy="6648911"/>
               <a:chOff x="0" y="0"/>
-              <a:chExt cx="8631359" cy="6648908"/>
+              <a:chExt cx="8631361" cy="6648910"/>
             </a:xfrm>
           </p:grpSpPr>
           <p:grpSp>
@@ -5671,9 +5737,9 @@
             <p:grpSpPr>
               <a:xfrm>
                 <a:off x="0" y="0"/>
-                <a:ext cx="8631360" cy="6648909"/>
+                <a:ext cx="8631361" cy="6648910"/>
                 <a:chOff x="0" y="0"/>
-                <a:chExt cx="8631359" cy="6648908"/>
+                <a:chExt cx="8631360" cy="6648909"/>
               </a:xfrm>
             </p:grpSpPr>
             <p:sp>
@@ -5716,7 +5782,7 @@
                       <a:sym typeface="Helvetica Neue Medium"/>
                     </a:defRPr>
                   </a:pPr>
-                  <a:endParaRPr/>
+                  <a:endParaRPr dirty="0"/>
                 </a:p>
               </p:txBody>
             </p:sp>
@@ -5728,7 +5794,7 @@
               </p:nvSpPr>
               <p:spPr>
                 <a:xfrm>
-                  <a:off x="300169" y="437516"/>
+                  <a:off x="384249" y="215430"/>
                   <a:ext cx="4159935" cy="660319"/>
                 </a:xfrm>
                 <a:prstGeom prst="rect">
@@ -5742,7 +5808,7 @@
                 <a:effectLst/>
                 <a:extLst>
                   <a:ext uri="{C572A759-6A51-4108-AA02-DFA0A04FC94B}">
-                    <ma14:wrappingTextBoxFlag xmlns="" xmlns:m="http://schemas.openxmlformats.org/officeDocument/2006/math" xmlns:a14="http://schemas.microsoft.com/office/drawing/2010/main" xmlns:ma14="http://schemas.microsoft.com/office/mac/drawingml/2011/main" val="1"/>
+                    <ma14:wrappingTextBoxFlag xmlns:ma14="http://schemas.microsoft.com/office/mac/drawingml/2011/main" xmlns:a14="http://schemas.microsoft.com/office/drawing/2010/main" xmlns:m="http://schemas.openxmlformats.org/officeDocument/2006/math" xmlns="" val="1"/>
                   </a:ext>
                 </a:extLst>
               </p:spPr>
@@ -5765,6 +5831,7 @@
                 </a:lstStyle>
                 <a:p>
                   <a:r>
+                    <a:rPr dirty="0"/>
                     <a:t>Value Proposition</a:t>
                   </a:r>
                 </a:p>
@@ -5779,8 +5846,8 @@
             </p:nvSpPr>
             <p:spPr>
               <a:xfrm>
-                <a:off x="403400" y="1743416"/>
-                <a:ext cx="7827910" cy="535355"/>
+                <a:off x="300169" y="981355"/>
+                <a:ext cx="7827910" cy="5593243"/>
               </a:xfrm>
               <a:prstGeom prst="rect">
                 <a:avLst/>
@@ -5793,7 +5860,7 @@
               <a:effectLst/>
               <a:extLst>
                 <a:ext uri="{C572A759-6A51-4108-AA02-DFA0A04FC94B}">
-                  <ma14:wrappingTextBoxFlag xmlns="" xmlns:m="http://schemas.openxmlformats.org/officeDocument/2006/math" xmlns:a14="http://schemas.microsoft.com/office/drawing/2010/main" xmlns:ma14="http://schemas.microsoft.com/office/mac/drawingml/2011/main" val="1"/>
+                  <ma14:wrappingTextBoxFlag xmlns:ma14="http://schemas.microsoft.com/office/mac/drawingml/2011/main" xmlns:a14="http://schemas.microsoft.com/office/drawing/2010/main" xmlns:m="http://schemas.openxmlformats.org/officeDocument/2006/math" xmlns="" val="1"/>
                 </a:ext>
               </a:extLst>
             </p:spPr>
@@ -5815,9 +5882,168 @@
                 </a:lvl1pPr>
               </a:lstStyle>
               <a:p>
-                <a:r>
-                  <a:t>[a preencher]</a:t>
-                </a:r>
+                <a:pPr marL="342900" indent="-342900" algn="just">
+                  <a:buFont typeface="+mj-lt"/>
+                  <a:buAutoNum type="arabicPeriod"/>
+                </a:pPr>
+                <a:r>
+                  <a:rPr lang="pt-BR" sz="1800" b="1" dirty="0" smtClean="0"/>
+                  <a:t>Facilidade de Uso</a:t>
+                </a:r>
+                <a:r>
+                  <a:rPr lang="pt-BR" sz="1800" b="1" dirty="0"/>
+                  <a:t>: </a:t>
+                </a:r>
+                <a:r>
+                  <a:rPr lang="pt-BR" sz="1800" dirty="0"/>
+                  <a:t>Interface intuitiva que torna o controle financeiro acessível a todos, independentemente do nível de conhecimento financeiro</a:t>
+                </a:r>
+                <a:r>
+                  <a:rPr lang="pt-BR" sz="1800" dirty="0" smtClean="0"/>
+                  <a:t>.</a:t>
+                </a:r>
+              </a:p>
+              <a:p>
+                <a:pPr marL="342900" indent="-342900" algn="just">
+                  <a:buFont typeface="+mj-lt"/>
+                  <a:buAutoNum type="arabicPeriod"/>
+                </a:pPr>
+                <a:endParaRPr lang="pt-BR" sz="1800" dirty="0"/>
+              </a:p>
+              <a:p>
+                <a:pPr marL="342900" indent="-342900" algn="just">
+                  <a:buFont typeface="+mj-lt"/>
+                  <a:buAutoNum type="arabicPeriod"/>
+                </a:pPr>
+                <a:r>
+                  <a:rPr lang="pt-BR" sz="1800" b="1" dirty="0" smtClean="0"/>
+                  <a:t>Visibilidade </a:t>
+                </a:r>
+                <a:r>
+                  <a:rPr lang="pt-BR" sz="1800" b="1" dirty="0"/>
+                  <a:t>em Tempo Real: </a:t>
+                </a:r>
+                <a:r>
+                  <a:rPr lang="pt-BR" sz="1800" dirty="0"/>
+                  <a:t>Acompanhamento de despesas e receitas em tempo real, permitindo ajustes imediatos no orçamento</a:t>
+                </a:r>
+                <a:r>
+                  <a:rPr lang="pt-BR" sz="1800" dirty="0" smtClean="0"/>
+                  <a:t>.</a:t>
+                </a:r>
+              </a:p>
+              <a:p>
+                <a:pPr marL="342900" indent="-342900" algn="just">
+                  <a:buFont typeface="+mj-lt"/>
+                  <a:buAutoNum type="arabicPeriod"/>
+                </a:pPr>
+                <a:endParaRPr lang="pt-BR" sz="1800" dirty="0"/>
+              </a:p>
+              <a:p>
+                <a:pPr marL="342900" indent="-342900" algn="just">
+                  <a:buFont typeface="+mj-lt"/>
+                  <a:buAutoNum type="arabicPeriod"/>
+                </a:pPr>
+                <a:r>
+                  <a:rPr lang="pt-BR" sz="1800" b="1" dirty="0" smtClean="0"/>
+                  <a:t>Personalização </a:t>
+                </a:r>
+                <a:r>
+                  <a:rPr lang="pt-BR" sz="1800" b="1" dirty="0"/>
+                  <a:t>de Metas: </a:t>
+                </a:r>
+                <a:r>
+                  <a:rPr lang="pt-BR" sz="1800" dirty="0"/>
+                  <a:t>Usuários podem definir metas financeiras personalizadas e receber recomendações baseadas em seu comportamento de gasto</a:t>
+                </a:r>
+                <a:r>
+                  <a:rPr lang="pt-BR" sz="1800" dirty="0" smtClean="0"/>
+                  <a:t>.</a:t>
+                </a:r>
+              </a:p>
+              <a:p>
+                <a:pPr marL="342900" indent="-342900" algn="just">
+                  <a:buFont typeface="+mj-lt"/>
+                  <a:buAutoNum type="arabicPeriod"/>
+                </a:pPr>
+                <a:endParaRPr lang="pt-BR" sz="1800" dirty="0"/>
+              </a:p>
+              <a:p>
+                <a:pPr marL="342900" indent="-342900" algn="just">
+                  <a:buFont typeface="+mj-lt"/>
+                  <a:buAutoNum type="arabicPeriod"/>
+                </a:pPr>
+                <a:r>
+                  <a:rPr lang="pt-BR" sz="1800" b="1" dirty="0" smtClean="0"/>
+                  <a:t>Relatórios </a:t>
+                </a:r>
+                <a:r>
+                  <a:rPr lang="pt-BR" sz="1800" b="1" dirty="0"/>
+                  <a:t>Detalhados: </a:t>
+                </a:r>
+                <a:r>
+                  <a:rPr lang="pt-BR" sz="1800" dirty="0"/>
+                  <a:t>Geração de relatórios visuais e analíticos que ajudam a identificar padrões de gasto e áreas de economia</a:t>
+                </a:r>
+                <a:r>
+                  <a:rPr lang="pt-BR" sz="1800" dirty="0" smtClean="0"/>
+                  <a:t>.</a:t>
+                </a:r>
+              </a:p>
+              <a:p>
+                <a:pPr marL="342900" indent="-342900" algn="just">
+                  <a:buFont typeface="+mj-lt"/>
+                  <a:buAutoNum type="arabicPeriod"/>
+                </a:pPr>
+                <a:endParaRPr lang="pt-BR" sz="1800" dirty="0"/>
+              </a:p>
+              <a:p>
+                <a:pPr marL="342900" indent="-342900" algn="just">
+                  <a:buFont typeface="+mj-lt"/>
+                  <a:buAutoNum type="arabicPeriod"/>
+                </a:pPr>
+                <a:r>
+                  <a:rPr lang="pt-BR" sz="1800" b="1" dirty="0" smtClean="0"/>
+                  <a:t>Segurança </a:t>
+                </a:r>
+                <a:r>
+                  <a:rPr lang="pt-BR" sz="1800" b="1" dirty="0"/>
+                  <a:t>de Dados: </a:t>
+                </a:r>
+                <a:r>
+                  <a:rPr lang="pt-BR" sz="1800" dirty="0" smtClean="0"/>
+                  <a:t>Proteção de </a:t>
+                </a:r>
+                <a:r>
+                  <a:rPr lang="pt-BR" sz="1800" dirty="0"/>
+                  <a:t>dados financeiros dos usuários, garantindo privacidade e segurança</a:t>
+                </a:r>
+                <a:r>
+                  <a:rPr lang="pt-BR" sz="1800" dirty="0" smtClean="0"/>
+                  <a:t>.</a:t>
+                </a:r>
+              </a:p>
+              <a:p>
+                <a:pPr marL="342900" indent="-342900" algn="just">
+                  <a:buFont typeface="+mj-lt"/>
+                  <a:buAutoNum type="arabicPeriod"/>
+                </a:pPr>
+                <a:endParaRPr lang="pt-BR" sz="1800" dirty="0"/>
+              </a:p>
+              <a:p>
+                <a:pPr marL="342900" indent="-342900" algn="just">
+                  <a:buFont typeface="+mj-lt"/>
+                  <a:buAutoNum type="arabicPeriod"/>
+                </a:pPr>
+                <a:r>
+                  <a:rPr lang="pt-BR" sz="1800" b="1" dirty="0"/>
+                  <a:t>Educação Financeira</a:t>
+                </a:r>
+                <a:r>
+                  <a:rPr lang="pt-BR" sz="1800" dirty="0"/>
+                  <a:t>: Oferecer conteúdos educativos, como artigos e vídeos, para ajudar os usuários a melhorar sua literacia financeira e tomar decisões mais informadas.</a:t>
+                </a:r>
+                <a:endParaRPr sz="1800" dirty="0"/>
               </a:p>
             </p:txBody>
           </p:sp>
@@ -5830,10 +6056,10 @@
           </p:nvGrpSpPr>
           <p:grpSpPr>
             <a:xfrm>
-              <a:off x="14916016" y="6745247"/>
-              <a:ext cx="9293743" cy="6822205"/>
-              <a:chOff x="0" y="0"/>
-              <a:chExt cx="9293742" cy="6822203"/>
+              <a:off x="14916016" y="4681700"/>
+              <a:ext cx="9293745" cy="8868168"/>
+              <a:chOff x="0" y="-2063546"/>
+              <a:chExt cx="9293744" cy="8868165"/>
             </a:xfrm>
           </p:grpSpPr>
           <p:grpSp>
@@ -5844,10 +6070,10 @@
             </p:nvGrpSpPr>
             <p:grpSpPr>
               <a:xfrm>
-                <a:off x="0" y="0"/>
-                <a:ext cx="9293743" cy="6822204"/>
-                <a:chOff x="0" y="0"/>
-                <a:chExt cx="9293742" cy="6822203"/>
+                <a:off x="0" y="-2063546"/>
+                <a:ext cx="9293744" cy="8868165"/>
+                <a:chOff x="0" y="-2063546"/>
+                <a:chExt cx="9293743" cy="8868164"/>
               </a:xfrm>
             </p:grpSpPr>
             <p:sp>
@@ -5858,8 +6084,8 @@
               </p:nvSpPr>
               <p:spPr>
                 <a:xfrm>
-                  <a:off x="0" y="0"/>
-                  <a:ext cx="9293743" cy="6822204"/>
+                  <a:off x="0" y="-2063546"/>
+                  <a:ext cx="9293743" cy="8868164"/>
                 </a:xfrm>
                 <a:prstGeom prst="rect">
                   <a:avLst/>
@@ -5902,7 +6128,7 @@
               </p:nvSpPr>
               <p:spPr>
                 <a:xfrm>
-                  <a:off x="179968" y="366244"/>
+                  <a:off x="290675" y="-1944860"/>
                   <a:ext cx="5481277" cy="660320"/>
                 </a:xfrm>
                 <a:prstGeom prst="rect">
@@ -5916,7 +6142,7 @@
                 <a:effectLst/>
                 <a:extLst>
                   <a:ext uri="{C572A759-6A51-4108-AA02-DFA0A04FC94B}">
-                    <ma14:wrappingTextBoxFlag xmlns="" xmlns:m="http://schemas.openxmlformats.org/officeDocument/2006/math" xmlns:a14="http://schemas.microsoft.com/office/drawing/2010/main" xmlns:ma14="http://schemas.microsoft.com/office/mac/drawingml/2011/main" val="1"/>
+                    <ma14:wrappingTextBoxFlag xmlns:ma14="http://schemas.microsoft.com/office/mac/drawingml/2011/main" xmlns:a14="http://schemas.microsoft.com/office/drawing/2010/main" xmlns:m="http://schemas.openxmlformats.org/officeDocument/2006/math" xmlns="" val="1"/>
                   </a:ext>
                 </a:extLst>
               </p:spPr>
@@ -5939,6 +6165,7 @@
                 </a:lstStyle>
                 <a:p>
                   <a:r>
+                    <a:rPr dirty="0"/>
                     <a:t>Design rules</a:t>
                   </a:r>
                 </a:p>
@@ -5953,8 +6180,8 @@
             </p:nvSpPr>
             <p:spPr>
               <a:xfrm>
-                <a:off x="259884" y="1790251"/>
-                <a:ext cx="8773974" cy="535355"/>
+                <a:off x="93762" y="-2045961"/>
+                <a:ext cx="9121334" cy="8609452"/>
               </a:xfrm>
               <a:prstGeom prst="rect">
                 <a:avLst/>
@@ -5967,7 +6194,7 @@
               <a:effectLst/>
               <a:extLst>
                 <a:ext uri="{C572A759-6A51-4108-AA02-DFA0A04FC94B}">
-                  <ma14:wrappingTextBoxFlag xmlns="" xmlns:m="http://schemas.openxmlformats.org/officeDocument/2006/math" xmlns:a14="http://schemas.microsoft.com/office/drawing/2010/main" xmlns:ma14="http://schemas.microsoft.com/office/mac/drawingml/2011/main" val="1"/>
+                  <ma14:wrappingTextBoxFlag xmlns:ma14="http://schemas.microsoft.com/office/mac/drawingml/2011/main" xmlns:a14="http://schemas.microsoft.com/office/drawing/2010/main" xmlns:m="http://schemas.openxmlformats.org/officeDocument/2006/math" xmlns="" val="1"/>
                 </a:ext>
               </a:extLst>
             </p:spPr>
@@ -5989,9 +6216,235 @@
                 </a:lvl1pPr>
               </a:lstStyle>
               <a:p>
-                <a:r>
-                  <a:t>[a preencher]</a:t>
-                </a:r>
+                <a:pPr algn="just"/>
+                <a:endParaRPr lang="pt-BR" sz="1600" b="1" dirty="0" smtClean="0"/>
+              </a:p>
+              <a:p>
+                <a:pPr algn="just"/>
+                <a:endParaRPr lang="pt-BR" sz="1800" b="1" dirty="0"/>
+              </a:p>
+              <a:p>
+                <a:pPr algn="just"/>
+                <a:endParaRPr lang="pt-BR" sz="1800" b="1" dirty="0" smtClean="0"/>
+              </a:p>
+              <a:p>
+                <a:pPr algn="just"/>
+                <a:endParaRPr lang="pt-BR" sz="1800" b="1" dirty="0"/>
+              </a:p>
+              <a:p>
+                <a:pPr algn="just"/>
+                <a:r>
+                  <a:rPr lang="pt-BR" sz="1800" b="1" dirty="0" smtClean="0"/>
+                  <a:t>Simplicidade</a:t>
+                </a:r>
+                <a:r>
+                  <a:rPr lang="pt-BR" sz="1800" b="1" dirty="0"/>
+                  <a:t>: </a:t>
+                </a:r>
+                <a:r>
+                  <a:rPr lang="pt-BR" sz="1800" dirty="0"/>
+                  <a:t>Design limpo e minimalista que facilita a navegação</a:t>
+                </a:r>
+                <a:r>
+                  <a:rPr lang="pt-BR" sz="1800" dirty="0" smtClean="0"/>
+                  <a:t>.</a:t>
+                </a:r>
+              </a:p>
+              <a:p>
+                <a:pPr algn="just"/>
+                <a:endParaRPr lang="pt-BR" sz="1800" dirty="0"/>
+              </a:p>
+              <a:p>
+                <a:pPr algn="just"/>
+                <a:r>
+                  <a:rPr lang="pt-BR" sz="1800" b="1" dirty="0" smtClean="0"/>
+                  <a:t>Consistência</a:t>
+                </a:r>
+                <a:r>
+                  <a:rPr lang="pt-BR" sz="1800" b="1" dirty="0"/>
+                  <a:t>: </a:t>
+                </a:r>
+                <a:r>
+                  <a:rPr lang="pt-BR" sz="1800" dirty="0" smtClean="0"/>
+                  <a:t>Elementos </a:t>
+                </a:r>
+                <a:r>
+                  <a:rPr lang="pt-BR" sz="1800" dirty="0"/>
+                  <a:t>visuais e interações devem ser consistentes em todas as telas</a:t>
+                </a:r>
+                <a:r>
+                  <a:rPr lang="pt-BR" sz="1800" dirty="0" smtClean="0"/>
+                  <a:t>.</a:t>
+                </a:r>
+              </a:p>
+              <a:p>
+                <a:pPr algn="just"/>
+                <a:endParaRPr lang="pt-BR" sz="1800" dirty="0"/>
+              </a:p>
+              <a:p>
+                <a:pPr algn="just"/>
+                <a:r>
+                  <a:rPr lang="pt-BR" sz="1800" b="1" dirty="0" smtClean="0"/>
+                  <a:t>Acessibilidade</a:t>
+                </a:r>
+                <a:r>
+                  <a:rPr lang="pt-BR" sz="1800" b="1" dirty="0"/>
+                  <a:t>: </a:t>
+                </a:r>
+                <a:r>
+                  <a:rPr lang="pt-BR" sz="1800" dirty="0"/>
+                  <a:t>Garantir que o aplicativo seja acessível para pessoas com </a:t>
+                </a:r>
+                <a:r>
+                  <a:rPr lang="pt-BR" sz="1800" dirty="0" smtClean="0"/>
+                  <a:t>deficiência.</a:t>
+                </a:r>
+              </a:p>
+              <a:p>
+                <a:pPr algn="just"/>
+                <a:endParaRPr lang="pt-BR" sz="1800" dirty="0"/>
+              </a:p>
+              <a:p>
+                <a:pPr algn="just"/>
+                <a:r>
+                  <a:rPr lang="pt-BR" sz="1800" b="1" dirty="0" smtClean="0"/>
+                  <a:t>Hierarquia </a:t>
+                </a:r>
+                <a:r>
+                  <a:rPr lang="pt-BR" sz="1800" b="1" dirty="0"/>
+                  <a:t>Visual: </a:t>
+                </a:r>
+                <a:r>
+                  <a:rPr lang="pt-BR" sz="1800" dirty="0"/>
+                  <a:t>Utilizar tamanho, cor e espaço para destacar informações importantes e guiar a atenção do usuário</a:t>
+                </a:r>
+                <a:r>
+                  <a:rPr lang="pt-BR" sz="1800" dirty="0" smtClean="0"/>
+                  <a:t>.</a:t>
+                </a:r>
+              </a:p>
+              <a:p>
+                <a:pPr algn="just"/>
+                <a:endParaRPr lang="pt-BR" sz="1800" dirty="0"/>
+              </a:p>
+              <a:p>
+                <a:pPr algn="just"/>
+                <a:r>
+                  <a:rPr lang="pt-BR" sz="1800" b="1" dirty="0"/>
+                  <a:t>Navegação Intuitiva</a:t>
+                </a:r>
+                <a:r>
+                  <a:rPr lang="pt-BR" sz="1800" dirty="0"/>
+                  <a:t>: Estruturar menus e opções de navegação de forma lógica e previsível, permitindo que os usuários encontrem o que precisam rapidamente</a:t>
+                </a:r>
+                <a:r>
+                  <a:rPr lang="pt-BR" sz="1800" dirty="0" smtClean="0"/>
+                  <a:t>.</a:t>
+                </a:r>
+              </a:p>
+              <a:p>
+                <a:pPr algn="just"/>
+                <a:endParaRPr lang="pt-BR" sz="1800" dirty="0"/>
+              </a:p>
+              <a:p>
+                <a:pPr algn="just"/>
+                <a:r>
+                  <a:rPr lang="pt-BR" sz="1800" b="1" dirty="0"/>
+                  <a:t>Espaçamento Adequado</a:t>
+                </a:r>
+                <a:r>
+                  <a:rPr lang="pt-BR" sz="1800" dirty="0"/>
+                  <a:t>: Garantir que os elementos tenham espaço suficiente entre si para evitar toques acidentais e facilitar a leitura</a:t>
+                </a:r>
+                <a:r>
+                  <a:rPr lang="pt-BR" sz="1800" dirty="0" smtClean="0"/>
+                  <a:t>.</a:t>
+                </a:r>
+              </a:p>
+              <a:p>
+                <a:pPr algn="just"/>
+                <a:endParaRPr lang="pt-BR" sz="1800" dirty="0"/>
+              </a:p>
+              <a:p>
+                <a:pPr algn="just"/>
+                <a:r>
+                  <a:rPr lang="pt-BR" sz="1800" b="1" dirty="0"/>
+                  <a:t>Tipografia Clara: </a:t>
+                </a:r>
+                <a:r>
+                  <a:rPr lang="pt-BR" sz="1800" dirty="0"/>
+                  <a:t>Usar fontes legíveis e consistentes, priorizando a clareza em tamanhos de texto e hierarquia visual</a:t>
+                </a:r>
+                <a:r>
+                  <a:rPr lang="pt-BR" sz="1800" dirty="0" smtClean="0"/>
+                  <a:t>.</a:t>
+                </a:r>
+              </a:p>
+              <a:p>
+                <a:pPr algn="just"/>
+                <a:endParaRPr lang="pt-BR" sz="1800" dirty="0"/>
+              </a:p>
+              <a:p>
+                <a:pPr algn="just"/>
+                <a:r>
+                  <a:rPr lang="pt-BR" sz="1800" b="1" dirty="0" smtClean="0"/>
+                  <a:t>Cores: </a:t>
+                </a:r>
+                <a:r>
+                  <a:rPr lang="pt-BR" sz="1800" dirty="0"/>
+                  <a:t>Aplicar cores de forma estratégica para transmitir emoções e priorizar </a:t>
+                </a:r>
+                <a:r>
+                  <a:rPr lang="pt-BR" sz="1800" dirty="0" smtClean="0"/>
+                  <a:t>informações.</a:t>
+                </a:r>
+              </a:p>
+              <a:p>
+                <a:pPr algn="just"/>
+                <a:endParaRPr lang="pt-BR" sz="1800" dirty="0"/>
+              </a:p>
+              <a:p>
+                <a:pPr algn="just"/>
+                <a:r>
+                  <a:rPr lang="pt-BR" sz="1800" b="1" dirty="0"/>
+                  <a:t>Responsividade: </a:t>
+                </a:r>
+                <a:r>
+                  <a:rPr lang="pt-BR" sz="1800" dirty="0"/>
+                  <a:t>Garantir que o design funcione bem em diferentes tamanhos de tela, desde </a:t>
+                </a:r>
+                <a:r>
+                  <a:rPr lang="pt-BR" sz="1800" dirty="0" smtClean="0"/>
+                  <a:t>smartphones </a:t>
+                </a:r>
+                <a:r>
+                  <a:rPr lang="pt-BR" sz="1800" dirty="0"/>
+                  <a:t>até tablets</a:t>
+                </a:r>
+                <a:r>
+                  <a:rPr lang="pt-BR" sz="1800" dirty="0" smtClean="0"/>
+                  <a:t>.</a:t>
+                </a:r>
+              </a:p>
+              <a:p>
+                <a:pPr algn="just"/>
+                <a:endParaRPr lang="pt-BR" sz="1800" dirty="0"/>
+              </a:p>
+              <a:p>
+                <a:pPr algn="just"/>
+                <a:r>
+                  <a:rPr lang="pt-BR" sz="1800" b="1" dirty="0" smtClean="0"/>
+                  <a:t>Acessibilidade</a:t>
+                </a:r>
+                <a:r>
+                  <a:rPr lang="pt-BR" sz="1800" b="1" dirty="0"/>
+                  <a:t>: </a:t>
+                </a:r>
+                <a:r>
+                  <a:rPr lang="pt-BR" sz="1800" dirty="0"/>
+                  <a:t>Incluir opções de contraste alto e suporte a leitores de tela, garantindo que todos os usuários possam acessar e utilizar o aplicativo.</a:t>
+                </a:r>
+                <a:endParaRPr sz="1800" dirty="0"/>
               </a:p>
             </p:txBody>
           </p:sp>
@@ -6005,9 +6458,9 @@
           <p:grpSpPr>
             <a:xfrm>
               <a:off x="8758886" y="18224"/>
-              <a:ext cx="6082616" cy="6612461"/>
+              <a:ext cx="6082617" cy="6612462"/>
               <a:chOff x="0" y="0"/>
-              <a:chExt cx="6082614" cy="6612459"/>
+              <a:chExt cx="6082615" cy="6612460"/>
             </a:xfrm>
           </p:grpSpPr>
           <p:grpSp>
@@ -6090,7 +6543,7 @@
                 <a:effectLst/>
                 <a:extLst>
                   <a:ext uri="{C572A759-6A51-4108-AA02-DFA0A04FC94B}">
-                    <ma14:wrappingTextBoxFlag xmlns="" xmlns:m="http://schemas.openxmlformats.org/officeDocument/2006/math" xmlns:a14="http://schemas.microsoft.com/office/drawing/2010/main" xmlns:ma14="http://schemas.microsoft.com/office/mac/drawingml/2011/main" val="1"/>
+                    <ma14:wrappingTextBoxFlag xmlns:ma14="http://schemas.microsoft.com/office/mac/drawingml/2011/main" xmlns:a14="http://schemas.microsoft.com/office/drawing/2010/main" xmlns:m="http://schemas.openxmlformats.org/officeDocument/2006/math" xmlns="" val="1"/>
                   </a:ext>
                 </a:extLst>
               </p:spPr>
@@ -6113,6 +6566,7 @@
                 </a:lstStyle>
                 <a:p>
                   <a:r>
+                    <a:rPr dirty="0"/>
                     <a:t>Platform/Technologies</a:t>
                   </a:r>
                 </a:p>
@@ -6127,8 +6581,8 @@
             </p:nvSpPr>
             <p:spPr>
               <a:xfrm>
-                <a:off x="232991" y="1803447"/>
-                <a:ext cx="5342004" cy="535355"/>
+                <a:off x="232991" y="1421244"/>
+                <a:ext cx="5342004" cy="1299762"/>
               </a:xfrm>
               <a:prstGeom prst="rect">
                 <a:avLst/>
@@ -6141,7 +6595,7 @@
               <a:effectLst/>
               <a:extLst>
                 <a:ext uri="{C572A759-6A51-4108-AA02-DFA0A04FC94B}">
-                  <ma14:wrappingTextBoxFlag xmlns="" xmlns:m="http://schemas.openxmlformats.org/officeDocument/2006/math" xmlns:a14="http://schemas.microsoft.com/office/drawing/2010/main" xmlns:ma14="http://schemas.microsoft.com/office/mac/drawingml/2011/main" val="1"/>
+                  <ma14:wrappingTextBoxFlag xmlns:ma14="http://schemas.microsoft.com/office/mac/drawingml/2011/main" xmlns:a14="http://schemas.microsoft.com/office/drawing/2010/main" xmlns:m="http://schemas.openxmlformats.org/officeDocument/2006/math" xmlns="" val="1"/>
                 </a:ext>
               </a:extLst>
             </p:spPr>
@@ -6163,9 +6617,35 @@
                 </a:lvl1pPr>
               </a:lstStyle>
               <a:p>
-                <a:r>
-                  <a:t>[a preencher]</a:t>
-                </a:r>
+                <a:pPr marL="514350" indent="-514350">
+                  <a:buFont typeface="+mj-lt"/>
+                  <a:buAutoNum type="arabicPeriod"/>
+                </a:pPr>
+                <a:r>
+                  <a:rPr lang="pt-BR" dirty="0" smtClean="0"/>
+                  <a:t>APIs</a:t>
+                </a:r>
+              </a:p>
+              <a:p>
+                <a:pPr marL="514350" indent="-514350">
+                  <a:buFont typeface="+mj-lt"/>
+                  <a:buAutoNum type="arabicPeriod"/>
+                </a:pPr>
+                <a:r>
+                  <a:rPr lang="pt-BR" dirty="0" smtClean="0"/>
+                  <a:t>Backend</a:t>
+                </a:r>
+              </a:p>
+              <a:p>
+                <a:pPr marL="514350" indent="-514350">
+                  <a:buFont typeface="+mj-lt"/>
+                  <a:buAutoNum type="arabicPeriod"/>
+                </a:pPr>
+                <a:r>
+                  <a:rPr lang="pt-BR" dirty="0" smtClean="0"/>
+                  <a:t>Mobile</a:t>
+                </a:r>
+                <a:endParaRPr dirty="0"/>
               </a:p>
             </p:txBody>
           </p:sp>
@@ -6178,10 +6658,10 @@
           </p:nvGrpSpPr>
           <p:grpSpPr>
             <a:xfrm>
-              <a:off x="0" y="6749650"/>
-              <a:ext cx="14846076" cy="6813399"/>
-              <a:chOff x="0" y="0"/>
-              <a:chExt cx="14846075" cy="6813398"/>
+              <a:off x="0" y="6278266"/>
+              <a:ext cx="14846078" cy="7284785"/>
+              <a:chOff x="0" y="-471384"/>
+              <a:chExt cx="14846077" cy="7284784"/>
             </a:xfrm>
           </p:grpSpPr>
           <p:grpSp>
@@ -6193,9 +6673,9 @@
             <p:grpSpPr>
               <a:xfrm>
                 <a:off x="0" y="0"/>
-                <a:ext cx="14846076" cy="6813399"/>
+                <a:ext cx="14846077" cy="6813400"/>
                 <a:chOff x="0" y="0"/>
-                <a:chExt cx="14846075" cy="6813398"/>
+                <a:chExt cx="14846076" cy="6813399"/>
               </a:xfrm>
             </p:grpSpPr>
             <p:sp>
@@ -6298,7 +6778,7 @@
                 <a:effectLst/>
                 <a:extLst>
                   <a:ext uri="{C572A759-6A51-4108-AA02-DFA0A04FC94B}">
-                    <ma14:wrappingTextBoxFlag xmlns="" xmlns:m="http://schemas.openxmlformats.org/officeDocument/2006/math" xmlns:a14="http://schemas.microsoft.com/office/drawing/2010/main" xmlns:ma14="http://schemas.microsoft.com/office/mac/drawingml/2011/main" val="1"/>
+                    <ma14:wrappingTextBoxFlag xmlns:ma14="http://schemas.microsoft.com/office/mac/drawingml/2011/main" xmlns:a14="http://schemas.microsoft.com/office/drawing/2010/main" xmlns:m="http://schemas.openxmlformats.org/officeDocument/2006/math" xmlns="" val="1"/>
                   </a:ext>
                 </a:extLst>
               </p:spPr>
@@ -6321,6 +6801,7 @@
                 </a:lstStyle>
                 <a:p>
                   <a:r>
+                    <a:rPr dirty="0"/>
                     <a:t>Requirements</a:t>
                   </a:r>
                 </a:p>
@@ -6335,8 +6816,8 @@
             </p:nvSpPr>
             <p:spPr>
               <a:xfrm>
-                <a:off x="345817" y="1984299"/>
-                <a:ext cx="11130600" cy="1"/>
+                <a:off x="429702" y="-471384"/>
+                <a:ext cx="13748897" cy="6701239"/>
               </a:xfrm>
               <a:custGeom>
                 <a:avLst/>
@@ -6383,12 +6864,12 @@
               <a:effectLst/>
               <a:extLst>
                 <a:ext uri="{C572A759-6A51-4108-AA02-DFA0A04FC94B}">
-                  <ma14:wrappingTextBoxFlag xmlns="" xmlns:m="http://schemas.openxmlformats.org/officeDocument/2006/math" xmlns:a14="http://schemas.microsoft.com/office/drawing/2010/main" xmlns:ma14="http://schemas.microsoft.com/office/mac/drawingml/2011/main" val="1"/>
+                  <ma14:wrappingTextBoxFlag xmlns:ma14="http://schemas.microsoft.com/office/mac/drawingml/2011/main" xmlns:a14="http://schemas.microsoft.com/office/drawing/2010/main" xmlns:m="http://schemas.openxmlformats.org/officeDocument/2006/math" xmlns="" val="1"/>
                 </a:ext>
               </a:extLst>
             </p:spPr>
             <p:txBody>
-              <a:bodyPr wrap="square" lIns="26376" tIns="26376" rIns="26376" bIns="26376" numCol="1" anchor="ctr">
+              <a:bodyPr wrap="square" lIns="26376" tIns="26376" rIns="26376" bIns="26376" numCol="2" anchor="ctr">
                 <a:spAutoFit/>
               </a:bodyPr>
               <a:lstStyle>
@@ -6405,9 +6886,397 @@
                 </a:lvl1pPr>
               </a:lstStyle>
               <a:p>
-                <a:r>
-                  <a:t>[a preencher]</a:t>
-                </a:r>
+                <a:pPr algn="just"/>
+                <a:endParaRPr lang="pt-BR" sz="1800" dirty="0" smtClean="0"/>
+              </a:p>
+              <a:p>
+                <a:pPr algn="just"/>
+                <a:endParaRPr lang="pt-BR" sz="1800" dirty="0"/>
+              </a:p>
+              <a:p>
+                <a:pPr algn="just"/>
+                <a:endParaRPr lang="pt-BR" sz="1800" dirty="0" smtClean="0"/>
+              </a:p>
+              <a:p>
+                <a:pPr algn="just"/>
+                <a:endParaRPr lang="pt-BR" sz="1800" dirty="0"/>
+              </a:p>
+              <a:p>
+                <a:pPr algn="just"/>
+                <a:endParaRPr lang="pt-BR" sz="1800" dirty="0" smtClean="0"/>
+              </a:p>
+              <a:p>
+                <a:pPr algn="just"/>
+                <a:endParaRPr lang="pt-BR" sz="1800" dirty="0"/>
+              </a:p>
+              <a:p>
+                <a:pPr algn="just"/>
+                <a:r>
+                  <a:rPr lang="pt-BR" sz="1800" b="1" dirty="0" smtClean="0"/>
+                  <a:t>Funcionalidades </a:t>
+                </a:r>
+                <a:r>
+                  <a:rPr lang="pt-BR" sz="1800" b="1" dirty="0"/>
+                  <a:t>Principais</a:t>
+                </a:r>
+                <a:r>
+                  <a:rPr lang="pt-BR" sz="1800" b="1" dirty="0" smtClean="0"/>
+                  <a:t>:</a:t>
+                </a:r>
+              </a:p>
+              <a:p>
+                <a:pPr algn="just"/>
+                <a:endParaRPr lang="pt-BR" sz="1800" b="1" dirty="0"/>
+              </a:p>
+              <a:p>
+                <a:pPr marL="285750" indent="-285750" algn="just">
+                  <a:buFont typeface="Arial" panose="020B0604020202020204" pitchFamily="34" charset="0"/>
+                  <a:buChar char="•"/>
+                </a:pPr>
+                <a:r>
+                  <a:rPr lang="pt-BR" sz="1800" dirty="0" smtClean="0"/>
+                  <a:t>Registro </a:t>
+                </a:r>
+                <a:r>
+                  <a:rPr lang="pt-BR" sz="1800" dirty="0"/>
+                  <a:t>e categorização de despesas e receitas</a:t>
+                </a:r>
+                <a:r>
+                  <a:rPr lang="pt-BR" sz="1800" dirty="0" smtClean="0"/>
+                  <a:t>.</a:t>
+                </a:r>
+              </a:p>
+              <a:p>
+                <a:pPr marL="285750" indent="-285750" algn="just">
+                  <a:buFont typeface="Arial" panose="020B0604020202020204" pitchFamily="34" charset="0"/>
+                  <a:buChar char="•"/>
+                </a:pPr>
+                <a:r>
+                  <a:rPr lang="pt-BR" sz="1800" dirty="0" smtClean="0"/>
+                  <a:t>Criação </a:t>
+                </a:r>
+                <a:r>
+                  <a:rPr lang="pt-BR" sz="1800" dirty="0"/>
+                  <a:t>e acompanhamento de orçamentos mensais</a:t>
+                </a:r>
+                <a:r>
+                  <a:rPr lang="pt-BR" sz="1800" dirty="0" smtClean="0"/>
+                  <a:t>.</a:t>
+                </a:r>
+              </a:p>
+              <a:p>
+                <a:pPr marL="285750" indent="-285750" algn="just">
+                  <a:buFont typeface="Arial" panose="020B0604020202020204" pitchFamily="34" charset="0"/>
+                  <a:buChar char="•"/>
+                </a:pPr>
+                <a:r>
+                  <a:rPr lang="pt-BR" sz="1800" dirty="0" smtClean="0"/>
+                  <a:t>Definição </a:t>
+                </a:r>
+                <a:r>
+                  <a:rPr lang="pt-BR" sz="1800" dirty="0"/>
+                  <a:t>e monitoramento de metas financeiras</a:t>
+                </a:r>
+                <a:r>
+                  <a:rPr lang="pt-BR" sz="1800" dirty="0" smtClean="0"/>
+                  <a:t>.</a:t>
+                </a:r>
+              </a:p>
+              <a:p>
+                <a:pPr marL="285750" indent="-285750" algn="just">
+                  <a:buFont typeface="Arial" panose="020B0604020202020204" pitchFamily="34" charset="0"/>
+                  <a:buChar char="•"/>
+                </a:pPr>
+                <a:r>
+                  <a:rPr lang="pt-BR" sz="1800" dirty="0" smtClean="0"/>
+                  <a:t>Geração </a:t>
+                </a:r>
+                <a:r>
+                  <a:rPr lang="pt-BR" sz="1800" dirty="0"/>
+                  <a:t>de relatórios analíticos e gráficos</a:t>
+                </a:r>
+                <a:r>
+                  <a:rPr lang="pt-BR" sz="1800" dirty="0" smtClean="0"/>
+                  <a:t>.</a:t>
+                </a:r>
+              </a:p>
+              <a:p>
+                <a:pPr algn="just"/>
+                <a:endParaRPr lang="pt-BR" sz="1800" dirty="0"/>
+              </a:p>
+              <a:p>
+                <a:pPr algn="just"/>
+                <a:r>
+                  <a:rPr lang="pt-BR" sz="1800" b="1" dirty="0" smtClean="0"/>
+                  <a:t>Não </a:t>
+                </a:r>
+                <a:r>
+                  <a:rPr lang="pt-BR" sz="1800" b="1" dirty="0"/>
+                  <a:t>Funcionais</a:t>
+                </a:r>
+                <a:r>
+                  <a:rPr lang="pt-BR" sz="1800" b="1" dirty="0" smtClean="0"/>
+                  <a:t>:</a:t>
+                </a:r>
+              </a:p>
+              <a:p>
+                <a:pPr algn="just"/>
+                <a:endParaRPr lang="pt-BR" sz="1800" b="1" dirty="0"/>
+              </a:p>
+              <a:p>
+                <a:pPr marL="285750" indent="-285750" algn="just">
+                  <a:buFont typeface="Arial" panose="020B0604020202020204" pitchFamily="34" charset="0"/>
+                  <a:buChar char="•"/>
+                </a:pPr>
+                <a:r>
+                  <a:rPr lang="pt-BR" sz="1800" b="1" dirty="0" smtClean="0"/>
+                  <a:t>Performance: </a:t>
+                </a:r>
+                <a:r>
+                  <a:rPr lang="pt-BR" sz="1800" dirty="0" smtClean="0"/>
+                  <a:t>Tempo </a:t>
+                </a:r>
+                <a:r>
+                  <a:rPr lang="pt-BR" sz="1800" dirty="0"/>
+                  <a:t>de resposta, </a:t>
+                </a:r>
+                <a:r>
+                  <a:rPr lang="pt-BR" sz="1800" dirty="0" smtClean="0"/>
+                  <a:t>escalabilidade.</a:t>
+                </a:r>
+                <a:endParaRPr lang="pt-BR" sz="1800" dirty="0"/>
+              </a:p>
+              <a:p>
+                <a:pPr marL="285750" indent="-285750" algn="just">
+                  <a:buFont typeface="Arial" panose="020B0604020202020204" pitchFamily="34" charset="0"/>
+                  <a:buChar char="•"/>
+                </a:pPr>
+                <a:r>
+                  <a:rPr lang="pt-BR" sz="1800" b="1" dirty="0" smtClean="0"/>
+                  <a:t>Acessibilidade: </a:t>
+                </a:r>
+                <a:r>
+                  <a:rPr lang="pt-BR" sz="1800" dirty="0" smtClean="0"/>
+                  <a:t>Compatibilidade </a:t>
+                </a:r>
+                <a:r>
+                  <a:rPr lang="pt-BR" sz="1800" dirty="0"/>
+                  <a:t>com dispositivos assistivos</a:t>
+                </a:r>
+                <a:r>
+                  <a:rPr lang="pt-BR" sz="1800" dirty="0" smtClean="0"/>
+                  <a:t>).</a:t>
+                </a:r>
+              </a:p>
+              <a:p>
+                <a:pPr marL="285750" indent="-285750" algn="just">
+                  <a:buFont typeface="Arial" panose="020B0604020202020204" pitchFamily="34" charset="0"/>
+                  <a:buChar char="•"/>
+                </a:pPr>
+                <a:r>
+                  <a:rPr lang="pt-BR" sz="1800" b="1" dirty="0"/>
+                  <a:t>Escalabilidade: </a:t>
+                </a:r>
+                <a:r>
+                  <a:rPr lang="pt-BR" sz="1800" dirty="0"/>
+                  <a:t>O sistema deve ser capaz de lidar com um número crescente de usuários sem perda de performance</a:t>
+                </a:r>
+                <a:r>
+                  <a:rPr lang="pt-BR" sz="1800" dirty="0" smtClean="0"/>
+                  <a:t>.</a:t>
+                </a:r>
+              </a:p>
+              <a:p>
+                <a:pPr marL="285750" indent="-285750" algn="just">
+                  <a:buFont typeface="Arial" panose="020B0604020202020204" pitchFamily="34" charset="0"/>
+                  <a:buChar char="•"/>
+                </a:pPr>
+                <a:r>
+                  <a:rPr lang="pt-BR" sz="1800" b="1" dirty="0" smtClean="0"/>
+                  <a:t>Compatibilidade: </a:t>
+                </a:r>
+                <a:r>
+                  <a:rPr lang="pt-BR" sz="1800" dirty="0"/>
+                  <a:t>O aplicativo deve ser acessível tanto em dispositivos móveis quanto em desktop</a:t>
+                </a:r>
+                <a:r>
+                  <a:rPr lang="pt-BR" sz="1800" dirty="0" smtClean="0"/>
+                  <a:t>.</a:t>
+                </a:r>
+              </a:p>
+              <a:p>
+                <a:pPr marL="285750" indent="-285750" algn="just">
+                  <a:buFont typeface="Arial" panose="020B0604020202020204" pitchFamily="34" charset="0"/>
+                  <a:buChar char="•"/>
+                </a:pPr>
+                <a:r>
+                  <a:rPr lang="pt-BR" sz="1800" b="1" dirty="0" smtClean="0"/>
+                  <a:t>Manutenção: </a:t>
+                </a:r>
+                <a:r>
+                  <a:rPr lang="pt-BR" sz="1800" dirty="0"/>
+                  <a:t>Estabelecer um plano de </a:t>
+                </a:r>
+                <a:r>
+                  <a:rPr lang="pt-BR" sz="1800" dirty="0" smtClean="0"/>
+                  <a:t>manutenção.</a:t>
+                </a:r>
+              </a:p>
+              <a:p>
+                <a:pPr marL="285750" indent="-285750" algn="just">
+                  <a:buFont typeface="Arial" panose="020B0604020202020204" pitchFamily="34" charset="0"/>
+                  <a:buChar char="•"/>
+                </a:pPr>
+                <a:endParaRPr lang="pt-BR" sz="1800" dirty="0"/>
+              </a:p>
+              <a:p>
+                <a:pPr marL="285750" indent="-285750" algn="just">
+                  <a:buFont typeface="Arial" panose="020B0604020202020204" pitchFamily="34" charset="0"/>
+                  <a:buChar char="•"/>
+                </a:pPr>
+                <a:endParaRPr lang="pt-BR" sz="1800" dirty="0" smtClean="0"/>
+              </a:p>
+              <a:p>
+                <a:pPr marL="285750" indent="-285750" algn="just">
+                  <a:buFont typeface="Arial" panose="020B0604020202020204" pitchFamily="34" charset="0"/>
+                  <a:buChar char="•"/>
+                </a:pPr>
+                <a:endParaRPr lang="pt-BR" sz="1800" dirty="0"/>
+              </a:p>
+              <a:p>
+                <a:pPr marL="285750" indent="-285750" algn="just">
+                  <a:buFont typeface="Arial" panose="020B0604020202020204" pitchFamily="34" charset="0"/>
+                  <a:buChar char="•"/>
+                </a:pPr>
+                <a:endParaRPr lang="pt-BR" sz="1800" dirty="0" smtClean="0"/>
+              </a:p>
+              <a:p>
+                <a:pPr marL="285750" indent="-285750" algn="just">
+                  <a:buFont typeface="Arial" panose="020B0604020202020204" pitchFamily="34" charset="0"/>
+                  <a:buChar char="•"/>
+                </a:pPr>
+                <a:endParaRPr lang="pt-BR" sz="1800" dirty="0"/>
+              </a:p>
+              <a:p>
+                <a:pPr marL="285750" indent="-285750" algn="just">
+                  <a:buFont typeface="Arial" panose="020B0604020202020204" pitchFamily="34" charset="0"/>
+                  <a:buChar char="•"/>
+                </a:pPr>
+                <a:endParaRPr lang="pt-BR" sz="1800" dirty="0" smtClean="0"/>
+              </a:p>
+              <a:p>
+                <a:pPr algn="just"/>
+                <a:endParaRPr lang="pt-BR" sz="1800" dirty="0" smtClean="0"/>
+              </a:p>
+              <a:p>
+                <a:pPr algn="just"/>
+                <a:endParaRPr lang="pt-BR" sz="1800" dirty="0"/>
+              </a:p>
+              <a:p>
+                <a:pPr algn="just"/>
+                <a:r>
+                  <a:rPr lang="pt-BR" sz="1800" b="1" dirty="0" smtClean="0"/>
+                  <a:t>Requisitos </a:t>
+                </a:r>
+                <a:r>
+                  <a:rPr lang="pt-BR" sz="1800" b="1" dirty="0"/>
+                  <a:t>Técnicos</a:t>
+                </a:r>
+                <a:r>
+                  <a:rPr lang="pt-BR" sz="1800" b="1" dirty="0" smtClean="0"/>
+                  <a:t>:</a:t>
+                </a:r>
+              </a:p>
+              <a:p>
+                <a:pPr algn="just"/>
+                <a:endParaRPr lang="pt-BR" sz="1800" b="1" dirty="0" smtClean="0"/>
+              </a:p>
+              <a:p>
+                <a:pPr marL="285750" indent="-285750" algn="just">
+                  <a:buFont typeface="Arial" panose="020B0604020202020204" pitchFamily="34" charset="0"/>
+                  <a:buChar char="•"/>
+                </a:pPr>
+                <a:r>
+                  <a:rPr lang="pt-BR" sz="1800" dirty="0" smtClean="0"/>
+                  <a:t>Compatibilidade </a:t>
+                </a:r>
+                <a:r>
+                  <a:rPr lang="pt-BR" sz="1800" dirty="0"/>
+                  <a:t>com diferentes versões de sistemas operacionais</a:t>
+                </a:r>
+                <a:r>
+                  <a:rPr lang="pt-BR" sz="1800" dirty="0" smtClean="0"/>
+                  <a:t>.</a:t>
+                </a:r>
+              </a:p>
+              <a:p>
+                <a:pPr marL="285750" indent="-285750" algn="just">
+                  <a:buFont typeface="Arial" panose="020B0604020202020204" pitchFamily="34" charset="0"/>
+                  <a:buChar char="•"/>
+                </a:pPr>
+                <a:r>
+                  <a:rPr lang="pt-BR" sz="1800" dirty="0" smtClean="0"/>
+                  <a:t>Integrações </a:t>
+                </a:r>
+                <a:r>
+                  <a:rPr lang="pt-BR" sz="1800" dirty="0"/>
+                  <a:t>com serviços </a:t>
+                </a:r>
+                <a:r>
+                  <a:rPr lang="pt-BR" sz="1800" dirty="0" smtClean="0"/>
+                  <a:t>externos.</a:t>
+                </a:r>
+              </a:p>
+              <a:p>
+                <a:pPr marL="285750" indent="-285750" algn="just">
+                  <a:buFont typeface="Arial" panose="020B0604020202020204" pitchFamily="34" charset="0"/>
+                  <a:buChar char="•"/>
+                </a:pPr>
+                <a:r>
+                  <a:rPr lang="pt-BR" sz="1800" dirty="0" smtClean="0"/>
+                  <a:t>Funcionalidade offline.</a:t>
+                </a:r>
+              </a:p>
+              <a:p>
+                <a:pPr marL="285750" indent="-285750" algn="just">
+                  <a:buFont typeface="Arial" panose="020B0604020202020204" pitchFamily="34" charset="0"/>
+                  <a:buChar char="•"/>
+                </a:pPr>
+                <a:r>
+                  <a:rPr lang="pt-BR" sz="1800" b="1" dirty="0"/>
+                  <a:t>Sistema de Autenticação</a:t>
+                </a:r>
+                <a:r>
+                  <a:rPr lang="pt-BR" sz="1800" dirty="0"/>
+                  <a:t>: Implementar autenticação segura, </a:t>
+                </a:r>
+                <a:r>
+                  <a:rPr lang="pt-BR" sz="1800" dirty="0" smtClean="0"/>
+                  <a:t>como biometria </a:t>
+                </a:r>
+                <a:r>
+                  <a:rPr lang="pt-BR" sz="1800" dirty="0"/>
+                  <a:t>(impressão digital ou reconhecimento facial</a:t>
+                </a:r>
+                <a:r>
+                  <a:rPr lang="pt-BR" sz="1800" dirty="0" smtClean="0"/>
+                  <a:t>).</a:t>
+                </a:r>
+              </a:p>
+              <a:p>
+                <a:pPr marL="285750" indent="-285750" algn="just">
+                  <a:buFont typeface="Arial" panose="020B0604020202020204" pitchFamily="34" charset="0"/>
+                  <a:buChar char="•"/>
+                </a:pPr>
+                <a:r>
+                  <a:rPr lang="pt-BR" sz="1800" b="1" dirty="0"/>
+                  <a:t>Notificações Push</a:t>
+                </a:r>
+                <a:r>
+                  <a:rPr lang="pt-BR" sz="1800" dirty="0"/>
+                  <a:t>: Implementar notificações push para alertas sobre vencimentos, lembretes e dicas financeiras.</a:t>
+                </a:r>
+                <a:endParaRPr sz="1800" dirty="0"/>
               </a:p>
             </p:txBody>
           </p:sp>
@@ -6420,10 +7289,10 @@
           </p:nvGrpSpPr>
           <p:grpSpPr>
             <a:xfrm>
-              <a:off x="14923574" y="19594"/>
-              <a:ext cx="9293743" cy="6648909"/>
-              <a:chOff x="0" y="0"/>
-              <a:chExt cx="9293742" cy="6648908"/>
+              <a:off x="14923574" y="19595"/>
+              <a:ext cx="9293745" cy="4438562"/>
+              <a:chOff x="0" y="1"/>
+              <a:chExt cx="9293744" cy="4438561"/>
             </a:xfrm>
           </p:grpSpPr>
           <p:grpSp>
@@ -6434,10 +7303,10 @@
             </p:nvGrpSpPr>
             <p:grpSpPr>
               <a:xfrm>
-                <a:off x="0" y="0"/>
-                <a:ext cx="9293743" cy="6648909"/>
-                <a:chOff x="0" y="0"/>
-                <a:chExt cx="9293742" cy="6648908"/>
+                <a:off x="0" y="1"/>
+                <a:ext cx="9293744" cy="4438561"/>
+                <a:chOff x="0" y="1"/>
+                <a:chExt cx="9293743" cy="4438560"/>
               </a:xfrm>
             </p:grpSpPr>
             <p:sp>
@@ -6448,8 +7317,8 @@
               </p:nvSpPr>
               <p:spPr>
                 <a:xfrm>
-                  <a:off x="0" y="0"/>
-                  <a:ext cx="9293743" cy="6648909"/>
+                  <a:off x="0" y="1"/>
+                  <a:ext cx="9293743" cy="4438560"/>
                 </a:xfrm>
                 <a:prstGeom prst="rect">
                   <a:avLst/>
@@ -6506,7 +7375,7 @@
                 <a:effectLst/>
                 <a:extLst>
                   <a:ext uri="{C572A759-6A51-4108-AA02-DFA0A04FC94B}">
-                    <ma14:wrappingTextBoxFlag xmlns="" xmlns:m="http://schemas.openxmlformats.org/officeDocument/2006/math" xmlns:a14="http://schemas.microsoft.com/office/drawing/2010/main" xmlns:ma14="http://schemas.microsoft.com/office/mac/drawingml/2011/main" val="1"/>
+                    <ma14:wrappingTextBoxFlag xmlns:ma14="http://schemas.microsoft.com/office/mac/drawingml/2011/main" xmlns:a14="http://schemas.microsoft.com/office/drawing/2010/main" xmlns:m="http://schemas.openxmlformats.org/officeDocument/2006/math" xmlns="" val="1"/>
                   </a:ext>
                 </a:extLst>
               </p:spPr>
@@ -6529,6 +7398,7 @@
                 </a:lstStyle>
                 <a:p>
                   <a:r>
+                    <a:rPr dirty="0"/>
                     <a:t>Prototype Test Strategy</a:t>
                   </a:r>
                 </a:p>
@@ -6543,8 +7413,8 @@
             </p:nvSpPr>
             <p:spPr>
               <a:xfrm>
-                <a:off x="333917" y="1952821"/>
-                <a:ext cx="8680777" cy="535355"/>
+                <a:off x="306483" y="960716"/>
+                <a:ext cx="8680777" cy="3100254"/>
               </a:xfrm>
               <a:prstGeom prst="rect">
                 <a:avLst/>
@@ -6557,7 +7427,7 @@
               <a:effectLst/>
               <a:extLst>
                 <a:ext uri="{C572A759-6A51-4108-AA02-DFA0A04FC94B}">
-                  <ma14:wrappingTextBoxFlag xmlns="" xmlns:m="http://schemas.openxmlformats.org/officeDocument/2006/math" xmlns:a14="http://schemas.microsoft.com/office/drawing/2010/main" xmlns:ma14="http://schemas.microsoft.com/office/mac/drawingml/2011/main" val="1"/>
+                  <ma14:wrappingTextBoxFlag xmlns:ma14="http://schemas.microsoft.com/office/mac/drawingml/2011/main" xmlns:a14="http://schemas.microsoft.com/office/drawing/2010/main" xmlns:m="http://schemas.openxmlformats.org/officeDocument/2006/math" xmlns="" val="1"/>
                 </a:ext>
               </a:extLst>
             </p:spPr>
@@ -6579,9 +7449,98 @@
                 </a:lvl1pPr>
               </a:lstStyle>
               <a:p>
-                <a:r>
-                  <a:t>[a preencher]</a:t>
-                </a:r>
+                <a:pPr marL="342900" indent="-342900" algn="just">
+                  <a:buFont typeface="+mj-lt"/>
+                  <a:buAutoNum type="arabicPeriod"/>
+                </a:pPr>
+                <a:r>
+                  <a:rPr lang="pt-BR" sz="1800" b="1" dirty="0"/>
+                  <a:t>Testes de Usabilidade</a:t>
+                </a:r>
+                <a:r>
+                  <a:rPr lang="pt-BR" sz="1800" dirty="0"/>
+                  <a:t>: Conduzir sessões de testes com usuários para observar a interação e a experiência com o protótipo</a:t>
+                </a:r>
+                <a:r>
+                  <a:rPr lang="pt-BR" sz="1800" dirty="0" smtClean="0"/>
+                  <a:t>.</a:t>
+                </a:r>
+              </a:p>
+              <a:p>
+                <a:pPr marL="342900" indent="-342900" algn="just">
+                  <a:buFont typeface="+mj-lt"/>
+                  <a:buAutoNum type="arabicPeriod"/>
+                </a:pPr>
+                <a:endParaRPr lang="pt-BR" sz="1800" dirty="0"/>
+              </a:p>
+              <a:p>
+                <a:pPr marL="342900" indent="-342900" algn="just">
+                  <a:buFont typeface="+mj-lt"/>
+                  <a:buAutoNum type="arabicPeriod"/>
+                </a:pPr>
+                <a:r>
+                  <a:rPr lang="pt-BR" sz="1800" b="1" dirty="0"/>
+                  <a:t>Feedback Contínuo</a:t>
+                </a:r>
+                <a:r>
+                  <a:rPr lang="pt-BR" sz="1800" dirty="0"/>
+                  <a:t>: Implementar formas de coleta de feedback direto no aplicativo (ex: pesquisas, comentários</a:t>
+                </a:r>
+                <a:r>
+                  <a:rPr lang="pt-BR" sz="1800" dirty="0" smtClean="0"/>
+                  <a:t>).</a:t>
+                </a:r>
+              </a:p>
+              <a:p>
+                <a:pPr marL="342900" indent="-342900" algn="just">
+                  <a:buFont typeface="+mj-lt"/>
+                  <a:buAutoNum type="arabicPeriod"/>
+                </a:pPr>
+                <a:endParaRPr lang="pt-BR" sz="1800" dirty="0"/>
+              </a:p>
+              <a:p>
+                <a:pPr marL="342900" indent="-342900" algn="just">
+                  <a:buFont typeface="+mj-lt"/>
+                  <a:buAutoNum type="arabicPeriod"/>
+                </a:pPr>
+                <a:r>
+                  <a:rPr lang="pt-BR" sz="1800" b="1" dirty="0" smtClean="0"/>
+                  <a:t>Cenários </a:t>
+                </a:r>
+                <a:r>
+                  <a:rPr lang="pt-BR" sz="1800" b="1" dirty="0"/>
+                  <a:t>de Uso</a:t>
+                </a:r>
+                <a:r>
+                  <a:rPr lang="pt-BR" sz="1800" dirty="0"/>
+                  <a:t>: Criar cenários de uso para testar fluxos críticos como criação de orçamento e geração de relatórios</a:t>
+                </a:r>
+                <a:r>
+                  <a:rPr lang="pt-BR" sz="1800" dirty="0" smtClean="0"/>
+                  <a:t>.</a:t>
+                </a:r>
+              </a:p>
+              <a:p>
+                <a:pPr marL="342900" indent="-342900" algn="just">
+                  <a:buFont typeface="+mj-lt"/>
+                  <a:buAutoNum type="arabicPeriod"/>
+                </a:pPr>
+                <a:endParaRPr lang="pt-BR" sz="1800" dirty="0"/>
+              </a:p>
+              <a:p>
+                <a:pPr marL="342900" indent="-342900" algn="just">
+                  <a:buFont typeface="+mj-lt"/>
+                  <a:buAutoNum type="arabicPeriod"/>
+                </a:pPr>
+                <a:r>
+                  <a:rPr lang="pt-BR" sz="1800" b="1" dirty="0"/>
+                  <a:t>Teste de Desempenho</a:t>
+                </a:r>
+                <a:r>
+                  <a:rPr lang="pt-BR" sz="1800" dirty="0"/>
+                  <a:t>: Avaliar a rapidez e a eficiência do aplicativo sob diferentes condições de carga.</a:t>
+                </a:r>
+                <a:endParaRPr sz="1800" dirty="0"/>
               </a:p>
             </p:txBody>
           </p:sp>
@@ -6721,7 +7680,7 @@
                 <a:effectLst/>
                 <a:extLst>
                   <a:ext uri="{C572A759-6A51-4108-AA02-DFA0A04FC94B}">
-                    <ma14:wrappingTextBoxFlag xmlns="" xmlns:m="http://schemas.openxmlformats.org/officeDocument/2006/math" xmlns:a14="http://schemas.microsoft.com/office/drawing/2010/main" xmlns:ma14="http://schemas.microsoft.com/office/mac/drawingml/2011/main" val="1"/>
+                    <ma14:wrappingTextBoxFlag xmlns:ma14="http://schemas.microsoft.com/office/mac/drawingml/2011/main" xmlns:a14="http://schemas.microsoft.com/office/drawing/2010/main" xmlns:m="http://schemas.openxmlformats.org/officeDocument/2006/math" xmlns="" val="1"/>
                   </a:ext>
                 </a:extLst>
               </p:spPr>
@@ -6744,6 +7703,7 @@
                 </a:lstStyle>
                 <a:p>
                   <a:r>
+                    <a:rPr dirty="0"/>
                     <a:t>Indicators</a:t>
                   </a:r>
                 </a:p>
@@ -6772,7 +7732,7 @@
               <a:effectLst/>
               <a:extLst>
                 <a:ext uri="{C572A759-6A51-4108-AA02-DFA0A04FC94B}">
-                  <ma14:wrappingTextBoxFlag xmlns="" xmlns:m="http://schemas.openxmlformats.org/officeDocument/2006/math" xmlns:a14="http://schemas.microsoft.com/office/drawing/2010/main" xmlns:ma14="http://schemas.microsoft.com/office/mac/drawingml/2011/main" val="1"/>
+                  <ma14:wrappingTextBoxFlag xmlns:ma14="http://schemas.microsoft.com/office/mac/drawingml/2011/main" xmlns:a14="http://schemas.microsoft.com/office/drawing/2010/main" xmlns:m="http://schemas.openxmlformats.org/officeDocument/2006/math" xmlns="" val="1"/>
                 </a:ext>
               </a:extLst>
             </p:spPr>
@@ -6895,7 +7855,7 @@
                 <a:effectLst/>
                 <a:extLst>
                   <a:ext uri="{C572A759-6A51-4108-AA02-DFA0A04FC94B}">
-                    <ma14:wrappingTextBoxFlag xmlns="" xmlns:m="http://schemas.openxmlformats.org/officeDocument/2006/math" xmlns:a14="http://schemas.microsoft.com/office/drawing/2010/main" xmlns:ma14="http://schemas.microsoft.com/office/mac/drawingml/2011/main" val="1"/>
+                    <ma14:wrappingTextBoxFlag xmlns:ma14="http://schemas.microsoft.com/office/mac/drawingml/2011/main" xmlns:a14="http://schemas.microsoft.com/office/drawing/2010/main" xmlns:m="http://schemas.openxmlformats.org/officeDocument/2006/math" xmlns="" val="1"/>
                   </a:ext>
                 </a:extLst>
               </p:spPr>
@@ -6918,6 +7878,7 @@
                 </a:lstStyle>
                 <a:p>
                   <a:r>
+                    <a:rPr dirty="0"/>
                     <a:t>Refinement Strategy</a:t>
                   </a:r>
                 </a:p>
@@ -6946,7 +7907,7 @@
               <a:effectLst/>
               <a:extLst>
                 <a:ext uri="{C572A759-6A51-4108-AA02-DFA0A04FC94B}">
-                  <ma14:wrappingTextBoxFlag xmlns="" xmlns:m="http://schemas.openxmlformats.org/officeDocument/2006/math" xmlns:a14="http://schemas.microsoft.com/office/drawing/2010/main" xmlns:ma14="http://schemas.microsoft.com/office/mac/drawingml/2011/main" val="1"/>
+                  <ma14:wrappingTextBoxFlag xmlns:ma14="http://schemas.microsoft.com/office/mac/drawingml/2011/main" xmlns:a14="http://schemas.microsoft.com/office/drawing/2010/main" xmlns:m="http://schemas.openxmlformats.org/officeDocument/2006/math" xmlns="" val="1"/>
                 </a:ext>
               </a:extLst>
             </p:spPr>
@@ -7069,7 +8030,7 @@
                 <a:effectLst/>
                 <a:extLst>
                   <a:ext uri="{C572A759-6A51-4108-AA02-DFA0A04FC94B}">
-                    <ma14:wrappingTextBoxFlag xmlns="" xmlns:m="http://schemas.openxmlformats.org/officeDocument/2006/math" xmlns:a14="http://schemas.microsoft.com/office/drawing/2010/main" xmlns:ma14="http://schemas.microsoft.com/office/mac/drawingml/2011/main" val="1"/>
+                    <ma14:wrappingTextBoxFlag xmlns:ma14="http://schemas.microsoft.com/office/mac/drawingml/2011/main" xmlns:a14="http://schemas.microsoft.com/office/drawing/2010/main" xmlns:m="http://schemas.openxmlformats.org/officeDocument/2006/math" xmlns="" val="1"/>
                   </a:ext>
                 </a:extLst>
               </p:spPr>
@@ -7092,6 +8053,7 @@
                 </a:lstStyle>
                 <a:p>
                   <a:r>
+                    <a:rPr dirty="0"/>
                     <a:t>Design Patterns</a:t>
                   </a:r>
                 </a:p>
@@ -7120,7 +8082,7 @@
               <a:effectLst/>
               <a:extLst>
                 <a:ext uri="{C572A759-6A51-4108-AA02-DFA0A04FC94B}">
-                  <ma14:wrappingTextBoxFlag xmlns="" xmlns:m="http://schemas.openxmlformats.org/officeDocument/2006/math" xmlns:a14="http://schemas.microsoft.com/office/drawing/2010/main" xmlns:ma14="http://schemas.microsoft.com/office/mac/drawingml/2011/main" val="1"/>
+                  <ma14:wrappingTextBoxFlag xmlns:ma14="http://schemas.microsoft.com/office/mac/drawingml/2011/main" xmlns:a14="http://schemas.microsoft.com/office/drawing/2010/main" xmlns:m="http://schemas.openxmlformats.org/officeDocument/2006/math" xmlns="" val="1"/>
                 </a:ext>
               </a:extLst>
             </p:spPr>
@@ -7243,7 +8205,7 @@
                 <a:effectLst/>
                 <a:extLst>
                   <a:ext uri="{C572A759-6A51-4108-AA02-DFA0A04FC94B}">
-                    <ma14:wrappingTextBoxFlag xmlns="" xmlns:m="http://schemas.openxmlformats.org/officeDocument/2006/math" xmlns:a14="http://schemas.microsoft.com/office/drawing/2010/main" xmlns:ma14="http://schemas.microsoft.com/office/mac/drawingml/2011/main" val="1"/>
+                    <ma14:wrappingTextBoxFlag xmlns:ma14="http://schemas.microsoft.com/office/mac/drawingml/2011/main" xmlns:a14="http://schemas.microsoft.com/office/drawing/2010/main" xmlns:m="http://schemas.openxmlformats.org/officeDocument/2006/math" xmlns="" val="1"/>
                   </a:ext>
                 </a:extLst>
               </p:spPr>
@@ -7266,6 +8228,7 @@
                 </a:lstStyle>
                 <a:p>
                   <a:r>
+                    <a:rPr dirty="0"/>
                     <a:t>Development rules</a:t>
                   </a:r>
                 </a:p>
@@ -7294,7 +8257,7 @@
               <a:effectLst/>
               <a:extLst>
                 <a:ext uri="{C572A759-6A51-4108-AA02-DFA0A04FC94B}">
-                  <ma14:wrappingTextBoxFlag xmlns="" xmlns:m="http://schemas.openxmlformats.org/officeDocument/2006/math" xmlns:a14="http://schemas.microsoft.com/office/drawing/2010/main" xmlns:ma14="http://schemas.microsoft.com/office/mac/drawingml/2011/main" val="1"/>
+                  <ma14:wrappingTextBoxFlag xmlns:ma14="http://schemas.microsoft.com/office/mac/drawingml/2011/main" xmlns:a14="http://schemas.microsoft.com/office/drawing/2010/main" xmlns:m="http://schemas.openxmlformats.org/officeDocument/2006/math" xmlns="" val="1"/>
                 </a:ext>
               </a:extLst>
             </p:spPr>
@@ -7417,7 +8380,7 @@
                 <a:effectLst/>
                 <a:extLst>
                   <a:ext uri="{C572A759-6A51-4108-AA02-DFA0A04FC94B}">
-                    <ma14:wrappingTextBoxFlag xmlns="" xmlns:m="http://schemas.openxmlformats.org/officeDocument/2006/math" xmlns:a14="http://schemas.microsoft.com/office/drawing/2010/main" xmlns:ma14="http://schemas.microsoft.com/office/mac/drawingml/2011/main" val="1"/>
+                    <ma14:wrappingTextBoxFlag xmlns:ma14="http://schemas.microsoft.com/office/mac/drawingml/2011/main" xmlns:a14="http://schemas.microsoft.com/office/drawing/2010/main" xmlns:m="http://schemas.openxmlformats.org/officeDocument/2006/math" xmlns="" val="1"/>
                   </a:ext>
                 </a:extLst>
               </p:spPr>
@@ -7440,6 +8403,7 @@
                 </a:lstStyle>
                 <a:p>
                   <a:r>
+                    <a:rPr dirty="0"/>
                     <a:t>Test Strategy</a:t>
                   </a:r>
                 </a:p>
@@ -7468,7 +8432,7 @@
               <a:effectLst/>
               <a:extLst>
                 <a:ext uri="{C572A759-6A51-4108-AA02-DFA0A04FC94B}">
-                  <ma14:wrappingTextBoxFlag xmlns="" xmlns:m="http://schemas.openxmlformats.org/officeDocument/2006/math" xmlns:a14="http://schemas.microsoft.com/office/drawing/2010/main" xmlns:ma14="http://schemas.microsoft.com/office/mac/drawingml/2011/main" val="1"/>
+                  <ma14:wrappingTextBoxFlag xmlns:ma14="http://schemas.microsoft.com/office/mac/drawingml/2011/main" xmlns:a14="http://schemas.microsoft.com/office/drawing/2010/main" xmlns:m="http://schemas.openxmlformats.org/officeDocument/2006/math" xmlns="" val="1"/>
                 </a:ext>
               </a:extLst>
             </p:spPr>
@@ -7583,7 +8547,7 @@
           </a:ln>
           <a:extLst>
             <a:ext uri="{C572A759-6A51-4108-AA02-DFA0A04FC94B}">
-              <ma14:wrappingTextBoxFlag xmlns="" xmlns:m="http://schemas.openxmlformats.org/officeDocument/2006/math" xmlns:a14="http://schemas.microsoft.com/office/drawing/2010/main" xmlns:ma14="http://schemas.microsoft.com/office/mac/drawingml/2011/main" val="1"/>
+              <ma14:wrappingTextBoxFlag xmlns:ma14="http://schemas.microsoft.com/office/mac/drawingml/2011/main" xmlns:a14="http://schemas.microsoft.com/office/drawing/2010/main" xmlns:m="http://schemas.openxmlformats.org/officeDocument/2006/math" xmlns="" val="1"/>
             </a:ext>
           </a:extLst>
         </p:spPr>
@@ -7674,7 +8638,7 @@
           </a:ln>
           <a:extLst>
             <a:ext uri="{C572A759-6A51-4108-AA02-DFA0A04FC94B}">
-              <ma14:wrappingTextBoxFlag xmlns="" xmlns:m="http://schemas.openxmlformats.org/officeDocument/2006/math" xmlns:a14="http://schemas.microsoft.com/office/drawing/2010/main" xmlns:ma14="http://schemas.microsoft.com/office/mac/drawingml/2011/main" val="1"/>
+              <ma14:wrappingTextBoxFlag xmlns:ma14="http://schemas.microsoft.com/office/mac/drawingml/2011/main" xmlns:a14="http://schemas.microsoft.com/office/drawing/2010/main" xmlns:m="http://schemas.openxmlformats.org/officeDocument/2006/math" xmlns="" val="1"/>
             </a:ext>
           </a:extLst>
         </p:spPr>
@@ -7805,7 +8769,7 @@
           </a:ln>
           <a:extLst>
             <a:ext uri="{C572A759-6A51-4108-AA02-DFA0A04FC94B}">
-              <ma14:wrappingTextBoxFlag xmlns="" xmlns:m="http://schemas.openxmlformats.org/officeDocument/2006/math" xmlns:a14="http://schemas.microsoft.com/office/drawing/2010/main" xmlns:ma14="http://schemas.microsoft.com/office/mac/drawingml/2011/main" val="1"/>
+              <ma14:wrappingTextBoxFlag xmlns:ma14="http://schemas.microsoft.com/office/mac/drawingml/2011/main" xmlns:a14="http://schemas.microsoft.com/office/drawing/2010/main" xmlns:m="http://schemas.openxmlformats.org/officeDocument/2006/math" xmlns="" val="1"/>
             </a:ext>
           </a:extLst>
         </p:spPr>
@@ -7856,7 +8820,7 @@
           </a:ln>
           <a:extLst>
             <a:ext uri="{C572A759-6A51-4108-AA02-DFA0A04FC94B}">
-              <ma14:wrappingTextBoxFlag xmlns="" xmlns:m="http://schemas.openxmlformats.org/officeDocument/2006/math" xmlns:a14="http://schemas.microsoft.com/office/drawing/2010/main" xmlns:ma14="http://schemas.microsoft.com/office/mac/drawingml/2011/main" val="1"/>
+              <ma14:wrappingTextBoxFlag xmlns:ma14="http://schemas.microsoft.com/office/mac/drawingml/2011/main" xmlns:a14="http://schemas.microsoft.com/office/drawing/2010/main" xmlns:m="http://schemas.openxmlformats.org/officeDocument/2006/math" xmlns="" val="1"/>
             </a:ext>
           </a:extLst>
         </p:spPr>
@@ -7903,7 +8867,7 @@
           </a:ln>
           <a:extLst>
             <a:ext uri="{C572A759-6A51-4108-AA02-DFA0A04FC94B}">
-              <ma14:wrappingTextBoxFlag xmlns="" xmlns:m="http://schemas.openxmlformats.org/officeDocument/2006/math" xmlns:a14="http://schemas.microsoft.com/office/drawing/2010/main" xmlns:ma14="http://schemas.microsoft.com/office/mac/drawingml/2011/main" val="1"/>
+              <ma14:wrappingTextBoxFlag xmlns:ma14="http://schemas.microsoft.com/office/mac/drawingml/2011/main" xmlns:a14="http://schemas.microsoft.com/office/drawing/2010/main" xmlns:m="http://schemas.openxmlformats.org/officeDocument/2006/math" xmlns="" val="1"/>
             </a:ext>
           </a:extLst>
         </p:spPr>
@@ -7950,7 +8914,7 @@
           </a:ln>
           <a:extLst>
             <a:ext uri="{C572A759-6A51-4108-AA02-DFA0A04FC94B}">
-              <ma14:wrappingTextBoxFlag xmlns="" xmlns:m="http://schemas.openxmlformats.org/officeDocument/2006/math" xmlns:a14="http://schemas.microsoft.com/office/drawing/2010/main" xmlns:ma14="http://schemas.microsoft.com/office/mac/drawingml/2011/main" val="1"/>
+              <ma14:wrappingTextBoxFlag xmlns:ma14="http://schemas.microsoft.com/office/mac/drawingml/2011/main" xmlns:a14="http://schemas.microsoft.com/office/drawing/2010/main" xmlns:m="http://schemas.openxmlformats.org/officeDocument/2006/math" xmlns="" val="1"/>
             </a:ext>
           </a:extLst>
         </p:spPr>
@@ -7973,6 +8937,7 @@
           </a:lstStyle>
           <a:p>
             <a:r>
+              <a:rPr dirty="0"/>
               <a:t>Act -  Requirements' Identification</a:t>
             </a:r>
           </a:p>
@@ -8118,7 +9083,7 @@
           </a:ln>
           <a:extLst>
             <a:ext uri="{C572A759-6A51-4108-AA02-DFA0A04FC94B}">
-              <ma14:wrappingTextBoxFlag xmlns="" xmlns:m="http://schemas.openxmlformats.org/officeDocument/2006/math" xmlns:a14="http://schemas.microsoft.com/office/drawing/2010/main" xmlns:ma14="http://schemas.microsoft.com/office/mac/drawingml/2011/main" val="1"/>
+              <ma14:wrappingTextBoxFlag xmlns:ma14="http://schemas.microsoft.com/office/mac/drawingml/2011/main" xmlns:a14="http://schemas.microsoft.com/office/drawing/2010/main" xmlns:m="http://schemas.openxmlformats.org/officeDocument/2006/math" xmlns="" val="1"/>
             </a:ext>
           </a:extLst>
         </p:spPr>
@@ -8165,7 +9130,7 @@
           </a:ln>
           <a:extLst>
             <a:ext uri="{C572A759-6A51-4108-AA02-DFA0A04FC94B}">
-              <ma14:wrappingTextBoxFlag xmlns="" xmlns:m="http://schemas.openxmlformats.org/officeDocument/2006/math" xmlns:a14="http://schemas.microsoft.com/office/drawing/2010/main" xmlns:ma14="http://schemas.microsoft.com/office/mac/drawingml/2011/main" val="1"/>
+              <ma14:wrappingTextBoxFlag xmlns:ma14="http://schemas.microsoft.com/office/mac/drawingml/2011/main" xmlns:a14="http://schemas.microsoft.com/office/drawing/2010/main" xmlns:m="http://schemas.openxmlformats.org/officeDocument/2006/math" xmlns="" val="1"/>
             </a:ext>
           </a:extLst>
         </p:spPr>
@@ -8255,7 +9220,7 @@
           </a:ln>
           <a:extLst>
             <a:ext uri="{C572A759-6A51-4108-AA02-DFA0A04FC94B}">
-              <ma14:wrappingTextBoxFlag xmlns="" xmlns:m="http://schemas.openxmlformats.org/officeDocument/2006/math" xmlns:a14="http://schemas.microsoft.com/office/drawing/2010/main" xmlns:ma14="http://schemas.microsoft.com/office/mac/drawingml/2011/main" val="1"/>
+              <ma14:wrappingTextBoxFlag xmlns:ma14="http://schemas.microsoft.com/office/mac/drawingml/2011/main" xmlns:a14="http://schemas.microsoft.com/office/drawing/2010/main" xmlns:m="http://schemas.openxmlformats.org/officeDocument/2006/math" xmlns="" val="1"/>
             </a:ext>
           </a:extLst>
         </p:spPr>
@@ -8342,7 +9307,7 @@
           </a:ln>
           <a:extLst>
             <a:ext uri="{C572A759-6A51-4108-AA02-DFA0A04FC94B}">
-              <ma14:wrappingTextBoxFlag xmlns="" xmlns:m="http://schemas.openxmlformats.org/officeDocument/2006/math" xmlns:a14="http://schemas.microsoft.com/office/drawing/2010/main" xmlns:ma14="http://schemas.microsoft.com/office/mac/drawingml/2011/main" val="1"/>
+              <ma14:wrappingTextBoxFlag xmlns:ma14="http://schemas.microsoft.com/office/mac/drawingml/2011/main" xmlns:a14="http://schemas.microsoft.com/office/drawing/2010/main" xmlns:m="http://schemas.openxmlformats.org/officeDocument/2006/math" xmlns="" val="1"/>
             </a:ext>
           </a:extLst>
         </p:spPr>
@@ -8429,7 +9394,7 @@
           </a:ln>
           <a:extLst>
             <a:ext uri="{C572A759-6A51-4108-AA02-DFA0A04FC94B}">
-              <ma14:wrappingTextBoxFlag xmlns="" xmlns:m="http://schemas.openxmlformats.org/officeDocument/2006/math" xmlns:a14="http://schemas.microsoft.com/office/drawing/2010/main" xmlns:ma14="http://schemas.microsoft.com/office/mac/drawingml/2011/main" val="1"/>
+              <ma14:wrappingTextBoxFlag xmlns:ma14="http://schemas.microsoft.com/office/mac/drawingml/2011/main" xmlns:a14="http://schemas.microsoft.com/office/drawing/2010/main" xmlns:m="http://schemas.openxmlformats.org/officeDocument/2006/math" xmlns="" val="1"/>
             </a:ext>
           </a:extLst>
         </p:spPr>
@@ -8476,7 +9441,7 @@
           </a:ln>
           <a:extLst>
             <a:ext uri="{C572A759-6A51-4108-AA02-DFA0A04FC94B}">
-              <ma14:wrappingTextBoxFlag xmlns="" xmlns:m="http://schemas.openxmlformats.org/officeDocument/2006/math" xmlns:a14="http://schemas.microsoft.com/office/drawing/2010/main" xmlns:ma14="http://schemas.microsoft.com/office/mac/drawingml/2011/main" val="1"/>
+              <ma14:wrappingTextBoxFlag xmlns:ma14="http://schemas.microsoft.com/office/mac/drawingml/2011/main" xmlns:a14="http://schemas.microsoft.com/office/drawing/2010/main" xmlns:m="http://schemas.openxmlformats.org/officeDocument/2006/math" xmlns="" val="1"/>
             </a:ext>
           </a:extLst>
         </p:spPr>
@@ -8523,7 +9488,7 @@
           </a:ln>
           <a:extLst>
             <a:ext uri="{C572A759-6A51-4108-AA02-DFA0A04FC94B}">
-              <ma14:wrappingTextBoxFlag xmlns="" xmlns:m="http://schemas.openxmlformats.org/officeDocument/2006/math" xmlns:a14="http://schemas.microsoft.com/office/drawing/2010/main" xmlns:ma14="http://schemas.microsoft.com/office/mac/drawingml/2011/main" val="1"/>
+              <ma14:wrappingTextBoxFlag xmlns:ma14="http://schemas.microsoft.com/office/mac/drawingml/2011/main" xmlns:a14="http://schemas.microsoft.com/office/drawing/2010/main" xmlns:m="http://schemas.openxmlformats.org/officeDocument/2006/math" xmlns="" val="1"/>
             </a:ext>
           </a:extLst>
         </p:spPr>
@@ -8650,7 +9615,7 @@
           </a:ln>
           <a:extLst>
             <a:ext uri="{C572A759-6A51-4108-AA02-DFA0A04FC94B}">
-              <ma14:wrappingTextBoxFlag xmlns="" xmlns:m="http://schemas.openxmlformats.org/officeDocument/2006/math" xmlns:a14="http://schemas.microsoft.com/office/drawing/2010/main" xmlns:ma14="http://schemas.microsoft.com/office/mac/drawingml/2011/main" val="1"/>
+              <ma14:wrappingTextBoxFlag xmlns:ma14="http://schemas.microsoft.com/office/mac/drawingml/2011/main" xmlns:a14="http://schemas.microsoft.com/office/drawing/2010/main" xmlns:m="http://schemas.openxmlformats.org/officeDocument/2006/math" xmlns="" val="1"/>
             </a:ext>
           </a:extLst>
         </p:spPr>
@@ -8737,7 +9702,7 @@
           </a:ln>
           <a:extLst>
             <a:ext uri="{C572A759-6A51-4108-AA02-DFA0A04FC94B}">
-              <ma14:wrappingTextBoxFlag xmlns="" xmlns:m="http://schemas.openxmlformats.org/officeDocument/2006/math" xmlns:a14="http://schemas.microsoft.com/office/drawing/2010/main" xmlns:ma14="http://schemas.microsoft.com/office/mac/drawingml/2011/main" val="1"/>
+              <ma14:wrappingTextBoxFlag xmlns:ma14="http://schemas.microsoft.com/office/mac/drawingml/2011/main" xmlns:a14="http://schemas.microsoft.com/office/drawing/2010/main" xmlns:m="http://schemas.openxmlformats.org/officeDocument/2006/math" xmlns="" val="1"/>
             </a:ext>
           </a:extLst>
         </p:spPr>
@@ -8824,7 +9789,7 @@
           </a:ln>
           <a:extLst>
             <a:ext uri="{C572A759-6A51-4108-AA02-DFA0A04FC94B}">
-              <ma14:wrappingTextBoxFlag xmlns="" xmlns:m="http://schemas.openxmlformats.org/officeDocument/2006/math" xmlns:a14="http://schemas.microsoft.com/office/drawing/2010/main" xmlns:ma14="http://schemas.microsoft.com/office/mac/drawingml/2011/main" val="1"/>
+              <ma14:wrappingTextBoxFlag xmlns:ma14="http://schemas.microsoft.com/office/mac/drawingml/2011/main" xmlns:a14="http://schemas.microsoft.com/office/drawing/2010/main" xmlns:m="http://schemas.openxmlformats.org/officeDocument/2006/math" xmlns="" val="1"/>
             </a:ext>
           </a:extLst>
         </p:spPr>
@@ -8926,7 +9891,7 @@
           </a:ln>
           <a:extLst>
             <a:ext uri="{C572A759-6A51-4108-AA02-DFA0A04FC94B}">
-              <ma14:wrappingTextBoxFlag xmlns="" xmlns:m="http://schemas.openxmlformats.org/officeDocument/2006/math" xmlns:a14="http://schemas.microsoft.com/office/drawing/2010/main" xmlns:ma14="http://schemas.microsoft.com/office/mac/drawingml/2011/main" val="1"/>
+              <ma14:wrappingTextBoxFlag xmlns:ma14="http://schemas.microsoft.com/office/mac/drawingml/2011/main" xmlns:a14="http://schemas.microsoft.com/office/drawing/2010/main" xmlns:m="http://schemas.openxmlformats.org/officeDocument/2006/math" xmlns="" val="1"/>
             </a:ext>
           </a:extLst>
         </p:spPr>
@@ -8973,7 +9938,7 @@
           </a:ln>
           <a:extLst>
             <a:ext uri="{C572A759-6A51-4108-AA02-DFA0A04FC94B}">
-              <ma14:wrappingTextBoxFlag xmlns="" xmlns:m="http://schemas.openxmlformats.org/officeDocument/2006/math" xmlns:a14="http://schemas.microsoft.com/office/drawing/2010/main" xmlns:ma14="http://schemas.microsoft.com/office/mac/drawingml/2011/main" val="1"/>
+              <ma14:wrappingTextBoxFlag xmlns:ma14="http://schemas.microsoft.com/office/mac/drawingml/2011/main" xmlns:a14="http://schemas.microsoft.com/office/drawing/2010/main" xmlns:m="http://schemas.openxmlformats.org/officeDocument/2006/math" xmlns="" val="1"/>
             </a:ext>
           </a:extLst>
         </p:spPr>
@@ -9024,7 +9989,7 @@
           </a:ln>
           <a:extLst>
             <a:ext uri="{C572A759-6A51-4108-AA02-DFA0A04FC94B}">
-              <ma14:wrappingTextBoxFlag xmlns="" xmlns:m="http://schemas.openxmlformats.org/officeDocument/2006/math" xmlns:a14="http://schemas.microsoft.com/office/drawing/2010/main" xmlns:ma14="http://schemas.microsoft.com/office/mac/drawingml/2011/main" val="1"/>
+              <ma14:wrappingTextBoxFlag xmlns:ma14="http://schemas.microsoft.com/office/mac/drawingml/2011/main" xmlns:a14="http://schemas.microsoft.com/office/drawing/2010/main" xmlns:m="http://schemas.openxmlformats.org/officeDocument/2006/math" xmlns="" val="1"/>
             </a:ext>
           </a:extLst>
         </p:spPr>
@@ -9071,7 +10036,7 @@
           </a:ln>
           <a:extLst>
             <a:ext uri="{C572A759-6A51-4108-AA02-DFA0A04FC94B}">
-              <ma14:wrappingTextBoxFlag xmlns="" xmlns:m="http://schemas.openxmlformats.org/officeDocument/2006/math" xmlns:a14="http://schemas.microsoft.com/office/drawing/2010/main" xmlns:ma14="http://schemas.microsoft.com/office/mac/drawingml/2011/main" val="1"/>
+              <ma14:wrappingTextBoxFlag xmlns:ma14="http://schemas.microsoft.com/office/mac/drawingml/2011/main" xmlns:a14="http://schemas.microsoft.com/office/drawing/2010/main" xmlns:m="http://schemas.openxmlformats.org/officeDocument/2006/math" xmlns="" val="1"/>
             </a:ext>
           </a:extLst>
         </p:spPr>
@@ -9198,7 +10163,7 @@
           </a:ln>
           <a:extLst>
             <a:ext uri="{C572A759-6A51-4108-AA02-DFA0A04FC94B}">
-              <ma14:wrappingTextBoxFlag xmlns="" xmlns:m="http://schemas.openxmlformats.org/officeDocument/2006/math" xmlns:a14="http://schemas.microsoft.com/office/drawing/2010/main" xmlns:ma14="http://schemas.microsoft.com/office/mac/drawingml/2011/main" val="1"/>
+              <ma14:wrappingTextBoxFlag xmlns:ma14="http://schemas.microsoft.com/office/mac/drawingml/2011/main" xmlns:a14="http://schemas.microsoft.com/office/drawing/2010/main" xmlns:m="http://schemas.openxmlformats.org/officeDocument/2006/math" xmlns="" val="1"/>
             </a:ext>
           </a:extLst>
         </p:spPr>
@@ -9285,7 +10250,7 @@
           </a:ln>
           <a:extLst>
             <a:ext uri="{C572A759-6A51-4108-AA02-DFA0A04FC94B}">
-              <ma14:wrappingTextBoxFlag xmlns="" xmlns:m="http://schemas.openxmlformats.org/officeDocument/2006/math" xmlns:a14="http://schemas.microsoft.com/office/drawing/2010/main" xmlns:ma14="http://schemas.microsoft.com/office/mac/drawingml/2011/main" val="1"/>
+              <ma14:wrappingTextBoxFlag xmlns:ma14="http://schemas.microsoft.com/office/mac/drawingml/2011/main" xmlns:a14="http://schemas.microsoft.com/office/drawing/2010/main" xmlns:m="http://schemas.openxmlformats.org/officeDocument/2006/math" xmlns="" val="1"/>
             </a:ext>
           </a:extLst>
         </p:spPr>
@@ -9372,7 +10337,7 @@
           </a:ln>
           <a:extLst>
             <a:ext uri="{C572A759-6A51-4108-AA02-DFA0A04FC94B}">
-              <ma14:wrappingTextBoxFlag xmlns="" xmlns:m="http://schemas.openxmlformats.org/officeDocument/2006/math" xmlns:a14="http://schemas.microsoft.com/office/drawing/2010/main" xmlns:ma14="http://schemas.microsoft.com/office/mac/drawingml/2011/main" val="1"/>
+              <ma14:wrappingTextBoxFlag xmlns:ma14="http://schemas.microsoft.com/office/mac/drawingml/2011/main" xmlns:a14="http://schemas.microsoft.com/office/drawing/2010/main" xmlns:m="http://schemas.openxmlformats.org/officeDocument/2006/math" xmlns="" val="1"/>
             </a:ext>
           </a:extLst>
         </p:spPr>
@@ -9459,7 +10424,7 @@
           </a:ln>
           <a:extLst>
             <a:ext uri="{C572A759-6A51-4108-AA02-DFA0A04FC94B}">
-              <ma14:wrappingTextBoxFlag xmlns="" xmlns:m="http://schemas.openxmlformats.org/officeDocument/2006/math" xmlns:a14="http://schemas.microsoft.com/office/drawing/2010/main" xmlns:ma14="http://schemas.microsoft.com/office/mac/drawingml/2011/main" val="1"/>
+              <ma14:wrappingTextBoxFlag xmlns:ma14="http://schemas.microsoft.com/office/mac/drawingml/2011/main" xmlns:a14="http://schemas.microsoft.com/office/drawing/2010/main" xmlns:m="http://schemas.openxmlformats.org/officeDocument/2006/math" xmlns="" val="1"/>
             </a:ext>
           </a:extLst>
         </p:spPr>
@@ -9506,7 +10471,7 @@
           </a:ln>
           <a:extLst>
             <a:ext uri="{C572A759-6A51-4108-AA02-DFA0A04FC94B}">
-              <ma14:wrappingTextBoxFlag xmlns="" xmlns:m="http://schemas.openxmlformats.org/officeDocument/2006/math" xmlns:a14="http://schemas.microsoft.com/office/drawing/2010/main" xmlns:ma14="http://schemas.microsoft.com/office/mac/drawingml/2011/main" val="1"/>
+              <ma14:wrappingTextBoxFlag xmlns:ma14="http://schemas.microsoft.com/office/mac/drawingml/2011/main" xmlns:a14="http://schemas.microsoft.com/office/drawing/2010/main" xmlns:m="http://schemas.openxmlformats.org/officeDocument/2006/math" xmlns="" val="1"/>
             </a:ext>
           </a:extLst>
         </p:spPr>
@@ -9590,7 +10555,7 @@
           </a:ln>
           <a:extLst>
             <a:ext uri="{C572A759-6A51-4108-AA02-DFA0A04FC94B}">
-              <ma14:wrappingTextBoxFlag xmlns="" xmlns:m="http://schemas.openxmlformats.org/officeDocument/2006/math" xmlns:a14="http://schemas.microsoft.com/office/drawing/2010/main" xmlns:ma14="http://schemas.microsoft.com/office/mac/drawingml/2011/main" val="1"/>
+              <ma14:wrappingTextBoxFlag xmlns:ma14="http://schemas.microsoft.com/office/mac/drawingml/2011/main" xmlns:a14="http://schemas.microsoft.com/office/drawing/2010/main" xmlns:m="http://schemas.openxmlformats.org/officeDocument/2006/math" xmlns="" val="1"/>
             </a:ext>
           </a:extLst>
         </p:spPr>
@@ -9749,7 +10714,7 @@
           </a:ln>
           <a:extLst>
             <a:ext uri="{C572A759-6A51-4108-AA02-DFA0A04FC94B}">
-              <ma14:wrappingTextBoxFlag xmlns="" xmlns:m="http://schemas.openxmlformats.org/officeDocument/2006/math" xmlns:a14="http://schemas.microsoft.com/office/drawing/2010/main" xmlns:ma14="http://schemas.microsoft.com/office/mac/drawingml/2011/main" val="1"/>
+              <ma14:wrappingTextBoxFlag xmlns:ma14="http://schemas.microsoft.com/office/mac/drawingml/2011/main" xmlns:a14="http://schemas.microsoft.com/office/drawing/2010/main" xmlns:m="http://schemas.openxmlformats.org/officeDocument/2006/math" xmlns="" val="1"/>
             </a:ext>
           </a:extLst>
         </p:spPr>
@@ -9786,9 +10751,9 @@
         <p:grpSpPr>
           <a:xfrm>
             <a:off x="30001" y="-158261"/>
-            <a:ext cx="24842178" cy="14043612"/>
+            <a:ext cx="24491768" cy="14043612"/>
             <a:chOff x="0" y="0"/>
-            <a:chExt cx="24464234" cy="13591275"/>
+            <a:chExt cx="24119155" cy="13591275"/>
           </a:xfrm>
         </p:grpSpPr>
         <p:grpSp>
@@ -9888,7 +10853,7 @@
                 <a:effectLst/>
                 <a:extLst>
                   <a:ext uri="{C572A759-6A51-4108-AA02-DFA0A04FC94B}">
-                    <ma14:wrappingTextBoxFlag xmlns="" xmlns:m="http://schemas.openxmlformats.org/officeDocument/2006/math" xmlns:a14="http://schemas.microsoft.com/office/drawing/2010/main" xmlns:ma14="http://schemas.microsoft.com/office/mac/drawingml/2011/main" val="1"/>
+                    <ma14:wrappingTextBoxFlag xmlns:ma14="http://schemas.microsoft.com/office/mac/drawingml/2011/main" xmlns:a14="http://schemas.microsoft.com/office/drawing/2010/main" xmlns:m="http://schemas.openxmlformats.org/officeDocument/2006/math" xmlns="" val="1"/>
                   </a:ext>
                 </a:extLst>
               </p:spPr>
@@ -9940,7 +10905,7 @@
               <a:effectLst/>
               <a:extLst>
                 <a:ext uri="{C572A759-6A51-4108-AA02-DFA0A04FC94B}">
-                  <ma14:wrappingTextBoxFlag xmlns="" xmlns:m="http://schemas.openxmlformats.org/officeDocument/2006/math" xmlns:a14="http://schemas.microsoft.com/office/drawing/2010/main" xmlns:ma14="http://schemas.microsoft.com/office/mac/drawingml/2011/main" val="1"/>
+                  <ma14:wrappingTextBoxFlag xmlns:ma14="http://schemas.microsoft.com/office/mac/drawingml/2011/main" xmlns:a14="http://schemas.microsoft.com/office/drawing/2010/main" xmlns:m="http://schemas.openxmlformats.org/officeDocument/2006/math" xmlns="" val="1"/>
                 </a:ext>
               </a:extLst>
             </p:spPr>
@@ -9962,7 +10927,7 @@
                 </a:lvl1pPr>
               </a:lstStyle>
               <a:p>
-                <a:pPr marL="514350" indent="-514350">
+                <a:pPr marL="514350" indent="-514350" algn="just">
                   <a:buFont typeface="+mj-lt"/>
                   <a:buAutoNum type="arabicPeriod"/>
                 </a:pPr>
@@ -9972,7 +10937,7 @@
                 </a:r>
               </a:p>
               <a:p>
-                <a:pPr marL="514350" indent="-514350">
+                <a:pPr marL="514350" indent="-514350" algn="just">
                   <a:buFont typeface="+mj-lt"/>
                   <a:buAutoNum type="arabicPeriod"/>
                 </a:pPr>
@@ -9986,7 +10951,7 @@
                 </a:r>
               </a:p>
               <a:p>
-                <a:pPr marL="514350" indent="-514350">
+                <a:pPr marL="514350" indent="-514350" algn="just">
                   <a:buFont typeface="+mj-lt"/>
                   <a:buAutoNum type="arabicPeriod"/>
                 </a:pPr>
@@ -10000,7 +10965,7 @@
                 </a:r>
               </a:p>
               <a:p>
-                <a:pPr marL="514350" indent="-514350">
+                <a:pPr marL="514350" indent="-514350" algn="just">
                   <a:buFont typeface="+mj-lt"/>
                   <a:buAutoNum type="arabicPeriod"/>
                 </a:pPr>
@@ -10014,7 +10979,7 @@
                 </a:r>
               </a:p>
               <a:p>
-                <a:pPr marL="514350" indent="-514350">
+                <a:pPr marL="514350" indent="-514350" algn="just">
                   <a:buFont typeface="+mj-lt"/>
                   <a:buAutoNum type="arabicPeriod"/>
                 </a:pPr>
@@ -10028,7 +10993,7 @@
                 </a:r>
               </a:p>
               <a:p>
-                <a:pPr marL="514350" indent="-514350">
+                <a:pPr marL="514350" indent="-514350" algn="just">
                   <a:buFont typeface="+mj-lt"/>
                   <a:buAutoNum type="arabicPeriod"/>
                 </a:pPr>
@@ -10042,7 +11007,7 @@
                 </a:r>
               </a:p>
               <a:p>
-                <a:pPr marL="514350" indent="-514350">
+                <a:pPr marL="514350" indent="-514350" algn="just">
                   <a:buFont typeface="+mj-lt"/>
                   <a:buAutoNum type="arabicPeriod"/>
                 </a:pPr>
@@ -10052,7 +11017,7 @@
                 </a:r>
               </a:p>
               <a:p>
-                <a:pPr marL="514350" indent="-514350">
+                <a:pPr marL="514350" indent="-514350" algn="just">
                   <a:buFont typeface="+mj-lt"/>
                   <a:buAutoNum type="arabicPeriod"/>
                 </a:pPr>
@@ -10062,7 +11027,7 @@
                 </a:r>
               </a:p>
               <a:p>
-                <a:pPr marL="514350" indent="-514350">
+                <a:pPr marL="514350" indent="-514350" algn="just">
                   <a:buFont typeface="+mj-lt"/>
                   <a:buAutoNum type="arabicPeriod"/>
                 </a:pPr>
@@ -10072,12 +11037,14 @@
                 </a:r>
               </a:p>
               <a:p>
+                <a:pPr algn="just"/>
                 <a:r>
                   <a:rPr lang="pt-BR" dirty="0"/>
                   <a:t>	-Web</a:t>
                 </a:r>
               </a:p>
               <a:p>
+                <a:pPr algn="just"/>
                 <a:r>
                   <a:rPr lang="pt-BR" dirty="0"/>
                   <a:t>	-</a:t>
@@ -10088,6 +11055,7 @@
                 </a:r>
               </a:p>
               <a:p>
+                <a:pPr algn="just"/>
                 <a:r>
                   <a:rPr lang="pt-BR" dirty="0" smtClean="0"/>
                   <a:t>10. Promoção de bem-estar;</a:t>
@@ -10206,7 +11174,7 @@
                 <a:effectLst/>
                 <a:extLst>
                   <a:ext uri="{C572A759-6A51-4108-AA02-DFA0A04FC94B}">
-                    <ma14:wrappingTextBoxFlag xmlns="" xmlns:m="http://schemas.openxmlformats.org/officeDocument/2006/math" xmlns:a14="http://schemas.microsoft.com/office/drawing/2010/main" xmlns:ma14="http://schemas.microsoft.com/office/mac/drawingml/2011/main" val="1"/>
+                    <ma14:wrappingTextBoxFlag xmlns:ma14="http://schemas.microsoft.com/office/mac/drawingml/2011/main" xmlns:a14="http://schemas.microsoft.com/office/drawing/2010/main" xmlns:m="http://schemas.openxmlformats.org/officeDocument/2006/math" xmlns="" val="1"/>
                   </a:ext>
                 </a:extLst>
               </p:spPr>
@@ -10244,7 +11212,7 @@
             </p:nvSpPr>
             <p:spPr>
               <a:xfrm>
-                <a:off x="406600" y="1526435"/>
+                <a:off x="256371" y="1594508"/>
                 <a:ext cx="5641035" cy="8361936"/>
               </a:xfrm>
               <a:prstGeom prst="rect">
@@ -10258,7 +11226,7 @@
               <a:effectLst/>
               <a:extLst>
                 <a:ext uri="{C572A759-6A51-4108-AA02-DFA0A04FC94B}">
-                  <ma14:wrappingTextBoxFlag xmlns="" xmlns:m="http://schemas.openxmlformats.org/officeDocument/2006/math" xmlns:a14="http://schemas.microsoft.com/office/drawing/2010/main" xmlns:ma14="http://schemas.microsoft.com/office/mac/drawingml/2011/main" val="1"/>
+                  <ma14:wrappingTextBoxFlag xmlns:ma14="http://schemas.microsoft.com/office/mac/drawingml/2011/main" xmlns:a14="http://schemas.microsoft.com/office/drawing/2010/main" xmlns:m="http://schemas.openxmlformats.org/officeDocument/2006/math" xmlns="" val="1"/>
                 </a:ext>
               </a:extLst>
             </p:spPr>
@@ -10280,7 +11248,7 @@
                 </a:lvl1pPr>
               </a:lstStyle>
               <a:p>
-                <a:pPr marL="514350" indent="-514350">
+                <a:pPr marL="514350" indent="-514350" algn="just">
                   <a:buFont typeface="+mj-lt"/>
                   <a:buAutoNum type="arabicPeriod"/>
                 </a:pPr>
@@ -10290,7 +11258,7 @@
                 </a:r>
               </a:p>
               <a:p>
-                <a:pPr marL="514350" indent="-514350">
+                <a:pPr marL="514350" indent="-514350" algn="just">
                   <a:buFont typeface="+mj-lt"/>
                   <a:buAutoNum type="arabicPeriod"/>
                 </a:pPr>
@@ -10300,7 +11268,7 @@
                 </a:r>
               </a:p>
               <a:p>
-                <a:pPr marL="514350" indent="-514350">
+                <a:pPr marL="514350" indent="-514350" algn="just">
                   <a:buFont typeface="+mj-lt"/>
                   <a:buAutoNum type="arabicPeriod"/>
                 </a:pPr>
@@ -10310,7 +11278,7 @@
                 </a:r>
               </a:p>
               <a:p>
-                <a:pPr marL="514350" indent="-514350">
+                <a:pPr marL="514350" indent="-514350" algn="just">
                   <a:buFont typeface="+mj-lt"/>
                   <a:buAutoNum type="arabicPeriod"/>
                 </a:pPr>
@@ -10320,7 +11288,7 @@
                 </a:r>
               </a:p>
               <a:p>
-                <a:pPr marL="514350" indent="-514350">
+                <a:pPr marL="514350" indent="-514350" algn="just">
                   <a:buFont typeface="+mj-lt"/>
                   <a:buAutoNum type="arabicPeriod"/>
                 </a:pPr>
@@ -10330,7 +11298,7 @@
                 </a:r>
               </a:p>
               <a:p>
-                <a:pPr marL="514350" indent="-514350">
+                <a:pPr marL="514350" indent="-514350" algn="just">
                   <a:buFont typeface="+mj-lt"/>
                   <a:buAutoNum type="arabicPeriod"/>
                 </a:pPr>
@@ -10340,7 +11308,7 @@
                 </a:r>
               </a:p>
               <a:p>
-                <a:pPr marL="514350" indent="-514350">
+                <a:pPr marL="514350" indent="-514350" algn="just">
                   <a:buFont typeface="+mj-lt"/>
                   <a:buAutoNum type="arabicPeriod"/>
                 </a:pPr>
@@ -10350,7 +11318,7 @@
                 </a:r>
               </a:p>
               <a:p>
-                <a:pPr marL="514350" indent="-514350">
+                <a:pPr marL="514350" indent="-514350" algn="just">
                   <a:buFont typeface="+mj-lt"/>
                   <a:buAutoNum type="arabicPeriod"/>
                 </a:pPr>
@@ -10360,7 +11328,7 @@
                 </a:r>
               </a:p>
               <a:p>
-                <a:pPr marL="514350" indent="-514350">
+                <a:pPr marL="514350" indent="-514350" algn="just">
                   <a:buFont typeface="+mj-lt"/>
                   <a:buAutoNum type="arabicPeriod"/>
                 </a:pPr>
@@ -10368,9 +11336,10 @@
                   <a:rPr lang="pt-BR" dirty="0" smtClean="0"/>
                   <a:t>Acessibilidade;</a:t>
                 </a:r>
+                <a:endParaRPr lang="pt-BR" dirty="0" smtClean="0"/>
               </a:p>
               <a:p>
-                <a:pPr marL="514350" indent="-514350">
+                <a:pPr marL="514350" indent="-514350" algn="just">
                   <a:buFont typeface="+mj-lt"/>
                   <a:buAutoNum type="arabicPeriod"/>
                 </a:pPr>
@@ -10415,9 +11384,9 @@
           <p:grpSpPr>
             <a:xfrm>
               <a:off x="12954909" y="0"/>
-              <a:ext cx="11237063" cy="4479617"/>
+              <a:ext cx="11028572" cy="4479617"/>
               <a:chOff x="0" y="0"/>
-              <a:chExt cx="11237061" cy="4479616"/>
+              <a:chExt cx="11028570" cy="4479616"/>
             </a:xfrm>
           </p:grpSpPr>
           <p:grpSp>
@@ -10429,9 +11398,9 @@
             <p:grpSpPr>
               <a:xfrm>
                 <a:off x="0" y="0"/>
-                <a:ext cx="11237061" cy="4479616"/>
+                <a:ext cx="11028570" cy="4479616"/>
                 <a:chOff x="0" y="0"/>
-                <a:chExt cx="11237060" cy="4479615"/>
+                <a:chExt cx="11028569" cy="4479615"/>
               </a:xfrm>
             </p:grpSpPr>
             <p:sp>
@@ -10443,7 +11412,7 @@
               <p:spPr>
                 <a:xfrm>
                   <a:off x="0" y="0"/>
-                  <a:ext cx="11237060" cy="4479615"/>
+                  <a:ext cx="11028569" cy="4479615"/>
                 </a:xfrm>
                 <a:prstGeom prst="rect">
                   <a:avLst/>
@@ -10500,7 +11469,7 @@
                 <a:effectLst/>
                 <a:extLst>
                   <a:ext uri="{C572A759-6A51-4108-AA02-DFA0A04FC94B}">
-                    <ma14:wrappingTextBoxFlag xmlns="" xmlns:m="http://schemas.openxmlformats.org/officeDocument/2006/math" xmlns:a14="http://schemas.microsoft.com/office/drawing/2010/main" xmlns:ma14="http://schemas.microsoft.com/office/mac/drawingml/2011/main" val="1"/>
+                    <ma14:wrappingTextBoxFlag xmlns:ma14="http://schemas.microsoft.com/office/mac/drawingml/2011/main" xmlns:a14="http://schemas.microsoft.com/office/drawing/2010/main" xmlns:m="http://schemas.openxmlformats.org/officeDocument/2006/math" xmlns="" val="1"/>
                   </a:ext>
                 </a:extLst>
               </p:spPr>
@@ -10537,8 +11506,8 @@
             </p:nvSpPr>
             <p:spPr>
               <a:xfrm>
-                <a:off x="314172" y="1519008"/>
-                <a:ext cx="10307360" cy="1961482"/>
+                <a:off x="314172" y="1580383"/>
+                <a:ext cx="10307360" cy="1838731"/>
               </a:xfrm>
               <a:prstGeom prst="rect">
                 <a:avLst/>
@@ -10551,7 +11520,7 @@
               <a:effectLst/>
               <a:extLst>
                 <a:ext uri="{C572A759-6A51-4108-AA02-DFA0A04FC94B}">
-                  <ma14:wrappingTextBoxFlag xmlns="" xmlns:m="http://schemas.openxmlformats.org/officeDocument/2006/math" xmlns:a14="http://schemas.microsoft.com/office/drawing/2010/main" xmlns:ma14="http://schemas.microsoft.com/office/mac/drawingml/2011/main" val="1"/>
+                  <ma14:wrappingTextBoxFlag xmlns:ma14="http://schemas.microsoft.com/office/mac/drawingml/2011/main" xmlns:a14="http://schemas.microsoft.com/office/drawing/2010/main" xmlns:m="http://schemas.openxmlformats.org/officeDocument/2006/math" xmlns="" val="1"/>
                 </a:ext>
               </a:extLst>
             </p:spPr>
@@ -10575,10 +11544,18 @@
               <a:p>
                 <a:pPr algn="just"/>
                 <a:r>
-                  <a:rPr lang="pt-BR" dirty="0" smtClean="0"/>
-                  <a:t>Criar um aplicativo que ajude usuários a gerenciar suas finanças pessoais de forma eficaz, incluindo controle de orçamento, despesas, metas financeiras e geração de relatórios.</a:t>
-                </a:r>
-                <a:endParaRPr dirty="0"/>
+                  <a:rPr lang="pt-BR" sz="2400" dirty="0"/>
+                  <a:t>Criar um aplicativo que ajude usuários a gerenciar suas finanças pessoais de forma eficaz, incluindo controle de orçamento, despesas, metas financeiras e geração de relatórios. O aplicativo se destacará pela personalização e pela educação financeira, oferecendo um suporte </a:t>
+                </a:r>
+                <a:r>
+                  <a:rPr lang="pt-BR" sz="2400" dirty="0" smtClean="0"/>
+                  <a:t>aos </a:t>
+                </a:r>
+                <a:r>
+                  <a:rPr lang="pt-BR" sz="2400" dirty="0"/>
+                  <a:t>usuários.</a:t>
+                </a:r>
+                <a:endParaRPr sz="2400" dirty="0"/>
               </a:p>
             </p:txBody>
           </p:sp>
@@ -10592,9 +11569,9 @@
           <p:grpSpPr>
             <a:xfrm>
               <a:off x="12954909" y="4533670"/>
-              <a:ext cx="11192175" cy="5813205"/>
+              <a:ext cx="11028572" cy="5030571"/>
               <a:chOff x="-22444" y="27026"/>
-              <a:chExt cx="11192174" cy="5813203"/>
+              <a:chExt cx="11028571" cy="5030569"/>
             </a:xfrm>
           </p:grpSpPr>
           <p:grpSp>
@@ -10606,9 +11583,9 @@
             <p:grpSpPr>
               <a:xfrm>
                 <a:off x="-22444" y="27026"/>
-                <a:ext cx="11192174" cy="5246370"/>
+                <a:ext cx="11028571" cy="5030569"/>
                 <a:chOff x="-22444" y="27026"/>
-                <a:chExt cx="11192173" cy="5246369"/>
+                <a:chExt cx="11028570" cy="5030568"/>
               </a:xfrm>
             </p:grpSpPr>
             <p:sp>
@@ -10620,7 +11597,7 @@
               <p:spPr>
                 <a:xfrm>
                   <a:off x="-22444" y="27026"/>
-                  <a:ext cx="11192173" cy="5246369"/>
+                  <a:ext cx="11028570" cy="5030568"/>
                 </a:xfrm>
                 <a:prstGeom prst="rect">
                   <a:avLst/>
@@ -10677,7 +11654,7 @@
                 <a:effectLst/>
                 <a:extLst>
                   <a:ext uri="{C572A759-6A51-4108-AA02-DFA0A04FC94B}">
-                    <ma14:wrappingTextBoxFlag xmlns="" xmlns:m="http://schemas.openxmlformats.org/officeDocument/2006/math" xmlns:a14="http://schemas.microsoft.com/office/drawing/2010/main" xmlns:ma14="http://schemas.microsoft.com/office/mac/drawingml/2011/main" val="1"/>
+                    <ma14:wrappingTextBoxFlag xmlns:ma14="http://schemas.microsoft.com/office/mac/drawingml/2011/main" xmlns:a14="http://schemas.microsoft.com/office/drawing/2010/main" xmlns:m="http://schemas.openxmlformats.org/officeDocument/2006/math" xmlns="" val="1"/>
                   </a:ext>
                 </a:extLst>
               </p:spPr>
@@ -10715,8 +11692,8 @@
             </p:nvSpPr>
             <p:spPr>
               <a:xfrm>
-                <a:off x="138098" y="710111"/>
-                <a:ext cx="9970221" cy="5130118"/>
+                <a:off x="269284" y="902128"/>
+                <a:ext cx="9970221" cy="3655696"/>
               </a:xfrm>
               <a:prstGeom prst="rect">
                 <a:avLst/>
@@ -10729,7 +11706,7 @@
               <a:effectLst/>
               <a:extLst>
                 <a:ext uri="{C572A759-6A51-4108-AA02-DFA0A04FC94B}">
-                  <ma14:wrappingTextBoxFlag xmlns="" xmlns:m="http://schemas.openxmlformats.org/officeDocument/2006/math" xmlns:a14="http://schemas.microsoft.com/office/drawing/2010/main" xmlns:ma14="http://schemas.microsoft.com/office/mac/drawingml/2011/main" val="1"/>
+                  <ma14:wrappingTextBoxFlag xmlns:ma14="http://schemas.microsoft.com/office/mac/drawingml/2011/main" xmlns:a14="http://schemas.microsoft.com/office/drawing/2010/main" xmlns:m="http://schemas.openxmlformats.org/officeDocument/2006/math" xmlns="" val="1"/>
                 </a:ext>
               </a:extLst>
             </p:spPr>
@@ -10751,91 +11728,141 @@
                 </a:lvl1pPr>
               </a:lstStyle>
               <a:p>
-                <a:pPr marL="514350" indent="-514350">
+                <a:pPr marL="514350" indent="-514350" algn="just">
                   <a:buFont typeface="+mj-lt"/>
                   <a:buAutoNum type="arabicPeriod"/>
                 </a:pPr>
                 <a:r>
-                  <a:rPr lang="pt-BR" dirty="0" smtClean="0"/>
-                  <a:t>Como garantir a segurança dos dados do usuário?</a:t>
+                  <a:rPr lang="pt-BR" sz="2000" dirty="0"/>
+                  <a:t>Como garantir a segurança dos dados do usuário</a:t>
+                </a:r>
+                <a:r>
+                  <a:rPr lang="pt-BR" sz="2000" dirty="0" smtClean="0"/>
+                  <a:t>?</a:t>
                 </a:r>
               </a:p>
               <a:p>
-                <a:pPr marL="514350" indent="-514350">
+                <a:pPr marL="514350" indent="-514350" algn="just">
                   <a:buFont typeface="+mj-lt"/>
                   <a:buAutoNum type="arabicPeriod"/>
                 </a:pPr>
                 <a:r>
-                  <a:rPr lang="pt-BR" dirty="0" smtClean="0"/>
-                  <a:t>Como abordadremos a escalabilidade do </a:t>
-                </a:r>
-                <a:r>
-                  <a:rPr lang="pt-BR" dirty="0" smtClean="0"/>
-                  <a:t>aplicativo?</a:t>
-                </a:r>
-                <a:endParaRPr lang="pt-BR" dirty="0" smtClean="0"/>
+                  <a:rPr lang="pt-BR" sz="2000" dirty="0" smtClean="0"/>
+                  <a:t>Como </a:t>
+                </a:r>
+                <a:r>
+                  <a:rPr lang="pt-BR" sz="2000" dirty="0"/>
+                  <a:t>abordaremos a escalabilidade do aplicativo</a:t>
+                </a:r>
+                <a:r>
+                  <a:rPr lang="pt-BR" sz="2000" dirty="0" smtClean="0"/>
+                  <a:t>?</a:t>
+                </a:r>
               </a:p>
               <a:p>
-                <a:pPr marL="514350" indent="-514350">
+                <a:pPr marL="514350" indent="-514350" algn="just">
                   <a:buFont typeface="+mj-lt"/>
                   <a:buAutoNum type="arabicPeriod"/>
                 </a:pPr>
                 <a:r>
-                  <a:rPr lang="pt-BR" dirty="0" smtClean="0"/>
-                  <a:t>Como garantiremps uma experiência de usuário </a:t>
-                </a:r>
-                <a:r>
-                  <a:rPr lang="pt-BR" dirty="0" smtClean="0"/>
-                  <a:t>satisfatória?</a:t>
-                </a:r>
-                <a:endParaRPr lang="pt-BR" dirty="0" smtClean="0"/>
+                  <a:rPr lang="pt-BR" sz="2000" dirty="0" smtClean="0"/>
+                  <a:t>Como </a:t>
+                </a:r>
+                <a:r>
+                  <a:rPr lang="pt-BR" sz="2000" dirty="0"/>
+                  <a:t>garantiremos uma experiência de usuário satisfatória</a:t>
+                </a:r>
+                <a:r>
+                  <a:rPr lang="pt-BR" sz="2000" dirty="0" smtClean="0"/>
+                  <a:t>?</a:t>
+                </a:r>
               </a:p>
               <a:p>
-                <a:pPr marL="514350" indent="-514350">
+                <a:pPr marL="514350" indent="-514350" algn="just">
                   <a:buFont typeface="+mj-lt"/>
                   <a:buAutoNum type="arabicPeriod"/>
                 </a:pPr>
                 <a:r>
-                  <a:rPr lang="pt-BR" dirty="0" smtClean="0"/>
-                  <a:t>Como eduacar o usuário a guardar mais </a:t>
-                </a:r>
-                <a:r>
-                  <a:rPr lang="pt-BR" dirty="0" smtClean="0"/>
-                  <a:t>dinheiro?</a:t>
-                </a:r>
-                <a:endParaRPr lang="pt-BR" dirty="0" smtClean="0"/>
+                  <a:rPr lang="pt-BR" sz="2000" dirty="0" smtClean="0"/>
+                  <a:t>Como </a:t>
+                </a:r>
+                <a:r>
+                  <a:rPr lang="pt-BR" sz="2000" dirty="0"/>
+                  <a:t>educar o usuário a guardar mais dinheiro</a:t>
+                </a:r>
+                <a:r>
+                  <a:rPr lang="pt-BR" sz="2000" dirty="0" smtClean="0"/>
+                  <a:t>?</a:t>
+                </a:r>
               </a:p>
               <a:p>
-                <a:pPr marL="514350" indent="-514350">
+                <a:pPr marL="514350" indent="-514350" algn="just">
                   <a:buFont typeface="+mj-lt"/>
                   <a:buAutoNum type="arabicPeriod"/>
                 </a:pPr>
                 <a:r>
-                  <a:rPr lang="pt-BR" dirty="0" smtClean="0"/>
-                  <a:t>Qual a estrategia para novas </a:t>
-                </a:r>
-                <a:r>
-                  <a:rPr lang="pt-BR" dirty="0" smtClean="0"/>
-                  <a:t>funcionalidades?</a:t>
+                  <a:rPr lang="pt-BR" sz="2000" dirty="0" smtClean="0"/>
+                  <a:t>Qual </a:t>
+                </a:r>
+                <a:r>
+                  <a:rPr lang="pt-BR" sz="2000" dirty="0"/>
+                  <a:t>a estratégia para novas funcionalidades</a:t>
+                </a:r>
+                <a:r>
+                  <a:rPr lang="pt-BR" sz="2000" dirty="0" smtClean="0"/>
+                  <a:t>?</a:t>
                 </a:r>
               </a:p>
               <a:p>
-                <a:pPr marL="514350" indent="-514350">
+                <a:pPr marL="514350" indent="-514350" algn="just">
                   <a:buFont typeface="+mj-lt"/>
                   <a:buAutoNum type="arabicPeriod"/>
                 </a:pPr>
                 <a:r>
-                  <a:rPr lang="pt-BR" dirty="0"/>
-                  <a:t>Como lidaremos com o gerenciamento e a análise de grandes volumes de dados financeiros?</a:t>
-                </a:r>
-                <a:endParaRPr lang="pt-BR" dirty="0" smtClean="0"/>
+                  <a:rPr lang="pt-BR" sz="2000" dirty="0" smtClean="0"/>
+                  <a:t>Como </a:t>
+                </a:r>
+                <a:r>
+                  <a:rPr lang="pt-BR" sz="2000" dirty="0"/>
+                  <a:t>lidaremos com o gerenciamento e a análise de grandes volumes de dados financeiros</a:t>
+                </a:r>
+                <a:r>
+                  <a:rPr lang="pt-BR" sz="2000" dirty="0" smtClean="0"/>
+                  <a:t>?</a:t>
+                </a:r>
               </a:p>
               <a:p>
-                <a:pPr marL="514350" indent="-514350">
+                <a:pPr marL="514350" indent="-514350" algn="just">
                   <a:buFont typeface="+mj-lt"/>
                   <a:buAutoNum type="arabicPeriod"/>
                 </a:pPr>
-                <a:endParaRPr lang="pt-BR" dirty="0" smtClean="0"/>
+                <a:r>
+                  <a:rPr lang="pt-BR" sz="2000" dirty="0" smtClean="0"/>
+                  <a:t>Como </a:t>
+                </a:r>
+                <a:r>
+                  <a:rPr lang="pt-BR" sz="2000" dirty="0"/>
+                  <a:t>garantiremos a privacidade dos dados do usuário em nossas integrações</a:t>
+                </a:r>
+                <a:r>
+                  <a:rPr lang="pt-BR" sz="2000" dirty="0" smtClean="0"/>
+                  <a:t>?</a:t>
+                </a:r>
+              </a:p>
+              <a:p>
+                <a:pPr marL="514350" indent="-514350" algn="just">
+                  <a:buFont typeface="+mj-lt"/>
+                  <a:buAutoNum type="arabicPeriod"/>
+                </a:pPr>
+                <a:r>
+                  <a:rPr lang="pt-BR" sz="2000" dirty="0" smtClean="0"/>
+                  <a:t>Quais </a:t>
+                </a:r>
+                <a:r>
+                  <a:rPr lang="pt-BR" sz="2000" dirty="0"/>
+                  <a:t>estratégias usaremos para manter o engajamento dos usuários?</a:t>
+                </a:r>
+                <a:endParaRPr lang="pt-BR" sz="2000" dirty="0" smtClean="0"/>
               </a:p>
               <a:p>
                 <a:endParaRPr lang="pt-BR" dirty="0" smtClean="0"/>
@@ -10858,10 +11885,10 @@
           </p:nvGrpSpPr>
           <p:grpSpPr>
             <a:xfrm>
-              <a:off x="12985818" y="9166917"/>
-              <a:ext cx="11478416" cy="4387578"/>
-              <a:chOff x="-1" y="-613124"/>
-              <a:chExt cx="11478415" cy="4387575"/>
+              <a:off x="12954909" y="9662750"/>
+              <a:ext cx="11164246" cy="3759453"/>
+              <a:chOff x="-30910" y="-117291"/>
+              <a:chExt cx="11164245" cy="3759450"/>
             </a:xfrm>
           </p:grpSpPr>
           <p:grpSp>
@@ -10872,10 +11899,10 @@
             </p:nvGrpSpPr>
             <p:grpSpPr>
               <a:xfrm>
-                <a:off x="-1" y="-613124"/>
-                <a:ext cx="11175241" cy="4387575"/>
-                <a:chOff x="-1" y="-613124"/>
-                <a:chExt cx="11175240" cy="4387574"/>
+                <a:off x="-30910" y="-117291"/>
+                <a:ext cx="11028571" cy="3759450"/>
+                <a:chOff x="-30910" y="-117291"/>
+                <a:chExt cx="11028570" cy="3759449"/>
               </a:xfrm>
             </p:grpSpPr>
             <p:sp>
@@ -10886,8 +11913,8 @@
               </p:nvSpPr>
               <p:spPr>
                 <a:xfrm>
-                  <a:off x="-1" y="-63919"/>
-                  <a:ext cx="11175240" cy="3838369"/>
+                  <a:off x="-30910" y="-117291"/>
+                  <a:ext cx="11028570" cy="3759449"/>
                 </a:xfrm>
                 <a:prstGeom prst="rect">
                   <a:avLst/>
@@ -10930,7 +11957,7 @@
               </p:nvSpPr>
               <p:spPr>
                 <a:xfrm>
-                  <a:off x="185011" y="-613124"/>
+                  <a:off x="300576" y="66027"/>
                   <a:ext cx="2408859" cy="660319"/>
                 </a:xfrm>
                 <a:prstGeom prst="rect">
@@ -10944,7 +11971,7 @@
                 <a:effectLst/>
                 <a:extLst>
                   <a:ext uri="{C572A759-6A51-4108-AA02-DFA0A04FC94B}">
-                    <ma14:wrappingTextBoxFlag xmlns="" xmlns:m="http://schemas.openxmlformats.org/officeDocument/2006/math" xmlns:a14="http://schemas.microsoft.com/office/drawing/2010/main" xmlns:ma14="http://schemas.microsoft.com/office/mac/drawingml/2011/main" val="1"/>
+                    <ma14:wrappingTextBoxFlag xmlns:ma14="http://schemas.microsoft.com/office/mac/drawingml/2011/main" xmlns:a14="http://schemas.microsoft.com/office/drawing/2010/main" xmlns:m="http://schemas.openxmlformats.org/officeDocument/2006/math" xmlns="" val="1"/>
                   </a:ext>
                 </a:extLst>
               </p:spPr>
@@ -10982,8 +12009,8 @@
             </p:nvSpPr>
             <p:spPr>
               <a:xfrm>
-                <a:off x="530090" y="213584"/>
-                <a:ext cx="10948324" cy="3283366"/>
+                <a:off x="185011" y="702841"/>
+                <a:ext cx="10948324" cy="2434456"/>
               </a:xfrm>
               <a:prstGeom prst="rect">
                 <a:avLst/>
@@ -10996,7 +12023,7 @@
               <a:effectLst/>
               <a:extLst>
                 <a:ext uri="{C572A759-6A51-4108-AA02-DFA0A04FC94B}">
-                  <ma14:wrappingTextBoxFlag xmlns="" xmlns:m="http://schemas.openxmlformats.org/officeDocument/2006/math" xmlns:a14="http://schemas.microsoft.com/office/drawing/2010/main" xmlns:ma14="http://schemas.microsoft.com/office/mac/drawingml/2011/main" val="1"/>
+                  <ma14:wrappingTextBoxFlag xmlns:ma14="http://schemas.microsoft.com/office/mac/drawingml/2011/main" xmlns:a14="http://schemas.microsoft.com/office/drawing/2010/main" xmlns:m="http://schemas.openxmlformats.org/officeDocument/2006/math" xmlns="" val="1"/>
                 </a:ext>
               </a:extLst>
             </p:spPr>
@@ -11018,70 +12045,120 @@
                 </a:lvl1pPr>
               </a:lstStyle>
               <a:p>
-                <a:r>
-                  <a:rPr lang="pt-BR" dirty="0" smtClean="0"/>
-                  <a:t>-Desenvolver </a:t>
-                </a:r>
-                <a:r>
-                  <a:rPr lang="pt-BR" dirty="0"/>
+                <a:pPr marL="457200" indent="-457200" algn="just">
+                  <a:buFont typeface="+mj-lt"/>
+                  <a:buAutoNum type="arabicPeriod"/>
+                </a:pPr>
+                <a:r>
+                  <a:rPr lang="pt-BR" sz="2000" dirty="0" smtClean="0"/>
+                  <a:t>Desenvolver </a:t>
+                </a:r>
+                <a:r>
+                  <a:rPr lang="pt-BR" sz="2000" dirty="0"/>
                   <a:t>um sistema seguro e eficiente para integrar dados bancários dos </a:t>
                 </a:r>
                 <a:r>
-                  <a:rPr lang="pt-BR" dirty="0" smtClean="0"/>
+                  <a:rPr lang="pt-BR" sz="2000" dirty="0" smtClean="0"/>
                   <a:t>usuários</a:t>
                 </a:r>
-                <a:endParaRPr lang="pt-BR" dirty="0"/>
+                <a:endParaRPr lang="pt-BR" sz="2000" dirty="0"/>
               </a:p>
               <a:p>
-                <a:r>
-                  <a:rPr lang="pt-BR" dirty="0"/>
-                  <a:t>-Garantia de Segurança dos Dados do Usuário</a:t>
-                </a:r>
-                <a:r>
-                  <a:rPr lang="pt-BR" dirty="0"/>
-                  <a:t/>
+                <a:pPr marL="457200" indent="-457200" algn="just">
+                  <a:buFont typeface="+mj-lt"/>
+                  <a:buAutoNum type="arabicPeriod"/>
+                </a:pPr>
+                <a:r>
+                  <a:rPr lang="pt-BR" sz="2000" dirty="0" smtClean="0"/>
+                  <a:t>Garantia </a:t>
+                </a:r>
+                <a:r>
+                  <a:rPr lang="pt-BR" sz="2000" dirty="0"/>
+                  <a:t>de Segurança dos Dados do Usuário</a:t>
                 </a:r>
                 <a:br>
-                  <a:rPr lang="pt-BR" dirty="0"/>
+                  <a:rPr lang="pt-BR" sz="2000" dirty="0"/>
                 </a:br>
                 <a:r>
-                  <a:rPr lang="pt-BR" dirty="0"/>
-                  <a:t>-Escalabilidade do Aplicativo</a:t>
-                </a:r>
-                <a:r>
-                  <a:rPr lang="pt-BR" dirty="0"/>
-                  <a:t/>
-                </a:r>
-                <a:br>
-                  <a:rPr lang="pt-BR" dirty="0"/>
-                </a:br>
-                <a:r>
-                  <a:rPr lang="pt-BR" dirty="0"/>
-                  <a:t>- Experiência de Usuário Satisfatória</a:t>
-                </a:r>
-                <a:r>
-                  <a:rPr lang="pt-BR" dirty="0"/>
-                  <a:t/>
-                </a:r>
-                <a:br>
-                  <a:rPr lang="pt-BR" dirty="0"/>
-                </a:br>
-                <a:r>
-                  <a:rPr lang="pt-BR" dirty="0"/>
-                  <a:t>-Educação Financeira dos Usuários</a:t>
-                </a:r>
-                <a:r>
-                  <a:rPr lang="pt-BR" dirty="0"/>
-                  <a:t/>
-                </a:r>
-                <a:br>
-                  <a:rPr lang="pt-BR" dirty="0"/>
-                </a:br>
-                <a:r>
-                  <a:rPr lang="pt-BR" dirty="0"/>
-                  <a:t>-Estratégia para Novas Funcionalidades</a:t>
-                </a:r>
-                <a:endParaRPr dirty="0"/>
+                  <a:rPr lang="pt-BR" sz="2000" dirty="0" smtClean="0"/>
+                  <a:t>Escalabilidade </a:t>
+                </a:r>
+                <a:r>
+                  <a:rPr lang="pt-BR" sz="2000" dirty="0"/>
+                  <a:t>do </a:t>
+                </a:r>
+                <a:r>
+                  <a:rPr lang="pt-BR" sz="2000" dirty="0" smtClean="0"/>
+                  <a:t>Aplicativo</a:t>
+                </a:r>
+              </a:p>
+              <a:p>
+                <a:pPr marL="457200" indent="-457200" algn="just">
+                  <a:buFont typeface="+mj-lt"/>
+                  <a:buAutoNum type="arabicPeriod"/>
+                </a:pPr>
+                <a:r>
+                  <a:rPr lang="pt-BR" sz="2000" dirty="0" smtClean="0"/>
+                  <a:t>Experiência </a:t>
+                </a:r>
+                <a:r>
+                  <a:rPr lang="pt-BR" sz="2000" dirty="0"/>
+                  <a:t>de Usuário </a:t>
+                </a:r>
+                <a:r>
+                  <a:rPr lang="pt-BR" sz="2000" dirty="0" smtClean="0"/>
+                  <a:t>Satisfatória</a:t>
+                </a:r>
+              </a:p>
+              <a:p>
+                <a:pPr marL="457200" indent="-457200" algn="just">
+                  <a:buFont typeface="+mj-lt"/>
+                  <a:buAutoNum type="arabicPeriod"/>
+                </a:pPr>
+                <a:r>
+                  <a:rPr lang="pt-BR" sz="2000" b="1" dirty="0" smtClean="0"/>
+                  <a:t>Educação </a:t>
+                </a:r>
+                <a:r>
+                  <a:rPr lang="pt-BR" sz="2000" b="1" dirty="0"/>
+                  <a:t>Financeira dos Usuários</a:t>
+                </a:r>
+                <a:r>
+                  <a:rPr lang="pt-BR" sz="2000" dirty="0"/>
+                  <a:t>: Criar conteúdos educativos e recursos interativos dentro do </a:t>
+                </a:r>
+                <a:r>
+                  <a:rPr lang="pt-BR" sz="2000" dirty="0" smtClean="0"/>
+                  <a:t>aplicativo.</a:t>
+                </a:r>
+                <a:endParaRPr lang="pt-BR" sz="2000" dirty="0"/>
+              </a:p>
+              <a:p>
+                <a:pPr marL="457200" indent="-457200" algn="just">
+                  <a:buFont typeface="+mj-lt"/>
+                  <a:buAutoNum type="arabicPeriod"/>
+                </a:pPr>
+                <a:r>
+                  <a:rPr lang="pt-BR" sz="2000" b="1" dirty="0" smtClean="0"/>
+                  <a:t>Estratégia </a:t>
+                </a:r>
+                <a:r>
+                  <a:rPr lang="pt-BR" sz="2000" b="1" dirty="0"/>
+                  <a:t>para Novas Funcionalidades</a:t>
+                </a:r>
+                <a:r>
+                  <a:rPr lang="pt-BR" sz="2000" dirty="0"/>
+                  <a:t>: Estabelecer um ciclo de feedback </a:t>
+                </a:r>
+                <a:r>
+                  <a:rPr lang="pt-BR" sz="2000" dirty="0" smtClean="0"/>
+                  <a:t>para </a:t>
+                </a:r>
+                <a:r>
+                  <a:rPr lang="pt-BR" sz="2000" dirty="0"/>
+                  <a:t>priorizar desenvolvimentos futuros.</a:t>
+                </a:r>
+                <a:endParaRPr sz="2000" dirty="0"/>
               </a:p>
             </p:txBody>
           </p:sp>
@@ -11228,7 +12305,7 @@
                 <a:effectLst/>
                 <a:extLst>
                   <a:ext uri="{C572A759-6A51-4108-AA02-DFA0A04FC94B}">
-                    <ma14:wrappingTextBoxFlag xmlns="" xmlns:m="http://schemas.openxmlformats.org/officeDocument/2006/math" xmlns:a14="http://schemas.microsoft.com/office/drawing/2010/main" xmlns:ma14="http://schemas.microsoft.com/office/mac/drawingml/2011/main" val="1"/>
+                    <ma14:wrappingTextBoxFlag xmlns:ma14="http://schemas.microsoft.com/office/mac/drawingml/2011/main" xmlns:a14="http://schemas.microsoft.com/office/drawing/2010/main" xmlns:m="http://schemas.openxmlformats.org/officeDocument/2006/math" xmlns="" val="1"/>
                   </a:ext>
                 </a:extLst>
               </p:spPr>
@@ -11281,7 +12358,7 @@
               <a:effectLst/>
               <a:extLst>
                 <a:ext uri="{C572A759-6A51-4108-AA02-DFA0A04FC94B}">
-                  <ma14:wrappingTextBoxFlag xmlns="" xmlns:m="http://schemas.openxmlformats.org/officeDocument/2006/math" xmlns:a14="http://schemas.microsoft.com/office/drawing/2010/main" xmlns:ma14="http://schemas.microsoft.com/office/mac/drawingml/2011/main" val="1"/>
+                  <ma14:wrappingTextBoxFlag xmlns:ma14="http://schemas.microsoft.com/office/mac/drawingml/2011/main" xmlns:a14="http://schemas.microsoft.com/office/drawing/2010/main" xmlns:m="http://schemas.openxmlformats.org/officeDocument/2006/math" xmlns="" val="1"/>
                 </a:ext>
               </a:extLst>
             </p:spPr>
@@ -11587,7 +12664,7 @@
                 <a:effectLst/>
                 <a:extLst>
                   <a:ext uri="{C572A759-6A51-4108-AA02-DFA0A04FC94B}">
-                    <ma14:wrappingTextBoxFlag xmlns="" xmlns:m="http://schemas.openxmlformats.org/officeDocument/2006/math" xmlns:a14="http://schemas.microsoft.com/office/drawing/2010/main" xmlns:ma14="http://schemas.microsoft.com/office/mac/drawingml/2011/main" val="1"/>
+                    <ma14:wrappingTextBoxFlag xmlns:ma14="http://schemas.microsoft.com/office/mac/drawingml/2011/main" xmlns:a14="http://schemas.microsoft.com/office/drawing/2010/main" xmlns:m="http://schemas.openxmlformats.org/officeDocument/2006/math" xmlns="" val="1"/>
                   </a:ext>
                 </a:extLst>
               </p:spPr>
@@ -11640,7 +12717,7 @@
               <a:effectLst/>
               <a:extLst>
                 <a:ext uri="{C572A759-6A51-4108-AA02-DFA0A04FC94B}">
-                  <ma14:wrappingTextBoxFlag xmlns="" xmlns:m="http://schemas.openxmlformats.org/officeDocument/2006/math" xmlns:a14="http://schemas.microsoft.com/office/drawing/2010/main" xmlns:ma14="http://schemas.microsoft.com/office/mac/drawingml/2011/main" val="1"/>
+                  <ma14:wrappingTextBoxFlag xmlns:ma14="http://schemas.microsoft.com/office/mac/drawingml/2011/main" xmlns:a14="http://schemas.microsoft.com/office/drawing/2010/main" xmlns:m="http://schemas.openxmlformats.org/officeDocument/2006/math" xmlns="" val="1"/>
                 </a:ext>
               </a:extLst>
             </p:spPr>
@@ -11784,7 +12861,7 @@
           <a:effectLst/>
           <a:extLst>
             <a:ext uri="{C572A759-6A51-4108-AA02-DFA0A04FC94B}">
-              <ma14:wrappingTextBoxFlag xmlns="" xmlns:m="http://schemas.openxmlformats.org/officeDocument/2006/math" xmlns:a14="http://schemas.microsoft.com/office/drawing/2010/main" xmlns:ma14="http://schemas.microsoft.com/office/mac/drawingml/2011/main" val="1"/>
+              <ma14:wrappingTextBoxFlag xmlns:ma14="http://schemas.microsoft.com/office/mac/drawingml/2011/main" xmlns:a14="http://schemas.microsoft.com/office/drawing/2010/main" xmlns:m="http://schemas.openxmlformats.org/officeDocument/2006/math" xmlns="" val="1"/>
             </a:ext>
           </a:extLst>
         </p:spPr>
@@ -11836,7 +12913,7 @@
           <a:effectLst/>
           <a:extLst>
             <a:ext uri="{C572A759-6A51-4108-AA02-DFA0A04FC94B}">
-              <ma14:wrappingTextBoxFlag xmlns="" xmlns:m="http://schemas.openxmlformats.org/officeDocument/2006/math" xmlns:a14="http://schemas.microsoft.com/office/drawing/2010/main" xmlns:ma14="http://schemas.microsoft.com/office/mac/drawingml/2011/main" val="1"/>
+              <ma14:wrappingTextBoxFlag xmlns:ma14="http://schemas.microsoft.com/office/mac/drawingml/2011/main" xmlns:a14="http://schemas.microsoft.com/office/drawing/2010/main" xmlns:m="http://schemas.openxmlformats.org/officeDocument/2006/math" xmlns="" val="1"/>
             </a:ext>
           </a:extLst>
         </p:spPr>
@@ -11890,7 +12967,7 @@
           <a:effectLst/>
           <a:extLst>
             <a:ext uri="{C572A759-6A51-4108-AA02-DFA0A04FC94B}">
-              <ma14:wrappingTextBoxFlag xmlns="" xmlns:m="http://schemas.openxmlformats.org/officeDocument/2006/math" xmlns:a14="http://schemas.microsoft.com/office/drawing/2010/main" xmlns:ma14="http://schemas.microsoft.com/office/mac/drawingml/2011/main" val="1"/>
+              <ma14:wrappingTextBoxFlag xmlns:ma14="http://schemas.microsoft.com/office/mac/drawingml/2011/main" xmlns:a14="http://schemas.microsoft.com/office/drawing/2010/main" xmlns:m="http://schemas.openxmlformats.org/officeDocument/2006/math" xmlns="" val="1"/>
             </a:ext>
           </a:extLst>
         </p:spPr>
@@ -11942,7 +13019,7 @@
           <a:effectLst/>
           <a:extLst>
             <a:ext uri="{C572A759-6A51-4108-AA02-DFA0A04FC94B}">
-              <ma14:wrappingTextBoxFlag xmlns="" xmlns:m="http://schemas.openxmlformats.org/officeDocument/2006/math" xmlns:a14="http://schemas.microsoft.com/office/drawing/2010/main" xmlns:ma14="http://schemas.microsoft.com/office/mac/drawingml/2011/main" val="1"/>
+              <ma14:wrappingTextBoxFlag xmlns:ma14="http://schemas.microsoft.com/office/mac/drawingml/2011/main" xmlns:a14="http://schemas.microsoft.com/office/drawing/2010/main" xmlns:m="http://schemas.openxmlformats.org/officeDocument/2006/math" xmlns="" val="1"/>
             </a:ext>
           </a:extLst>
         </p:spPr>
@@ -12115,7 +13192,7 @@
                 <a:effectLst/>
                 <a:extLst>
                   <a:ext uri="{C572A759-6A51-4108-AA02-DFA0A04FC94B}">
-                    <ma14:wrappingTextBoxFlag xmlns="" xmlns:m="http://schemas.openxmlformats.org/officeDocument/2006/math" xmlns:a14="http://schemas.microsoft.com/office/drawing/2010/main" xmlns:ma14="http://schemas.microsoft.com/office/mac/drawingml/2011/main" val="1"/>
+                    <ma14:wrappingTextBoxFlag xmlns:ma14="http://schemas.microsoft.com/office/mac/drawingml/2011/main" xmlns:a14="http://schemas.microsoft.com/office/drawing/2010/main" xmlns:m="http://schemas.openxmlformats.org/officeDocument/2006/math" xmlns="" val="1"/>
                   </a:ext>
                 </a:extLst>
               </p:spPr>
@@ -12168,7 +13245,7 @@
               <a:effectLst/>
               <a:extLst>
                 <a:ext uri="{C572A759-6A51-4108-AA02-DFA0A04FC94B}">
-                  <ma14:wrappingTextBoxFlag xmlns="" xmlns:m="http://schemas.openxmlformats.org/officeDocument/2006/math" xmlns:a14="http://schemas.microsoft.com/office/drawing/2010/main" xmlns:ma14="http://schemas.microsoft.com/office/mac/drawingml/2011/main" val="1"/>
+                  <ma14:wrappingTextBoxFlag xmlns:ma14="http://schemas.microsoft.com/office/mac/drawingml/2011/main" xmlns:a14="http://schemas.microsoft.com/office/drawing/2010/main" xmlns:m="http://schemas.openxmlformats.org/officeDocument/2006/math" xmlns="" val="1"/>
                 </a:ext>
               </a:extLst>
             </p:spPr>
@@ -12297,7 +13374,7 @@
                 <a:effectLst/>
                 <a:extLst>
                   <a:ext uri="{C572A759-6A51-4108-AA02-DFA0A04FC94B}">
-                    <ma14:wrappingTextBoxFlag xmlns="" xmlns:m="http://schemas.openxmlformats.org/officeDocument/2006/math" xmlns:a14="http://schemas.microsoft.com/office/drawing/2010/main" xmlns:ma14="http://schemas.microsoft.com/office/mac/drawingml/2011/main" val="1"/>
+                    <ma14:wrappingTextBoxFlag xmlns:ma14="http://schemas.microsoft.com/office/mac/drawingml/2011/main" xmlns:a14="http://schemas.microsoft.com/office/drawing/2010/main" xmlns:m="http://schemas.openxmlformats.org/officeDocument/2006/math" xmlns="" val="1"/>
                   </a:ext>
                 </a:extLst>
               </p:spPr>
@@ -12350,7 +13427,7 @@
               <a:effectLst/>
               <a:extLst>
                 <a:ext uri="{C572A759-6A51-4108-AA02-DFA0A04FC94B}">
-                  <ma14:wrappingTextBoxFlag xmlns="" xmlns:m="http://schemas.openxmlformats.org/officeDocument/2006/math" xmlns:a14="http://schemas.microsoft.com/office/drawing/2010/main" xmlns:ma14="http://schemas.microsoft.com/office/mac/drawingml/2011/main" val="1"/>
+                  <ma14:wrappingTextBoxFlag xmlns:ma14="http://schemas.microsoft.com/office/mac/drawingml/2011/main" xmlns:a14="http://schemas.microsoft.com/office/drawing/2010/main" xmlns:m="http://schemas.openxmlformats.org/officeDocument/2006/math" xmlns="" val="1"/>
                 </a:ext>
               </a:extLst>
             </p:spPr>
@@ -12494,7 +13571,7 @@
           <a:effectLst/>
           <a:extLst>
             <a:ext uri="{C572A759-6A51-4108-AA02-DFA0A04FC94B}">
-              <ma14:wrappingTextBoxFlag xmlns="" xmlns:m="http://schemas.openxmlformats.org/officeDocument/2006/math" xmlns:a14="http://schemas.microsoft.com/office/drawing/2010/main" xmlns:ma14="http://schemas.microsoft.com/office/mac/drawingml/2011/main" val="1"/>
+              <ma14:wrappingTextBoxFlag xmlns:ma14="http://schemas.microsoft.com/office/mac/drawingml/2011/main" xmlns:a14="http://schemas.microsoft.com/office/drawing/2010/main" xmlns:m="http://schemas.openxmlformats.org/officeDocument/2006/math" xmlns="" val="1"/>
             </a:ext>
           </a:extLst>
         </p:spPr>
@@ -12546,7 +13623,7 @@
           <a:effectLst/>
           <a:extLst>
             <a:ext uri="{C572A759-6A51-4108-AA02-DFA0A04FC94B}">
-              <ma14:wrappingTextBoxFlag xmlns="" xmlns:m="http://schemas.openxmlformats.org/officeDocument/2006/math" xmlns:a14="http://schemas.microsoft.com/office/drawing/2010/main" xmlns:ma14="http://schemas.microsoft.com/office/mac/drawingml/2011/main" val="1"/>
+              <ma14:wrappingTextBoxFlag xmlns:ma14="http://schemas.microsoft.com/office/mac/drawingml/2011/main" xmlns:a14="http://schemas.microsoft.com/office/drawing/2010/main" xmlns:m="http://schemas.openxmlformats.org/officeDocument/2006/math" xmlns="" val="1"/>
             </a:ext>
           </a:extLst>
         </p:spPr>
@@ -12600,7 +13677,7 @@
           <a:effectLst/>
           <a:extLst>
             <a:ext uri="{C572A759-6A51-4108-AA02-DFA0A04FC94B}">
-              <ma14:wrappingTextBoxFlag xmlns="" xmlns:m="http://schemas.openxmlformats.org/officeDocument/2006/math" xmlns:a14="http://schemas.microsoft.com/office/drawing/2010/main" xmlns:ma14="http://schemas.microsoft.com/office/mac/drawingml/2011/main" val="1"/>
+              <ma14:wrappingTextBoxFlag xmlns:ma14="http://schemas.microsoft.com/office/mac/drawingml/2011/main" xmlns:a14="http://schemas.microsoft.com/office/drawing/2010/main" xmlns:m="http://schemas.openxmlformats.org/officeDocument/2006/math" xmlns="" val="1"/>
             </a:ext>
           </a:extLst>
         </p:spPr>
@@ -12652,7 +13729,7 @@
           <a:effectLst/>
           <a:extLst>
             <a:ext uri="{C572A759-6A51-4108-AA02-DFA0A04FC94B}">
-              <ma14:wrappingTextBoxFlag xmlns="" xmlns:m="http://schemas.openxmlformats.org/officeDocument/2006/math" xmlns:a14="http://schemas.microsoft.com/office/drawing/2010/main" xmlns:ma14="http://schemas.microsoft.com/office/mac/drawingml/2011/main" val="1"/>
+              <ma14:wrappingTextBoxFlag xmlns:ma14="http://schemas.microsoft.com/office/mac/drawingml/2011/main" xmlns:a14="http://schemas.microsoft.com/office/drawing/2010/main" xmlns:m="http://schemas.openxmlformats.org/officeDocument/2006/math" xmlns="" val="1"/>
             </a:ext>
           </a:extLst>
         </p:spPr>
@@ -12818,7 +13895,7 @@
                 <a:effectLst/>
                 <a:extLst>
                   <a:ext uri="{C572A759-6A51-4108-AA02-DFA0A04FC94B}">
-                    <ma14:wrappingTextBoxFlag xmlns="" xmlns:m="http://schemas.openxmlformats.org/officeDocument/2006/math" xmlns:a14="http://schemas.microsoft.com/office/drawing/2010/main" xmlns:ma14="http://schemas.microsoft.com/office/mac/drawingml/2011/main" val="1"/>
+                    <ma14:wrappingTextBoxFlag xmlns:ma14="http://schemas.microsoft.com/office/mac/drawingml/2011/main" xmlns:a14="http://schemas.microsoft.com/office/drawing/2010/main" xmlns:m="http://schemas.openxmlformats.org/officeDocument/2006/math" xmlns="" val="1"/>
                   </a:ext>
                 </a:extLst>
               </p:spPr>
@@ -12871,7 +13948,7 @@
               <a:effectLst/>
               <a:extLst>
                 <a:ext uri="{C572A759-6A51-4108-AA02-DFA0A04FC94B}">
-                  <ma14:wrappingTextBoxFlag xmlns="" xmlns:m="http://schemas.openxmlformats.org/officeDocument/2006/math" xmlns:a14="http://schemas.microsoft.com/office/drawing/2010/main" xmlns:ma14="http://schemas.microsoft.com/office/mac/drawingml/2011/main" val="1"/>
+                  <ma14:wrappingTextBoxFlag xmlns:ma14="http://schemas.microsoft.com/office/mac/drawingml/2011/main" xmlns:a14="http://schemas.microsoft.com/office/drawing/2010/main" xmlns:m="http://schemas.openxmlformats.org/officeDocument/2006/math" xmlns="" val="1"/>
                 </a:ext>
               </a:extLst>
             </p:spPr>
@@ -13000,7 +14077,7 @@
                 <a:effectLst/>
                 <a:extLst>
                   <a:ext uri="{C572A759-6A51-4108-AA02-DFA0A04FC94B}">
-                    <ma14:wrappingTextBoxFlag xmlns="" xmlns:m="http://schemas.openxmlformats.org/officeDocument/2006/math" xmlns:a14="http://schemas.microsoft.com/office/drawing/2010/main" xmlns:ma14="http://schemas.microsoft.com/office/mac/drawingml/2011/main" val="1"/>
+                    <ma14:wrappingTextBoxFlag xmlns:ma14="http://schemas.microsoft.com/office/mac/drawingml/2011/main" xmlns:a14="http://schemas.microsoft.com/office/drawing/2010/main" xmlns:m="http://schemas.openxmlformats.org/officeDocument/2006/math" xmlns="" val="1"/>
                   </a:ext>
                 </a:extLst>
               </p:spPr>
@@ -13053,7 +14130,7 @@
               <a:effectLst/>
               <a:extLst>
                 <a:ext uri="{C572A759-6A51-4108-AA02-DFA0A04FC94B}">
-                  <ma14:wrappingTextBoxFlag xmlns="" xmlns:m="http://schemas.openxmlformats.org/officeDocument/2006/math" xmlns:a14="http://schemas.microsoft.com/office/drawing/2010/main" xmlns:ma14="http://schemas.microsoft.com/office/mac/drawingml/2011/main" val="1"/>
+                  <ma14:wrappingTextBoxFlag xmlns:ma14="http://schemas.microsoft.com/office/mac/drawingml/2011/main" xmlns:a14="http://schemas.microsoft.com/office/drawing/2010/main" xmlns:m="http://schemas.openxmlformats.org/officeDocument/2006/math" xmlns="" val="1"/>
                 </a:ext>
               </a:extLst>
             </p:spPr>
@@ -13197,7 +14274,7 @@
           <a:effectLst/>
           <a:extLst>
             <a:ext uri="{C572A759-6A51-4108-AA02-DFA0A04FC94B}">
-              <ma14:wrappingTextBoxFlag xmlns="" xmlns:m="http://schemas.openxmlformats.org/officeDocument/2006/math" xmlns:a14="http://schemas.microsoft.com/office/drawing/2010/main" xmlns:ma14="http://schemas.microsoft.com/office/mac/drawingml/2011/main" val="1"/>
+              <ma14:wrappingTextBoxFlag xmlns:ma14="http://schemas.microsoft.com/office/mac/drawingml/2011/main" xmlns:a14="http://schemas.microsoft.com/office/drawing/2010/main" xmlns:m="http://schemas.openxmlformats.org/officeDocument/2006/math" xmlns="" val="1"/>
             </a:ext>
           </a:extLst>
         </p:spPr>
@@ -13249,7 +14326,7 @@
           <a:effectLst/>
           <a:extLst>
             <a:ext uri="{C572A759-6A51-4108-AA02-DFA0A04FC94B}">
-              <ma14:wrappingTextBoxFlag xmlns="" xmlns:m="http://schemas.openxmlformats.org/officeDocument/2006/math" xmlns:a14="http://schemas.microsoft.com/office/drawing/2010/main" xmlns:ma14="http://schemas.microsoft.com/office/mac/drawingml/2011/main" val="1"/>
+              <ma14:wrappingTextBoxFlag xmlns:ma14="http://schemas.microsoft.com/office/mac/drawingml/2011/main" xmlns:a14="http://schemas.microsoft.com/office/drawing/2010/main" xmlns:m="http://schemas.openxmlformats.org/officeDocument/2006/math" xmlns="" val="1"/>
             </a:ext>
           </a:extLst>
         </p:spPr>
@@ -13303,7 +14380,7 @@
           <a:effectLst/>
           <a:extLst>
             <a:ext uri="{C572A759-6A51-4108-AA02-DFA0A04FC94B}">
-              <ma14:wrappingTextBoxFlag xmlns="" xmlns:m="http://schemas.openxmlformats.org/officeDocument/2006/math" xmlns:a14="http://schemas.microsoft.com/office/drawing/2010/main" xmlns:ma14="http://schemas.microsoft.com/office/mac/drawingml/2011/main" val="1"/>
+              <ma14:wrappingTextBoxFlag xmlns:ma14="http://schemas.microsoft.com/office/mac/drawingml/2011/main" xmlns:a14="http://schemas.microsoft.com/office/drawing/2010/main" xmlns:m="http://schemas.openxmlformats.org/officeDocument/2006/math" xmlns="" val="1"/>
             </a:ext>
           </a:extLst>
         </p:spPr>
@@ -13355,7 +14432,7 @@
           <a:effectLst/>
           <a:extLst>
             <a:ext uri="{C572A759-6A51-4108-AA02-DFA0A04FC94B}">
-              <ma14:wrappingTextBoxFlag xmlns="" xmlns:m="http://schemas.openxmlformats.org/officeDocument/2006/math" xmlns:a14="http://schemas.microsoft.com/office/drawing/2010/main" xmlns:ma14="http://schemas.microsoft.com/office/mac/drawingml/2011/main" val="1"/>
+              <ma14:wrappingTextBoxFlag xmlns:ma14="http://schemas.microsoft.com/office/mac/drawingml/2011/main" xmlns:a14="http://schemas.microsoft.com/office/drawing/2010/main" xmlns:m="http://schemas.openxmlformats.org/officeDocument/2006/math" xmlns="" val="1"/>
             </a:ext>
           </a:extLst>
         </p:spPr>
@@ -13521,7 +14598,7 @@
                 <a:effectLst/>
                 <a:extLst>
                   <a:ext uri="{C572A759-6A51-4108-AA02-DFA0A04FC94B}">
-                    <ma14:wrappingTextBoxFlag xmlns="" xmlns:m="http://schemas.openxmlformats.org/officeDocument/2006/math" xmlns:a14="http://schemas.microsoft.com/office/drawing/2010/main" xmlns:ma14="http://schemas.microsoft.com/office/mac/drawingml/2011/main" val="1"/>
+                    <ma14:wrappingTextBoxFlag xmlns:ma14="http://schemas.microsoft.com/office/mac/drawingml/2011/main" xmlns:a14="http://schemas.microsoft.com/office/drawing/2010/main" xmlns:m="http://schemas.openxmlformats.org/officeDocument/2006/math" xmlns="" val="1"/>
                   </a:ext>
                 </a:extLst>
               </p:spPr>
@@ -13574,7 +14651,7 @@
               <a:effectLst/>
               <a:extLst>
                 <a:ext uri="{C572A759-6A51-4108-AA02-DFA0A04FC94B}">
-                  <ma14:wrappingTextBoxFlag xmlns="" xmlns:m="http://schemas.openxmlformats.org/officeDocument/2006/math" xmlns:a14="http://schemas.microsoft.com/office/drawing/2010/main" xmlns:ma14="http://schemas.microsoft.com/office/mac/drawingml/2011/main" val="1"/>
+                  <ma14:wrappingTextBoxFlag xmlns:ma14="http://schemas.microsoft.com/office/mac/drawingml/2011/main" xmlns:a14="http://schemas.microsoft.com/office/drawing/2010/main" xmlns:m="http://schemas.openxmlformats.org/officeDocument/2006/math" xmlns="" val="1"/>
                 </a:ext>
               </a:extLst>
             </p:spPr>
@@ -13703,7 +14780,7 @@
                 <a:effectLst/>
                 <a:extLst>
                   <a:ext uri="{C572A759-6A51-4108-AA02-DFA0A04FC94B}">
-                    <ma14:wrappingTextBoxFlag xmlns="" xmlns:m="http://schemas.openxmlformats.org/officeDocument/2006/math" xmlns:a14="http://schemas.microsoft.com/office/drawing/2010/main" xmlns:ma14="http://schemas.microsoft.com/office/mac/drawingml/2011/main" val="1"/>
+                    <ma14:wrappingTextBoxFlag xmlns:ma14="http://schemas.microsoft.com/office/mac/drawingml/2011/main" xmlns:a14="http://schemas.microsoft.com/office/drawing/2010/main" xmlns:m="http://schemas.openxmlformats.org/officeDocument/2006/math" xmlns="" val="1"/>
                   </a:ext>
                 </a:extLst>
               </p:spPr>
@@ -13756,7 +14833,7 @@
               <a:effectLst/>
               <a:extLst>
                 <a:ext uri="{C572A759-6A51-4108-AA02-DFA0A04FC94B}">
-                  <ma14:wrappingTextBoxFlag xmlns="" xmlns:m="http://schemas.openxmlformats.org/officeDocument/2006/math" xmlns:a14="http://schemas.microsoft.com/office/drawing/2010/main" xmlns:ma14="http://schemas.microsoft.com/office/mac/drawingml/2011/main" val="1"/>
+                  <ma14:wrappingTextBoxFlag xmlns:ma14="http://schemas.microsoft.com/office/mac/drawingml/2011/main" xmlns:a14="http://schemas.microsoft.com/office/drawing/2010/main" xmlns:m="http://schemas.openxmlformats.org/officeDocument/2006/math" xmlns="" val="1"/>
                 </a:ext>
               </a:extLst>
             </p:spPr>
@@ -13900,7 +14977,7 @@
           <a:effectLst/>
           <a:extLst>
             <a:ext uri="{C572A759-6A51-4108-AA02-DFA0A04FC94B}">
-              <ma14:wrappingTextBoxFlag xmlns="" xmlns:m="http://schemas.openxmlformats.org/officeDocument/2006/math" xmlns:a14="http://schemas.microsoft.com/office/drawing/2010/main" xmlns:ma14="http://schemas.microsoft.com/office/mac/drawingml/2011/main" val="1"/>
+              <ma14:wrappingTextBoxFlag xmlns:ma14="http://schemas.microsoft.com/office/mac/drawingml/2011/main" xmlns:a14="http://schemas.microsoft.com/office/drawing/2010/main" xmlns:m="http://schemas.openxmlformats.org/officeDocument/2006/math" xmlns="" val="1"/>
             </a:ext>
           </a:extLst>
         </p:spPr>
@@ -13952,7 +15029,7 @@
           <a:effectLst/>
           <a:extLst>
             <a:ext uri="{C572A759-6A51-4108-AA02-DFA0A04FC94B}">
-              <ma14:wrappingTextBoxFlag xmlns="" xmlns:m="http://schemas.openxmlformats.org/officeDocument/2006/math" xmlns:a14="http://schemas.microsoft.com/office/drawing/2010/main" xmlns:ma14="http://schemas.microsoft.com/office/mac/drawingml/2011/main" val="1"/>
+              <ma14:wrappingTextBoxFlag xmlns:ma14="http://schemas.microsoft.com/office/mac/drawingml/2011/main" xmlns:a14="http://schemas.microsoft.com/office/drawing/2010/main" xmlns:m="http://schemas.openxmlformats.org/officeDocument/2006/math" xmlns="" val="1"/>
             </a:ext>
           </a:extLst>
         </p:spPr>
@@ -14006,7 +15083,7 @@
           <a:effectLst/>
           <a:extLst>
             <a:ext uri="{C572A759-6A51-4108-AA02-DFA0A04FC94B}">
-              <ma14:wrappingTextBoxFlag xmlns="" xmlns:m="http://schemas.openxmlformats.org/officeDocument/2006/math" xmlns:a14="http://schemas.microsoft.com/office/drawing/2010/main" xmlns:ma14="http://schemas.microsoft.com/office/mac/drawingml/2011/main" val="1"/>
+              <ma14:wrappingTextBoxFlag xmlns:ma14="http://schemas.microsoft.com/office/mac/drawingml/2011/main" xmlns:a14="http://schemas.microsoft.com/office/drawing/2010/main" xmlns:m="http://schemas.openxmlformats.org/officeDocument/2006/math" xmlns="" val="1"/>
             </a:ext>
           </a:extLst>
         </p:spPr>
@@ -14058,7 +15135,7 @@
           <a:effectLst/>
           <a:extLst>
             <a:ext uri="{C572A759-6A51-4108-AA02-DFA0A04FC94B}">
-              <ma14:wrappingTextBoxFlag xmlns="" xmlns:m="http://schemas.openxmlformats.org/officeDocument/2006/math" xmlns:a14="http://schemas.microsoft.com/office/drawing/2010/main" xmlns:ma14="http://schemas.microsoft.com/office/mac/drawingml/2011/main" val="1"/>
+              <ma14:wrappingTextBoxFlag xmlns:ma14="http://schemas.microsoft.com/office/mac/drawingml/2011/main" xmlns:a14="http://schemas.microsoft.com/office/drawing/2010/main" xmlns:m="http://schemas.openxmlformats.org/officeDocument/2006/math" xmlns="" val="1"/>
             </a:ext>
           </a:extLst>
         </p:spPr>
@@ -14224,7 +15301,7 @@
                 <a:effectLst/>
                 <a:extLst>
                   <a:ext uri="{C572A759-6A51-4108-AA02-DFA0A04FC94B}">
-                    <ma14:wrappingTextBoxFlag xmlns="" xmlns:m="http://schemas.openxmlformats.org/officeDocument/2006/math" xmlns:a14="http://schemas.microsoft.com/office/drawing/2010/main" xmlns:ma14="http://schemas.microsoft.com/office/mac/drawingml/2011/main" val="1"/>
+                    <ma14:wrappingTextBoxFlag xmlns:ma14="http://schemas.microsoft.com/office/mac/drawingml/2011/main" xmlns:a14="http://schemas.microsoft.com/office/drawing/2010/main" xmlns:m="http://schemas.openxmlformats.org/officeDocument/2006/math" xmlns="" val="1"/>
                   </a:ext>
                 </a:extLst>
               </p:spPr>
@@ -14277,7 +15354,7 @@
               <a:effectLst/>
               <a:extLst>
                 <a:ext uri="{C572A759-6A51-4108-AA02-DFA0A04FC94B}">
-                  <ma14:wrappingTextBoxFlag xmlns="" xmlns:m="http://schemas.openxmlformats.org/officeDocument/2006/math" xmlns:a14="http://schemas.microsoft.com/office/drawing/2010/main" xmlns:ma14="http://schemas.microsoft.com/office/mac/drawingml/2011/main" val="1"/>
+                  <ma14:wrappingTextBoxFlag xmlns:ma14="http://schemas.microsoft.com/office/mac/drawingml/2011/main" xmlns:a14="http://schemas.microsoft.com/office/drawing/2010/main" xmlns:m="http://schemas.openxmlformats.org/officeDocument/2006/math" xmlns="" val="1"/>
                 </a:ext>
               </a:extLst>
             </p:spPr>
@@ -14406,7 +15483,7 @@
                 <a:effectLst/>
                 <a:extLst>
                   <a:ext uri="{C572A759-6A51-4108-AA02-DFA0A04FC94B}">
-                    <ma14:wrappingTextBoxFlag xmlns="" xmlns:m="http://schemas.openxmlformats.org/officeDocument/2006/math" xmlns:a14="http://schemas.microsoft.com/office/drawing/2010/main" xmlns:ma14="http://schemas.microsoft.com/office/mac/drawingml/2011/main" val="1"/>
+                    <ma14:wrappingTextBoxFlag xmlns:ma14="http://schemas.microsoft.com/office/mac/drawingml/2011/main" xmlns:a14="http://schemas.microsoft.com/office/drawing/2010/main" xmlns:m="http://schemas.openxmlformats.org/officeDocument/2006/math" xmlns="" val="1"/>
                   </a:ext>
                 </a:extLst>
               </p:spPr>
@@ -14459,7 +15536,7 @@
               <a:effectLst/>
               <a:extLst>
                 <a:ext uri="{C572A759-6A51-4108-AA02-DFA0A04FC94B}">
-                  <ma14:wrappingTextBoxFlag xmlns="" xmlns:m="http://schemas.openxmlformats.org/officeDocument/2006/math" xmlns:a14="http://schemas.microsoft.com/office/drawing/2010/main" xmlns:ma14="http://schemas.microsoft.com/office/mac/drawingml/2011/main" val="1"/>
+                  <ma14:wrappingTextBoxFlag xmlns:ma14="http://schemas.microsoft.com/office/mac/drawingml/2011/main" xmlns:a14="http://schemas.microsoft.com/office/drawing/2010/main" xmlns:m="http://schemas.openxmlformats.org/officeDocument/2006/math" xmlns="" val="1"/>
                 </a:ext>
               </a:extLst>
             </p:spPr>
@@ -14603,7 +15680,7 @@
           <a:effectLst/>
           <a:extLst>
             <a:ext uri="{C572A759-6A51-4108-AA02-DFA0A04FC94B}">
-              <ma14:wrappingTextBoxFlag xmlns="" xmlns:m="http://schemas.openxmlformats.org/officeDocument/2006/math" xmlns:a14="http://schemas.microsoft.com/office/drawing/2010/main" xmlns:ma14="http://schemas.microsoft.com/office/mac/drawingml/2011/main" val="1"/>
+              <ma14:wrappingTextBoxFlag xmlns:ma14="http://schemas.microsoft.com/office/mac/drawingml/2011/main" xmlns:a14="http://schemas.microsoft.com/office/drawing/2010/main" xmlns:m="http://schemas.openxmlformats.org/officeDocument/2006/math" xmlns="" val="1"/>
             </a:ext>
           </a:extLst>
         </p:spPr>
@@ -14655,7 +15732,7 @@
           <a:effectLst/>
           <a:extLst>
             <a:ext uri="{C572A759-6A51-4108-AA02-DFA0A04FC94B}">
-              <ma14:wrappingTextBoxFlag xmlns="" xmlns:m="http://schemas.openxmlformats.org/officeDocument/2006/math" xmlns:a14="http://schemas.microsoft.com/office/drawing/2010/main" xmlns:ma14="http://schemas.microsoft.com/office/mac/drawingml/2011/main" val="1"/>
+              <ma14:wrappingTextBoxFlag xmlns:ma14="http://schemas.microsoft.com/office/mac/drawingml/2011/main" xmlns:a14="http://schemas.microsoft.com/office/drawing/2010/main" xmlns:m="http://schemas.openxmlformats.org/officeDocument/2006/math" xmlns="" val="1"/>
             </a:ext>
           </a:extLst>
         </p:spPr>
@@ -14709,7 +15786,7 @@
           <a:effectLst/>
           <a:extLst>
             <a:ext uri="{C572A759-6A51-4108-AA02-DFA0A04FC94B}">
-              <ma14:wrappingTextBoxFlag xmlns="" xmlns:m="http://schemas.openxmlformats.org/officeDocument/2006/math" xmlns:a14="http://schemas.microsoft.com/office/drawing/2010/main" xmlns:ma14="http://schemas.microsoft.com/office/mac/drawingml/2011/main" val="1"/>
+              <ma14:wrappingTextBoxFlag xmlns:ma14="http://schemas.microsoft.com/office/mac/drawingml/2011/main" xmlns:a14="http://schemas.microsoft.com/office/drawing/2010/main" xmlns:m="http://schemas.openxmlformats.org/officeDocument/2006/math" xmlns="" val="1"/>
             </a:ext>
           </a:extLst>
         </p:spPr>
@@ -14761,7 +15838,7 @@
           <a:effectLst/>
           <a:extLst>
             <a:ext uri="{C572A759-6A51-4108-AA02-DFA0A04FC94B}">
-              <ma14:wrappingTextBoxFlag xmlns="" xmlns:m="http://schemas.openxmlformats.org/officeDocument/2006/math" xmlns:a14="http://schemas.microsoft.com/office/drawing/2010/main" xmlns:ma14="http://schemas.microsoft.com/office/mac/drawingml/2011/main" val="1"/>
+              <ma14:wrappingTextBoxFlag xmlns:ma14="http://schemas.microsoft.com/office/mac/drawingml/2011/main" xmlns:a14="http://schemas.microsoft.com/office/drawing/2010/main" xmlns:m="http://schemas.openxmlformats.org/officeDocument/2006/math" xmlns="" val="1"/>
             </a:ext>
           </a:extLst>
         </p:spPr>
@@ -14927,7 +16004,7 @@
                 <a:effectLst/>
                 <a:extLst>
                   <a:ext uri="{C572A759-6A51-4108-AA02-DFA0A04FC94B}">
-                    <ma14:wrappingTextBoxFlag xmlns="" xmlns:m="http://schemas.openxmlformats.org/officeDocument/2006/math" xmlns:a14="http://schemas.microsoft.com/office/drawing/2010/main" xmlns:ma14="http://schemas.microsoft.com/office/mac/drawingml/2011/main" val="1"/>
+                    <ma14:wrappingTextBoxFlag xmlns:ma14="http://schemas.microsoft.com/office/mac/drawingml/2011/main" xmlns:a14="http://schemas.microsoft.com/office/drawing/2010/main" xmlns:m="http://schemas.openxmlformats.org/officeDocument/2006/math" xmlns="" val="1"/>
                   </a:ext>
                 </a:extLst>
               </p:spPr>
@@ -14980,7 +16057,7 @@
               <a:effectLst/>
               <a:extLst>
                 <a:ext uri="{C572A759-6A51-4108-AA02-DFA0A04FC94B}">
-                  <ma14:wrappingTextBoxFlag xmlns="" xmlns:m="http://schemas.openxmlformats.org/officeDocument/2006/math" xmlns:a14="http://schemas.microsoft.com/office/drawing/2010/main" xmlns:ma14="http://schemas.microsoft.com/office/mac/drawingml/2011/main" val="1"/>
+                  <ma14:wrappingTextBoxFlag xmlns:ma14="http://schemas.microsoft.com/office/mac/drawingml/2011/main" xmlns:a14="http://schemas.microsoft.com/office/drawing/2010/main" xmlns:m="http://schemas.openxmlformats.org/officeDocument/2006/math" xmlns="" val="1"/>
                 </a:ext>
               </a:extLst>
             </p:spPr>
@@ -15109,7 +16186,7 @@
                 <a:effectLst/>
                 <a:extLst>
                   <a:ext uri="{C572A759-6A51-4108-AA02-DFA0A04FC94B}">
-                    <ma14:wrappingTextBoxFlag xmlns="" xmlns:m="http://schemas.openxmlformats.org/officeDocument/2006/math" xmlns:a14="http://schemas.microsoft.com/office/drawing/2010/main" xmlns:ma14="http://schemas.microsoft.com/office/mac/drawingml/2011/main" val="1"/>
+                    <ma14:wrappingTextBoxFlag xmlns:ma14="http://schemas.microsoft.com/office/mac/drawingml/2011/main" xmlns:a14="http://schemas.microsoft.com/office/drawing/2010/main" xmlns:m="http://schemas.openxmlformats.org/officeDocument/2006/math" xmlns="" val="1"/>
                   </a:ext>
                 </a:extLst>
               </p:spPr>
@@ -15162,7 +16239,7 @@
               <a:effectLst/>
               <a:extLst>
                 <a:ext uri="{C572A759-6A51-4108-AA02-DFA0A04FC94B}">
-                  <ma14:wrappingTextBoxFlag xmlns="" xmlns:m="http://schemas.openxmlformats.org/officeDocument/2006/math" xmlns:a14="http://schemas.microsoft.com/office/drawing/2010/main" xmlns:ma14="http://schemas.microsoft.com/office/mac/drawingml/2011/main" val="1"/>
+                  <ma14:wrappingTextBoxFlag xmlns:ma14="http://schemas.microsoft.com/office/mac/drawingml/2011/main" xmlns:a14="http://schemas.microsoft.com/office/drawing/2010/main" xmlns:m="http://schemas.openxmlformats.org/officeDocument/2006/math" xmlns="" val="1"/>
                 </a:ext>
               </a:extLst>
             </p:spPr>
@@ -15306,7 +16383,7 @@
           <a:effectLst/>
           <a:extLst>
             <a:ext uri="{C572A759-6A51-4108-AA02-DFA0A04FC94B}">
-              <ma14:wrappingTextBoxFlag xmlns="" xmlns:m="http://schemas.openxmlformats.org/officeDocument/2006/math" xmlns:a14="http://schemas.microsoft.com/office/drawing/2010/main" xmlns:ma14="http://schemas.microsoft.com/office/mac/drawingml/2011/main" val="1"/>
+              <ma14:wrappingTextBoxFlag xmlns:ma14="http://schemas.microsoft.com/office/mac/drawingml/2011/main" xmlns:a14="http://schemas.microsoft.com/office/drawing/2010/main" xmlns:m="http://schemas.openxmlformats.org/officeDocument/2006/math" xmlns="" val="1"/>
             </a:ext>
           </a:extLst>
         </p:spPr>
@@ -15358,7 +16435,7 @@
           <a:effectLst/>
           <a:extLst>
             <a:ext uri="{C572A759-6A51-4108-AA02-DFA0A04FC94B}">
-              <ma14:wrappingTextBoxFlag xmlns="" xmlns:m="http://schemas.openxmlformats.org/officeDocument/2006/math" xmlns:a14="http://schemas.microsoft.com/office/drawing/2010/main" xmlns:ma14="http://schemas.microsoft.com/office/mac/drawingml/2011/main" val="1"/>
+              <ma14:wrappingTextBoxFlag xmlns:ma14="http://schemas.microsoft.com/office/mac/drawingml/2011/main" xmlns:a14="http://schemas.microsoft.com/office/drawing/2010/main" xmlns:m="http://schemas.openxmlformats.org/officeDocument/2006/math" xmlns="" val="1"/>
             </a:ext>
           </a:extLst>
         </p:spPr>
@@ -15412,7 +16489,7 @@
           <a:effectLst/>
           <a:extLst>
             <a:ext uri="{C572A759-6A51-4108-AA02-DFA0A04FC94B}">
-              <ma14:wrappingTextBoxFlag xmlns="" xmlns:m="http://schemas.openxmlformats.org/officeDocument/2006/math" xmlns:a14="http://schemas.microsoft.com/office/drawing/2010/main" xmlns:ma14="http://schemas.microsoft.com/office/mac/drawingml/2011/main" val="1"/>
+              <ma14:wrappingTextBoxFlag xmlns:ma14="http://schemas.microsoft.com/office/mac/drawingml/2011/main" xmlns:a14="http://schemas.microsoft.com/office/drawing/2010/main" xmlns:m="http://schemas.openxmlformats.org/officeDocument/2006/math" xmlns="" val="1"/>
             </a:ext>
           </a:extLst>
         </p:spPr>
@@ -15464,7 +16541,7 @@
           <a:effectLst/>
           <a:extLst>
             <a:ext uri="{C572A759-6A51-4108-AA02-DFA0A04FC94B}">
-              <ma14:wrappingTextBoxFlag xmlns="" xmlns:m="http://schemas.openxmlformats.org/officeDocument/2006/math" xmlns:a14="http://schemas.microsoft.com/office/drawing/2010/main" xmlns:ma14="http://schemas.microsoft.com/office/mac/drawingml/2011/main" val="1"/>
+              <ma14:wrappingTextBoxFlag xmlns:ma14="http://schemas.microsoft.com/office/mac/drawingml/2011/main" xmlns:a14="http://schemas.microsoft.com/office/drawing/2010/main" xmlns:m="http://schemas.openxmlformats.org/officeDocument/2006/math" xmlns="" val="1"/>
             </a:ext>
           </a:extLst>
         </p:spPr>

--- a/006 - Projeto Interdisciplinar - Paulo Alceu -  TEMPLATE CBL-SE Canvases (1).pptx
+++ b/006 - Projeto Interdisciplinar - Paulo Alceu -  TEMPLATE CBL-SE Canvases (1).pptx
@@ -3801,7 +3801,7 @@
           </a:ln>
           <a:extLst>
             <a:ext uri="{C572A759-6A51-4108-AA02-DFA0A04FC94B}">
-              <ma14:wrappingTextBoxFlag xmlns="" xmlns:m="http://schemas.openxmlformats.org/officeDocument/2006/math" xmlns:a14="http://schemas.microsoft.com/office/drawing/2010/main" xmlns:ma14="http://schemas.microsoft.com/office/mac/drawingml/2011/main" val="1"/>
+              <ma14:wrappingTextBoxFlag xmlns:ma14="http://schemas.microsoft.com/office/mac/drawingml/2011/main" xmlns:a14="http://schemas.microsoft.com/office/drawing/2010/main" xmlns:m="http://schemas.openxmlformats.org/officeDocument/2006/math" xmlns="" val="1"/>
             </a:ext>
           </a:extLst>
         </p:spPr>
@@ -3840,7 +3840,7 @@
           </a:ln>
           <a:extLst>
             <a:ext uri="{C572A759-6A51-4108-AA02-DFA0A04FC94B}">
-              <ma14:wrappingTextBoxFlag xmlns="" xmlns:m="http://schemas.openxmlformats.org/officeDocument/2006/math" xmlns:a14="http://schemas.microsoft.com/office/drawing/2010/main" xmlns:ma14="http://schemas.microsoft.com/office/mac/drawingml/2011/main" val="1"/>
+              <ma14:wrappingTextBoxFlag xmlns:ma14="http://schemas.microsoft.com/office/mac/drawingml/2011/main" xmlns:a14="http://schemas.microsoft.com/office/drawing/2010/main" xmlns:m="http://schemas.openxmlformats.org/officeDocument/2006/math" xmlns="" val="1"/>
             </a:ext>
           </a:extLst>
         </p:spPr>
@@ -4983,7 +4983,7 @@
                 <a:effectLst/>
                 <a:extLst>
                   <a:ext uri="{C572A759-6A51-4108-AA02-DFA0A04FC94B}">
-                    <ma14:wrappingTextBoxFlag xmlns="" xmlns:m="http://schemas.openxmlformats.org/officeDocument/2006/math" xmlns:a14="http://schemas.microsoft.com/office/drawing/2010/main" xmlns:ma14="http://schemas.microsoft.com/office/mac/drawingml/2011/main" val="1"/>
+                    <ma14:wrappingTextBoxFlag xmlns:ma14="http://schemas.microsoft.com/office/mac/drawingml/2011/main" xmlns:a14="http://schemas.microsoft.com/office/drawing/2010/main" xmlns:m="http://schemas.openxmlformats.org/officeDocument/2006/math" xmlns="" val="1"/>
                   </a:ext>
                 </a:extLst>
               </p:spPr>
@@ -5035,7 +5035,7 @@
               <a:effectLst/>
               <a:extLst>
                 <a:ext uri="{C572A759-6A51-4108-AA02-DFA0A04FC94B}">
-                  <ma14:wrappingTextBoxFlag xmlns="" xmlns:m="http://schemas.openxmlformats.org/officeDocument/2006/math" xmlns:a14="http://schemas.microsoft.com/office/drawing/2010/main" xmlns:ma14="http://schemas.microsoft.com/office/mac/drawingml/2011/main" val="1"/>
+                  <ma14:wrappingTextBoxFlag xmlns:ma14="http://schemas.microsoft.com/office/mac/drawingml/2011/main" xmlns:a14="http://schemas.microsoft.com/office/drawing/2010/main" xmlns:m="http://schemas.openxmlformats.org/officeDocument/2006/math" xmlns="" val="1"/>
                 </a:ext>
               </a:extLst>
             </p:spPr>
@@ -5164,7 +5164,7 @@
                 <a:effectLst/>
                 <a:extLst>
                   <a:ext uri="{C572A759-6A51-4108-AA02-DFA0A04FC94B}">
-                    <ma14:wrappingTextBoxFlag xmlns="" xmlns:m="http://schemas.openxmlformats.org/officeDocument/2006/math" xmlns:a14="http://schemas.microsoft.com/office/drawing/2010/main" xmlns:ma14="http://schemas.microsoft.com/office/mac/drawingml/2011/main" val="1"/>
+                    <ma14:wrappingTextBoxFlag xmlns:ma14="http://schemas.microsoft.com/office/mac/drawingml/2011/main" xmlns:a14="http://schemas.microsoft.com/office/drawing/2010/main" xmlns:m="http://schemas.openxmlformats.org/officeDocument/2006/math" xmlns="" val="1"/>
                   </a:ext>
                 </a:extLst>
               </p:spPr>
@@ -5215,7 +5215,7 @@
               <a:effectLst/>
               <a:extLst>
                 <a:ext uri="{C572A759-6A51-4108-AA02-DFA0A04FC94B}">
-                  <ma14:wrappingTextBoxFlag xmlns="" xmlns:m="http://schemas.openxmlformats.org/officeDocument/2006/math" xmlns:a14="http://schemas.microsoft.com/office/drawing/2010/main" xmlns:ma14="http://schemas.microsoft.com/office/mac/drawingml/2011/main" val="1"/>
+                  <ma14:wrappingTextBoxFlag xmlns:ma14="http://schemas.microsoft.com/office/mac/drawingml/2011/main" xmlns:a14="http://schemas.microsoft.com/office/drawing/2010/main" xmlns:m="http://schemas.openxmlformats.org/officeDocument/2006/math" xmlns="" val="1"/>
                 </a:ext>
               </a:extLst>
             </p:spPr>
@@ -5345,7 +5345,7 @@
                 <a:effectLst/>
                 <a:extLst>
                   <a:ext uri="{C572A759-6A51-4108-AA02-DFA0A04FC94B}">
-                    <ma14:wrappingTextBoxFlag xmlns="" xmlns:m="http://schemas.openxmlformats.org/officeDocument/2006/math" xmlns:a14="http://schemas.microsoft.com/office/drawing/2010/main" xmlns:ma14="http://schemas.microsoft.com/office/mac/drawingml/2011/main" val="1"/>
+                    <ma14:wrappingTextBoxFlag xmlns:ma14="http://schemas.microsoft.com/office/mac/drawingml/2011/main" xmlns:a14="http://schemas.microsoft.com/office/drawing/2010/main" xmlns:m="http://schemas.openxmlformats.org/officeDocument/2006/math" xmlns="" val="1"/>
                   </a:ext>
                 </a:extLst>
               </p:spPr>
@@ -5396,7 +5396,7 @@
               <a:effectLst/>
               <a:extLst>
                 <a:ext uri="{C572A759-6A51-4108-AA02-DFA0A04FC94B}">
-                  <ma14:wrappingTextBoxFlag xmlns="" xmlns:m="http://schemas.openxmlformats.org/officeDocument/2006/math" xmlns:a14="http://schemas.microsoft.com/office/drawing/2010/main" xmlns:ma14="http://schemas.microsoft.com/office/mac/drawingml/2011/main" val="1"/>
+                  <ma14:wrappingTextBoxFlag xmlns:ma14="http://schemas.microsoft.com/office/mac/drawingml/2011/main" xmlns:a14="http://schemas.microsoft.com/office/drawing/2010/main" xmlns:m="http://schemas.openxmlformats.org/officeDocument/2006/math" xmlns="" val="1"/>
                 </a:ext>
               </a:extLst>
             </p:spPr>
@@ -5523,7 +5523,7 @@
                 <a:effectLst/>
                 <a:extLst>
                   <a:ext uri="{C572A759-6A51-4108-AA02-DFA0A04FC94B}">
-                    <ma14:wrappingTextBoxFlag xmlns="" xmlns:m="http://schemas.openxmlformats.org/officeDocument/2006/math" xmlns:a14="http://schemas.microsoft.com/office/drawing/2010/main" xmlns:ma14="http://schemas.microsoft.com/office/mac/drawingml/2011/main" val="1"/>
+                    <ma14:wrappingTextBoxFlag xmlns:ma14="http://schemas.microsoft.com/office/mac/drawingml/2011/main" xmlns:a14="http://schemas.microsoft.com/office/drawing/2010/main" xmlns:m="http://schemas.openxmlformats.org/officeDocument/2006/math" xmlns="" val="1"/>
                   </a:ext>
                 </a:extLst>
               </p:spPr>
@@ -5574,7 +5574,7 @@
               <a:effectLst/>
               <a:extLst>
                 <a:ext uri="{C572A759-6A51-4108-AA02-DFA0A04FC94B}">
-                  <ma14:wrappingTextBoxFlag xmlns="" xmlns:m="http://schemas.openxmlformats.org/officeDocument/2006/math" xmlns:a14="http://schemas.microsoft.com/office/drawing/2010/main" xmlns:ma14="http://schemas.microsoft.com/office/mac/drawingml/2011/main" val="1"/>
+                  <ma14:wrappingTextBoxFlag xmlns:ma14="http://schemas.microsoft.com/office/mac/drawingml/2011/main" xmlns:a14="http://schemas.microsoft.com/office/drawing/2010/main" xmlns:m="http://schemas.openxmlformats.org/officeDocument/2006/math" xmlns="" val="1"/>
                 </a:ext>
               </a:extLst>
             </p:spPr>
@@ -5742,7 +5742,7 @@
                 <a:effectLst/>
                 <a:extLst>
                   <a:ext uri="{C572A759-6A51-4108-AA02-DFA0A04FC94B}">
-                    <ma14:wrappingTextBoxFlag xmlns="" xmlns:m="http://schemas.openxmlformats.org/officeDocument/2006/math" xmlns:a14="http://schemas.microsoft.com/office/drawing/2010/main" xmlns:ma14="http://schemas.microsoft.com/office/mac/drawingml/2011/main" val="1"/>
+                    <ma14:wrappingTextBoxFlag xmlns:ma14="http://schemas.microsoft.com/office/mac/drawingml/2011/main" xmlns:a14="http://schemas.microsoft.com/office/drawing/2010/main" xmlns:m="http://schemas.openxmlformats.org/officeDocument/2006/math" xmlns="" val="1"/>
                   </a:ext>
                 </a:extLst>
               </p:spPr>
@@ -5793,7 +5793,7 @@
               <a:effectLst/>
               <a:extLst>
                 <a:ext uri="{C572A759-6A51-4108-AA02-DFA0A04FC94B}">
-                  <ma14:wrappingTextBoxFlag xmlns="" xmlns:m="http://schemas.openxmlformats.org/officeDocument/2006/math" xmlns:a14="http://schemas.microsoft.com/office/drawing/2010/main" xmlns:ma14="http://schemas.microsoft.com/office/mac/drawingml/2011/main" val="1"/>
+                  <ma14:wrappingTextBoxFlag xmlns:ma14="http://schemas.microsoft.com/office/mac/drawingml/2011/main" xmlns:a14="http://schemas.microsoft.com/office/drawing/2010/main" xmlns:m="http://schemas.openxmlformats.org/officeDocument/2006/math" xmlns="" val="1"/>
                 </a:ext>
               </a:extLst>
             </p:spPr>
@@ -5916,7 +5916,7 @@
                 <a:effectLst/>
                 <a:extLst>
                   <a:ext uri="{C572A759-6A51-4108-AA02-DFA0A04FC94B}">
-                    <ma14:wrappingTextBoxFlag xmlns="" xmlns:m="http://schemas.openxmlformats.org/officeDocument/2006/math" xmlns:a14="http://schemas.microsoft.com/office/drawing/2010/main" xmlns:ma14="http://schemas.microsoft.com/office/mac/drawingml/2011/main" val="1"/>
+                    <ma14:wrappingTextBoxFlag xmlns:ma14="http://schemas.microsoft.com/office/mac/drawingml/2011/main" xmlns:a14="http://schemas.microsoft.com/office/drawing/2010/main" xmlns:m="http://schemas.openxmlformats.org/officeDocument/2006/math" xmlns="" val="1"/>
                   </a:ext>
                 </a:extLst>
               </p:spPr>
@@ -5967,7 +5967,7 @@
               <a:effectLst/>
               <a:extLst>
                 <a:ext uri="{C572A759-6A51-4108-AA02-DFA0A04FC94B}">
-                  <ma14:wrappingTextBoxFlag xmlns="" xmlns:m="http://schemas.openxmlformats.org/officeDocument/2006/math" xmlns:a14="http://schemas.microsoft.com/office/drawing/2010/main" xmlns:ma14="http://schemas.microsoft.com/office/mac/drawingml/2011/main" val="1"/>
+                  <ma14:wrappingTextBoxFlag xmlns:ma14="http://schemas.microsoft.com/office/mac/drawingml/2011/main" xmlns:a14="http://schemas.microsoft.com/office/drawing/2010/main" xmlns:m="http://schemas.openxmlformats.org/officeDocument/2006/math" xmlns="" val="1"/>
                 </a:ext>
               </a:extLst>
             </p:spPr>
@@ -6090,7 +6090,7 @@
                 <a:effectLst/>
                 <a:extLst>
                   <a:ext uri="{C572A759-6A51-4108-AA02-DFA0A04FC94B}">
-                    <ma14:wrappingTextBoxFlag xmlns="" xmlns:m="http://schemas.openxmlformats.org/officeDocument/2006/math" xmlns:a14="http://schemas.microsoft.com/office/drawing/2010/main" xmlns:ma14="http://schemas.microsoft.com/office/mac/drawingml/2011/main" val="1"/>
+                    <ma14:wrappingTextBoxFlag xmlns:ma14="http://schemas.microsoft.com/office/mac/drawingml/2011/main" xmlns:a14="http://schemas.microsoft.com/office/drawing/2010/main" xmlns:m="http://schemas.openxmlformats.org/officeDocument/2006/math" xmlns="" val="1"/>
                   </a:ext>
                 </a:extLst>
               </p:spPr>
@@ -6141,7 +6141,7 @@
               <a:effectLst/>
               <a:extLst>
                 <a:ext uri="{C572A759-6A51-4108-AA02-DFA0A04FC94B}">
-                  <ma14:wrappingTextBoxFlag xmlns="" xmlns:m="http://schemas.openxmlformats.org/officeDocument/2006/math" xmlns:a14="http://schemas.microsoft.com/office/drawing/2010/main" xmlns:ma14="http://schemas.microsoft.com/office/mac/drawingml/2011/main" val="1"/>
+                  <ma14:wrappingTextBoxFlag xmlns:ma14="http://schemas.microsoft.com/office/mac/drawingml/2011/main" xmlns:a14="http://schemas.microsoft.com/office/drawing/2010/main" xmlns:m="http://schemas.openxmlformats.org/officeDocument/2006/math" xmlns="" val="1"/>
                 </a:ext>
               </a:extLst>
             </p:spPr>
@@ -6298,7 +6298,7 @@
                 <a:effectLst/>
                 <a:extLst>
                   <a:ext uri="{C572A759-6A51-4108-AA02-DFA0A04FC94B}">
-                    <ma14:wrappingTextBoxFlag xmlns="" xmlns:m="http://schemas.openxmlformats.org/officeDocument/2006/math" xmlns:a14="http://schemas.microsoft.com/office/drawing/2010/main" xmlns:ma14="http://schemas.microsoft.com/office/mac/drawingml/2011/main" val="1"/>
+                    <ma14:wrappingTextBoxFlag xmlns:ma14="http://schemas.microsoft.com/office/mac/drawingml/2011/main" xmlns:a14="http://schemas.microsoft.com/office/drawing/2010/main" xmlns:m="http://schemas.openxmlformats.org/officeDocument/2006/math" xmlns="" val="1"/>
                   </a:ext>
                 </a:extLst>
               </p:spPr>
@@ -6383,7 +6383,7 @@
               <a:effectLst/>
               <a:extLst>
                 <a:ext uri="{C572A759-6A51-4108-AA02-DFA0A04FC94B}">
-                  <ma14:wrappingTextBoxFlag xmlns="" xmlns:m="http://schemas.openxmlformats.org/officeDocument/2006/math" xmlns:a14="http://schemas.microsoft.com/office/drawing/2010/main" xmlns:ma14="http://schemas.microsoft.com/office/mac/drawingml/2011/main" val="1"/>
+                  <ma14:wrappingTextBoxFlag xmlns:ma14="http://schemas.microsoft.com/office/mac/drawingml/2011/main" xmlns:a14="http://schemas.microsoft.com/office/drawing/2010/main" xmlns:m="http://schemas.openxmlformats.org/officeDocument/2006/math" xmlns="" val="1"/>
                 </a:ext>
               </a:extLst>
             </p:spPr>
@@ -6506,7 +6506,7 @@
                 <a:effectLst/>
                 <a:extLst>
                   <a:ext uri="{C572A759-6A51-4108-AA02-DFA0A04FC94B}">
-                    <ma14:wrappingTextBoxFlag xmlns="" xmlns:m="http://schemas.openxmlformats.org/officeDocument/2006/math" xmlns:a14="http://schemas.microsoft.com/office/drawing/2010/main" xmlns:ma14="http://schemas.microsoft.com/office/mac/drawingml/2011/main" val="1"/>
+                    <ma14:wrappingTextBoxFlag xmlns:ma14="http://schemas.microsoft.com/office/mac/drawingml/2011/main" xmlns:a14="http://schemas.microsoft.com/office/drawing/2010/main" xmlns:m="http://schemas.openxmlformats.org/officeDocument/2006/math" xmlns="" val="1"/>
                   </a:ext>
                 </a:extLst>
               </p:spPr>
@@ -6557,7 +6557,7 @@
               <a:effectLst/>
               <a:extLst>
                 <a:ext uri="{C572A759-6A51-4108-AA02-DFA0A04FC94B}">
-                  <ma14:wrappingTextBoxFlag xmlns="" xmlns:m="http://schemas.openxmlformats.org/officeDocument/2006/math" xmlns:a14="http://schemas.microsoft.com/office/drawing/2010/main" xmlns:ma14="http://schemas.microsoft.com/office/mac/drawingml/2011/main" val="1"/>
+                  <ma14:wrappingTextBoxFlag xmlns:ma14="http://schemas.microsoft.com/office/mac/drawingml/2011/main" xmlns:a14="http://schemas.microsoft.com/office/drawing/2010/main" xmlns:m="http://schemas.openxmlformats.org/officeDocument/2006/math" xmlns="" val="1"/>
                 </a:ext>
               </a:extLst>
             </p:spPr>
@@ -6721,7 +6721,7 @@
                 <a:effectLst/>
                 <a:extLst>
                   <a:ext uri="{C572A759-6A51-4108-AA02-DFA0A04FC94B}">
-                    <ma14:wrappingTextBoxFlag xmlns="" xmlns:m="http://schemas.openxmlformats.org/officeDocument/2006/math" xmlns:a14="http://schemas.microsoft.com/office/drawing/2010/main" xmlns:ma14="http://schemas.microsoft.com/office/mac/drawingml/2011/main" val="1"/>
+                    <ma14:wrappingTextBoxFlag xmlns:ma14="http://schemas.microsoft.com/office/mac/drawingml/2011/main" xmlns:a14="http://schemas.microsoft.com/office/drawing/2010/main" xmlns:m="http://schemas.openxmlformats.org/officeDocument/2006/math" xmlns="" val="1"/>
                   </a:ext>
                 </a:extLst>
               </p:spPr>
@@ -6772,7 +6772,7 @@
               <a:effectLst/>
               <a:extLst>
                 <a:ext uri="{C572A759-6A51-4108-AA02-DFA0A04FC94B}">
-                  <ma14:wrappingTextBoxFlag xmlns="" xmlns:m="http://schemas.openxmlformats.org/officeDocument/2006/math" xmlns:a14="http://schemas.microsoft.com/office/drawing/2010/main" xmlns:ma14="http://schemas.microsoft.com/office/mac/drawingml/2011/main" val="1"/>
+                  <ma14:wrappingTextBoxFlag xmlns:ma14="http://schemas.microsoft.com/office/mac/drawingml/2011/main" xmlns:a14="http://schemas.microsoft.com/office/drawing/2010/main" xmlns:m="http://schemas.openxmlformats.org/officeDocument/2006/math" xmlns="" val="1"/>
                 </a:ext>
               </a:extLst>
             </p:spPr>
@@ -6895,7 +6895,7 @@
                 <a:effectLst/>
                 <a:extLst>
                   <a:ext uri="{C572A759-6A51-4108-AA02-DFA0A04FC94B}">
-                    <ma14:wrappingTextBoxFlag xmlns="" xmlns:m="http://schemas.openxmlformats.org/officeDocument/2006/math" xmlns:a14="http://schemas.microsoft.com/office/drawing/2010/main" xmlns:ma14="http://schemas.microsoft.com/office/mac/drawingml/2011/main" val="1"/>
+                    <ma14:wrappingTextBoxFlag xmlns:ma14="http://schemas.microsoft.com/office/mac/drawingml/2011/main" xmlns:a14="http://schemas.microsoft.com/office/drawing/2010/main" xmlns:m="http://schemas.openxmlformats.org/officeDocument/2006/math" xmlns="" val="1"/>
                   </a:ext>
                 </a:extLst>
               </p:spPr>
@@ -6946,7 +6946,7 @@
               <a:effectLst/>
               <a:extLst>
                 <a:ext uri="{C572A759-6A51-4108-AA02-DFA0A04FC94B}">
-                  <ma14:wrappingTextBoxFlag xmlns="" xmlns:m="http://schemas.openxmlformats.org/officeDocument/2006/math" xmlns:a14="http://schemas.microsoft.com/office/drawing/2010/main" xmlns:ma14="http://schemas.microsoft.com/office/mac/drawingml/2011/main" val="1"/>
+                  <ma14:wrappingTextBoxFlag xmlns:ma14="http://schemas.microsoft.com/office/mac/drawingml/2011/main" xmlns:a14="http://schemas.microsoft.com/office/drawing/2010/main" xmlns:m="http://schemas.openxmlformats.org/officeDocument/2006/math" xmlns="" val="1"/>
                 </a:ext>
               </a:extLst>
             </p:spPr>
@@ -7069,7 +7069,7 @@
                 <a:effectLst/>
                 <a:extLst>
                   <a:ext uri="{C572A759-6A51-4108-AA02-DFA0A04FC94B}">
-                    <ma14:wrappingTextBoxFlag xmlns="" xmlns:m="http://schemas.openxmlformats.org/officeDocument/2006/math" xmlns:a14="http://schemas.microsoft.com/office/drawing/2010/main" xmlns:ma14="http://schemas.microsoft.com/office/mac/drawingml/2011/main" val="1"/>
+                    <ma14:wrappingTextBoxFlag xmlns:ma14="http://schemas.microsoft.com/office/mac/drawingml/2011/main" xmlns:a14="http://schemas.microsoft.com/office/drawing/2010/main" xmlns:m="http://schemas.openxmlformats.org/officeDocument/2006/math" xmlns="" val="1"/>
                   </a:ext>
                 </a:extLst>
               </p:spPr>
@@ -7120,7 +7120,7 @@
               <a:effectLst/>
               <a:extLst>
                 <a:ext uri="{C572A759-6A51-4108-AA02-DFA0A04FC94B}">
-                  <ma14:wrappingTextBoxFlag xmlns="" xmlns:m="http://schemas.openxmlformats.org/officeDocument/2006/math" xmlns:a14="http://schemas.microsoft.com/office/drawing/2010/main" xmlns:ma14="http://schemas.microsoft.com/office/mac/drawingml/2011/main" val="1"/>
+                  <ma14:wrappingTextBoxFlag xmlns:ma14="http://schemas.microsoft.com/office/mac/drawingml/2011/main" xmlns:a14="http://schemas.microsoft.com/office/drawing/2010/main" xmlns:m="http://schemas.openxmlformats.org/officeDocument/2006/math" xmlns="" val="1"/>
                 </a:ext>
               </a:extLst>
             </p:spPr>
@@ -7243,7 +7243,7 @@
                 <a:effectLst/>
                 <a:extLst>
                   <a:ext uri="{C572A759-6A51-4108-AA02-DFA0A04FC94B}">
-                    <ma14:wrappingTextBoxFlag xmlns="" xmlns:m="http://schemas.openxmlformats.org/officeDocument/2006/math" xmlns:a14="http://schemas.microsoft.com/office/drawing/2010/main" xmlns:ma14="http://schemas.microsoft.com/office/mac/drawingml/2011/main" val="1"/>
+                    <ma14:wrappingTextBoxFlag xmlns:ma14="http://schemas.microsoft.com/office/mac/drawingml/2011/main" xmlns:a14="http://schemas.microsoft.com/office/drawing/2010/main" xmlns:m="http://schemas.openxmlformats.org/officeDocument/2006/math" xmlns="" val="1"/>
                   </a:ext>
                 </a:extLst>
               </p:spPr>
@@ -7294,7 +7294,7 @@
               <a:effectLst/>
               <a:extLst>
                 <a:ext uri="{C572A759-6A51-4108-AA02-DFA0A04FC94B}">
-                  <ma14:wrappingTextBoxFlag xmlns="" xmlns:m="http://schemas.openxmlformats.org/officeDocument/2006/math" xmlns:a14="http://schemas.microsoft.com/office/drawing/2010/main" xmlns:ma14="http://schemas.microsoft.com/office/mac/drawingml/2011/main" val="1"/>
+                  <ma14:wrappingTextBoxFlag xmlns:ma14="http://schemas.microsoft.com/office/mac/drawingml/2011/main" xmlns:a14="http://schemas.microsoft.com/office/drawing/2010/main" xmlns:m="http://schemas.openxmlformats.org/officeDocument/2006/math" xmlns="" val="1"/>
                 </a:ext>
               </a:extLst>
             </p:spPr>
@@ -7417,7 +7417,7 @@
                 <a:effectLst/>
                 <a:extLst>
                   <a:ext uri="{C572A759-6A51-4108-AA02-DFA0A04FC94B}">
-                    <ma14:wrappingTextBoxFlag xmlns="" xmlns:m="http://schemas.openxmlformats.org/officeDocument/2006/math" xmlns:a14="http://schemas.microsoft.com/office/drawing/2010/main" xmlns:ma14="http://schemas.microsoft.com/office/mac/drawingml/2011/main" val="1"/>
+                    <ma14:wrappingTextBoxFlag xmlns:ma14="http://schemas.microsoft.com/office/mac/drawingml/2011/main" xmlns:a14="http://schemas.microsoft.com/office/drawing/2010/main" xmlns:m="http://schemas.openxmlformats.org/officeDocument/2006/math" xmlns="" val="1"/>
                   </a:ext>
                 </a:extLst>
               </p:spPr>
@@ -7468,7 +7468,7 @@
               <a:effectLst/>
               <a:extLst>
                 <a:ext uri="{C572A759-6A51-4108-AA02-DFA0A04FC94B}">
-                  <ma14:wrappingTextBoxFlag xmlns="" xmlns:m="http://schemas.openxmlformats.org/officeDocument/2006/math" xmlns:a14="http://schemas.microsoft.com/office/drawing/2010/main" xmlns:ma14="http://schemas.microsoft.com/office/mac/drawingml/2011/main" val="1"/>
+                  <ma14:wrappingTextBoxFlag xmlns:ma14="http://schemas.microsoft.com/office/mac/drawingml/2011/main" xmlns:a14="http://schemas.microsoft.com/office/drawing/2010/main" xmlns:m="http://schemas.openxmlformats.org/officeDocument/2006/math" xmlns="" val="1"/>
                 </a:ext>
               </a:extLst>
             </p:spPr>
@@ -7583,7 +7583,7 @@
           </a:ln>
           <a:extLst>
             <a:ext uri="{C572A759-6A51-4108-AA02-DFA0A04FC94B}">
-              <ma14:wrappingTextBoxFlag xmlns="" xmlns:m="http://schemas.openxmlformats.org/officeDocument/2006/math" xmlns:a14="http://schemas.microsoft.com/office/drawing/2010/main" xmlns:ma14="http://schemas.microsoft.com/office/mac/drawingml/2011/main" val="1"/>
+              <ma14:wrappingTextBoxFlag xmlns:ma14="http://schemas.microsoft.com/office/mac/drawingml/2011/main" xmlns:a14="http://schemas.microsoft.com/office/drawing/2010/main" xmlns:m="http://schemas.openxmlformats.org/officeDocument/2006/math" xmlns="" val="1"/>
             </a:ext>
           </a:extLst>
         </p:spPr>
@@ -7674,7 +7674,7 @@
           </a:ln>
           <a:extLst>
             <a:ext uri="{C572A759-6A51-4108-AA02-DFA0A04FC94B}">
-              <ma14:wrappingTextBoxFlag xmlns="" xmlns:m="http://schemas.openxmlformats.org/officeDocument/2006/math" xmlns:a14="http://schemas.microsoft.com/office/drawing/2010/main" xmlns:ma14="http://schemas.microsoft.com/office/mac/drawingml/2011/main" val="1"/>
+              <ma14:wrappingTextBoxFlag xmlns:ma14="http://schemas.microsoft.com/office/mac/drawingml/2011/main" xmlns:a14="http://schemas.microsoft.com/office/drawing/2010/main" xmlns:m="http://schemas.openxmlformats.org/officeDocument/2006/math" xmlns="" val="1"/>
             </a:ext>
           </a:extLst>
         </p:spPr>
@@ -7805,7 +7805,7 @@
           </a:ln>
           <a:extLst>
             <a:ext uri="{C572A759-6A51-4108-AA02-DFA0A04FC94B}">
-              <ma14:wrappingTextBoxFlag xmlns="" xmlns:m="http://schemas.openxmlformats.org/officeDocument/2006/math" xmlns:a14="http://schemas.microsoft.com/office/drawing/2010/main" xmlns:ma14="http://schemas.microsoft.com/office/mac/drawingml/2011/main" val="1"/>
+              <ma14:wrappingTextBoxFlag xmlns:ma14="http://schemas.microsoft.com/office/mac/drawingml/2011/main" xmlns:a14="http://schemas.microsoft.com/office/drawing/2010/main" xmlns:m="http://schemas.openxmlformats.org/officeDocument/2006/math" xmlns="" val="1"/>
             </a:ext>
           </a:extLst>
         </p:spPr>
@@ -7856,7 +7856,7 @@
           </a:ln>
           <a:extLst>
             <a:ext uri="{C572A759-6A51-4108-AA02-DFA0A04FC94B}">
-              <ma14:wrappingTextBoxFlag xmlns="" xmlns:m="http://schemas.openxmlformats.org/officeDocument/2006/math" xmlns:a14="http://schemas.microsoft.com/office/drawing/2010/main" xmlns:ma14="http://schemas.microsoft.com/office/mac/drawingml/2011/main" val="1"/>
+              <ma14:wrappingTextBoxFlag xmlns:ma14="http://schemas.microsoft.com/office/mac/drawingml/2011/main" xmlns:a14="http://schemas.microsoft.com/office/drawing/2010/main" xmlns:m="http://schemas.openxmlformats.org/officeDocument/2006/math" xmlns="" val="1"/>
             </a:ext>
           </a:extLst>
         </p:spPr>
@@ -7903,7 +7903,7 @@
           </a:ln>
           <a:extLst>
             <a:ext uri="{C572A759-6A51-4108-AA02-DFA0A04FC94B}">
-              <ma14:wrappingTextBoxFlag xmlns="" xmlns:m="http://schemas.openxmlformats.org/officeDocument/2006/math" xmlns:a14="http://schemas.microsoft.com/office/drawing/2010/main" xmlns:ma14="http://schemas.microsoft.com/office/mac/drawingml/2011/main" val="1"/>
+              <ma14:wrappingTextBoxFlag xmlns:ma14="http://schemas.microsoft.com/office/mac/drawingml/2011/main" xmlns:a14="http://schemas.microsoft.com/office/drawing/2010/main" xmlns:m="http://schemas.openxmlformats.org/officeDocument/2006/math" xmlns="" val="1"/>
             </a:ext>
           </a:extLst>
         </p:spPr>
@@ -7950,7 +7950,7 @@
           </a:ln>
           <a:extLst>
             <a:ext uri="{C572A759-6A51-4108-AA02-DFA0A04FC94B}">
-              <ma14:wrappingTextBoxFlag xmlns="" xmlns:m="http://schemas.openxmlformats.org/officeDocument/2006/math" xmlns:a14="http://schemas.microsoft.com/office/drawing/2010/main" xmlns:ma14="http://schemas.microsoft.com/office/mac/drawingml/2011/main" val="1"/>
+              <ma14:wrappingTextBoxFlag xmlns:ma14="http://schemas.microsoft.com/office/mac/drawingml/2011/main" xmlns:a14="http://schemas.microsoft.com/office/drawing/2010/main" xmlns:m="http://schemas.openxmlformats.org/officeDocument/2006/math" xmlns="" val="1"/>
             </a:ext>
           </a:extLst>
         </p:spPr>
@@ -8118,7 +8118,7 @@
           </a:ln>
           <a:extLst>
             <a:ext uri="{C572A759-6A51-4108-AA02-DFA0A04FC94B}">
-              <ma14:wrappingTextBoxFlag xmlns="" xmlns:m="http://schemas.openxmlformats.org/officeDocument/2006/math" xmlns:a14="http://schemas.microsoft.com/office/drawing/2010/main" xmlns:ma14="http://schemas.microsoft.com/office/mac/drawingml/2011/main" val="1"/>
+              <ma14:wrappingTextBoxFlag xmlns:ma14="http://schemas.microsoft.com/office/mac/drawingml/2011/main" xmlns:a14="http://schemas.microsoft.com/office/drawing/2010/main" xmlns:m="http://schemas.openxmlformats.org/officeDocument/2006/math" xmlns="" val="1"/>
             </a:ext>
           </a:extLst>
         </p:spPr>
@@ -8165,7 +8165,7 @@
           </a:ln>
           <a:extLst>
             <a:ext uri="{C572A759-6A51-4108-AA02-DFA0A04FC94B}">
-              <ma14:wrappingTextBoxFlag xmlns="" xmlns:m="http://schemas.openxmlformats.org/officeDocument/2006/math" xmlns:a14="http://schemas.microsoft.com/office/drawing/2010/main" xmlns:ma14="http://schemas.microsoft.com/office/mac/drawingml/2011/main" val="1"/>
+              <ma14:wrappingTextBoxFlag xmlns:ma14="http://schemas.microsoft.com/office/mac/drawingml/2011/main" xmlns:a14="http://schemas.microsoft.com/office/drawing/2010/main" xmlns:m="http://schemas.openxmlformats.org/officeDocument/2006/math" xmlns="" val="1"/>
             </a:ext>
           </a:extLst>
         </p:spPr>
@@ -8255,7 +8255,7 @@
           </a:ln>
           <a:extLst>
             <a:ext uri="{C572A759-6A51-4108-AA02-DFA0A04FC94B}">
-              <ma14:wrappingTextBoxFlag xmlns="" xmlns:m="http://schemas.openxmlformats.org/officeDocument/2006/math" xmlns:a14="http://schemas.microsoft.com/office/drawing/2010/main" xmlns:ma14="http://schemas.microsoft.com/office/mac/drawingml/2011/main" val="1"/>
+              <ma14:wrappingTextBoxFlag xmlns:ma14="http://schemas.microsoft.com/office/mac/drawingml/2011/main" xmlns:a14="http://schemas.microsoft.com/office/drawing/2010/main" xmlns:m="http://schemas.openxmlformats.org/officeDocument/2006/math" xmlns="" val="1"/>
             </a:ext>
           </a:extLst>
         </p:spPr>
@@ -8342,7 +8342,7 @@
           </a:ln>
           <a:extLst>
             <a:ext uri="{C572A759-6A51-4108-AA02-DFA0A04FC94B}">
-              <ma14:wrappingTextBoxFlag xmlns="" xmlns:m="http://schemas.openxmlformats.org/officeDocument/2006/math" xmlns:a14="http://schemas.microsoft.com/office/drawing/2010/main" xmlns:ma14="http://schemas.microsoft.com/office/mac/drawingml/2011/main" val="1"/>
+              <ma14:wrappingTextBoxFlag xmlns:ma14="http://schemas.microsoft.com/office/mac/drawingml/2011/main" xmlns:a14="http://schemas.microsoft.com/office/drawing/2010/main" xmlns:m="http://schemas.openxmlformats.org/officeDocument/2006/math" xmlns="" val="1"/>
             </a:ext>
           </a:extLst>
         </p:spPr>
@@ -8429,7 +8429,7 @@
           </a:ln>
           <a:extLst>
             <a:ext uri="{C572A759-6A51-4108-AA02-DFA0A04FC94B}">
-              <ma14:wrappingTextBoxFlag xmlns="" xmlns:m="http://schemas.openxmlformats.org/officeDocument/2006/math" xmlns:a14="http://schemas.microsoft.com/office/drawing/2010/main" xmlns:ma14="http://schemas.microsoft.com/office/mac/drawingml/2011/main" val="1"/>
+              <ma14:wrappingTextBoxFlag xmlns:ma14="http://schemas.microsoft.com/office/mac/drawingml/2011/main" xmlns:a14="http://schemas.microsoft.com/office/drawing/2010/main" xmlns:m="http://schemas.openxmlformats.org/officeDocument/2006/math" xmlns="" val="1"/>
             </a:ext>
           </a:extLst>
         </p:spPr>
@@ -8476,7 +8476,7 @@
           </a:ln>
           <a:extLst>
             <a:ext uri="{C572A759-6A51-4108-AA02-DFA0A04FC94B}">
-              <ma14:wrappingTextBoxFlag xmlns="" xmlns:m="http://schemas.openxmlformats.org/officeDocument/2006/math" xmlns:a14="http://schemas.microsoft.com/office/drawing/2010/main" xmlns:ma14="http://schemas.microsoft.com/office/mac/drawingml/2011/main" val="1"/>
+              <ma14:wrappingTextBoxFlag xmlns:ma14="http://schemas.microsoft.com/office/mac/drawingml/2011/main" xmlns:a14="http://schemas.microsoft.com/office/drawing/2010/main" xmlns:m="http://schemas.openxmlformats.org/officeDocument/2006/math" xmlns="" val="1"/>
             </a:ext>
           </a:extLst>
         </p:spPr>
@@ -8523,7 +8523,7 @@
           </a:ln>
           <a:extLst>
             <a:ext uri="{C572A759-6A51-4108-AA02-DFA0A04FC94B}">
-              <ma14:wrappingTextBoxFlag xmlns="" xmlns:m="http://schemas.openxmlformats.org/officeDocument/2006/math" xmlns:a14="http://schemas.microsoft.com/office/drawing/2010/main" xmlns:ma14="http://schemas.microsoft.com/office/mac/drawingml/2011/main" val="1"/>
+              <ma14:wrappingTextBoxFlag xmlns:ma14="http://schemas.microsoft.com/office/mac/drawingml/2011/main" xmlns:a14="http://schemas.microsoft.com/office/drawing/2010/main" xmlns:m="http://schemas.openxmlformats.org/officeDocument/2006/math" xmlns="" val="1"/>
             </a:ext>
           </a:extLst>
         </p:spPr>
@@ -8650,7 +8650,7 @@
           </a:ln>
           <a:extLst>
             <a:ext uri="{C572A759-6A51-4108-AA02-DFA0A04FC94B}">
-              <ma14:wrappingTextBoxFlag xmlns="" xmlns:m="http://schemas.openxmlformats.org/officeDocument/2006/math" xmlns:a14="http://schemas.microsoft.com/office/drawing/2010/main" xmlns:ma14="http://schemas.microsoft.com/office/mac/drawingml/2011/main" val="1"/>
+              <ma14:wrappingTextBoxFlag xmlns:ma14="http://schemas.microsoft.com/office/mac/drawingml/2011/main" xmlns:a14="http://schemas.microsoft.com/office/drawing/2010/main" xmlns:m="http://schemas.openxmlformats.org/officeDocument/2006/math" xmlns="" val="1"/>
             </a:ext>
           </a:extLst>
         </p:spPr>
@@ -8737,7 +8737,7 @@
           </a:ln>
           <a:extLst>
             <a:ext uri="{C572A759-6A51-4108-AA02-DFA0A04FC94B}">
-              <ma14:wrappingTextBoxFlag xmlns="" xmlns:m="http://schemas.openxmlformats.org/officeDocument/2006/math" xmlns:a14="http://schemas.microsoft.com/office/drawing/2010/main" xmlns:ma14="http://schemas.microsoft.com/office/mac/drawingml/2011/main" val="1"/>
+              <ma14:wrappingTextBoxFlag xmlns:ma14="http://schemas.microsoft.com/office/mac/drawingml/2011/main" xmlns:a14="http://schemas.microsoft.com/office/drawing/2010/main" xmlns:m="http://schemas.openxmlformats.org/officeDocument/2006/math" xmlns="" val="1"/>
             </a:ext>
           </a:extLst>
         </p:spPr>
@@ -8824,7 +8824,7 @@
           </a:ln>
           <a:extLst>
             <a:ext uri="{C572A759-6A51-4108-AA02-DFA0A04FC94B}">
-              <ma14:wrappingTextBoxFlag xmlns="" xmlns:m="http://schemas.openxmlformats.org/officeDocument/2006/math" xmlns:a14="http://schemas.microsoft.com/office/drawing/2010/main" xmlns:ma14="http://schemas.microsoft.com/office/mac/drawingml/2011/main" val="1"/>
+              <ma14:wrappingTextBoxFlag xmlns:ma14="http://schemas.microsoft.com/office/mac/drawingml/2011/main" xmlns:a14="http://schemas.microsoft.com/office/drawing/2010/main" xmlns:m="http://schemas.openxmlformats.org/officeDocument/2006/math" xmlns="" val="1"/>
             </a:ext>
           </a:extLst>
         </p:spPr>
@@ -8926,7 +8926,7 @@
           </a:ln>
           <a:extLst>
             <a:ext uri="{C572A759-6A51-4108-AA02-DFA0A04FC94B}">
-              <ma14:wrappingTextBoxFlag xmlns="" xmlns:m="http://schemas.openxmlformats.org/officeDocument/2006/math" xmlns:a14="http://schemas.microsoft.com/office/drawing/2010/main" xmlns:ma14="http://schemas.microsoft.com/office/mac/drawingml/2011/main" val="1"/>
+              <ma14:wrappingTextBoxFlag xmlns:ma14="http://schemas.microsoft.com/office/mac/drawingml/2011/main" xmlns:a14="http://schemas.microsoft.com/office/drawing/2010/main" xmlns:m="http://schemas.openxmlformats.org/officeDocument/2006/math" xmlns="" val="1"/>
             </a:ext>
           </a:extLst>
         </p:spPr>
@@ -8973,7 +8973,7 @@
           </a:ln>
           <a:extLst>
             <a:ext uri="{C572A759-6A51-4108-AA02-DFA0A04FC94B}">
-              <ma14:wrappingTextBoxFlag xmlns="" xmlns:m="http://schemas.openxmlformats.org/officeDocument/2006/math" xmlns:a14="http://schemas.microsoft.com/office/drawing/2010/main" xmlns:ma14="http://schemas.microsoft.com/office/mac/drawingml/2011/main" val="1"/>
+              <ma14:wrappingTextBoxFlag xmlns:ma14="http://schemas.microsoft.com/office/mac/drawingml/2011/main" xmlns:a14="http://schemas.microsoft.com/office/drawing/2010/main" xmlns:m="http://schemas.openxmlformats.org/officeDocument/2006/math" xmlns="" val="1"/>
             </a:ext>
           </a:extLst>
         </p:spPr>
@@ -9024,7 +9024,7 @@
           </a:ln>
           <a:extLst>
             <a:ext uri="{C572A759-6A51-4108-AA02-DFA0A04FC94B}">
-              <ma14:wrappingTextBoxFlag xmlns="" xmlns:m="http://schemas.openxmlformats.org/officeDocument/2006/math" xmlns:a14="http://schemas.microsoft.com/office/drawing/2010/main" xmlns:ma14="http://schemas.microsoft.com/office/mac/drawingml/2011/main" val="1"/>
+              <ma14:wrappingTextBoxFlag xmlns:ma14="http://schemas.microsoft.com/office/mac/drawingml/2011/main" xmlns:a14="http://schemas.microsoft.com/office/drawing/2010/main" xmlns:m="http://schemas.openxmlformats.org/officeDocument/2006/math" xmlns="" val="1"/>
             </a:ext>
           </a:extLst>
         </p:spPr>
@@ -9071,7 +9071,7 @@
           </a:ln>
           <a:extLst>
             <a:ext uri="{C572A759-6A51-4108-AA02-DFA0A04FC94B}">
-              <ma14:wrappingTextBoxFlag xmlns="" xmlns:m="http://schemas.openxmlformats.org/officeDocument/2006/math" xmlns:a14="http://schemas.microsoft.com/office/drawing/2010/main" xmlns:ma14="http://schemas.microsoft.com/office/mac/drawingml/2011/main" val="1"/>
+              <ma14:wrappingTextBoxFlag xmlns:ma14="http://schemas.microsoft.com/office/mac/drawingml/2011/main" xmlns:a14="http://schemas.microsoft.com/office/drawing/2010/main" xmlns:m="http://schemas.openxmlformats.org/officeDocument/2006/math" xmlns="" val="1"/>
             </a:ext>
           </a:extLst>
         </p:spPr>
@@ -9198,7 +9198,7 @@
           </a:ln>
           <a:extLst>
             <a:ext uri="{C572A759-6A51-4108-AA02-DFA0A04FC94B}">
-              <ma14:wrappingTextBoxFlag xmlns="" xmlns:m="http://schemas.openxmlformats.org/officeDocument/2006/math" xmlns:a14="http://schemas.microsoft.com/office/drawing/2010/main" xmlns:ma14="http://schemas.microsoft.com/office/mac/drawingml/2011/main" val="1"/>
+              <ma14:wrappingTextBoxFlag xmlns:ma14="http://schemas.microsoft.com/office/mac/drawingml/2011/main" xmlns:a14="http://schemas.microsoft.com/office/drawing/2010/main" xmlns:m="http://schemas.openxmlformats.org/officeDocument/2006/math" xmlns="" val="1"/>
             </a:ext>
           </a:extLst>
         </p:spPr>
@@ -9285,7 +9285,7 @@
           </a:ln>
           <a:extLst>
             <a:ext uri="{C572A759-6A51-4108-AA02-DFA0A04FC94B}">
-              <ma14:wrappingTextBoxFlag xmlns="" xmlns:m="http://schemas.openxmlformats.org/officeDocument/2006/math" xmlns:a14="http://schemas.microsoft.com/office/drawing/2010/main" xmlns:ma14="http://schemas.microsoft.com/office/mac/drawingml/2011/main" val="1"/>
+              <ma14:wrappingTextBoxFlag xmlns:ma14="http://schemas.microsoft.com/office/mac/drawingml/2011/main" xmlns:a14="http://schemas.microsoft.com/office/drawing/2010/main" xmlns:m="http://schemas.openxmlformats.org/officeDocument/2006/math" xmlns="" val="1"/>
             </a:ext>
           </a:extLst>
         </p:spPr>
@@ -9372,7 +9372,7 @@
           </a:ln>
           <a:extLst>
             <a:ext uri="{C572A759-6A51-4108-AA02-DFA0A04FC94B}">
-              <ma14:wrappingTextBoxFlag xmlns="" xmlns:m="http://schemas.openxmlformats.org/officeDocument/2006/math" xmlns:a14="http://schemas.microsoft.com/office/drawing/2010/main" xmlns:ma14="http://schemas.microsoft.com/office/mac/drawingml/2011/main" val="1"/>
+              <ma14:wrappingTextBoxFlag xmlns:ma14="http://schemas.microsoft.com/office/mac/drawingml/2011/main" xmlns:a14="http://schemas.microsoft.com/office/drawing/2010/main" xmlns:m="http://schemas.openxmlformats.org/officeDocument/2006/math" xmlns="" val="1"/>
             </a:ext>
           </a:extLst>
         </p:spPr>
@@ -9459,7 +9459,7 @@
           </a:ln>
           <a:extLst>
             <a:ext uri="{C572A759-6A51-4108-AA02-DFA0A04FC94B}">
-              <ma14:wrappingTextBoxFlag xmlns="" xmlns:m="http://schemas.openxmlformats.org/officeDocument/2006/math" xmlns:a14="http://schemas.microsoft.com/office/drawing/2010/main" xmlns:ma14="http://schemas.microsoft.com/office/mac/drawingml/2011/main" val="1"/>
+              <ma14:wrappingTextBoxFlag xmlns:ma14="http://schemas.microsoft.com/office/mac/drawingml/2011/main" xmlns:a14="http://schemas.microsoft.com/office/drawing/2010/main" xmlns:m="http://schemas.openxmlformats.org/officeDocument/2006/math" xmlns="" val="1"/>
             </a:ext>
           </a:extLst>
         </p:spPr>
@@ -9506,7 +9506,7 @@
           </a:ln>
           <a:extLst>
             <a:ext uri="{C572A759-6A51-4108-AA02-DFA0A04FC94B}">
-              <ma14:wrappingTextBoxFlag xmlns="" xmlns:m="http://schemas.openxmlformats.org/officeDocument/2006/math" xmlns:a14="http://schemas.microsoft.com/office/drawing/2010/main" xmlns:ma14="http://schemas.microsoft.com/office/mac/drawingml/2011/main" val="1"/>
+              <ma14:wrappingTextBoxFlag xmlns:ma14="http://schemas.microsoft.com/office/mac/drawingml/2011/main" xmlns:a14="http://schemas.microsoft.com/office/drawing/2010/main" xmlns:m="http://schemas.openxmlformats.org/officeDocument/2006/math" xmlns="" val="1"/>
             </a:ext>
           </a:extLst>
         </p:spPr>
@@ -9590,7 +9590,7 @@
           </a:ln>
           <a:extLst>
             <a:ext uri="{C572A759-6A51-4108-AA02-DFA0A04FC94B}">
-              <ma14:wrappingTextBoxFlag xmlns="" xmlns:m="http://schemas.openxmlformats.org/officeDocument/2006/math" xmlns:a14="http://schemas.microsoft.com/office/drawing/2010/main" xmlns:ma14="http://schemas.microsoft.com/office/mac/drawingml/2011/main" val="1"/>
+              <ma14:wrappingTextBoxFlag xmlns:ma14="http://schemas.microsoft.com/office/mac/drawingml/2011/main" xmlns:a14="http://schemas.microsoft.com/office/drawing/2010/main" xmlns:m="http://schemas.openxmlformats.org/officeDocument/2006/math" xmlns="" val="1"/>
             </a:ext>
           </a:extLst>
         </p:spPr>
@@ -9749,7 +9749,7 @@
           </a:ln>
           <a:extLst>
             <a:ext uri="{C572A759-6A51-4108-AA02-DFA0A04FC94B}">
-              <ma14:wrappingTextBoxFlag xmlns="" xmlns:m="http://schemas.openxmlformats.org/officeDocument/2006/math" xmlns:a14="http://schemas.microsoft.com/office/drawing/2010/main" xmlns:ma14="http://schemas.microsoft.com/office/mac/drawingml/2011/main" val="1"/>
+              <ma14:wrappingTextBoxFlag xmlns:ma14="http://schemas.microsoft.com/office/mac/drawingml/2011/main" xmlns:a14="http://schemas.microsoft.com/office/drawing/2010/main" xmlns:m="http://schemas.openxmlformats.org/officeDocument/2006/math" xmlns="" val="1"/>
             </a:ext>
           </a:extLst>
         </p:spPr>
@@ -9785,7 +9785,7 @@
         </p:nvGrpSpPr>
         <p:grpSpPr>
           <a:xfrm>
-            <a:off x="30001" y="-158261"/>
+            <a:off x="0" y="0"/>
             <a:ext cx="24842178" cy="14043612"/>
             <a:chOff x="0" y="0"/>
             <a:chExt cx="24464234" cy="13591275"/>
@@ -9888,7 +9888,7 @@
                 <a:effectLst/>
                 <a:extLst>
                   <a:ext uri="{C572A759-6A51-4108-AA02-DFA0A04FC94B}">
-                    <ma14:wrappingTextBoxFlag xmlns="" xmlns:m="http://schemas.openxmlformats.org/officeDocument/2006/math" xmlns:a14="http://schemas.microsoft.com/office/drawing/2010/main" xmlns:ma14="http://schemas.microsoft.com/office/mac/drawingml/2011/main" val="1"/>
+                    <ma14:wrappingTextBoxFlag xmlns:ma14="http://schemas.microsoft.com/office/mac/drawingml/2011/main" xmlns:a14="http://schemas.microsoft.com/office/drawing/2010/main" xmlns:m="http://schemas.openxmlformats.org/officeDocument/2006/math" xmlns="" val="1"/>
                   </a:ext>
                 </a:extLst>
               </p:spPr>
@@ -9940,7 +9940,7 @@
               <a:effectLst/>
               <a:extLst>
                 <a:ext uri="{C572A759-6A51-4108-AA02-DFA0A04FC94B}">
-                  <ma14:wrappingTextBoxFlag xmlns="" xmlns:m="http://schemas.openxmlformats.org/officeDocument/2006/math" xmlns:a14="http://schemas.microsoft.com/office/drawing/2010/main" xmlns:ma14="http://schemas.microsoft.com/office/mac/drawingml/2011/main" val="1"/>
+                  <ma14:wrappingTextBoxFlag xmlns:ma14="http://schemas.microsoft.com/office/mac/drawingml/2011/main" xmlns:a14="http://schemas.microsoft.com/office/drawing/2010/main" xmlns:m="http://schemas.openxmlformats.org/officeDocument/2006/math" xmlns="" val="1"/>
                 </a:ext>
               </a:extLst>
             </p:spPr>
@@ -10206,7 +10206,7 @@
                 <a:effectLst/>
                 <a:extLst>
                   <a:ext uri="{C572A759-6A51-4108-AA02-DFA0A04FC94B}">
-                    <ma14:wrappingTextBoxFlag xmlns="" xmlns:m="http://schemas.openxmlformats.org/officeDocument/2006/math" xmlns:a14="http://schemas.microsoft.com/office/drawing/2010/main" xmlns:ma14="http://schemas.microsoft.com/office/mac/drawingml/2011/main" val="1"/>
+                    <ma14:wrappingTextBoxFlag xmlns:ma14="http://schemas.microsoft.com/office/mac/drawingml/2011/main" xmlns:a14="http://schemas.microsoft.com/office/drawing/2010/main" xmlns:m="http://schemas.openxmlformats.org/officeDocument/2006/math" xmlns="" val="1"/>
                   </a:ext>
                 </a:extLst>
               </p:spPr>
@@ -10258,7 +10258,7 @@
               <a:effectLst/>
               <a:extLst>
                 <a:ext uri="{C572A759-6A51-4108-AA02-DFA0A04FC94B}">
-                  <ma14:wrappingTextBoxFlag xmlns="" xmlns:m="http://schemas.openxmlformats.org/officeDocument/2006/math" xmlns:a14="http://schemas.microsoft.com/office/drawing/2010/main" xmlns:ma14="http://schemas.microsoft.com/office/mac/drawingml/2011/main" val="1"/>
+                  <ma14:wrappingTextBoxFlag xmlns:ma14="http://schemas.microsoft.com/office/mac/drawingml/2011/main" xmlns:a14="http://schemas.microsoft.com/office/drawing/2010/main" xmlns:m="http://schemas.openxmlformats.org/officeDocument/2006/math" xmlns="" val="1"/>
                 </a:ext>
               </a:extLst>
             </p:spPr>
@@ -10500,7 +10500,7 @@
                 <a:effectLst/>
                 <a:extLst>
                   <a:ext uri="{C572A759-6A51-4108-AA02-DFA0A04FC94B}">
-                    <ma14:wrappingTextBoxFlag xmlns="" xmlns:m="http://schemas.openxmlformats.org/officeDocument/2006/math" xmlns:a14="http://schemas.microsoft.com/office/drawing/2010/main" xmlns:ma14="http://schemas.microsoft.com/office/mac/drawingml/2011/main" val="1"/>
+                    <ma14:wrappingTextBoxFlag xmlns:ma14="http://schemas.microsoft.com/office/mac/drawingml/2011/main" xmlns:a14="http://schemas.microsoft.com/office/drawing/2010/main" xmlns:m="http://schemas.openxmlformats.org/officeDocument/2006/math" xmlns="" val="1"/>
                   </a:ext>
                 </a:extLst>
               </p:spPr>
@@ -10551,7 +10551,7 @@
               <a:effectLst/>
               <a:extLst>
                 <a:ext uri="{C572A759-6A51-4108-AA02-DFA0A04FC94B}">
-                  <ma14:wrappingTextBoxFlag xmlns="" xmlns:m="http://schemas.openxmlformats.org/officeDocument/2006/math" xmlns:a14="http://schemas.microsoft.com/office/drawing/2010/main" xmlns:ma14="http://schemas.microsoft.com/office/mac/drawingml/2011/main" val="1"/>
+                  <ma14:wrappingTextBoxFlag xmlns:ma14="http://schemas.microsoft.com/office/mac/drawingml/2011/main" xmlns:a14="http://schemas.microsoft.com/office/drawing/2010/main" xmlns:m="http://schemas.openxmlformats.org/officeDocument/2006/math" xmlns="" val="1"/>
                 </a:ext>
               </a:extLst>
             </p:spPr>
@@ -10677,7 +10677,7 @@
                 <a:effectLst/>
                 <a:extLst>
                   <a:ext uri="{C572A759-6A51-4108-AA02-DFA0A04FC94B}">
-                    <ma14:wrappingTextBoxFlag xmlns="" xmlns:m="http://schemas.openxmlformats.org/officeDocument/2006/math" xmlns:a14="http://schemas.microsoft.com/office/drawing/2010/main" xmlns:ma14="http://schemas.microsoft.com/office/mac/drawingml/2011/main" val="1"/>
+                    <ma14:wrappingTextBoxFlag xmlns:ma14="http://schemas.microsoft.com/office/mac/drawingml/2011/main" xmlns:a14="http://schemas.microsoft.com/office/drawing/2010/main" xmlns:m="http://schemas.openxmlformats.org/officeDocument/2006/math" xmlns="" val="1"/>
                   </a:ext>
                 </a:extLst>
               </p:spPr>
@@ -10729,7 +10729,7 @@
               <a:effectLst/>
               <a:extLst>
                 <a:ext uri="{C572A759-6A51-4108-AA02-DFA0A04FC94B}">
-                  <ma14:wrappingTextBoxFlag xmlns="" xmlns:m="http://schemas.openxmlformats.org/officeDocument/2006/math" xmlns:a14="http://schemas.microsoft.com/office/drawing/2010/main" xmlns:ma14="http://schemas.microsoft.com/office/mac/drawingml/2011/main" val="1"/>
+                  <ma14:wrappingTextBoxFlag xmlns:ma14="http://schemas.microsoft.com/office/mac/drawingml/2011/main" xmlns:a14="http://schemas.microsoft.com/office/drawing/2010/main" xmlns:m="http://schemas.openxmlformats.org/officeDocument/2006/math" xmlns="" val="1"/>
                 </a:ext>
               </a:extLst>
             </p:spPr>
@@ -10767,13 +10767,8 @@
                 </a:pPr>
                 <a:r>
                   <a:rPr lang="pt-BR" dirty="0" smtClean="0"/>
-                  <a:t>Como abordadremos a escalabilidade do </a:t>
+                  <a:t>Como abordadremos a escalabilidade do aplicativo?</a:t>
                 </a:r>
-                <a:r>
-                  <a:rPr lang="pt-BR" dirty="0" smtClean="0"/>
-                  <a:t>aplicativo?</a:t>
-                </a:r>
-                <a:endParaRPr lang="pt-BR" dirty="0" smtClean="0"/>
               </a:p>
               <a:p>
                 <a:pPr marL="514350" indent="-514350">
@@ -10782,13 +10777,8 @@
                 </a:pPr>
                 <a:r>
                   <a:rPr lang="pt-BR" dirty="0" smtClean="0"/>
-                  <a:t>Como garantiremps uma experiência de usuário </a:t>
+                  <a:t>Como garantiremps uma experiência de usuário satisfatória?</a:t>
                 </a:r>
-                <a:r>
-                  <a:rPr lang="pt-BR" dirty="0" smtClean="0"/>
-                  <a:t>satisfatória?</a:t>
-                </a:r>
-                <a:endParaRPr lang="pt-BR" dirty="0" smtClean="0"/>
               </a:p>
               <a:p>
                 <a:pPr marL="514350" indent="-514350">
@@ -10797,13 +10787,8 @@
                 </a:pPr>
                 <a:r>
                   <a:rPr lang="pt-BR" dirty="0" smtClean="0"/>
-                  <a:t>Como eduacar o usuário a guardar mais </a:t>
+                  <a:t>Como eduacar o usuário a guardar mais dinheiro?</a:t>
                 </a:r>
-                <a:r>
-                  <a:rPr lang="pt-BR" dirty="0" smtClean="0"/>
-                  <a:t>dinheiro?</a:t>
-                </a:r>
-                <a:endParaRPr lang="pt-BR" dirty="0" smtClean="0"/>
               </a:p>
               <a:p>
                 <a:pPr marL="514350" indent="-514350">
@@ -10812,11 +10797,7 @@
                 </a:pPr>
                 <a:r>
                   <a:rPr lang="pt-BR" dirty="0" smtClean="0"/>
-                  <a:t>Qual a estrategia para novas </a:t>
-                </a:r>
-                <a:r>
-                  <a:rPr lang="pt-BR" dirty="0" smtClean="0"/>
-                  <a:t>funcionalidades?</a:t>
+                  <a:t>Qual a estrategia para novas funcionalidades?</a:t>
                 </a:r>
               </a:p>
               <a:p>
@@ -10944,7 +10925,7 @@
                 <a:effectLst/>
                 <a:extLst>
                   <a:ext uri="{C572A759-6A51-4108-AA02-DFA0A04FC94B}">
-                    <ma14:wrappingTextBoxFlag xmlns="" xmlns:m="http://schemas.openxmlformats.org/officeDocument/2006/math" xmlns:a14="http://schemas.microsoft.com/office/drawing/2010/main" xmlns:ma14="http://schemas.microsoft.com/office/mac/drawingml/2011/main" val="1"/>
+                    <ma14:wrappingTextBoxFlag xmlns:ma14="http://schemas.microsoft.com/office/mac/drawingml/2011/main" xmlns:a14="http://schemas.microsoft.com/office/drawing/2010/main" xmlns:m="http://schemas.openxmlformats.org/officeDocument/2006/math" xmlns="" val="1"/>
                   </a:ext>
                 </a:extLst>
               </p:spPr>
@@ -10996,7 +10977,7 @@
               <a:effectLst/>
               <a:extLst>
                 <a:ext uri="{C572A759-6A51-4108-AA02-DFA0A04FC94B}">
-                  <ma14:wrappingTextBoxFlag xmlns="" xmlns:m="http://schemas.openxmlformats.org/officeDocument/2006/math" xmlns:a14="http://schemas.microsoft.com/office/drawing/2010/main" xmlns:ma14="http://schemas.microsoft.com/office/mac/drawingml/2011/main" val="1"/>
+                  <ma14:wrappingTextBoxFlag xmlns:ma14="http://schemas.microsoft.com/office/mac/drawingml/2011/main" xmlns:a14="http://schemas.microsoft.com/office/drawing/2010/main" xmlns:m="http://schemas.openxmlformats.org/officeDocument/2006/math" xmlns="" val="1"/>
                 </a:ext>
               </a:extLst>
             </p:spPr>
@@ -11037,20 +11018,12 @@
                   <a:rPr lang="pt-BR" dirty="0"/>
                   <a:t>-Garantia de Segurança dos Dados do Usuário</a:t>
                 </a:r>
-                <a:r>
-                  <a:rPr lang="pt-BR" dirty="0"/>
-                  <a:t/>
-                </a:r>
                 <a:br>
                   <a:rPr lang="pt-BR" dirty="0"/>
                 </a:br>
                 <a:r>
                   <a:rPr lang="pt-BR" dirty="0"/>
                   <a:t>-Escalabilidade do Aplicativo</a:t>
-                </a:r>
-                <a:r>
-                  <a:rPr lang="pt-BR" dirty="0"/>
-                  <a:t/>
                 </a:r>
                 <a:br>
                   <a:rPr lang="pt-BR" dirty="0"/>
@@ -11059,20 +11032,12 @@
                   <a:rPr lang="pt-BR" dirty="0"/>
                   <a:t>- Experiência de Usuário Satisfatória</a:t>
                 </a:r>
-                <a:r>
-                  <a:rPr lang="pt-BR" dirty="0"/>
-                  <a:t/>
-                </a:r>
                 <a:br>
                   <a:rPr lang="pt-BR" dirty="0"/>
                 </a:br>
                 <a:r>
                   <a:rPr lang="pt-BR" dirty="0"/>
                   <a:t>-Educação Financeira dos Usuários</a:t>
-                </a:r>
-                <a:r>
-                  <a:rPr lang="pt-BR" dirty="0"/>
-                  <a:t/>
                 </a:r>
                 <a:br>
                   <a:rPr lang="pt-BR" dirty="0"/>
@@ -11142,10 +11107,10 @@
           </p:nvGrpSpPr>
           <p:grpSpPr>
             <a:xfrm>
-              <a:off x="-14572" y="13515"/>
-              <a:ext cx="10692882" cy="13702483"/>
-              <a:chOff x="-17114" y="2"/>
-              <a:chExt cx="10692881" cy="13702480"/>
+              <a:off x="-14572" y="0"/>
+              <a:ext cx="10756360" cy="13702483"/>
+              <a:chOff x="-17114" y="-13513"/>
+              <a:chExt cx="10756359" cy="13702480"/>
             </a:xfrm>
           </p:grpSpPr>
           <p:grpSp>
@@ -11156,9 +11121,9 @@
             </p:nvGrpSpPr>
             <p:grpSpPr>
               <a:xfrm>
-                <a:off x="-17113" y="2"/>
+                <a:off x="46365" y="-13513"/>
                 <a:ext cx="10692880" cy="13702480"/>
-                <a:chOff x="-17113" y="2"/>
+                <a:chOff x="46364" y="-13513"/>
                 <a:chExt cx="10692878" cy="13702477"/>
               </a:xfrm>
             </p:grpSpPr>
@@ -11170,7 +11135,7 @@
               </p:nvSpPr>
               <p:spPr>
                 <a:xfrm>
-                  <a:off x="-17113" y="2"/>
+                  <a:off x="46364" y="-13513"/>
                   <a:ext cx="10692878" cy="13702477"/>
                 </a:xfrm>
                 <a:prstGeom prst="rect">
@@ -11214,8 +11179,8 @@
               </p:nvSpPr>
               <p:spPr>
                 <a:xfrm>
-                  <a:off x="216474" y="211055"/>
-                  <a:ext cx="7354944" cy="668820"/>
+                  <a:off x="217580" y="433966"/>
+                  <a:ext cx="8784031" cy="2515479"/>
                 </a:xfrm>
                 <a:prstGeom prst="rect">
                   <a:avLst/>
@@ -11228,12 +11193,12 @@
                 <a:effectLst/>
                 <a:extLst>
                   <a:ext uri="{C572A759-6A51-4108-AA02-DFA0A04FC94B}">
-                    <ma14:wrappingTextBoxFlag xmlns="" xmlns:m="http://schemas.openxmlformats.org/officeDocument/2006/math" xmlns:a14="http://schemas.microsoft.com/office/drawing/2010/main" xmlns:ma14="http://schemas.microsoft.com/office/mac/drawingml/2011/main" val="1"/>
+                    <ma14:wrappingTextBoxFlag xmlns:ma14="http://schemas.microsoft.com/office/mac/drawingml/2011/main" xmlns:a14="http://schemas.microsoft.com/office/drawing/2010/main" xmlns:m="http://schemas.openxmlformats.org/officeDocument/2006/math" xmlns="" val="1"/>
                   </a:ext>
                 </a:extLst>
               </p:spPr>
               <p:txBody>
-                <a:bodyPr wrap="none" lIns="26376" tIns="26376" rIns="26376" bIns="26376" numCol="1" anchor="ctr">
+                <a:bodyPr wrap="square" lIns="26376" tIns="26376" rIns="26376" bIns="26376" numCol="1" anchor="ctr">
                   <a:spAutoFit/>
                 </a:bodyPr>
                 <a:lstStyle>
@@ -11252,7 +11217,17 @@
                 <a:p>
                   <a:r>
                     <a:rPr lang="pt-BR" dirty="0" smtClean="0"/>
-                    <a:t>Guiding Questions – Category 1</a:t>
+                    <a:t>Guiding Questions </a:t>
+                  </a:r>
+                  <a:r>
+                    <a:rPr lang="pt-BR" dirty="0" smtClean="0"/>
+                    <a:t>– Categoria 1:</a:t>
+                  </a:r>
+                </a:p>
+                <a:p>
+                  <a:r>
+                    <a:rPr lang="pt-BR" dirty="0"/>
+                    <a:t> Desenvolver um sistema seguro e eficiente para integrar dados bancários dos usuários</a:t>
                   </a:r>
                   <a:endParaRPr dirty="0"/>
                 </a:p>
@@ -11267,8 +11242,8 @@
             </p:nvSpPr>
             <p:spPr>
               <a:xfrm>
-                <a:off x="-17114" y="1092753"/>
-                <a:ext cx="10692881" cy="12595157"/>
+                <a:off x="-17114" y="3593436"/>
+                <a:ext cx="10692881" cy="7593790"/>
               </a:xfrm>
               <a:prstGeom prst="rect">
                 <a:avLst/>
@@ -11281,7 +11256,7 @@
               <a:effectLst/>
               <a:extLst>
                 <a:ext uri="{C572A759-6A51-4108-AA02-DFA0A04FC94B}">
-                  <ma14:wrappingTextBoxFlag xmlns="" xmlns:m="http://schemas.openxmlformats.org/officeDocument/2006/math" xmlns:a14="http://schemas.microsoft.com/office/drawing/2010/main" xmlns:ma14="http://schemas.microsoft.com/office/mac/drawingml/2011/main" val="1"/>
+                  <ma14:wrappingTextBoxFlag xmlns:ma14="http://schemas.microsoft.com/office/mac/drawingml/2011/main" xmlns:a14="http://schemas.microsoft.com/office/drawing/2010/main" xmlns:m="http://schemas.openxmlformats.org/officeDocument/2006/math" xmlns="" val="1"/>
                 </a:ext>
               </a:extLst>
             </p:spPr>
@@ -11313,11 +11288,22 @@
                 </a:pPr>
                 <a:r>
                   <a:rPr lang="pt-BR" sz="2800" dirty="0"/>
-                  <a:t>Quais são os requisitos de segurança específicos que devem ser atendidos para proteger os dados bancários dos usuários</a:t>
+                  <a:t>Quais são os requisitos de segurança para proteger dados bancários durante a transmissão</a:t>
                 </a:r>
                 <a:r>
                   <a:rPr lang="pt-BR" sz="2800" dirty="0" smtClean="0"/>
                   <a:t>?</a:t>
+                </a:r>
+                <a:endParaRPr lang="pt-BR" sz="2800" dirty="0"/>
+              </a:p>
+              <a:p>
+                <a:pPr marL="514350" indent="-514350">
+                  <a:buFont typeface="+mj-lt"/>
+                  <a:buAutoNum type="arabicPeriod"/>
+                </a:pPr>
+                <a:r>
+                  <a:rPr lang="pt-BR" dirty="0"/>
+                  <a:t>Como garantiremos a criptografia dos dados armazenados?</a:t>
                 </a:r>
               </a:p>
               <a:p>
@@ -11326,16 +11312,8 @@
                   <a:buAutoNum type="arabicPeriod"/>
                 </a:pPr>
                 <a:r>
-                  <a:rPr lang="pt-BR" sz="2800" dirty="0" smtClean="0"/>
-                  <a:t>Como </a:t>
-                </a:r>
-                <a:r>
-                  <a:rPr lang="pt-BR" sz="2800" dirty="0"/>
-                  <a:t>garantiremos a criptografia adequada dos dados bancários durante a transmissão e armazenamento</a:t>
-                </a:r>
-                <a:r>
-                  <a:rPr lang="pt-BR" sz="2800" dirty="0" smtClean="0"/>
-                  <a:t>?</a:t>
+                  <a:rPr lang="pt-BR" dirty="0"/>
+                  <a:t>Quais APIs bancárias suportarão a integração de dados de forma segura?</a:t>
                 </a:r>
               </a:p>
               <a:p>
@@ -11343,7 +11321,10 @@
                   <a:buFont typeface="+mj-lt"/>
                   <a:buAutoNum type="arabicPeriod"/>
                 </a:pPr>
-                <a:endParaRPr lang="pt-BR" sz="2800" dirty="0"/>
+                <a:r>
+                  <a:rPr lang="pt-BR" dirty="0"/>
+                  <a:t>Como vamos autenticar os usuários ao acessar seus dados bancários?</a:t>
+                </a:r>
               </a:p>
               <a:p>
                 <a:pPr marL="514350" indent="-514350">
@@ -11351,16 +11332,8 @@
                   <a:buAutoNum type="arabicPeriod"/>
                 </a:pPr>
                 <a:r>
-                  <a:rPr lang="pt-BR" sz="2800" dirty="0" smtClean="0"/>
-                  <a:t>Quais </a:t>
-                </a:r>
-                <a:r>
-                  <a:rPr lang="pt-BR" sz="2800" dirty="0"/>
-                  <a:t>métodos de autenticação e autorização serão usados para garantir que apenas usuários autorizados acessem os dados bancários</a:t>
-                </a:r>
-                <a:r>
-                  <a:rPr lang="pt-BR" sz="2800" dirty="0" smtClean="0"/>
-                  <a:t>?</a:t>
+                  <a:rPr lang="pt-BR" dirty="0"/>
+                  <a:t>Quais são as melhores práticas para prevenir fraudes e invasões de sistemas bancários?</a:t>
                 </a:r>
               </a:p>
               <a:p>
@@ -11368,7 +11341,10 @@
                   <a:buFont typeface="+mj-lt"/>
                   <a:buAutoNum type="arabicPeriod"/>
                 </a:pPr>
-                <a:endParaRPr lang="pt-BR" sz="2800" dirty="0" smtClean="0"/>
+                <a:r>
+                  <a:rPr lang="pt-BR" dirty="0"/>
+                  <a:t>Como lidaremos com possíveis falhas na comunicação com bancos?</a:t>
+                </a:r>
               </a:p>
               <a:p>
                 <a:pPr marL="514350" indent="-514350">
@@ -11376,12 +11352,8 @@
                   <a:buAutoNum type="arabicPeriod"/>
                 </a:pPr>
                 <a:r>
-                  <a:rPr lang="pt-BR" sz="2800" dirty="0"/>
-                  <a:t>Como vamos gerenciar e proteger as credenciais de acesso às APIs bancárias</a:t>
-                </a:r>
-                <a:r>
-                  <a:rPr lang="pt-BR" sz="2800" dirty="0" smtClean="0"/>
-                  <a:t>?</a:t>
+                  <a:rPr lang="pt-BR" dirty="0"/>
+                  <a:t>Como validaremos a precisão dos dados importados de contas bancárias?</a:t>
                 </a:r>
               </a:p>
               <a:p>
@@ -11389,105 +11361,10 @@
                   <a:buFont typeface="+mj-lt"/>
                   <a:buAutoNum type="arabicPeriod"/>
                 </a:pPr>
-                <a:endParaRPr lang="pt-BR" sz="2800" dirty="0"/>
-              </a:p>
-              <a:p>
-                <a:pPr marL="514350" indent="-514350">
-                  <a:buFont typeface="+mj-lt"/>
-                  <a:buAutoNum type="arabicPeriod"/>
-                </a:pPr>
                 <a:r>
-                  <a:rPr lang="pt-BR" sz="2800" dirty="0" smtClean="0"/>
-                  <a:t>Quais </a:t>
+                  <a:rPr lang="pt-BR" dirty="0"/>
+                  <a:t>Qual será o protocolo para notificar os usuários em caso de uma violação de segurança?</a:t>
                 </a:r>
-                <a:r>
-                  <a:rPr lang="pt-BR" sz="2800" dirty="0"/>
-                  <a:t>são os procedimentos para lidar com uma violação de dados e como garantiremos a resposta rápida e eficaz a incidentes de segurança</a:t>
-                </a:r>
-                <a:r>
-                  <a:rPr lang="pt-BR" sz="2800" dirty="0" smtClean="0"/>
-                  <a:t>?</a:t>
-                </a:r>
-              </a:p>
-              <a:p>
-                <a:pPr marL="514350" indent="-514350">
-                  <a:buFont typeface="+mj-lt"/>
-                  <a:buAutoNum type="arabicPeriod"/>
-                </a:pPr>
-                <a:endParaRPr lang="pt-BR" sz="2800" dirty="0" smtClean="0"/>
-              </a:p>
-              <a:p>
-                <a:pPr marL="514350" indent="-514350">
-                  <a:buFont typeface="+mj-lt"/>
-                  <a:buAutoNum type="arabicPeriod"/>
-                </a:pPr>
-                <a:r>
-                  <a:rPr lang="pt-BR" sz="2800" dirty="0" smtClean="0"/>
-                  <a:t>Como </a:t>
-                </a:r>
-                <a:r>
-                  <a:rPr lang="pt-BR" sz="2800" dirty="0"/>
-                  <a:t>vamos garantir a precisão e a integridade dos dados ao integrar diferentes fontes bancárias</a:t>
-                </a:r>
-                <a:r>
-                  <a:rPr lang="pt-BR" sz="2800" dirty="0" smtClean="0"/>
-                  <a:t>?</a:t>
-                </a:r>
-              </a:p>
-              <a:p>
-                <a:pPr marL="514350" indent="-514350">
-                  <a:buFont typeface="+mj-lt"/>
-                  <a:buAutoNum type="arabicPeriod"/>
-                </a:pPr>
-                <a:endParaRPr lang="pt-BR" sz="2800" dirty="0"/>
-              </a:p>
-              <a:p>
-                <a:pPr marL="514350" indent="-514350">
-                  <a:buFont typeface="+mj-lt"/>
-                  <a:buAutoNum type="arabicPeriod"/>
-                </a:pPr>
-                <a:r>
-                  <a:rPr lang="pt-BR" sz="2800" dirty="0" smtClean="0"/>
-                  <a:t>Quais </a:t>
-                </a:r>
-                <a:r>
-                  <a:rPr lang="pt-BR" sz="2800" dirty="0"/>
-                  <a:t>técnicas serão usadas para garantir que a integração com múltiplas instituições financeiras não afete a performance do aplicativo</a:t>
-                </a:r>
-                <a:r>
-                  <a:rPr lang="pt-BR" sz="2800" dirty="0" smtClean="0"/>
-                  <a:t>?</a:t>
-                </a:r>
-              </a:p>
-              <a:p>
-                <a:pPr marL="514350" indent="-514350">
-                  <a:buFont typeface="+mj-lt"/>
-                  <a:buAutoNum type="arabicPeriod"/>
-                </a:pPr>
-                <a:endParaRPr lang="pt-BR" sz="2800" dirty="0" smtClean="0"/>
-              </a:p>
-              <a:p>
-                <a:pPr marL="514350" indent="-514350">
-                  <a:buFont typeface="+mj-lt"/>
-                  <a:buAutoNum type="arabicPeriod"/>
-                </a:pPr>
-                <a:endParaRPr lang="pt-BR" sz="2800" dirty="0"/>
-              </a:p>
-              <a:p>
-                <a:pPr marL="514350" indent="-514350">
-                  <a:buFont typeface="+mj-lt"/>
-                  <a:buAutoNum type="arabicPeriod"/>
-                </a:pPr>
-                <a:r>
-                  <a:rPr lang="pt-BR" sz="2800" dirty="0"/>
-                  <a:t>Como vamos educar os usuários sobre as medidas de segurança que estão sendo implementadas para proteger seus dados bancários</a:t>
-                </a:r>
-                <a:r>
-                  <a:rPr lang="pt-BR" sz="2800" dirty="0" smtClean="0"/>
-                  <a:t>?</a:t>
-                </a:r>
-              </a:p>
-              <a:p>
                 <a:endParaRPr lang="pt-BR" dirty="0"/>
               </a:p>
             </p:txBody>
@@ -11587,7 +11464,852 @@
                 <a:effectLst/>
                 <a:extLst>
                   <a:ext uri="{C572A759-6A51-4108-AA02-DFA0A04FC94B}">
-                    <ma14:wrappingTextBoxFlag xmlns="" xmlns:m="http://schemas.openxmlformats.org/officeDocument/2006/math" xmlns:a14="http://schemas.microsoft.com/office/drawing/2010/main" xmlns:ma14="http://schemas.microsoft.com/office/mac/drawingml/2011/main" val="1"/>
+                    <ma14:wrappingTextBoxFlag xmlns:ma14="http://schemas.microsoft.com/office/mac/drawingml/2011/main" xmlns:a14="http://schemas.microsoft.com/office/drawing/2010/main" xmlns:m="http://schemas.openxmlformats.org/officeDocument/2006/math" xmlns="" val="1"/>
+                  </a:ext>
+                </a:extLst>
+              </p:spPr>
+              <p:txBody>
+                <a:bodyPr wrap="none" lIns="26376" tIns="26376" rIns="26376" bIns="26376" numCol="1" anchor="ctr">
+                  <a:spAutoFit/>
+                </a:bodyPr>
+                <a:lstStyle>
+                  <a:lvl1pPr defTabSz="825500">
+                    <a:defRPr sz="4000" b="0">
+                      <a:solidFill>
+                        <a:srgbClr val="5E5E5E"/>
+                      </a:solidFill>
+                      <a:latin typeface="+mn-lt"/>
+                      <a:ea typeface="+mn-ea"/>
+                      <a:cs typeface="+mn-cs"/>
+                      <a:sym typeface="Helvetica Neue Medium"/>
+                    </a:defRPr>
+                  </a:lvl1pPr>
+                </a:lstStyle>
+                <a:p>
+                  <a:r>
+                    <a:rPr lang="pt-BR" dirty="0" smtClean="0"/>
+                    <a:t>Guiding Activities</a:t>
+                  </a:r>
+                  <a:endParaRPr/>
+                </a:p>
+              </p:txBody>
+            </p:sp>
+          </p:grpSp>
+          <p:sp>
+            <p:nvSpPr>
+              <p:cNvPr id="273" name="[a preencher]"/>
+              <p:cNvSpPr txBox="1"/>
+              <p:nvPr/>
+            </p:nvSpPr>
+            <p:spPr>
+              <a:xfrm>
+                <a:off x="-1093520" y="1110272"/>
+                <a:ext cx="3384438" cy="12164272"/>
+              </a:xfrm>
+              <a:prstGeom prst="rect">
+                <a:avLst/>
+              </a:prstGeom>
+              <a:noFill/>
+              <a:ln w="12700" cap="flat">
+                <a:noFill/>
+                <a:miter lim="400000"/>
+              </a:ln>
+              <a:effectLst/>
+              <a:extLst>
+                <a:ext uri="{C572A759-6A51-4108-AA02-DFA0A04FC94B}">
+                  <ma14:wrappingTextBoxFlag xmlns:ma14="http://schemas.microsoft.com/office/mac/drawingml/2011/main" xmlns:a14="http://schemas.microsoft.com/office/drawing/2010/main" xmlns:m="http://schemas.openxmlformats.org/officeDocument/2006/math" xmlns="" val="1"/>
+                </a:ext>
+              </a:extLst>
+            </p:spPr>
+            <p:txBody>
+              <a:bodyPr wrap="square" lIns="26376" tIns="26376" rIns="26376" bIns="26376" numCol="1" anchor="ctr">
+                <a:spAutoFit/>
+              </a:bodyPr>
+              <a:lstStyle>
+                <a:lvl1pPr algn="l" defTabSz="825500">
+                  <a:defRPr sz="3100" b="0">
+                    <a:solidFill>
+                      <a:schemeClr val="accent3">
+                        <a:hueOff val="914337"/>
+                        <a:satOff val="31515"/>
+                        <a:lumOff val="-30790"/>
+                      </a:schemeClr>
+                    </a:solidFill>
+                    <a:latin typeface="Comic Sans MS"/>
+                    <a:ea typeface="Comic Sans MS"/>
+                    <a:cs typeface="Comic Sans MS"/>
+                    <a:sym typeface="Comic Sans MS"/>
+                  </a:defRPr>
+                </a:lvl1pPr>
+              </a:lstStyle>
+              <a:p>
+                <a:r>
+                  <a:rPr lang="pt-BR" sz="2800" dirty="0">
+                    <a:hlinkClick r:id="rId2"/>
+                  </a:rPr>
+                  <a:t>https://fia.com.br/blog/educacao-financeira</a:t>
+                </a:r>
+                <a:r>
+                  <a:rPr lang="pt-BR" sz="2800" dirty="0" smtClean="0">
+                    <a:hlinkClick r:id="rId2"/>
+                  </a:rPr>
+                  <a:t>/</a:t>
+                </a:r>
+                <a:endParaRPr lang="pt-BR" sz="2800" dirty="0" smtClean="0"/>
+              </a:p>
+              <a:p>
+                <a:endParaRPr lang="pt-BR" sz="2800" dirty="0" smtClean="0"/>
+              </a:p>
+              <a:p>
+                <a:r>
+                  <a:rPr lang="pt-BR" sz="2800" dirty="0">
+                    <a:hlinkClick r:id="rId3"/>
+                  </a:rPr>
+                  <a:t>https://</a:t>
+                </a:r>
+                <a:r>
+                  <a:rPr lang="pt-BR" sz="2800" dirty="0" smtClean="0">
+                    <a:hlinkClick r:id="rId3"/>
+                  </a:rPr>
+                  <a:t>www.caixa.gov.br/educacao-financeira/Paginas/default.aspx</a:t>
+                </a:r>
+                <a:endParaRPr lang="pt-BR" sz="2800" dirty="0"/>
+              </a:p>
+              <a:p>
+                <a:endParaRPr lang="pt-BR" sz="2800" dirty="0" smtClean="0"/>
+              </a:p>
+              <a:p>
+                <a:r>
+                  <a:rPr lang="pt-BR" sz="2800" dirty="0">
+                    <a:hlinkClick r:id="rId4"/>
+                  </a:rPr>
+                  <a:t>https://</a:t>
+                </a:r>
+                <a:r>
+                  <a:rPr lang="pt-BR" sz="2800" dirty="0" smtClean="0">
+                    <a:hlinkClick r:id="rId4"/>
+                  </a:rPr>
+                  <a:t>www.ev.org.br/cursos/educacao-financeira</a:t>
+                </a:r>
+                <a:endParaRPr lang="pt-BR" sz="2800" dirty="0" smtClean="0"/>
+              </a:p>
+              <a:p>
+                <a:endParaRPr lang="pt-BR" sz="2800" dirty="0" smtClean="0"/>
+              </a:p>
+              <a:p>
+                <a:r>
+                  <a:rPr lang="pt-BR" sz="2800" dirty="0">
+                    <a:hlinkClick r:id="rId5"/>
+                  </a:rPr>
+                  <a:t>https://plataforma.meubolsoemdia.com.br/?</a:t>
+                </a:r>
+                <a:r>
+                  <a:rPr lang="pt-BR" sz="2800" dirty="0" smtClean="0">
+                    <a:hlinkClick r:id="rId5"/>
+                  </a:rPr>
+                  <a:t>utm_source=googleads&amp;utm_medium=Search&amp;utm_campaign=controle&amp;gad_source=1&amp;gclid=CjwKCAjwl6-3BhBWEiwApN6_ksoYYo3uSAERU9pKVycQo0rqAbIYkC96_durbCgGiSo0JQDkqUYJNBoC1nAQAvD_BwE</a:t>
+                </a:r>
+                <a:endParaRPr lang="pt-BR" sz="2800" dirty="0" smtClean="0"/>
+              </a:p>
+              <a:p>
+                <a:endParaRPr lang="pt-BR" dirty="0" smtClean="0"/>
+              </a:p>
+            </p:txBody>
+          </p:sp>
+        </p:grpSp>
+      </p:grpSp>
+      <p:sp>
+        <p:nvSpPr>
+          <p:cNvPr id="31" name="Retângulo"/>
+          <p:cNvSpPr/>
+          <p:nvPr/>
+        </p:nvSpPr>
+        <p:spPr>
+          <a:xfrm>
+            <a:off x="15509026" y="0"/>
+            <a:ext cx="4461596" cy="13716000"/>
+          </a:xfrm>
+          <a:prstGeom prst="rect">
+            <a:avLst/>
+          </a:prstGeom>
+          <a:solidFill>
+            <a:srgbClr val="C2D76D"/>
+          </a:solidFill>
+          <a:ln w="12700" cap="flat">
+            <a:noFill/>
+            <a:miter lim="400000"/>
+          </a:ln>
+          <a:effectLst/>
+        </p:spPr>
+        <p:txBody>
+          <a:bodyPr wrap="square" lIns="26376" tIns="26376" rIns="26376" bIns="26376" numCol="1" anchor="ctr">
+            <a:noAutofit/>
+          </a:bodyPr>
+          <a:lstStyle/>
+          <a:p>
+            <a:pPr defTabSz="825500">
+              <a:defRPr sz="3000" b="0">
+                <a:solidFill>
+                  <a:srgbClr val="FFFFFF"/>
+                </a:solidFill>
+                <a:latin typeface="+mn-lt"/>
+                <a:ea typeface="+mn-ea"/>
+                <a:cs typeface="+mn-cs"/>
+                <a:sym typeface="Helvetica Neue Medium"/>
+              </a:defRPr>
+            </a:pPr>
+            <a:endParaRPr/>
+          </a:p>
+        </p:txBody>
+      </p:sp>
+      <p:sp>
+        <p:nvSpPr>
+          <p:cNvPr id="32" name="Retângulo"/>
+          <p:cNvSpPr/>
+          <p:nvPr/>
+        </p:nvSpPr>
+        <p:spPr>
+          <a:xfrm>
+            <a:off x="20172785" y="0"/>
+            <a:ext cx="4211216" cy="13716000"/>
+          </a:xfrm>
+          <a:prstGeom prst="rect">
+            <a:avLst/>
+          </a:prstGeom>
+          <a:solidFill>
+            <a:srgbClr val="C2D76D"/>
+          </a:solidFill>
+          <a:ln w="12700" cap="flat">
+            <a:noFill/>
+            <a:miter lim="400000"/>
+          </a:ln>
+          <a:effectLst/>
+        </p:spPr>
+        <p:txBody>
+          <a:bodyPr wrap="square" lIns="26376" tIns="26376" rIns="26376" bIns="26376" numCol="1" anchor="ctr">
+            <a:noAutofit/>
+          </a:bodyPr>
+          <a:lstStyle/>
+          <a:p>
+            <a:pPr defTabSz="825500">
+              <a:defRPr sz="3000" b="0">
+                <a:solidFill>
+                  <a:srgbClr val="FFFFFF"/>
+                </a:solidFill>
+                <a:latin typeface="+mn-lt"/>
+                <a:ea typeface="+mn-ea"/>
+                <a:cs typeface="+mn-cs"/>
+                <a:sym typeface="Helvetica Neue Medium"/>
+              </a:defRPr>
+            </a:pPr>
+            <a:endParaRPr/>
+          </a:p>
+        </p:txBody>
+      </p:sp>
+      <p:sp>
+        <p:nvSpPr>
+          <p:cNvPr id="33" name="Main Benchmark"/>
+          <p:cNvSpPr txBox="1"/>
+          <p:nvPr/>
+        </p:nvSpPr>
+        <p:spPr>
+          <a:xfrm>
+            <a:off x="15588442" y="77757"/>
+            <a:ext cx="2505863" cy="668820"/>
+          </a:xfrm>
+          <a:prstGeom prst="rect">
+            <a:avLst/>
+          </a:prstGeom>
+          <a:noFill/>
+          <a:ln w="12700" cap="flat">
+            <a:noFill/>
+            <a:miter lim="400000"/>
+          </a:ln>
+          <a:effectLst/>
+          <a:extLst>
+            <a:ext uri="{C572A759-6A51-4108-AA02-DFA0A04FC94B}">
+              <ma14:wrappingTextBoxFlag xmlns:ma14="http://schemas.microsoft.com/office/mac/drawingml/2011/main" xmlns:a14="http://schemas.microsoft.com/office/drawing/2010/main" xmlns:m="http://schemas.openxmlformats.org/officeDocument/2006/math" xmlns="" val="1"/>
+            </a:ext>
+          </a:extLst>
+        </p:spPr>
+        <p:txBody>
+          <a:bodyPr wrap="none" lIns="26376" tIns="26376" rIns="26376" bIns="26376" numCol="1" anchor="ctr">
+            <a:spAutoFit/>
+          </a:bodyPr>
+          <a:lstStyle>
+            <a:lvl1pPr defTabSz="825500">
+              <a:defRPr sz="4000" b="0">
+                <a:solidFill>
+                  <a:srgbClr val="5E5E5E"/>
+                </a:solidFill>
+                <a:latin typeface="+mn-lt"/>
+                <a:ea typeface="+mn-ea"/>
+                <a:cs typeface="+mn-cs"/>
+                <a:sym typeface="Helvetica Neue Medium"/>
+              </a:defRPr>
+            </a:lvl1pPr>
+          </a:lstStyle>
+          <a:p>
+            <a:r>
+              <a:rPr lang="pt-BR" dirty="0" smtClean="0"/>
+              <a:t>Resources</a:t>
+            </a:r>
+            <a:endParaRPr/>
+          </a:p>
+        </p:txBody>
+      </p:sp>
+      <p:sp>
+        <p:nvSpPr>
+          <p:cNvPr id="34" name="[a preencher]"/>
+          <p:cNvSpPr txBox="1"/>
+          <p:nvPr/>
+        </p:nvSpPr>
+        <p:spPr>
+          <a:xfrm>
+            <a:off x="15732292" y="956521"/>
+            <a:ext cx="3911396" cy="5300858"/>
+          </a:xfrm>
+          <a:prstGeom prst="rect">
+            <a:avLst/>
+          </a:prstGeom>
+          <a:noFill/>
+          <a:ln w="12700" cap="flat">
+            <a:noFill/>
+            <a:miter lim="400000"/>
+          </a:ln>
+          <a:effectLst/>
+          <a:extLst>
+            <a:ext uri="{C572A759-6A51-4108-AA02-DFA0A04FC94B}">
+              <ma14:wrappingTextBoxFlag xmlns:ma14="http://schemas.microsoft.com/office/mac/drawingml/2011/main" xmlns:a14="http://schemas.microsoft.com/office/drawing/2010/main" xmlns:m="http://schemas.openxmlformats.org/officeDocument/2006/math" xmlns="" val="1"/>
+            </a:ext>
+          </a:extLst>
+        </p:spPr>
+        <p:txBody>
+          <a:bodyPr wrap="square" lIns="26376" tIns="26376" rIns="26376" bIns="26376" numCol="1" anchor="ctr">
+            <a:spAutoFit/>
+          </a:bodyPr>
+          <a:lstStyle>
+            <a:lvl1pPr algn="l" defTabSz="825500">
+              <a:defRPr sz="3100" b="0">
+                <a:solidFill>
+                  <a:schemeClr val="accent3">
+                    <a:hueOff val="914337"/>
+                    <a:satOff val="31515"/>
+                    <a:lumOff val="-30790"/>
+                  </a:schemeClr>
+                </a:solidFill>
+                <a:latin typeface="Comic Sans MS"/>
+                <a:ea typeface="Comic Sans MS"/>
+                <a:cs typeface="Comic Sans MS"/>
+                <a:sym typeface="Comic Sans MS"/>
+              </a:defRPr>
+            </a:lvl1pPr>
+          </a:lstStyle>
+          <a:p>
+            <a:r>
+              <a:rPr lang="pt-BR" dirty="0"/>
+              <a:t>APIs </a:t>
+            </a:r>
+            <a:r>
+              <a:rPr lang="pt-BR" dirty="0" smtClean="0"/>
+              <a:t>Bancárias</a:t>
+            </a:r>
+          </a:p>
+          <a:p>
+            <a:endParaRPr lang="pt-BR" dirty="0" smtClean="0"/>
+          </a:p>
+          <a:p>
+            <a:r>
+              <a:rPr lang="pt-BR" dirty="0"/>
+              <a:t>Documentação de Segurança de Dados: OWASP (Open Web Application Security Project</a:t>
+            </a:r>
+            <a:r>
+              <a:rPr lang="pt-BR" dirty="0" smtClean="0"/>
+              <a:t>)</a:t>
+            </a:r>
+          </a:p>
+          <a:p>
+            <a:endParaRPr lang="pt-BR" dirty="0"/>
+          </a:p>
+          <a:p>
+            <a:r>
+              <a:rPr lang="pt-BR" dirty="0"/>
+              <a:t>Ferramentas de Criptografia</a:t>
+            </a:r>
+          </a:p>
+          <a:p>
+            <a:endParaRPr dirty="0"/>
+          </a:p>
+        </p:txBody>
+      </p:sp>
+      <p:sp>
+        <p:nvSpPr>
+          <p:cNvPr id="35" name="Main Benchmark"/>
+          <p:cNvSpPr txBox="1"/>
+          <p:nvPr/>
+        </p:nvSpPr>
+        <p:spPr>
+          <a:xfrm>
+            <a:off x="20375045" y="0"/>
+            <a:ext cx="1763672" cy="668820"/>
+          </a:xfrm>
+          <a:prstGeom prst="rect">
+            <a:avLst/>
+          </a:prstGeom>
+          <a:noFill/>
+          <a:ln w="12700" cap="flat">
+            <a:noFill/>
+            <a:miter lim="400000"/>
+          </a:ln>
+          <a:effectLst/>
+          <a:extLst>
+            <a:ext uri="{C572A759-6A51-4108-AA02-DFA0A04FC94B}">
+              <ma14:wrappingTextBoxFlag xmlns:ma14="http://schemas.microsoft.com/office/mac/drawingml/2011/main" xmlns:a14="http://schemas.microsoft.com/office/drawing/2010/main" xmlns:m="http://schemas.openxmlformats.org/officeDocument/2006/math" xmlns="" val="1"/>
+            </a:ext>
+          </a:extLst>
+        </p:spPr>
+        <p:txBody>
+          <a:bodyPr wrap="none" lIns="26376" tIns="26376" rIns="26376" bIns="26376" numCol="1" anchor="ctr">
+            <a:spAutoFit/>
+          </a:bodyPr>
+          <a:lstStyle>
+            <a:lvl1pPr defTabSz="825500">
+              <a:defRPr sz="4000" b="0">
+                <a:solidFill>
+                  <a:srgbClr val="5E5E5E"/>
+                </a:solidFill>
+                <a:latin typeface="+mn-lt"/>
+                <a:ea typeface="+mn-ea"/>
+                <a:cs typeface="+mn-cs"/>
+                <a:sym typeface="Helvetica Neue Medium"/>
+              </a:defRPr>
+            </a:lvl1pPr>
+          </a:lstStyle>
+          <a:p>
+            <a:r>
+              <a:rPr lang="pt-BR" dirty="0" smtClean="0"/>
+              <a:t>Results</a:t>
+            </a:r>
+            <a:endParaRPr/>
+          </a:p>
+        </p:txBody>
+      </p:sp>
+    </p:spTree>
+  </p:cSld>
+  <p:clrMapOvr>
+    <a:masterClrMapping/>
+  </p:clrMapOvr>
+  <p:transition spd="med"/>
+  <p:timing>
+    <p:tnLst>
+      <p:par>
+        <p:cTn id="1" dur="indefinite" restart="never" nodeType="tmRoot"/>
+      </p:par>
+    </p:tnLst>
+  </p:timing>
+</p:sld>
+</file>
+
+<file path=ppt/slides/slide5.xml><?xml version="1.0" encoding="utf-8"?>
+<p:sld xmlns:a="http://schemas.openxmlformats.org/drawingml/2006/main" xmlns:r="http://schemas.openxmlformats.org/officeDocument/2006/relationships" xmlns:p="http://schemas.openxmlformats.org/presentationml/2006/main">
+  <p:cSld>
+    <p:spTree>
+      <p:nvGrpSpPr>
+        <p:cNvPr id="1" name=""/>
+        <p:cNvGrpSpPr/>
+        <p:nvPr/>
+      </p:nvGrpSpPr>
+      <p:grpSpPr>
+        <a:xfrm>
+          <a:off x="0" y="0"/>
+          <a:ext cx="0" cy="0"/>
+          <a:chOff x="0" y="0"/>
+          <a:chExt cx="0" cy="0"/>
+        </a:xfrm>
+      </p:grpSpPr>
+      <p:grpSp>
+        <p:nvGrpSpPr>
+          <p:cNvPr id="2" name="Grupo"/>
+          <p:cNvGrpSpPr/>
+          <p:nvPr/>
+        </p:nvGrpSpPr>
+        <p:grpSpPr>
+          <a:xfrm>
+            <a:off x="-19096" y="0"/>
+            <a:ext cx="15358624" cy="13716001"/>
+            <a:chOff x="-16554" y="0"/>
+            <a:chExt cx="15358623" cy="13715999"/>
+          </a:xfrm>
+        </p:grpSpPr>
+        <p:grpSp>
+          <p:nvGrpSpPr>
+            <p:cNvPr id="3" name="Grupo"/>
+            <p:cNvGrpSpPr/>
+            <p:nvPr/>
+          </p:nvGrpSpPr>
+          <p:grpSpPr>
+            <a:xfrm>
+              <a:off x="-16554" y="13512"/>
+              <a:ext cx="10711977" cy="13702483"/>
+              <a:chOff x="-19096" y="-1"/>
+              <a:chExt cx="10711976" cy="13702480"/>
+            </a:xfrm>
+          </p:grpSpPr>
+          <p:grpSp>
+            <p:nvGrpSpPr>
+              <p:cNvPr id="4" name="Grupo"/>
+              <p:cNvGrpSpPr/>
+              <p:nvPr/>
+            </p:nvGrpSpPr>
+            <p:grpSpPr>
+              <a:xfrm>
+                <a:off x="0" y="-1"/>
+                <a:ext cx="10692880" cy="13702480"/>
+                <a:chOff x="0" y="-1"/>
+                <a:chExt cx="10692878" cy="13702477"/>
+              </a:xfrm>
+            </p:grpSpPr>
+            <p:sp>
+              <p:nvSpPr>
+                <p:cNvPr id="265" name="Retângulo"/>
+                <p:cNvSpPr/>
+                <p:nvPr/>
+              </p:nvSpPr>
+              <p:spPr>
+                <a:xfrm>
+                  <a:off x="0" y="-1"/>
+                  <a:ext cx="10692878" cy="13702477"/>
+                </a:xfrm>
+                <a:prstGeom prst="rect">
+                  <a:avLst/>
+                </a:prstGeom>
+                <a:solidFill>
+                  <a:srgbClr val="C2D76D"/>
+                </a:solidFill>
+                <a:ln w="12700" cap="flat">
+                  <a:noFill/>
+                  <a:miter lim="400000"/>
+                </a:ln>
+                <a:effectLst/>
+              </p:spPr>
+              <p:txBody>
+                <a:bodyPr wrap="square" lIns="26376" tIns="26376" rIns="26376" bIns="26376" numCol="1" anchor="ctr">
+                  <a:noAutofit/>
+                </a:bodyPr>
+                <a:lstStyle/>
+                <a:p>
+                  <a:pPr defTabSz="825500">
+                    <a:defRPr sz="3000" b="0">
+                      <a:solidFill>
+                        <a:srgbClr val="FFFFFF"/>
+                      </a:solidFill>
+                      <a:latin typeface="+mn-lt"/>
+                      <a:ea typeface="+mn-ea"/>
+                      <a:cs typeface="+mn-cs"/>
+                      <a:sym typeface="Helvetica Neue Medium"/>
+                    </a:defRPr>
+                  </a:pPr>
+                  <a:endParaRPr/>
+                </a:p>
+              </p:txBody>
+            </p:sp>
+            <p:sp>
+              <p:nvSpPr>
+                <p:cNvPr id="266" name="Problems/Opportunities"/>
+                <p:cNvSpPr txBox="1"/>
+                <p:nvPr/>
+              </p:nvSpPr>
+              <p:spPr>
+                <a:xfrm>
+                  <a:off x="145362" y="445650"/>
+                  <a:ext cx="8585361" cy="1899926"/>
+                </a:xfrm>
+                <a:prstGeom prst="rect">
+                  <a:avLst/>
+                </a:prstGeom>
+                <a:noFill/>
+                <a:ln w="12700" cap="flat">
+                  <a:noFill/>
+                  <a:miter lim="400000"/>
+                </a:ln>
+                <a:effectLst/>
+                <a:extLst>
+                  <a:ext uri="{C572A759-6A51-4108-AA02-DFA0A04FC94B}">
+                    <ma14:wrappingTextBoxFlag xmlns:ma14="http://schemas.microsoft.com/office/mac/drawingml/2011/main" xmlns:a14="http://schemas.microsoft.com/office/drawing/2010/main" xmlns:m="http://schemas.openxmlformats.org/officeDocument/2006/math" xmlns="" val="1"/>
+                  </a:ext>
+                </a:extLst>
+              </p:spPr>
+              <p:txBody>
+                <a:bodyPr wrap="square" lIns="26376" tIns="26376" rIns="26376" bIns="26376" numCol="1" anchor="ctr">
+                  <a:spAutoFit/>
+                </a:bodyPr>
+                <a:lstStyle>
+                  <a:lvl1pPr defTabSz="825500">
+                    <a:defRPr sz="4000" b="0">
+                      <a:solidFill>
+                        <a:srgbClr val="5E5E5E"/>
+                      </a:solidFill>
+                      <a:latin typeface="+mn-lt"/>
+                      <a:ea typeface="+mn-ea"/>
+                      <a:cs typeface="+mn-cs"/>
+                      <a:sym typeface="Helvetica Neue Medium"/>
+                    </a:defRPr>
+                  </a:lvl1pPr>
+                </a:lstStyle>
+                <a:p>
+                  <a:r>
+                    <a:rPr lang="pt-BR" dirty="0" smtClean="0"/>
+                    <a:t>Guiding Questions – </a:t>
+                  </a:r>
+                  <a:r>
+                    <a:rPr lang="pt-BR" dirty="0" smtClean="0"/>
+                    <a:t>Categoria 2:</a:t>
+                  </a:r>
+                </a:p>
+                <a:p>
+                  <a:r>
+                    <a:rPr lang="pt-BR" dirty="0"/>
+                    <a:t>Garantia de Segurança dos Dados do Usuário</a:t>
+                  </a:r>
+                  <a:endParaRPr dirty="0"/>
+                </a:p>
+              </p:txBody>
+            </p:sp>
+          </p:grpSp>
+          <p:sp>
+            <p:nvSpPr>
+              <p:cNvPr id="268" name="[a preencher]"/>
+              <p:cNvSpPr txBox="1"/>
+              <p:nvPr/>
+            </p:nvSpPr>
+            <p:spPr>
+              <a:xfrm>
+                <a:off x="-19096" y="3170847"/>
+                <a:ext cx="10341263" cy="8163177"/>
+              </a:xfrm>
+              <a:prstGeom prst="rect">
+                <a:avLst/>
+              </a:prstGeom>
+              <a:noFill/>
+              <a:ln w="12700" cap="flat">
+                <a:noFill/>
+                <a:miter lim="400000"/>
+              </a:ln>
+              <a:effectLst/>
+              <a:extLst>
+                <a:ext uri="{C572A759-6A51-4108-AA02-DFA0A04FC94B}">
+                  <ma14:wrappingTextBoxFlag xmlns:ma14="http://schemas.microsoft.com/office/mac/drawingml/2011/main" xmlns:a14="http://schemas.microsoft.com/office/drawing/2010/main" xmlns:m="http://schemas.openxmlformats.org/officeDocument/2006/math" xmlns="" val="1"/>
+                </a:ext>
+              </a:extLst>
+            </p:spPr>
+            <p:txBody>
+              <a:bodyPr wrap="square" lIns="26376" tIns="26376" rIns="26376" bIns="26376" numCol="1" anchor="ctr">
+                <a:spAutoFit/>
+              </a:bodyPr>
+              <a:lstStyle>
+                <a:lvl1pPr algn="l" defTabSz="825500">
+                  <a:defRPr sz="3100" b="0">
+                    <a:solidFill>
+                      <a:schemeClr val="accent3">
+                        <a:hueOff val="914337"/>
+                        <a:satOff val="31515"/>
+                        <a:lumOff val="-30790"/>
+                      </a:schemeClr>
+                    </a:solidFill>
+                    <a:latin typeface="Comic Sans MS"/>
+                    <a:ea typeface="Comic Sans MS"/>
+                    <a:cs typeface="Comic Sans MS"/>
+                    <a:sym typeface="Comic Sans MS"/>
+                  </a:defRPr>
+                </a:lvl1pPr>
+              </a:lstStyle>
+              <a:p>
+                <a:pPr marL="514350" indent="-514350">
+                  <a:buFont typeface="+mj-lt"/>
+                  <a:buAutoNum type="arabicPeriod"/>
+                </a:pPr>
+                <a:r>
+                  <a:rPr lang="pt-BR" dirty="0" smtClean="0"/>
+                  <a:t>Quais </a:t>
+                </a:r>
+                <a:r>
+                  <a:rPr lang="pt-BR" dirty="0"/>
+                  <a:t>são as melhores práticas de criptografia que usaremos para proteger os dados dos usuários?</a:t>
+                </a:r>
+              </a:p>
+              <a:p>
+                <a:pPr marL="514350" indent="-514350">
+                  <a:buFont typeface="+mj-lt"/>
+                  <a:buAutoNum type="arabicPeriod"/>
+                </a:pPr>
+                <a:r>
+                  <a:rPr lang="pt-BR" dirty="0"/>
+                  <a:t>Como garantiremos a conformidade com as regulamentações de privacidade de dados, como a LGPD?</a:t>
+                </a:r>
+              </a:p>
+              <a:p>
+                <a:pPr marL="514350" indent="-514350">
+                  <a:buFont typeface="+mj-lt"/>
+                  <a:buAutoNum type="arabicPeriod"/>
+                </a:pPr>
+                <a:r>
+                  <a:rPr lang="pt-BR" dirty="0"/>
+                  <a:t>Quais métodos de autenticação (e.g., 2FA) serão implementados?</a:t>
+                </a:r>
+              </a:p>
+              <a:p>
+                <a:pPr marL="514350" indent="-514350">
+                  <a:buFont typeface="+mj-lt"/>
+                  <a:buAutoNum type="arabicPeriod"/>
+                </a:pPr>
+                <a:r>
+                  <a:rPr lang="pt-BR" dirty="0"/>
+                  <a:t>Como detectaremos e responderemos a tentativas de invasão ou acessos não autorizados?</a:t>
+                </a:r>
+              </a:p>
+              <a:p>
+                <a:pPr marL="514350" indent="-514350">
+                  <a:buFont typeface="+mj-lt"/>
+                  <a:buAutoNum type="arabicPeriod"/>
+                </a:pPr>
+                <a:r>
+                  <a:rPr lang="pt-BR" dirty="0"/>
+                  <a:t>Quais serão os métodos de backup e recuperação de dados em caso de perda?</a:t>
+                </a:r>
+              </a:p>
+              <a:p>
+                <a:pPr marL="514350" indent="-514350">
+                  <a:buFont typeface="+mj-lt"/>
+                  <a:buAutoNum type="arabicPeriod"/>
+                </a:pPr>
+                <a:r>
+                  <a:rPr lang="pt-BR" dirty="0"/>
+                  <a:t>Como educaremos os usuários sobre as práticas de segurança, como senhas fortes?</a:t>
+                </a:r>
+              </a:p>
+              <a:p>
+                <a:pPr marL="514350" indent="-514350">
+                  <a:buFont typeface="+mj-lt"/>
+                  <a:buAutoNum type="arabicPeriod"/>
+                </a:pPr>
+                <a:r>
+                  <a:rPr lang="pt-BR" dirty="0"/>
+                  <a:t>Quais práticas de revisão de código serão adotadas para garantir a segurança contínua do aplicativo?</a:t>
+                </a:r>
+              </a:p>
+              <a:p>
+                <a:pPr marL="514350" indent="-514350">
+                  <a:buFont typeface="+mj-lt"/>
+                  <a:buAutoNum type="arabicPeriod"/>
+                </a:pPr>
+                <a:r>
+                  <a:rPr lang="pt-BR" dirty="0"/>
+                  <a:t>Como testaremos regularmente a robustez das medidas de segurança </a:t>
+                </a:r>
+                <a:r>
+                  <a:rPr lang="pt-BR" dirty="0" smtClean="0"/>
+                  <a:t>implementadas?</a:t>
+                </a:r>
+                <a:endParaRPr dirty="0"/>
+              </a:p>
+            </p:txBody>
+          </p:sp>
+        </p:grpSp>
+        <p:grpSp>
+          <p:nvGrpSpPr>
+            <p:cNvPr id="5" name="Grupo"/>
+            <p:cNvGrpSpPr/>
+            <p:nvPr/>
+          </p:nvGrpSpPr>
+          <p:grpSpPr>
+            <a:xfrm>
+              <a:off x="10880473" y="0"/>
+              <a:ext cx="4461596" cy="13715999"/>
+              <a:chOff x="-1492896" y="0"/>
+              <a:chExt cx="4461595" cy="13715997"/>
+            </a:xfrm>
+          </p:grpSpPr>
+          <p:grpSp>
+            <p:nvGrpSpPr>
+              <p:cNvPr id="6" name="Grupo"/>
+              <p:cNvGrpSpPr/>
+              <p:nvPr/>
+            </p:nvGrpSpPr>
+            <p:grpSpPr>
+              <a:xfrm>
+                <a:off x="-1492896" y="0"/>
+                <a:ext cx="4461595" cy="13715997"/>
+                <a:chOff x="-1492896" y="0"/>
+                <a:chExt cx="4461595" cy="13715995"/>
+              </a:xfrm>
+            </p:grpSpPr>
+            <p:sp>
+              <p:nvSpPr>
+                <p:cNvPr id="270" name="Retângulo"/>
+                <p:cNvSpPr/>
+                <p:nvPr/>
+              </p:nvSpPr>
+              <p:spPr>
+                <a:xfrm>
+                  <a:off x="-1492896" y="0"/>
+                  <a:ext cx="4461595" cy="13715995"/>
+                </a:xfrm>
+                <a:prstGeom prst="rect">
+                  <a:avLst/>
+                </a:prstGeom>
+                <a:solidFill>
+                  <a:srgbClr val="C2D76D"/>
+                </a:solidFill>
+                <a:ln w="12700" cap="flat">
+                  <a:noFill/>
+                  <a:miter lim="400000"/>
+                </a:ln>
+                <a:effectLst/>
+              </p:spPr>
+              <p:txBody>
+                <a:bodyPr wrap="square" lIns="26376" tIns="26376" rIns="26376" bIns="26376" numCol="1" anchor="ctr">
+                  <a:noAutofit/>
+                </a:bodyPr>
+                <a:lstStyle/>
+                <a:p>
+                  <a:pPr defTabSz="825500">
+                    <a:defRPr sz="3000" b="0">
+                      <a:solidFill>
+                        <a:srgbClr val="FFFFFF"/>
+                      </a:solidFill>
+                      <a:latin typeface="+mn-lt"/>
+                      <a:ea typeface="+mn-ea"/>
+                      <a:cs typeface="+mn-cs"/>
+                      <a:sym typeface="Helvetica Neue Medium"/>
+                    </a:defRPr>
+                  </a:pPr>
+                  <a:endParaRPr/>
+                </a:p>
+              </p:txBody>
+            </p:sp>
+            <p:sp>
+              <p:nvSpPr>
+                <p:cNvPr id="271" name="Main Benchmark"/>
+                <p:cNvSpPr txBox="1"/>
+                <p:nvPr/>
+              </p:nvSpPr>
+              <p:spPr>
+                <a:xfrm>
+                  <a:off x="-1394818" y="0"/>
+                  <a:ext cx="3987035" cy="668820"/>
+                </a:xfrm>
+                <a:prstGeom prst="rect">
+                  <a:avLst/>
+                </a:prstGeom>
+                <a:noFill/>
+                <a:ln w="12700" cap="flat">
+                  <a:noFill/>
+                  <a:miter lim="400000"/>
+                </a:ln>
+                <a:effectLst/>
+                <a:extLst>
+                  <a:ext uri="{C572A759-6A51-4108-AA02-DFA0A04FC94B}">
+                    <ma14:wrappingTextBoxFlag xmlns:ma14="http://schemas.microsoft.com/office/mac/drawingml/2011/main" xmlns:a14="http://schemas.microsoft.com/office/drawing/2010/main" xmlns:m="http://schemas.openxmlformats.org/officeDocument/2006/math" xmlns="" val="1"/>
                   </a:ext>
                 </a:extLst>
               </p:spPr>
@@ -11640,7 +12362,7 @@
               <a:effectLst/>
               <a:extLst>
                 <a:ext uri="{C572A759-6A51-4108-AA02-DFA0A04FC94B}">
-                  <ma14:wrappingTextBoxFlag xmlns="" xmlns:m="http://schemas.openxmlformats.org/officeDocument/2006/math" xmlns:a14="http://schemas.microsoft.com/office/drawing/2010/main" xmlns:ma14="http://schemas.microsoft.com/office/mac/drawingml/2011/main" val="1"/>
+                  <ma14:wrappingTextBoxFlag xmlns:ma14="http://schemas.microsoft.com/office/mac/drawingml/2011/main" xmlns:a14="http://schemas.microsoft.com/office/drawing/2010/main" xmlns:m="http://schemas.openxmlformats.org/officeDocument/2006/math" xmlns="" val="1"/>
                 </a:ext>
               </a:extLst>
             </p:spPr>
@@ -11784,7 +12506,7 @@
           <a:effectLst/>
           <a:extLst>
             <a:ext uri="{C572A759-6A51-4108-AA02-DFA0A04FC94B}">
-              <ma14:wrappingTextBoxFlag xmlns="" xmlns:m="http://schemas.openxmlformats.org/officeDocument/2006/math" xmlns:a14="http://schemas.microsoft.com/office/drawing/2010/main" xmlns:ma14="http://schemas.microsoft.com/office/mac/drawingml/2011/main" val="1"/>
+              <ma14:wrappingTextBoxFlag xmlns:ma14="http://schemas.microsoft.com/office/mac/drawingml/2011/main" xmlns:a14="http://schemas.microsoft.com/office/drawing/2010/main" xmlns:m="http://schemas.openxmlformats.org/officeDocument/2006/math" xmlns="" val="1"/>
             </a:ext>
           </a:extLst>
         </p:spPr>
@@ -11822,8 +12544,8 @@
         </p:nvSpPr>
         <p:spPr>
           <a:xfrm>
-            <a:off x="15686001" y="1174899"/>
-            <a:ext cx="3911396" cy="530321"/>
+            <a:off x="15784126" y="1409126"/>
+            <a:ext cx="3911396" cy="7209072"/>
           </a:xfrm>
           <a:prstGeom prst="rect">
             <a:avLst/>
@@ -11836,7 +12558,7 @@
           <a:effectLst/>
           <a:extLst>
             <a:ext uri="{C572A759-6A51-4108-AA02-DFA0A04FC94B}">
-              <ma14:wrappingTextBoxFlag xmlns="" xmlns:m="http://schemas.openxmlformats.org/officeDocument/2006/math" xmlns:a14="http://schemas.microsoft.com/office/drawing/2010/main" xmlns:ma14="http://schemas.microsoft.com/office/mac/drawingml/2011/main" val="1"/>
+              <ma14:wrappingTextBoxFlag xmlns:ma14="http://schemas.microsoft.com/office/mac/drawingml/2011/main" xmlns:a14="http://schemas.microsoft.com/office/drawing/2010/main" xmlns:m="http://schemas.openxmlformats.org/officeDocument/2006/math" xmlns="" val="1"/>
             </a:ext>
           </a:extLst>
         </p:spPr>
@@ -11863,8 +12585,58 @@
           </a:lstStyle>
           <a:p>
             <a:r>
-              <a:t>[a preencher]</a:t>
+              <a:rPr lang="pt-BR" dirty="0"/>
+              <a:t>Frameworks de </a:t>
             </a:r>
+            <a:r>
+              <a:rPr lang="pt-BR" dirty="0" smtClean="0"/>
+              <a:t>Segurança</a:t>
+            </a:r>
+          </a:p>
+          <a:p>
+            <a:endParaRPr lang="pt-BR" dirty="0"/>
+          </a:p>
+          <a:p>
+            <a:r>
+              <a:rPr lang="pt-BR" dirty="0"/>
+              <a:t>Regulamentações de Privacidade de Dados: </a:t>
+            </a:r>
+            <a:r>
+              <a:rPr lang="pt-BR" dirty="0" smtClean="0"/>
+              <a:t>LGPD</a:t>
+            </a:r>
+          </a:p>
+          <a:p>
+            <a:endParaRPr lang="pt-BR" dirty="0"/>
+          </a:p>
+          <a:p>
+            <a:r>
+              <a:rPr lang="pt-BR" dirty="0"/>
+              <a:t>Ferramentas de Backup e </a:t>
+            </a:r>
+            <a:r>
+              <a:rPr lang="pt-BR" dirty="0" smtClean="0"/>
+              <a:t>Recuperação</a:t>
+            </a:r>
+          </a:p>
+          <a:p>
+            <a:endParaRPr lang="pt-BR" dirty="0"/>
+          </a:p>
+          <a:p>
+            <a:r>
+              <a:rPr lang="pt-BR" dirty="0"/>
+              <a:t>Bibliotecas de </a:t>
+            </a:r>
+            <a:r>
+              <a:rPr lang="pt-BR" dirty="0" smtClean="0"/>
+              <a:t>Segurança</a:t>
+            </a:r>
+          </a:p>
+          <a:p>
+            <a:endParaRPr lang="pt-BR" dirty="0"/>
+          </a:p>
+          <a:p>
+            <a:endParaRPr dirty="0"/>
           </a:p>
         </p:txBody>
       </p:sp>
@@ -11890,7 +12662,7 @@
           <a:effectLst/>
           <a:extLst>
             <a:ext uri="{C572A759-6A51-4108-AA02-DFA0A04FC94B}">
-              <ma14:wrappingTextBoxFlag xmlns="" xmlns:m="http://schemas.openxmlformats.org/officeDocument/2006/math" xmlns:a14="http://schemas.microsoft.com/office/drawing/2010/main" xmlns:ma14="http://schemas.microsoft.com/office/mac/drawingml/2011/main" val="1"/>
+              <ma14:wrappingTextBoxFlag xmlns:ma14="http://schemas.microsoft.com/office/mac/drawingml/2011/main" xmlns:a14="http://schemas.microsoft.com/office/drawing/2010/main" xmlns:m="http://schemas.openxmlformats.org/officeDocument/2006/math" xmlns="" val="1"/>
             </a:ext>
           </a:extLst>
         </p:spPr>
@@ -11942,7 +12714,7 @@
           <a:effectLst/>
           <a:extLst>
             <a:ext uri="{C572A759-6A51-4108-AA02-DFA0A04FC94B}">
-              <ma14:wrappingTextBoxFlag xmlns="" xmlns:m="http://schemas.openxmlformats.org/officeDocument/2006/math" xmlns:a14="http://schemas.microsoft.com/office/drawing/2010/main" xmlns:ma14="http://schemas.microsoft.com/office/mac/drawingml/2011/main" val="1"/>
+              <ma14:wrappingTextBoxFlag xmlns:ma14="http://schemas.microsoft.com/office/mac/drawingml/2011/main" xmlns:a14="http://schemas.microsoft.com/office/drawing/2010/main" xmlns:m="http://schemas.openxmlformats.org/officeDocument/2006/math" xmlns="" val="1"/>
             </a:ext>
           </a:extLst>
         </p:spPr>
@@ -11980,17 +12752,10 @@
     <a:masterClrMapping/>
   </p:clrMapOvr>
   <p:transition spd="med"/>
-  <p:timing>
-    <p:tnLst>
-      <p:par>
-        <p:cTn id="1" dur="indefinite" restart="never" nodeType="tmRoot"/>
-      </p:par>
-    </p:tnLst>
-  </p:timing>
 </p:sld>
 </file>
 
-<file path=ppt/slides/slide5.xml><?xml version="1.0" encoding="utf-8"?>
+<file path=ppt/slides/slide6.xml><?xml version="1.0" encoding="utf-8"?>
 <p:sld xmlns:a="http://schemas.openxmlformats.org/drawingml/2006/main" xmlns:r="http://schemas.openxmlformats.org/officeDocument/2006/relationships" xmlns:p="http://schemas.openxmlformats.org/presentationml/2006/main">
   <p:cSld>
     <p:spTree>
@@ -12030,9 +12795,9 @@
           <p:grpSpPr>
             <a:xfrm>
               <a:off x="2542" y="13512"/>
-              <a:ext cx="11463096" cy="13702483"/>
+              <a:ext cx="10692881" cy="13702483"/>
               <a:chOff x="0" y="-1"/>
-              <a:chExt cx="11463095" cy="13702480"/>
+              <a:chExt cx="10692880" cy="13702480"/>
             </a:xfrm>
           </p:grpSpPr>
           <p:grpSp>
@@ -12101,8 +12866,8 @@
               </p:nvSpPr>
               <p:spPr>
                 <a:xfrm>
-                  <a:off x="216474" y="211055"/>
-                  <a:ext cx="7354943" cy="668820"/>
+                  <a:off x="73807" y="90877"/>
+                  <a:ext cx="7640278" cy="1284372"/>
                 </a:xfrm>
                 <a:prstGeom prst="rect">
                   <a:avLst/>
@@ -12115,7 +12880,7 @@
                 <a:effectLst/>
                 <a:extLst>
                   <a:ext uri="{C572A759-6A51-4108-AA02-DFA0A04FC94B}">
-                    <ma14:wrappingTextBoxFlag xmlns="" xmlns:m="http://schemas.openxmlformats.org/officeDocument/2006/math" xmlns:a14="http://schemas.microsoft.com/office/drawing/2010/main" xmlns:ma14="http://schemas.microsoft.com/office/mac/drawingml/2011/main" val="1"/>
+                    <ma14:wrappingTextBoxFlag xmlns:ma14="http://schemas.microsoft.com/office/mac/drawingml/2011/main" xmlns:a14="http://schemas.microsoft.com/office/drawing/2010/main" xmlns:m="http://schemas.openxmlformats.org/officeDocument/2006/math" xmlns="" val="1"/>
                   </a:ext>
                 </a:extLst>
               </p:spPr>
@@ -12139,7 +12904,17 @@
                 <a:p>
                   <a:r>
                     <a:rPr lang="pt-BR" dirty="0" smtClean="0"/>
-                    <a:t>Guiding Questions – Category 2</a:t>
+                    <a:t>Guiding Questions – </a:t>
+                  </a:r>
+                  <a:r>
+                    <a:rPr lang="pt-BR" dirty="0" smtClean="0"/>
+                    <a:t>Categoria 3:</a:t>
+                  </a:r>
+                </a:p>
+                <a:p>
+                  <a:r>
+                    <a:rPr lang="pt-BR" dirty="0"/>
+                    <a:t> Escalabilidade do Aplicativo</a:t>
                   </a:r>
                   <a:endParaRPr dirty="0"/>
                 </a:p>
@@ -12154,8 +12929,8 @@
             </p:nvSpPr>
             <p:spPr>
               <a:xfrm>
-                <a:off x="213462" y="1270329"/>
-                <a:ext cx="11249633" cy="598855"/>
+                <a:off x="380586" y="2932799"/>
+                <a:ext cx="9976751" cy="8163177"/>
               </a:xfrm>
               <a:prstGeom prst="rect">
                 <a:avLst/>
@@ -12168,7 +12943,7 @@
               <a:effectLst/>
               <a:extLst>
                 <a:ext uri="{C572A759-6A51-4108-AA02-DFA0A04FC94B}">
-                  <ma14:wrappingTextBoxFlag xmlns="" xmlns:m="http://schemas.openxmlformats.org/officeDocument/2006/math" xmlns:a14="http://schemas.microsoft.com/office/drawing/2010/main" xmlns:ma14="http://schemas.microsoft.com/office/mac/drawingml/2011/main" val="1"/>
+                  <ma14:wrappingTextBoxFlag xmlns:ma14="http://schemas.microsoft.com/office/mac/drawingml/2011/main" xmlns:a14="http://schemas.microsoft.com/office/drawing/2010/main" xmlns:m="http://schemas.openxmlformats.org/officeDocument/2006/math" xmlns="" val="1"/>
                 </a:ext>
               </a:extLst>
             </p:spPr>
@@ -12194,9 +12969,83 @@
                 </a:lvl1pPr>
               </a:lstStyle>
               <a:p>
+                <a:pPr marL="514350" indent="-514350">
+                  <a:buFont typeface="+mj-lt"/>
+                  <a:buAutoNum type="arabicPeriod"/>
+                </a:pPr>
                 <a:r>
                   <a:rPr lang="pt-BR" dirty="0"/>
-                  <a:t>[a preencher]</a:t>
+                  <a:t>Quais tecnologias backend garantem que o aplicativo suporte um número crescente de usuários?</a:t>
+                </a:r>
+              </a:p>
+              <a:p>
+                <a:pPr marL="514350" indent="-514350">
+                  <a:buFont typeface="+mj-lt"/>
+                  <a:buAutoNum type="arabicPeriod"/>
+                </a:pPr>
+                <a:r>
+                  <a:rPr lang="pt-BR" dirty="0"/>
+                  <a:t>Como identificaremos gargalos de desempenho à medida que a base de usuários cresce?</a:t>
+                </a:r>
+              </a:p>
+              <a:p>
+                <a:pPr marL="514350" indent="-514350">
+                  <a:buFont typeface="+mj-lt"/>
+                  <a:buAutoNum type="arabicPeriod"/>
+                </a:pPr>
+                <a:r>
+                  <a:rPr lang="pt-BR" dirty="0"/>
+                  <a:t>Como garantiremos que o banco de dados seja escalável e responda rapidamente?</a:t>
+                </a:r>
+              </a:p>
+              <a:p>
+                <a:pPr marL="514350" indent="-514350">
+                  <a:buFont typeface="+mj-lt"/>
+                  <a:buAutoNum type="arabicPeriod"/>
+                </a:pPr>
+                <a:r>
+                  <a:rPr lang="pt-BR" dirty="0"/>
+                  <a:t>Quais práticas de monitoramento de performance serão implementadas?</a:t>
+                </a:r>
+              </a:p>
+              <a:p>
+                <a:pPr marL="514350" indent="-514350">
+                  <a:buFont typeface="+mj-lt"/>
+                  <a:buAutoNum type="arabicPeriod"/>
+                </a:pPr>
+                <a:r>
+                  <a:rPr lang="pt-BR" dirty="0"/>
+                  <a:t>Como usaremos balanceamento de carga para distribuir o tráfego do aplicativo?</a:t>
+                </a:r>
+              </a:p>
+              <a:p>
+                <a:pPr marL="514350" indent="-514350">
+                  <a:buFont typeface="+mj-lt"/>
+                  <a:buAutoNum type="arabicPeriod"/>
+                </a:pPr>
+                <a:r>
+                  <a:rPr lang="pt-BR" dirty="0"/>
+                  <a:t>Que soluções de cache podemos implementar para melhorar a performance?</a:t>
+                </a:r>
+              </a:p>
+              <a:p>
+                <a:pPr marL="514350" indent="-514350">
+                  <a:buFont typeface="+mj-lt"/>
+                  <a:buAutoNum type="arabicPeriod"/>
+                </a:pPr>
+                <a:r>
+                  <a:rPr lang="pt-BR" dirty="0"/>
+                  <a:t>Quais são os desafios de escalar a integração com diferentes APIs bancárias?</a:t>
+                </a:r>
+              </a:p>
+              <a:p>
+                <a:pPr marL="514350" indent="-514350">
+                  <a:buFont typeface="+mj-lt"/>
+                  <a:buAutoNum type="arabicPeriod"/>
+                </a:pPr>
+                <a:r>
+                  <a:rPr lang="pt-BR" dirty="0"/>
+                  <a:t>Como adaptaremos o aplicativo para novos mercados ou regiões, se necessário?</a:t>
                 </a:r>
                 <a:endParaRPr dirty="0"/>
               </a:p>
@@ -12297,7 +13146,7 @@
                 <a:effectLst/>
                 <a:extLst>
                   <a:ext uri="{C572A759-6A51-4108-AA02-DFA0A04FC94B}">
-                    <ma14:wrappingTextBoxFlag xmlns="" xmlns:m="http://schemas.openxmlformats.org/officeDocument/2006/math" xmlns:a14="http://schemas.microsoft.com/office/drawing/2010/main" xmlns:ma14="http://schemas.microsoft.com/office/mac/drawingml/2011/main" val="1"/>
+                    <ma14:wrappingTextBoxFlag xmlns:ma14="http://schemas.microsoft.com/office/mac/drawingml/2011/main" xmlns:a14="http://schemas.microsoft.com/office/drawing/2010/main" xmlns:m="http://schemas.openxmlformats.org/officeDocument/2006/math" xmlns="" val="1"/>
                   </a:ext>
                 </a:extLst>
               </p:spPr>
@@ -12350,7 +13199,7 @@
               <a:effectLst/>
               <a:extLst>
                 <a:ext uri="{C572A759-6A51-4108-AA02-DFA0A04FC94B}">
-                  <ma14:wrappingTextBoxFlag xmlns="" xmlns:m="http://schemas.openxmlformats.org/officeDocument/2006/math" xmlns:a14="http://schemas.microsoft.com/office/drawing/2010/main" xmlns:ma14="http://schemas.microsoft.com/office/mac/drawingml/2011/main" val="1"/>
+                  <ma14:wrappingTextBoxFlag xmlns:ma14="http://schemas.microsoft.com/office/mac/drawingml/2011/main" xmlns:a14="http://schemas.microsoft.com/office/drawing/2010/main" xmlns:m="http://schemas.openxmlformats.org/officeDocument/2006/math" xmlns="" val="1"/>
                 </a:ext>
               </a:extLst>
             </p:spPr>
@@ -12494,7 +13343,7 @@
           <a:effectLst/>
           <a:extLst>
             <a:ext uri="{C572A759-6A51-4108-AA02-DFA0A04FC94B}">
-              <ma14:wrappingTextBoxFlag xmlns="" xmlns:m="http://schemas.openxmlformats.org/officeDocument/2006/math" xmlns:a14="http://schemas.microsoft.com/office/drawing/2010/main" xmlns:ma14="http://schemas.microsoft.com/office/mac/drawingml/2011/main" val="1"/>
+              <ma14:wrappingTextBoxFlag xmlns:ma14="http://schemas.microsoft.com/office/mac/drawingml/2011/main" xmlns:a14="http://schemas.microsoft.com/office/drawing/2010/main" xmlns:m="http://schemas.openxmlformats.org/officeDocument/2006/math" xmlns="" val="1"/>
             </a:ext>
           </a:extLst>
         </p:spPr>
@@ -12532,8 +13381,8 @@
         </p:nvSpPr>
         <p:spPr>
           <a:xfrm>
-            <a:off x="15686001" y="1174899"/>
-            <a:ext cx="3911396" cy="530321"/>
+            <a:off x="16059226" y="1097142"/>
+            <a:ext cx="3911396" cy="7686126"/>
           </a:xfrm>
           <a:prstGeom prst="rect">
             <a:avLst/>
@@ -12546,7 +13395,7 @@
           <a:effectLst/>
           <a:extLst>
             <a:ext uri="{C572A759-6A51-4108-AA02-DFA0A04FC94B}">
-              <ma14:wrappingTextBoxFlag xmlns="" xmlns:m="http://schemas.openxmlformats.org/officeDocument/2006/math" xmlns:a14="http://schemas.microsoft.com/office/drawing/2010/main" xmlns:ma14="http://schemas.microsoft.com/office/mac/drawingml/2011/main" val="1"/>
+              <ma14:wrappingTextBoxFlag xmlns:ma14="http://schemas.microsoft.com/office/mac/drawingml/2011/main" xmlns:a14="http://schemas.microsoft.com/office/drawing/2010/main" xmlns:m="http://schemas.openxmlformats.org/officeDocument/2006/math" xmlns="" val="1"/>
             </a:ext>
           </a:extLst>
         </p:spPr>
@@ -12573,8 +13422,62 @@
           </a:lstStyle>
           <a:p>
             <a:r>
-              <a:t>[a preencher]</a:t>
+              <a:rPr lang="pt-BR" dirty="0"/>
+              <a:t>Ferramentas de Teste de </a:t>
             </a:r>
+            <a:r>
+              <a:rPr lang="pt-BR" dirty="0" smtClean="0"/>
+              <a:t>Carga</a:t>
+            </a:r>
+          </a:p>
+          <a:p>
+            <a:endParaRPr lang="pt-BR" dirty="0"/>
+          </a:p>
+          <a:p>
+            <a:r>
+              <a:rPr lang="pt-BR" dirty="0"/>
+              <a:t>Plataformas de Containerização: </a:t>
+            </a:r>
+            <a:r>
+              <a:rPr lang="pt-BR" dirty="0" smtClean="0"/>
+              <a:t>Docker</a:t>
+            </a:r>
+          </a:p>
+          <a:p>
+            <a:endParaRPr lang="pt-BR" dirty="0"/>
+          </a:p>
+          <a:p>
+            <a:r>
+              <a:rPr lang="pt-BR" dirty="0"/>
+              <a:t>Bancos de Dados Escaláveis: MongoDB Atlas</a:t>
+            </a:r>
+            <a:r>
+              <a:rPr lang="pt-BR" dirty="0" smtClean="0"/>
+              <a:t>,</a:t>
+            </a:r>
+          </a:p>
+          <a:p>
+            <a:endParaRPr lang="pt-BR" dirty="0"/>
+          </a:p>
+          <a:p>
+            <a:r>
+              <a:rPr lang="pt-BR" dirty="0"/>
+              <a:t>Ferramentas de </a:t>
+            </a:r>
+            <a:r>
+              <a:rPr lang="pt-BR" dirty="0" smtClean="0"/>
+              <a:t>Monitoramento</a:t>
+            </a:r>
+          </a:p>
+          <a:p>
+            <a:endParaRPr lang="pt-BR" dirty="0"/>
+          </a:p>
+          <a:p>
+            <a:r>
+              <a:rPr lang="pt-BR" dirty="0"/>
+              <a:t>Frameworks de Microservices</a:t>
+            </a:r>
+            <a:endParaRPr dirty="0"/>
           </a:p>
         </p:txBody>
       </p:sp>
@@ -12600,7 +13503,7 @@
           <a:effectLst/>
           <a:extLst>
             <a:ext uri="{C572A759-6A51-4108-AA02-DFA0A04FC94B}">
-              <ma14:wrappingTextBoxFlag xmlns="" xmlns:m="http://schemas.openxmlformats.org/officeDocument/2006/math" xmlns:a14="http://schemas.microsoft.com/office/drawing/2010/main" xmlns:ma14="http://schemas.microsoft.com/office/mac/drawingml/2011/main" val="1"/>
+              <ma14:wrappingTextBoxFlag xmlns:ma14="http://schemas.microsoft.com/office/mac/drawingml/2011/main" xmlns:a14="http://schemas.microsoft.com/office/drawing/2010/main" xmlns:m="http://schemas.openxmlformats.org/officeDocument/2006/math" xmlns="" val="1"/>
             </a:ext>
           </a:extLst>
         </p:spPr>
@@ -12652,7 +13555,7 @@
           <a:effectLst/>
           <a:extLst>
             <a:ext uri="{C572A759-6A51-4108-AA02-DFA0A04FC94B}">
-              <ma14:wrappingTextBoxFlag xmlns="" xmlns:m="http://schemas.openxmlformats.org/officeDocument/2006/math" xmlns:a14="http://schemas.microsoft.com/office/drawing/2010/main" xmlns:ma14="http://schemas.microsoft.com/office/mac/drawingml/2011/main" val="1"/>
+              <ma14:wrappingTextBoxFlag xmlns:ma14="http://schemas.microsoft.com/office/mac/drawingml/2011/main" xmlns:a14="http://schemas.microsoft.com/office/drawing/2010/main" xmlns:m="http://schemas.openxmlformats.org/officeDocument/2006/math" xmlns="" val="1"/>
             </a:ext>
           </a:extLst>
         </p:spPr>
@@ -12693,7 +13596,7 @@
 </p:sld>
 </file>
 
-<file path=ppt/slides/slide6.xml><?xml version="1.0" encoding="utf-8"?>
+<file path=ppt/slides/slide7.xml><?xml version="1.0" encoding="utf-8"?>
 <p:sld xmlns:a="http://schemas.openxmlformats.org/drawingml/2006/main" xmlns:r="http://schemas.openxmlformats.org/officeDocument/2006/relationships" xmlns:p="http://schemas.openxmlformats.org/presentationml/2006/main">
   <p:cSld>
     <p:spTree>
@@ -12718,10 +13621,10 @@
         </p:nvGrpSpPr>
         <p:grpSpPr>
           <a:xfrm>
-            <a:off x="0" y="0"/>
-            <a:ext cx="15339528" cy="13716001"/>
-            <a:chOff x="2542" y="0"/>
-            <a:chExt cx="15339527" cy="13715999"/>
+            <a:off x="16533" y="0"/>
+            <a:ext cx="15322995" cy="13716001"/>
+            <a:chOff x="19075" y="0"/>
+            <a:chExt cx="15322994" cy="13715999"/>
           </a:xfrm>
         </p:grpSpPr>
         <p:grpSp>
@@ -12732,10 +13635,10 @@
           </p:nvGrpSpPr>
           <p:grpSpPr>
             <a:xfrm>
-              <a:off x="2542" y="13512"/>
-              <a:ext cx="11463096" cy="13702483"/>
-              <a:chOff x="0" y="-1"/>
-              <a:chExt cx="11463095" cy="13702480"/>
+              <a:off x="19075" y="0"/>
+              <a:ext cx="10692881" cy="13702483"/>
+              <a:chOff x="16533" y="-13513"/>
+              <a:chExt cx="10692880" cy="13702480"/>
             </a:xfrm>
           </p:grpSpPr>
           <p:grpSp>
@@ -12746,9 +13649,9 @@
             </p:nvGrpSpPr>
             <p:grpSpPr>
               <a:xfrm>
-                <a:off x="0" y="-1"/>
+                <a:off x="16533" y="-13513"/>
                 <a:ext cx="10692880" cy="13702480"/>
-                <a:chOff x="0" y="-1"/>
+                <a:chOff x="16533" y="-13513"/>
                 <a:chExt cx="10692878" cy="13702477"/>
               </a:xfrm>
             </p:grpSpPr>
@@ -12760,7 +13663,7 @@
               </p:nvSpPr>
               <p:spPr>
                 <a:xfrm>
-                  <a:off x="0" y="-1"/>
+                  <a:off x="16533" y="-13513"/>
                   <a:ext cx="10692878" cy="13702477"/>
                 </a:xfrm>
                 <a:prstGeom prst="rect">
@@ -12804,8 +13707,8 @@
               </p:nvSpPr>
               <p:spPr>
                 <a:xfrm>
-                  <a:off x="216474" y="211055"/>
-                  <a:ext cx="7354943" cy="668820"/>
+                  <a:off x="213461" y="177507"/>
+                  <a:ext cx="8066676" cy="1284372"/>
                 </a:xfrm>
                 <a:prstGeom prst="rect">
                   <a:avLst/>
@@ -12818,7 +13721,7 @@
                 <a:effectLst/>
                 <a:extLst>
                   <a:ext uri="{C572A759-6A51-4108-AA02-DFA0A04FC94B}">
-                    <ma14:wrappingTextBoxFlag xmlns="" xmlns:m="http://schemas.openxmlformats.org/officeDocument/2006/math" xmlns:a14="http://schemas.microsoft.com/office/drawing/2010/main" xmlns:ma14="http://schemas.microsoft.com/office/mac/drawingml/2011/main" val="1"/>
+                    <ma14:wrappingTextBoxFlag xmlns:ma14="http://schemas.microsoft.com/office/mac/drawingml/2011/main" xmlns:a14="http://schemas.microsoft.com/office/drawing/2010/main" xmlns:m="http://schemas.openxmlformats.org/officeDocument/2006/math" xmlns="" val="1"/>
                   </a:ext>
                 </a:extLst>
               </p:spPr>
@@ -12842,7 +13745,17 @@
                 <a:p>
                   <a:r>
                     <a:rPr lang="pt-BR" dirty="0" smtClean="0"/>
-                    <a:t>Guiding Questions – Category 3</a:t>
+                    <a:t>Guiding Questions – </a:t>
+                  </a:r>
+                  <a:r>
+                    <a:rPr lang="pt-BR" dirty="0" smtClean="0"/>
+                    <a:t>Categoria 4</a:t>
+                  </a:r>
+                </a:p>
+                <a:p>
+                  <a:r>
+                    <a:rPr lang="pt-BR" dirty="0"/>
+                    <a:t>Experiência de Usuário Satisfatória</a:t>
                   </a:r>
                   <a:endParaRPr dirty="0"/>
                 </a:p>
@@ -12857,8 +13770,8 @@
             </p:nvSpPr>
             <p:spPr>
               <a:xfrm>
-                <a:off x="213462" y="1270329"/>
-                <a:ext cx="11249633" cy="598855"/>
+                <a:off x="582739" y="3640175"/>
+                <a:ext cx="9141552" cy="8640230"/>
               </a:xfrm>
               <a:prstGeom prst="rect">
                 <a:avLst/>
@@ -12871,7 +13784,7 @@
               <a:effectLst/>
               <a:extLst>
                 <a:ext uri="{C572A759-6A51-4108-AA02-DFA0A04FC94B}">
-                  <ma14:wrappingTextBoxFlag xmlns="" xmlns:m="http://schemas.openxmlformats.org/officeDocument/2006/math" xmlns:a14="http://schemas.microsoft.com/office/drawing/2010/main" xmlns:ma14="http://schemas.microsoft.com/office/mac/drawingml/2011/main" val="1"/>
+                  <ma14:wrappingTextBoxFlag xmlns:ma14="http://schemas.microsoft.com/office/mac/drawingml/2011/main" xmlns:a14="http://schemas.microsoft.com/office/drawing/2010/main" xmlns:m="http://schemas.openxmlformats.org/officeDocument/2006/math" xmlns="" val="1"/>
                 </a:ext>
               </a:extLst>
             </p:spPr>
@@ -12897,9 +13810,83 @@
                 </a:lvl1pPr>
               </a:lstStyle>
               <a:p>
+                <a:pPr marL="514350" indent="-514350">
+                  <a:buFont typeface="+mj-lt"/>
+                  <a:buAutoNum type="arabicPeriod"/>
+                </a:pPr>
                 <a:r>
                   <a:rPr lang="pt-BR" dirty="0"/>
-                  <a:t>[a preencher]</a:t>
+                  <a:t>Como garantiremos que a interface seja intuitiva e fácil de usar?</a:t>
+                </a:r>
+              </a:p>
+              <a:p>
+                <a:pPr marL="514350" indent="-514350">
+                  <a:buFont typeface="+mj-lt"/>
+                  <a:buAutoNum type="arabicPeriod"/>
+                </a:pPr>
+                <a:r>
+                  <a:rPr lang="pt-BR" dirty="0"/>
+                  <a:t>Quais metodologias de design de UX serão utilizadas para otimizar a experiência do usuário?</a:t>
+                </a:r>
+              </a:p>
+              <a:p>
+                <a:pPr marL="514350" indent="-514350">
+                  <a:buFont typeface="+mj-lt"/>
+                  <a:buAutoNum type="arabicPeriod"/>
+                </a:pPr>
+                <a:r>
+                  <a:rPr lang="pt-BR" dirty="0"/>
+                  <a:t>Como lidaremos com o feedback dos usuários para melhorar a interface continuamente?</a:t>
+                </a:r>
+              </a:p>
+              <a:p>
+                <a:pPr marL="514350" indent="-514350">
+                  <a:buFont typeface="+mj-lt"/>
+                  <a:buAutoNum type="arabicPeriod"/>
+                </a:pPr>
+                <a:r>
+                  <a:rPr lang="pt-BR" dirty="0"/>
+                  <a:t>Como garantiremos que a interface seja responsiva em diferentes dispositivos?</a:t>
+                </a:r>
+              </a:p>
+              <a:p>
+                <a:pPr marL="514350" indent="-514350">
+                  <a:buFont typeface="+mj-lt"/>
+                  <a:buAutoNum type="arabicPeriod"/>
+                </a:pPr>
+                <a:r>
+                  <a:rPr lang="pt-BR" dirty="0"/>
+                  <a:t>Que ferramentas usaremos para testar a experiência do usuário antes do lançamento?</a:t>
+                </a:r>
+              </a:p>
+              <a:p>
+                <a:pPr marL="514350" indent="-514350">
+                  <a:buFont typeface="+mj-lt"/>
+                  <a:buAutoNum type="arabicPeriod"/>
+                </a:pPr>
+                <a:r>
+                  <a:rPr lang="pt-BR" dirty="0"/>
+                  <a:t>Como otimizaremos o tempo de carregamento e a navegação dentro do aplicativo?</a:t>
+                </a:r>
+              </a:p>
+              <a:p>
+                <a:pPr marL="514350" indent="-514350">
+                  <a:buFont typeface="+mj-lt"/>
+                  <a:buAutoNum type="arabicPeriod"/>
+                </a:pPr>
+                <a:r>
+                  <a:rPr lang="pt-BR" dirty="0"/>
+                  <a:t>Como a personalização (temas, preferências) influenciará na retenção de usuários?</a:t>
+                </a:r>
+              </a:p>
+              <a:p>
+                <a:pPr marL="514350" indent="-514350">
+                  <a:buFont typeface="+mj-lt"/>
+                  <a:buAutoNum type="arabicPeriod"/>
+                </a:pPr>
+                <a:r>
+                  <a:rPr lang="pt-BR" dirty="0"/>
+                  <a:t>Como vamos educar os usuários sobre os recursos do aplicativo para que tirem o máximo proveito?</a:t>
                 </a:r>
                 <a:endParaRPr dirty="0"/>
               </a:p>
@@ -13000,7 +13987,7 @@
                 <a:effectLst/>
                 <a:extLst>
                   <a:ext uri="{C572A759-6A51-4108-AA02-DFA0A04FC94B}">
-                    <ma14:wrappingTextBoxFlag xmlns="" xmlns:m="http://schemas.openxmlformats.org/officeDocument/2006/math" xmlns:a14="http://schemas.microsoft.com/office/drawing/2010/main" xmlns:ma14="http://schemas.microsoft.com/office/mac/drawingml/2011/main" val="1"/>
+                    <ma14:wrappingTextBoxFlag xmlns:ma14="http://schemas.microsoft.com/office/mac/drawingml/2011/main" xmlns:a14="http://schemas.microsoft.com/office/drawing/2010/main" xmlns:m="http://schemas.openxmlformats.org/officeDocument/2006/math" xmlns="" val="1"/>
                   </a:ext>
                 </a:extLst>
               </p:spPr>
@@ -13053,7 +14040,7 @@
               <a:effectLst/>
               <a:extLst>
                 <a:ext uri="{C572A759-6A51-4108-AA02-DFA0A04FC94B}">
-                  <ma14:wrappingTextBoxFlag xmlns="" xmlns:m="http://schemas.openxmlformats.org/officeDocument/2006/math" xmlns:a14="http://schemas.microsoft.com/office/drawing/2010/main" xmlns:ma14="http://schemas.microsoft.com/office/mac/drawingml/2011/main" val="1"/>
+                  <ma14:wrappingTextBoxFlag xmlns:ma14="http://schemas.microsoft.com/office/mac/drawingml/2011/main" xmlns:a14="http://schemas.microsoft.com/office/drawing/2010/main" xmlns:m="http://schemas.openxmlformats.org/officeDocument/2006/math" xmlns="" val="1"/>
                 </a:ext>
               </a:extLst>
             </p:spPr>
@@ -13197,7 +14184,7 @@
           <a:effectLst/>
           <a:extLst>
             <a:ext uri="{C572A759-6A51-4108-AA02-DFA0A04FC94B}">
-              <ma14:wrappingTextBoxFlag xmlns="" xmlns:m="http://schemas.openxmlformats.org/officeDocument/2006/math" xmlns:a14="http://schemas.microsoft.com/office/drawing/2010/main" xmlns:ma14="http://schemas.microsoft.com/office/mac/drawingml/2011/main" val="1"/>
+              <ma14:wrappingTextBoxFlag xmlns:ma14="http://schemas.microsoft.com/office/mac/drawingml/2011/main" xmlns:a14="http://schemas.microsoft.com/office/drawing/2010/main" xmlns:m="http://schemas.openxmlformats.org/officeDocument/2006/math" xmlns="" val="1"/>
             </a:ext>
           </a:extLst>
         </p:spPr>
@@ -13235,8 +14222,8 @@
         </p:nvSpPr>
         <p:spPr>
           <a:xfrm>
-            <a:off x="15686001" y="1174899"/>
-            <a:ext cx="3911396" cy="530321"/>
+            <a:off x="15800458" y="1097142"/>
+            <a:ext cx="3911396" cy="9117287"/>
           </a:xfrm>
           <a:prstGeom prst="rect">
             <a:avLst/>
@@ -13249,7 +14236,7 @@
           <a:effectLst/>
           <a:extLst>
             <a:ext uri="{C572A759-6A51-4108-AA02-DFA0A04FC94B}">
-              <ma14:wrappingTextBoxFlag xmlns="" xmlns:m="http://schemas.openxmlformats.org/officeDocument/2006/math" xmlns:a14="http://schemas.microsoft.com/office/drawing/2010/main" xmlns:ma14="http://schemas.microsoft.com/office/mac/drawingml/2011/main" val="1"/>
+              <ma14:wrappingTextBoxFlag xmlns:ma14="http://schemas.microsoft.com/office/mac/drawingml/2011/main" xmlns:a14="http://schemas.microsoft.com/office/drawing/2010/main" xmlns:m="http://schemas.openxmlformats.org/officeDocument/2006/math" xmlns="" val="1"/>
             </a:ext>
           </a:extLst>
         </p:spPr>
@@ -13276,8 +14263,75 @@
           </a:lstStyle>
           <a:p>
             <a:r>
-              <a:t>[a preencher]</a:t>
+              <a:rPr lang="pt-BR" dirty="0"/>
+              <a:t>Ferramentas de Prototipagem: </a:t>
             </a:r>
+            <a:r>
+              <a:rPr lang="pt-BR" dirty="0" smtClean="0"/>
+              <a:t>Figma</a:t>
+            </a:r>
+          </a:p>
+          <a:p>
+            <a:endParaRPr lang="pt-BR" dirty="0"/>
+          </a:p>
+          <a:p>
+            <a:r>
+              <a:rPr lang="pt-BR" dirty="0"/>
+              <a:t>Frameworks de Design </a:t>
+            </a:r>
+            <a:r>
+              <a:rPr lang="pt-BR" dirty="0" smtClean="0"/>
+              <a:t>Responsivo</a:t>
+            </a:r>
+          </a:p>
+          <a:p>
+            <a:endParaRPr lang="pt-BR" dirty="0"/>
+          </a:p>
+          <a:p>
+            <a:r>
+              <a:rPr lang="pt-BR" dirty="0"/>
+              <a:t>Ferramentas de Teste de </a:t>
+            </a:r>
+            <a:r>
+              <a:rPr lang="pt-BR" dirty="0" smtClean="0"/>
+              <a:t>Usabilidade</a:t>
+            </a:r>
+          </a:p>
+          <a:p>
+            <a:endParaRPr lang="pt-BR" dirty="0"/>
+          </a:p>
+          <a:p>
+            <a:r>
+              <a:rPr lang="pt-BR" dirty="0" smtClean="0"/>
+              <a:t>UserTesting </a:t>
+            </a:r>
+            <a:r>
+              <a:rPr lang="pt-BR" dirty="0"/>
+              <a:t>para captar feedback de usuários.</a:t>
+            </a:r>
+          </a:p>
+          <a:p>
+            <a:endParaRPr lang="pt-BR" dirty="0"/>
+          </a:p>
+          <a:p>
+            <a:r>
+              <a:rPr lang="pt-BR" dirty="0"/>
+              <a:t>Bibliotecas de </a:t>
+            </a:r>
+            <a:r>
+              <a:rPr lang="pt-BR" dirty="0" smtClean="0"/>
+              <a:t>Performance</a:t>
+            </a:r>
+          </a:p>
+          <a:p>
+            <a:endParaRPr lang="pt-BR" dirty="0" smtClean="0"/>
+          </a:p>
+          <a:p>
+            <a:r>
+              <a:rPr lang="pt-BR" dirty="0"/>
+              <a:t>Analytics de Usuários</a:t>
+            </a:r>
+            <a:endParaRPr dirty="0"/>
           </a:p>
         </p:txBody>
       </p:sp>
@@ -13303,7 +14357,7 @@
           <a:effectLst/>
           <a:extLst>
             <a:ext uri="{C572A759-6A51-4108-AA02-DFA0A04FC94B}">
-              <ma14:wrappingTextBoxFlag xmlns="" xmlns:m="http://schemas.openxmlformats.org/officeDocument/2006/math" xmlns:a14="http://schemas.microsoft.com/office/drawing/2010/main" xmlns:ma14="http://schemas.microsoft.com/office/mac/drawingml/2011/main" val="1"/>
+              <ma14:wrappingTextBoxFlag xmlns:ma14="http://schemas.microsoft.com/office/mac/drawingml/2011/main" xmlns:a14="http://schemas.microsoft.com/office/drawing/2010/main" xmlns:m="http://schemas.openxmlformats.org/officeDocument/2006/math" xmlns="" val="1"/>
             </a:ext>
           </a:extLst>
         </p:spPr>
@@ -13355,7 +14409,7 @@
           <a:effectLst/>
           <a:extLst>
             <a:ext uri="{C572A759-6A51-4108-AA02-DFA0A04FC94B}">
-              <ma14:wrappingTextBoxFlag xmlns="" xmlns:m="http://schemas.openxmlformats.org/officeDocument/2006/math" xmlns:a14="http://schemas.microsoft.com/office/drawing/2010/main" xmlns:ma14="http://schemas.microsoft.com/office/mac/drawingml/2011/main" val="1"/>
+              <ma14:wrappingTextBoxFlag xmlns:ma14="http://schemas.microsoft.com/office/mac/drawingml/2011/main" xmlns:a14="http://schemas.microsoft.com/office/drawing/2010/main" xmlns:m="http://schemas.openxmlformats.org/officeDocument/2006/math" xmlns="" val="1"/>
             </a:ext>
           </a:extLst>
         </p:spPr>
@@ -13396,7 +14450,7 @@
 </p:sld>
 </file>
 
-<file path=ppt/slides/slide7.xml><?xml version="1.0" encoding="utf-8"?>
+<file path=ppt/slides/slide8.xml><?xml version="1.0" encoding="utf-8"?>
 <p:sld xmlns:a="http://schemas.openxmlformats.org/drawingml/2006/main" xmlns:r="http://schemas.openxmlformats.org/officeDocument/2006/relationships" xmlns:p="http://schemas.openxmlformats.org/presentationml/2006/main">
   <p:cSld>
     <p:spTree>
@@ -13421,10 +14475,10 @@
         </p:nvGrpSpPr>
         <p:grpSpPr>
           <a:xfrm>
-            <a:off x="0" y="0"/>
-            <a:ext cx="15339528" cy="13716001"/>
-            <a:chOff x="2542" y="0"/>
-            <a:chExt cx="15339527" cy="13715999"/>
+            <a:off x="-1" y="0"/>
+            <a:ext cx="15339529" cy="13716001"/>
+            <a:chOff x="2541" y="0"/>
+            <a:chExt cx="15339528" cy="13715999"/>
           </a:xfrm>
         </p:grpSpPr>
         <p:grpSp>
@@ -13435,10 +14489,10 @@
           </p:nvGrpSpPr>
           <p:grpSpPr>
             <a:xfrm>
-              <a:off x="2542" y="13512"/>
-              <a:ext cx="11463096" cy="13702483"/>
-              <a:chOff x="0" y="-1"/>
-              <a:chExt cx="11463095" cy="13702480"/>
+              <a:off x="2541" y="13515"/>
+              <a:ext cx="10761165" cy="13702483"/>
+              <a:chOff x="-1" y="2"/>
+              <a:chExt cx="10761164" cy="13702480"/>
             </a:xfrm>
           </p:grpSpPr>
           <p:grpSp>
@@ -13449,10 +14503,10 @@
             </p:nvGrpSpPr>
             <p:grpSpPr>
               <a:xfrm>
-                <a:off x="0" y="-1"/>
-                <a:ext cx="10692880" cy="13702480"/>
-                <a:chOff x="0" y="-1"/>
-                <a:chExt cx="10692878" cy="13702477"/>
+                <a:off x="-1" y="2"/>
+                <a:ext cx="10761164" cy="13702480"/>
+                <a:chOff x="-1" y="2"/>
+                <a:chExt cx="10761162" cy="13702477"/>
               </a:xfrm>
             </p:grpSpPr>
             <p:sp>
@@ -13463,7 +14517,7 @@
               </p:nvSpPr>
               <p:spPr>
                 <a:xfrm>
-                  <a:off x="0" y="-1"/>
+                  <a:off x="68283" y="2"/>
                   <a:ext cx="10692878" cy="13702477"/>
                 </a:xfrm>
                 <a:prstGeom prst="rect">
@@ -13507,8 +14561,8 @@
               </p:nvSpPr>
               <p:spPr>
                 <a:xfrm>
-                  <a:off x="216474" y="211055"/>
-                  <a:ext cx="7354943" cy="668820"/>
+                  <a:off x="-1" y="90877"/>
+                  <a:ext cx="8151635" cy="1284372"/>
                 </a:xfrm>
                 <a:prstGeom prst="rect">
                   <a:avLst/>
@@ -13521,7 +14575,7 @@
                 <a:effectLst/>
                 <a:extLst>
                   <a:ext uri="{C572A759-6A51-4108-AA02-DFA0A04FC94B}">
-                    <ma14:wrappingTextBoxFlag xmlns="" xmlns:m="http://schemas.openxmlformats.org/officeDocument/2006/math" xmlns:a14="http://schemas.microsoft.com/office/drawing/2010/main" xmlns:ma14="http://schemas.microsoft.com/office/mac/drawingml/2011/main" val="1"/>
+                    <ma14:wrappingTextBoxFlag xmlns:ma14="http://schemas.microsoft.com/office/mac/drawingml/2011/main" xmlns:a14="http://schemas.microsoft.com/office/drawing/2010/main" xmlns:m="http://schemas.openxmlformats.org/officeDocument/2006/math" xmlns="" val="1"/>
                   </a:ext>
                 </a:extLst>
               </p:spPr>
@@ -13545,7 +14599,17 @@
                 <a:p>
                   <a:r>
                     <a:rPr lang="pt-BR" dirty="0" smtClean="0"/>
-                    <a:t>Guiding Questions – Category 4</a:t>
+                    <a:t>Guiding Questions – </a:t>
+                  </a:r>
+                  <a:r>
+                    <a:rPr lang="pt-BR" dirty="0" smtClean="0"/>
+                    <a:t>Categoria 5:</a:t>
+                  </a:r>
+                </a:p>
+                <a:p>
+                  <a:r>
+                    <a:rPr lang="pt-BR" dirty="0"/>
+                    <a:t> Educação Financeira dos Usuários</a:t>
                   </a:r>
                   <a:endParaRPr dirty="0"/>
                 </a:p>
@@ -13560,8 +14624,8 @@
             </p:nvSpPr>
             <p:spPr>
               <a:xfrm>
-                <a:off x="213462" y="1270329"/>
-                <a:ext cx="11249633" cy="598855"/>
+                <a:off x="899263" y="2679640"/>
+                <a:ext cx="8174398" cy="8560997"/>
               </a:xfrm>
               <a:prstGeom prst="rect">
                 <a:avLst/>
@@ -13574,7 +14638,7 @@
               <a:effectLst/>
               <a:extLst>
                 <a:ext uri="{C572A759-6A51-4108-AA02-DFA0A04FC94B}">
-                  <ma14:wrappingTextBoxFlag xmlns="" xmlns:m="http://schemas.openxmlformats.org/officeDocument/2006/math" xmlns:a14="http://schemas.microsoft.com/office/drawing/2010/main" xmlns:ma14="http://schemas.microsoft.com/office/mac/drawingml/2011/main" val="1"/>
+                  <ma14:wrappingTextBoxFlag xmlns:ma14="http://schemas.microsoft.com/office/mac/drawingml/2011/main" xmlns:a14="http://schemas.microsoft.com/office/drawing/2010/main" xmlns:m="http://schemas.openxmlformats.org/officeDocument/2006/math" xmlns="" val="1"/>
                 </a:ext>
               </a:extLst>
             </p:spPr>
@@ -13600,9 +14664,83 @@
                 </a:lvl1pPr>
               </a:lstStyle>
               <a:p>
+                <a:pPr marL="514350" indent="-514350">
+                  <a:buFont typeface="+mj-lt"/>
+                  <a:buAutoNum type="arabicPeriod"/>
+                </a:pPr>
                 <a:r>
                   <a:rPr lang="pt-BR" dirty="0"/>
-                  <a:t>[a preencher]</a:t>
+                  <a:t>Que tipos de conteúdo educacional serão incluídos para melhorar o conhecimento financeiro dos usuários?</a:t>
+                </a:r>
+              </a:p>
+              <a:p>
+                <a:pPr marL="514350" indent="-514350">
+                  <a:buFont typeface="+mj-lt"/>
+                  <a:buAutoNum type="arabicPeriod"/>
+                </a:pPr>
+                <a:r>
+                  <a:rPr lang="pt-BR" dirty="0"/>
+                  <a:t>Como entregaremos dicas financeiras e sugestões personalizadas dentro do app?</a:t>
+                </a:r>
+              </a:p>
+              <a:p>
+                <a:pPr marL="514350" indent="-514350">
+                  <a:buFont typeface="+mj-lt"/>
+                  <a:buAutoNum type="arabicPeriod"/>
+                </a:pPr>
+                <a:r>
+                  <a:rPr lang="pt-BR" dirty="0"/>
+                  <a:t>Como vamos medir o impacto das dicas financeiras na vida dos usuários?</a:t>
+                </a:r>
+              </a:p>
+              <a:p>
+                <a:pPr marL="514350" indent="-514350">
+                  <a:buFont typeface="+mj-lt"/>
+                  <a:buAutoNum type="arabicPeriod"/>
+                </a:pPr>
+                <a:r>
+                  <a:rPr lang="pt-BR" dirty="0"/>
+                  <a:t>Como podemos usar gamificação para incentivar hábitos financeiros saudáveis?</a:t>
+                </a:r>
+              </a:p>
+              <a:p>
+                <a:pPr marL="514350" indent="-514350">
+                  <a:buFont typeface="+mj-lt"/>
+                  <a:buAutoNum type="arabicPeriod"/>
+                </a:pPr>
+                <a:r>
+                  <a:rPr lang="pt-BR" dirty="0"/>
+                  <a:t>Quais recursos de aprendizagem serão oferecidos (e.g., artigos, vídeos)?</a:t>
+                </a:r>
+              </a:p>
+              <a:p>
+                <a:pPr marL="514350" indent="-514350">
+                  <a:buFont typeface="+mj-lt"/>
+                  <a:buAutoNum type="arabicPeriod"/>
+                </a:pPr>
+                <a:r>
+                  <a:rPr lang="pt-BR" dirty="0"/>
+                  <a:t>Como vamos educar os usuários sobre o valor da economia e investimentos?</a:t>
+                </a:r>
+              </a:p>
+              <a:p>
+                <a:pPr marL="514350" indent="-514350">
+                  <a:buFont typeface="+mj-lt"/>
+                  <a:buAutoNum type="arabicPeriod"/>
+                </a:pPr>
+                <a:r>
+                  <a:rPr lang="pt-BR" dirty="0"/>
+                  <a:t>Quais são as melhores formas de engajar usuários em metas financeiras de longo prazo?</a:t>
+                </a:r>
+              </a:p>
+              <a:p>
+                <a:pPr marL="514350" indent="-514350">
+                  <a:buFont typeface="+mj-lt"/>
+                  <a:buAutoNum type="arabicPeriod"/>
+                </a:pPr>
+                <a:r>
+                  <a:rPr lang="pt-BR" dirty="0"/>
+                  <a:t>Como ajudaremos os usuários a evitar dívidas e melhorar sua saúde financeira?</a:t>
                 </a:r>
                 <a:endParaRPr dirty="0"/>
               </a:p>
@@ -13703,7 +14841,7 @@
                 <a:effectLst/>
                 <a:extLst>
                   <a:ext uri="{C572A759-6A51-4108-AA02-DFA0A04FC94B}">
-                    <ma14:wrappingTextBoxFlag xmlns="" xmlns:m="http://schemas.openxmlformats.org/officeDocument/2006/math" xmlns:a14="http://schemas.microsoft.com/office/drawing/2010/main" xmlns:ma14="http://schemas.microsoft.com/office/mac/drawingml/2011/main" val="1"/>
+                    <ma14:wrappingTextBoxFlag xmlns:ma14="http://schemas.microsoft.com/office/mac/drawingml/2011/main" xmlns:a14="http://schemas.microsoft.com/office/drawing/2010/main" xmlns:m="http://schemas.openxmlformats.org/officeDocument/2006/math" xmlns="" val="1"/>
                   </a:ext>
                 </a:extLst>
               </p:spPr>
@@ -13756,7 +14894,7 @@
               <a:effectLst/>
               <a:extLst>
                 <a:ext uri="{C572A759-6A51-4108-AA02-DFA0A04FC94B}">
-                  <ma14:wrappingTextBoxFlag xmlns="" xmlns:m="http://schemas.openxmlformats.org/officeDocument/2006/math" xmlns:a14="http://schemas.microsoft.com/office/drawing/2010/main" xmlns:ma14="http://schemas.microsoft.com/office/mac/drawingml/2011/main" val="1"/>
+                  <ma14:wrappingTextBoxFlag xmlns:ma14="http://schemas.microsoft.com/office/mac/drawingml/2011/main" xmlns:a14="http://schemas.microsoft.com/office/drawing/2010/main" xmlns:m="http://schemas.openxmlformats.org/officeDocument/2006/math" xmlns="" val="1"/>
                 </a:ext>
               </a:extLst>
             </p:spPr>
@@ -13900,7 +15038,7 @@
           <a:effectLst/>
           <a:extLst>
             <a:ext uri="{C572A759-6A51-4108-AA02-DFA0A04FC94B}">
-              <ma14:wrappingTextBoxFlag xmlns="" xmlns:m="http://schemas.openxmlformats.org/officeDocument/2006/math" xmlns:a14="http://schemas.microsoft.com/office/drawing/2010/main" xmlns:ma14="http://schemas.microsoft.com/office/mac/drawingml/2011/main" val="1"/>
+              <ma14:wrappingTextBoxFlag xmlns:ma14="http://schemas.microsoft.com/office/mac/drawingml/2011/main" xmlns:a14="http://schemas.microsoft.com/office/drawing/2010/main" xmlns:m="http://schemas.openxmlformats.org/officeDocument/2006/math" xmlns="" val="1"/>
             </a:ext>
           </a:extLst>
         </p:spPr>
@@ -13938,8 +15076,8 @@
         </p:nvSpPr>
         <p:spPr>
           <a:xfrm>
-            <a:off x="15686001" y="1174899"/>
-            <a:ext cx="3911396" cy="530321"/>
+            <a:off x="15932185" y="1362302"/>
+            <a:ext cx="3911396" cy="6732019"/>
           </a:xfrm>
           <a:prstGeom prst="rect">
             <a:avLst/>
@@ -13952,7 +15090,7 @@
           <a:effectLst/>
           <a:extLst>
             <a:ext uri="{C572A759-6A51-4108-AA02-DFA0A04FC94B}">
-              <ma14:wrappingTextBoxFlag xmlns="" xmlns:m="http://schemas.openxmlformats.org/officeDocument/2006/math" xmlns:a14="http://schemas.microsoft.com/office/drawing/2010/main" xmlns:ma14="http://schemas.microsoft.com/office/mac/drawingml/2011/main" val="1"/>
+              <ma14:wrappingTextBoxFlag xmlns:ma14="http://schemas.microsoft.com/office/mac/drawingml/2011/main" xmlns:a14="http://schemas.microsoft.com/office/drawing/2010/main" xmlns:m="http://schemas.openxmlformats.org/officeDocument/2006/math" xmlns="" val="1"/>
             </a:ext>
           </a:extLst>
         </p:spPr>
@@ -13979,8 +15117,49 @@
           </a:lstStyle>
           <a:p>
             <a:r>
-              <a:t>[a preencher]</a:t>
+              <a:rPr lang="pt-BR" dirty="0"/>
+              <a:t>Conteúdo </a:t>
             </a:r>
+            <a:r>
+              <a:rPr lang="pt-BR" dirty="0" smtClean="0"/>
+              <a:t>Educacional</a:t>
+            </a:r>
+          </a:p>
+          <a:p>
+            <a:endParaRPr lang="pt-BR" dirty="0"/>
+          </a:p>
+          <a:p>
+            <a:r>
+              <a:rPr lang="pt-BR" dirty="0"/>
+              <a:t>Ferramentas de </a:t>
+            </a:r>
+            <a:r>
+              <a:rPr lang="pt-BR" dirty="0" smtClean="0"/>
+              <a:t>Gamificação</a:t>
+            </a:r>
+          </a:p>
+          <a:p>
+            <a:endParaRPr lang="pt-BR" dirty="0"/>
+          </a:p>
+          <a:p>
+            <a:r>
+              <a:rPr lang="pt-BR" dirty="0"/>
+              <a:t>API de Recomendação </a:t>
+            </a:r>
+            <a:r>
+              <a:rPr lang="pt-BR" dirty="0" smtClean="0"/>
+              <a:t>Personalizada</a:t>
+            </a:r>
+          </a:p>
+          <a:p>
+            <a:endParaRPr lang="pt-BR" dirty="0"/>
+          </a:p>
+          <a:p>
+            <a:r>
+              <a:rPr lang="pt-BR" dirty="0"/>
+              <a:t>Bibliotecas de Simulação Financeira: Python Finance Libraries</a:t>
+            </a:r>
+            <a:endParaRPr dirty="0"/>
           </a:p>
         </p:txBody>
       </p:sp>
@@ -14006,7 +15185,7 @@
           <a:effectLst/>
           <a:extLst>
             <a:ext uri="{C572A759-6A51-4108-AA02-DFA0A04FC94B}">
-              <ma14:wrappingTextBoxFlag xmlns="" xmlns:m="http://schemas.openxmlformats.org/officeDocument/2006/math" xmlns:a14="http://schemas.microsoft.com/office/drawing/2010/main" xmlns:ma14="http://schemas.microsoft.com/office/mac/drawingml/2011/main" val="1"/>
+              <ma14:wrappingTextBoxFlag xmlns:ma14="http://schemas.microsoft.com/office/mac/drawingml/2011/main" xmlns:a14="http://schemas.microsoft.com/office/drawing/2010/main" xmlns:m="http://schemas.openxmlformats.org/officeDocument/2006/math" xmlns="" val="1"/>
             </a:ext>
           </a:extLst>
         </p:spPr>
@@ -14058,7 +15237,7 @@
           <a:effectLst/>
           <a:extLst>
             <a:ext uri="{C572A759-6A51-4108-AA02-DFA0A04FC94B}">
-              <ma14:wrappingTextBoxFlag xmlns="" xmlns:m="http://schemas.openxmlformats.org/officeDocument/2006/math" xmlns:a14="http://schemas.microsoft.com/office/drawing/2010/main" xmlns:ma14="http://schemas.microsoft.com/office/mac/drawingml/2011/main" val="1"/>
+              <ma14:wrappingTextBoxFlag xmlns:ma14="http://schemas.microsoft.com/office/mac/drawingml/2011/main" xmlns:a14="http://schemas.microsoft.com/office/drawing/2010/main" xmlns:m="http://schemas.openxmlformats.org/officeDocument/2006/math" xmlns="" val="1"/>
             </a:ext>
           </a:extLst>
         </p:spPr>
@@ -14099,7 +15278,7 @@
 </p:sld>
 </file>
 
-<file path=ppt/slides/slide8.xml><?xml version="1.0" encoding="utf-8"?>
+<file path=ppt/slides/slide9.xml><?xml version="1.0" encoding="utf-8"?>
 <p:sld xmlns:a="http://schemas.openxmlformats.org/drawingml/2006/main" xmlns:r="http://schemas.openxmlformats.org/officeDocument/2006/relationships" xmlns:p="http://schemas.openxmlformats.org/presentationml/2006/main">
   <p:cSld>
     <p:spTree>
@@ -14139,9 +15318,9 @@
           <p:grpSpPr>
             <a:xfrm>
               <a:off x="2542" y="13512"/>
-              <a:ext cx="11463096" cy="13702483"/>
+              <a:ext cx="10692881" cy="13702483"/>
               <a:chOff x="0" y="-1"/>
-              <a:chExt cx="11463095" cy="13702480"/>
+              <a:chExt cx="10692880" cy="13702480"/>
             </a:xfrm>
           </p:grpSpPr>
           <p:grpSp>
@@ -14210,8 +15389,8 @@
               </p:nvSpPr>
               <p:spPr>
                 <a:xfrm>
-                  <a:off x="216474" y="211055"/>
-                  <a:ext cx="7354943" cy="668820"/>
+                  <a:off x="213461" y="142173"/>
+                  <a:ext cx="9150306" cy="1284372"/>
                 </a:xfrm>
                 <a:prstGeom prst="rect">
                   <a:avLst/>
@@ -14224,7 +15403,7 @@
                 <a:effectLst/>
                 <a:extLst>
                   <a:ext uri="{C572A759-6A51-4108-AA02-DFA0A04FC94B}">
-                    <ma14:wrappingTextBoxFlag xmlns="" xmlns:m="http://schemas.openxmlformats.org/officeDocument/2006/math" xmlns:a14="http://schemas.microsoft.com/office/drawing/2010/main" xmlns:ma14="http://schemas.microsoft.com/office/mac/drawingml/2011/main" val="1"/>
+                    <ma14:wrappingTextBoxFlag xmlns:ma14="http://schemas.microsoft.com/office/mac/drawingml/2011/main" xmlns:a14="http://schemas.microsoft.com/office/drawing/2010/main" xmlns:m="http://schemas.openxmlformats.org/officeDocument/2006/math" xmlns="" val="1"/>
                   </a:ext>
                 </a:extLst>
               </p:spPr>
@@ -14248,7 +15427,17 @@
                 <a:p>
                   <a:r>
                     <a:rPr lang="pt-BR" dirty="0" smtClean="0"/>
-                    <a:t>Guiding Questions – Category 5</a:t>
+                    <a:t>Guiding Questions – </a:t>
+                  </a:r>
+                  <a:r>
+                    <a:rPr lang="pt-BR" dirty="0" smtClean="0"/>
+                    <a:t>Categoria 6:</a:t>
+                  </a:r>
+                </a:p>
+                <a:p>
+                  <a:r>
+                    <a:rPr lang="pt-BR" dirty="0"/>
+                    <a:t> Estratégia para Novas Funcionalidades</a:t>
                   </a:r>
                   <a:endParaRPr dirty="0"/>
                 </a:p>
@@ -14263,8 +15452,8 @@
             </p:nvSpPr>
             <p:spPr>
               <a:xfrm>
-                <a:off x="213462" y="1270329"/>
-                <a:ext cx="11249633" cy="598855"/>
+                <a:off x="213462" y="3896864"/>
+                <a:ext cx="9862521" cy="8640230"/>
               </a:xfrm>
               <a:prstGeom prst="rect">
                 <a:avLst/>
@@ -14277,7 +15466,7 @@
               <a:effectLst/>
               <a:extLst>
                 <a:ext uri="{C572A759-6A51-4108-AA02-DFA0A04FC94B}">
-                  <ma14:wrappingTextBoxFlag xmlns="" xmlns:m="http://schemas.openxmlformats.org/officeDocument/2006/math" xmlns:a14="http://schemas.microsoft.com/office/drawing/2010/main" xmlns:ma14="http://schemas.microsoft.com/office/mac/drawingml/2011/main" val="1"/>
+                  <ma14:wrappingTextBoxFlag xmlns:ma14="http://schemas.microsoft.com/office/mac/drawingml/2011/main" xmlns:a14="http://schemas.microsoft.com/office/drawing/2010/main" xmlns:m="http://schemas.openxmlformats.org/officeDocument/2006/math" xmlns="" val="1"/>
                 </a:ext>
               </a:extLst>
             </p:spPr>
@@ -14303,9 +15492,83 @@
                 </a:lvl1pPr>
               </a:lstStyle>
               <a:p>
+                <a:pPr marL="514350" indent="-514350">
+                  <a:buFont typeface="+mj-lt"/>
+                  <a:buAutoNum type="arabicPeriod"/>
+                </a:pPr>
                 <a:r>
                   <a:rPr lang="pt-BR" dirty="0"/>
-                  <a:t>[a preencher]</a:t>
+                  <a:t>Como priorizaremos novas funcionalidades com base no feedback dos usuários?</a:t>
+                </a:r>
+              </a:p>
+              <a:p>
+                <a:pPr marL="514350" indent="-514350">
+                  <a:buFont typeface="+mj-lt"/>
+                  <a:buAutoNum type="arabicPeriod"/>
+                </a:pPr>
+                <a:r>
+                  <a:rPr lang="pt-BR" dirty="0"/>
+                  <a:t>Como faremos a transição de funcionalidades de teste para o produto final?</a:t>
+                </a:r>
+              </a:p>
+              <a:p>
+                <a:pPr marL="514350" indent="-514350">
+                  <a:buFont typeface="+mj-lt"/>
+                  <a:buAutoNum type="arabicPeriod"/>
+                </a:pPr>
+                <a:r>
+                  <a:rPr lang="pt-BR" dirty="0"/>
+                  <a:t>Que processos de desenvolvimento ágil serão seguidos para implementar novas funcionalidades?</a:t>
+                </a:r>
+              </a:p>
+              <a:p>
+                <a:pPr marL="514350" indent="-514350">
+                  <a:buFont typeface="+mj-lt"/>
+                  <a:buAutoNum type="arabicPeriod"/>
+                </a:pPr>
+                <a:r>
+                  <a:rPr lang="pt-BR" dirty="0"/>
+                  <a:t>Como testaremos novas funcionalidades antes de lançá-las oficialmente?</a:t>
+                </a:r>
+              </a:p>
+              <a:p>
+                <a:pPr marL="514350" indent="-514350">
+                  <a:buFont typeface="+mj-lt"/>
+                  <a:buAutoNum type="arabicPeriod"/>
+                </a:pPr>
+                <a:r>
+                  <a:rPr lang="pt-BR" dirty="0"/>
+                  <a:t>Como garantiremos que novas funcionalidades não comprometam a segurança ou a performance do app?</a:t>
+                </a:r>
+              </a:p>
+              <a:p>
+                <a:pPr marL="514350" indent="-514350">
+                  <a:buFont typeface="+mj-lt"/>
+                  <a:buAutoNum type="arabicPeriod"/>
+                </a:pPr>
+                <a:r>
+                  <a:rPr lang="pt-BR" dirty="0"/>
+                  <a:t>Quais serão os critérios para definir o sucesso de uma nova funcionalidade?</a:t>
+                </a:r>
+              </a:p>
+              <a:p>
+                <a:pPr marL="514350" indent="-514350">
+                  <a:buFont typeface="+mj-lt"/>
+                  <a:buAutoNum type="arabicPeriod"/>
+                </a:pPr>
+                <a:r>
+                  <a:rPr lang="pt-BR" dirty="0"/>
+                  <a:t>Como novas funcionalidades poderão atender a diferentes perfis de usuários?</a:t>
+                </a:r>
+              </a:p>
+              <a:p>
+                <a:pPr marL="514350" indent="-514350">
+                  <a:buFont typeface="+mj-lt"/>
+                  <a:buAutoNum type="arabicPeriod"/>
+                </a:pPr>
+                <a:r>
+                  <a:rPr lang="pt-BR" dirty="0"/>
+                  <a:t>Como nos certificaremos de que novas funcionalidades sejam integradas de maneira coesa ao design existente?</a:t>
                 </a:r>
                 <a:endParaRPr dirty="0"/>
               </a:p>
@@ -14406,7 +15669,7 @@
                 <a:effectLst/>
                 <a:extLst>
                   <a:ext uri="{C572A759-6A51-4108-AA02-DFA0A04FC94B}">
-                    <ma14:wrappingTextBoxFlag xmlns="" xmlns:m="http://schemas.openxmlformats.org/officeDocument/2006/math" xmlns:a14="http://schemas.microsoft.com/office/drawing/2010/main" xmlns:ma14="http://schemas.microsoft.com/office/mac/drawingml/2011/main" val="1"/>
+                    <ma14:wrappingTextBoxFlag xmlns:ma14="http://schemas.microsoft.com/office/mac/drawingml/2011/main" xmlns:a14="http://schemas.microsoft.com/office/drawing/2010/main" xmlns:m="http://schemas.openxmlformats.org/officeDocument/2006/math" xmlns="" val="1"/>
                   </a:ext>
                 </a:extLst>
               </p:spPr>
@@ -14459,7 +15722,7 @@
               <a:effectLst/>
               <a:extLst>
                 <a:ext uri="{C572A759-6A51-4108-AA02-DFA0A04FC94B}">
-                  <ma14:wrappingTextBoxFlag xmlns="" xmlns:m="http://schemas.openxmlformats.org/officeDocument/2006/math" xmlns:a14="http://schemas.microsoft.com/office/drawing/2010/main" xmlns:ma14="http://schemas.microsoft.com/office/mac/drawingml/2011/main" val="1"/>
+                  <ma14:wrappingTextBoxFlag xmlns:ma14="http://schemas.microsoft.com/office/mac/drawingml/2011/main" xmlns:a14="http://schemas.microsoft.com/office/drawing/2010/main" xmlns:m="http://schemas.openxmlformats.org/officeDocument/2006/math" xmlns="" val="1"/>
                 </a:ext>
               </a:extLst>
             </p:spPr>
@@ -14603,7 +15866,7 @@
           <a:effectLst/>
           <a:extLst>
             <a:ext uri="{C572A759-6A51-4108-AA02-DFA0A04FC94B}">
-              <ma14:wrappingTextBoxFlag xmlns="" xmlns:m="http://schemas.openxmlformats.org/officeDocument/2006/math" xmlns:a14="http://schemas.microsoft.com/office/drawing/2010/main" xmlns:ma14="http://schemas.microsoft.com/office/mac/drawingml/2011/main" val="1"/>
+              <ma14:wrappingTextBoxFlag xmlns:ma14="http://schemas.microsoft.com/office/mac/drawingml/2011/main" xmlns:a14="http://schemas.microsoft.com/office/drawing/2010/main" xmlns:m="http://schemas.openxmlformats.org/officeDocument/2006/math" xmlns="" val="1"/>
             </a:ext>
           </a:extLst>
         </p:spPr>
@@ -14641,8 +15904,8 @@
         </p:nvSpPr>
         <p:spPr>
           <a:xfrm>
-            <a:off x="15686001" y="1174899"/>
-            <a:ext cx="3911396" cy="530321"/>
+            <a:off x="15800481" y="1097142"/>
+            <a:ext cx="3911396" cy="9117287"/>
           </a:xfrm>
           <a:prstGeom prst="rect">
             <a:avLst/>
@@ -14655,7 +15918,7 @@
           <a:effectLst/>
           <a:extLst>
             <a:ext uri="{C572A759-6A51-4108-AA02-DFA0A04FC94B}">
-              <ma14:wrappingTextBoxFlag xmlns="" xmlns:m="http://schemas.openxmlformats.org/officeDocument/2006/math" xmlns:a14="http://schemas.microsoft.com/office/drawing/2010/main" xmlns:ma14="http://schemas.microsoft.com/office/mac/drawingml/2011/main" val="1"/>
+              <ma14:wrappingTextBoxFlag xmlns:ma14="http://schemas.microsoft.com/office/mac/drawingml/2011/main" xmlns:a14="http://schemas.microsoft.com/office/drawing/2010/main" xmlns:m="http://schemas.openxmlformats.org/officeDocument/2006/math" xmlns="" val="1"/>
             </a:ext>
           </a:extLst>
         </p:spPr>
@@ -14682,8 +15945,72 @@
           </a:lstStyle>
           <a:p>
             <a:r>
-              <a:t>[a preencher]</a:t>
+              <a:rPr lang="pt-BR" dirty="0"/>
+              <a:t>Ferramentas de Gestão de </a:t>
             </a:r>
+            <a:r>
+              <a:rPr lang="pt-BR" dirty="0" smtClean="0"/>
+              <a:t>Feedback</a:t>
+            </a:r>
+          </a:p>
+          <a:p>
+            <a:endParaRPr lang="pt-BR" dirty="0"/>
+          </a:p>
+          <a:p>
+            <a:r>
+              <a:rPr lang="pt-BR" dirty="0"/>
+              <a:t>Ferramentas de </a:t>
+            </a:r>
+            <a:r>
+              <a:rPr lang="pt-BR" dirty="0" smtClean="0"/>
+              <a:t>Roadmapping</a:t>
+            </a:r>
+          </a:p>
+          <a:p>
+            <a:endParaRPr lang="pt-BR" dirty="0"/>
+          </a:p>
+          <a:p>
+            <a:r>
+              <a:rPr lang="pt-BR" dirty="0"/>
+              <a:t>Frameworks de Desenvolvimento </a:t>
+            </a:r>
+            <a:r>
+              <a:rPr lang="pt-BR" dirty="0" smtClean="0"/>
+              <a:t>Ágil</a:t>
+            </a:r>
+          </a:p>
+          <a:p>
+            <a:endParaRPr lang="pt-BR" dirty="0"/>
+          </a:p>
+          <a:p>
+            <a:r>
+              <a:rPr lang="pt-BR" dirty="0"/>
+              <a:t>Ambientes de Testes </a:t>
+            </a:r>
+            <a:r>
+              <a:rPr lang="pt-BR" dirty="0" smtClean="0"/>
+              <a:t>Beta</a:t>
+            </a:r>
+          </a:p>
+          <a:p>
+            <a:endParaRPr lang="pt-BR" dirty="0" smtClean="0"/>
+          </a:p>
+          <a:p>
+            <a:r>
+              <a:rPr lang="pt-BR" dirty="0"/>
+              <a:t>Ferramentas de Personalização </a:t>
+            </a:r>
+            <a:endParaRPr lang="pt-BR" dirty="0" smtClean="0"/>
+          </a:p>
+          <a:p>
+            <a:endParaRPr lang="pt-BR" dirty="0"/>
+          </a:p>
+          <a:p>
+            <a:r>
+              <a:rPr lang="pt-BR" dirty="0"/>
+              <a:t>Ferramentas de Teste e Monitoramento</a:t>
+            </a:r>
+            <a:endParaRPr dirty="0"/>
           </a:p>
         </p:txBody>
       </p:sp>
@@ -14709,7 +16036,7 @@
           <a:effectLst/>
           <a:extLst>
             <a:ext uri="{C572A759-6A51-4108-AA02-DFA0A04FC94B}">
-              <ma14:wrappingTextBoxFlag xmlns="" xmlns:m="http://schemas.openxmlformats.org/officeDocument/2006/math" xmlns:a14="http://schemas.microsoft.com/office/drawing/2010/main" xmlns:ma14="http://schemas.microsoft.com/office/mac/drawingml/2011/main" val="1"/>
+              <ma14:wrappingTextBoxFlag xmlns:ma14="http://schemas.microsoft.com/office/mac/drawingml/2011/main" xmlns:a14="http://schemas.microsoft.com/office/drawing/2010/main" xmlns:m="http://schemas.openxmlformats.org/officeDocument/2006/math" xmlns="" val="1"/>
             </a:ext>
           </a:extLst>
         </p:spPr>
@@ -14761,710 +16088,7 @@
           <a:effectLst/>
           <a:extLst>
             <a:ext uri="{C572A759-6A51-4108-AA02-DFA0A04FC94B}">
-              <ma14:wrappingTextBoxFlag xmlns="" xmlns:m="http://schemas.openxmlformats.org/officeDocument/2006/math" xmlns:a14="http://schemas.microsoft.com/office/drawing/2010/main" xmlns:ma14="http://schemas.microsoft.com/office/mac/drawingml/2011/main" val="1"/>
-            </a:ext>
-          </a:extLst>
-        </p:spPr>
-        <p:txBody>
-          <a:bodyPr wrap="square" lIns="26376" tIns="26376" rIns="26376" bIns="26376" numCol="1" anchor="ctr">
-            <a:spAutoFit/>
-          </a:bodyPr>
-          <a:lstStyle>
-            <a:lvl1pPr algn="l" defTabSz="825500">
-              <a:defRPr sz="3100" b="0">
-                <a:solidFill>
-                  <a:schemeClr val="accent3">
-                    <a:hueOff val="914337"/>
-                    <a:satOff val="31515"/>
-                    <a:lumOff val="-30790"/>
-                  </a:schemeClr>
-                </a:solidFill>
-                <a:latin typeface="Comic Sans MS"/>
-                <a:ea typeface="Comic Sans MS"/>
-                <a:cs typeface="Comic Sans MS"/>
-                <a:sym typeface="Comic Sans MS"/>
-              </a:defRPr>
-            </a:lvl1pPr>
-          </a:lstStyle>
-          <a:p>
-            <a:r>
-              <a:t>[a preencher]</a:t>
-            </a:r>
-          </a:p>
-        </p:txBody>
-      </p:sp>
-    </p:spTree>
-  </p:cSld>
-  <p:clrMapOvr>
-    <a:masterClrMapping/>
-  </p:clrMapOvr>
-  <p:transition spd="med"/>
-</p:sld>
-</file>
-
-<file path=ppt/slides/slide9.xml><?xml version="1.0" encoding="utf-8"?>
-<p:sld xmlns:a="http://schemas.openxmlformats.org/drawingml/2006/main" xmlns:r="http://schemas.openxmlformats.org/officeDocument/2006/relationships" xmlns:p="http://schemas.openxmlformats.org/presentationml/2006/main">
-  <p:cSld>
-    <p:spTree>
-      <p:nvGrpSpPr>
-        <p:cNvPr id="1" name=""/>
-        <p:cNvGrpSpPr/>
-        <p:nvPr/>
-      </p:nvGrpSpPr>
-      <p:grpSpPr>
-        <a:xfrm>
-          <a:off x="0" y="0"/>
-          <a:ext cx="0" cy="0"/>
-          <a:chOff x="0" y="0"/>
-          <a:chExt cx="0" cy="0"/>
-        </a:xfrm>
-      </p:grpSpPr>
-      <p:grpSp>
-        <p:nvGrpSpPr>
-          <p:cNvPr id="2" name="Grupo"/>
-          <p:cNvGrpSpPr/>
-          <p:nvPr/>
-        </p:nvGrpSpPr>
-        <p:grpSpPr>
-          <a:xfrm>
-            <a:off x="0" y="0"/>
-            <a:ext cx="15339528" cy="13716001"/>
-            <a:chOff x="2542" y="0"/>
-            <a:chExt cx="15339527" cy="13715999"/>
-          </a:xfrm>
-        </p:grpSpPr>
-        <p:grpSp>
-          <p:nvGrpSpPr>
-            <p:cNvPr id="3" name="Grupo"/>
-            <p:cNvGrpSpPr/>
-            <p:nvPr/>
-          </p:nvGrpSpPr>
-          <p:grpSpPr>
-            <a:xfrm>
-              <a:off x="2542" y="13512"/>
-              <a:ext cx="11463096" cy="13702483"/>
-              <a:chOff x="0" y="-1"/>
-              <a:chExt cx="11463095" cy="13702480"/>
-            </a:xfrm>
-          </p:grpSpPr>
-          <p:grpSp>
-            <p:nvGrpSpPr>
-              <p:cNvPr id="4" name="Grupo"/>
-              <p:cNvGrpSpPr/>
-              <p:nvPr/>
-            </p:nvGrpSpPr>
-            <p:grpSpPr>
-              <a:xfrm>
-                <a:off x="0" y="-1"/>
-                <a:ext cx="10692880" cy="13702480"/>
-                <a:chOff x="0" y="-1"/>
-                <a:chExt cx="10692878" cy="13702477"/>
-              </a:xfrm>
-            </p:grpSpPr>
-            <p:sp>
-              <p:nvSpPr>
-                <p:cNvPr id="265" name="Retângulo"/>
-                <p:cNvSpPr/>
-                <p:nvPr/>
-              </p:nvSpPr>
-              <p:spPr>
-                <a:xfrm>
-                  <a:off x="0" y="-1"/>
-                  <a:ext cx="10692878" cy="13702477"/>
-                </a:xfrm>
-                <a:prstGeom prst="rect">
-                  <a:avLst/>
-                </a:prstGeom>
-                <a:solidFill>
-                  <a:srgbClr val="C2D76D"/>
-                </a:solidFill>
-                <a:ln w="12700" cap="flat">
-                  <a:noFill/>
-                  <a:miter lim="400000"/>
-                </a:ln>
-                <a:effectLst/>
-              </p:spPr>
-              <p:txBody>
-                <a:bodyPr wrap="square" lIns="26376" tIns="26376" rIns="26376" bIns="26376" numCol="1" anchor="ctr">
-                  <a:noAutofit/>
-                </a:bodyPr>
-                <a:lstStyle/>
-                <a:p>
-                  <a:pPr defTabSz="825500">
-                    <a:defRPr sz="3000" b="0">
-                      <a:solidFill>
-                        <a:srgbClr val="FFFFFF"/>
-                      </a:solidFill>
-                      <a:latin typeface="+mn-lt"/>
-                      <a:ea typeface="+mn-ea"/>
-                      <a:cs typeface="+mn-cs"/>
-                      <a:sym typeface="Helvetica Neue Medium"/>
-                    </a:defRPr>
-                  </a:pPr>
-                  <a:endParaRPr/>
-                </a:p>
-              </p:txBody>
-            </p:sp>
-            <p:sp>
-              <p:nvSpPr>
-                <p:cNvPr id="266" name="Problems/Opportunities"/>
-                <p:cNvSpPr txBox="1"/>
-                <p:nvPr/>
-              </p:nvSpPr>
-              <p:spPr>
-                <a:xfrm>
-                  <a:off x="216474" y="211055"/>
-                  <a:ext cx="7354943" cy="668820"/>
-                </a:xfrm>
-                <a:prstGeom prst="rect">
-                  <a:avLst/>
-                </a:prstGeom>
-                <a:noFill/>
-                <a:ln w="12700" cap="flat">
-                  <a:noFill/>
-                  <a:miter lim="400000"/>
-                </a:ln>
-                <a:effectLst/>
-                <a:extLst>
-                  <a:ext uri="{C572A759-6A51-4108-AA02-DFA0A04FC94B}">
-                    <ma14:wrappingTextBoxFlag xmlns="" xmlns:m="http://schemas.openxmlformats.org/officeDocument/2006/math" xmlns:a14="http://schemas.microsoft.com/office/drawing/2010/main" xmlns:ma14="http://schemas.microsoft.com/office/mac/drawingml/2011/main" val="1"/>
-                  </a:ext>
-                </a:extLst>
-              </p:spPr>
-              <p:txBody>
-                <a:bodyPr wrap="none" lIns="26376" tIns="26376" rIns="26376" bIns="26376" numCol="1" anchor="ctr">
-                  <a:spAutoFit/>
-                </a:bodyPr>
-                <a:lstStyle>
-                  <a:lvl1pPr defTabSz="825500">
-                    <a:defRPr sz="4000" b="0">
-                      <a:solidFill>
-                        <a:srgbClr val="5E5E5E"/>
-                      </a:solidFill>
-                      <a:latin typeface="+mn-lt"/>
-                      <a:ea typeface="+mn-ea"/>
-                      <a:cs typeface="+mn-cs"/>
-                      <a:sym typeface="Helvetica Neue Medium"/>
-                    </a:defRPr>
-                  </a:lvl1pPr>
-                </a:lstStyle>
-                <a:p>
-                  <a:r>
-                    <a:rPr lang="pt-BR" dirty="0" smtClean="0"/>
-                    <a:t>Guiding Questions – Category 6</a:t>
-                  </a:r>
-                  <a:endParaRPr dirty="0"/>
-                </a:p>
-              </p:txBody>
-            </p:sp>
-          </p:grpSp>
-          <p:sp>
-            <p:nvSpPr>
-              <p:cNvPr id="268" name="[a preencher]"/>
-              <p:cNvSpPr txBox="1"/>
-              <p:nvPr/>
-            </p:nvSpPr>
-            <p:spPr>
-              <a:xfrm>
-                <a:off x="213462" y="1270329"/>
-                <a:ext cx="11249633" cy="598855"/>
-              </a:xfrm>
-              <a:prstGeom prst="rect">
-                <a:avLst/>
-              </a:prstGeom>
-              <a:noFill/>
-              <a:ln w="12700" cap="flat">
-                <a:noFill/>
-                <a:miter lim="400000"/>
-              </a:ln>
-              <a:effectLst/>
-              <a:extLst>
-                <a:ext uri="{C572A759-6A51-4108-AA02-DFA0A04FC94B}">
-                  <ma14:wrappingTextBoxFlag xmlns="" xmlns:m="http://schemas.openxmlformats.org/officeDocument/2006/math" xmlns:a14="http://schemas.microsoft.com/office/drawing/2010/main" xmlns:ma14="http://schemas.microsoft.com/office/mac/drawingml/2011/main" val="1"/>
-                </a:ext>
-              </a:extLst>
-            </p:spPr>
-            <p:txBody>
-              <a:bodyPr wrap="square" lIns="26376" tIns="26376" rIns="26376" bIns="26376" numCol="1" anchor="ctr">
-                <a:spAutoFit/>
-              </a:bodyPr>
-              <a:lstStyle>
-                <a:lvl1pPr algn="l" defTabSz="825500">
-                  <a:defRPr sz="3100" b="0">
-                    <a:solidFill>
-                      <a:schemeClr val="accent3">
-                        <a:hueOff val="914337"/>
-                        <a:satOff val="31515"/>
-                        <a:lumOff val="-30790"/>
-                      </a:schemeClr>
-                    </a:solidFill>
-                    <a:latin typeface="Comic Sans MS"/>
-                    <a:ea typeface="Comic Sans MS"/>
-                    <a:cs typeface="Comic Sans MS"/>
-                    <a:sym typeface="Comic Sans MS"/>
-                  </a:defRPr>
-                </a:lvl1pPr>
-              </a:lstStyle>
-              <a:p>
-                <a:r>
-                  <a:rPr lang="pt-BR" dirty="0"/>
-                  <a:t>[a preencher]</a:t>
-                </a:r>
-                <a:endParaRPr dirty="0"/>
-              </a:p>
-            </p:txBody>
-          </p:sp>
-        </p:grpSp>
-        <p:grpSp>
-          <p:nvGrpSpPr>
-            <p:cNvPr id="5" name="Grupo"/>
-            <p:cNvGrpSpPr/>
-            <p:nvPr/>
-          </p:nvGrpSpPr>
-          <p:grpSpPr>
-            <a:xfrm>
-              <a:off x="10880473" y="0"/>
-              <a:ext cx="4461596" cy="13715999"/>
-              <a:chOff x="-1492896" y="0"/>
-              <a:chExt cx="4461595" cy="13715997"/>
-            </a:xfrm>
-          </p:grpSpPr>
-          <p:grpSp>
-            <p:nvGrpSpPr>
-              <p:cNvPr id="6" name="Grupo"/>
-              <p:cNvGrpSpPr/>
-              <p:nvPr/>
-            </p:nvGrpSpPr>
-            <p:grpSpPr>
-              <a:xfrm>
-                <a:off x="-1492896" y="0"/>
-                <a:ext cx="4461595" cy="13715997"/>
-                <a:chOff x="-1492896" y="0"/>
-                <a:chExt cx="4461595" cy="13715995"/>
-              </a:xfrm>
-            </p:grpSpPr>
-            <p:sp>
-              <p:nvSpPr>
-                <p:cNvPr id="270" name="Retângulo"/>
-                <p:cNvSpPr/>
-                <p:nvPr/>
-              </p:nvSpPr>
-              <p:spPr>
-                <a:xfrm>
-                  <a:off x="-1492896" y="0"/>
-                  <a:ext cx="4461595" cy="13715995"/>
-                </a:xfrm>
-                <a:prstGeom prst="rect">
-                  <a:avLst/>
-                </a:prstGeom>
-                <a:solidFill>
-                  <a:srgbClr val="C2D76D"/>
-                </a:solidFill>
-                <a:ln w="12700" cap="flat">
-                  <a:noFill/>
-                  <a:miter lim="400000"/>
-                </a:ln>
-                <a:effectLst/>
-              </p:spPr>
-              <p:txBody>
-                <a:bodyPr wrap="square" lIns="26376" tIns="26376" rIns="26376" bIns="26376" numCol="1" anchor="ctr">
-                  <a:noAutofit/>
-                </a:bodyPr>
-                <a:lstStyle/>
-                <a:p>
-                  <a:pPr defTabSz="825500">
-                    <a:defRPr sz="3000" b="0">
-                      <a:solidFill>
-                        <a:srgbClr val="FFFFFF"/>
-                      </a:solidFill>
-                      <a:latin typeface="+mn-lt"/>
-                      <a:ea typeface="+mn-ea"/>
-                      <a:cs typeface="+mn-cs"/>
-                      <a:sym typeface="Helvetica Neue Medium"/>
-                    </a:defRPr>
-                  </a:pPr>
-                  <a:endParaRPr/>
-                </a:p>
-              </p:txBody>
-            </p:sp>
-            <p:sp>
-              <p:nvSpPr>
-                <p:cNvPr id="271" name="Main Benchmark"/>
-                <p:cNvSpPr txBox="1"/>
-                <p:nvPr/>
-              </p:nvSpPr>
-              <p:spPr>
-                <a:xfrm>
-                  <a:off x="-1394818" y="0"/>
-                  <a:ext cx="3987035" cy="668820"/>
-                </a:xfrm>
-                <a:prstGeom prst="rect">
-                  <a:avLst/>
-                </a:prstGeom>
-                <a:noFill/>
-                <a:ln w="12700" cap="flat">
-                  <a:noFill/>
-                  <a:miter lim="400000"/>
-                </a:ln>
-                <a:effectLst/>
-                <a:extLst>
-                  <a:ext uri="{C572A759-6A51-4108-AA02-DFA0A04FC94B}">
-                    <ma14:wrappingTextBoxFlag xmlns="" xmlns:m="http://schemas.openxmlformats.org/officeDocument/2006/math" xmlns:a14="http://schemas.microsoft.com/office/drawing/2010/main" xmlns:ma14="http://schemas.microsoft.com/office/mac/drawingml/2011/main" val="1"/>
-                  </a:ext>
-                </a:extLst>
-              </p:spPr>
-              <p:txBody>
-                <a:bodyPr wrap="none" lIns="26376" tIns="26376" rIns="26376" bIns="26376" numCol="1" anchor="ctr">
-                  <a:spAutoFit/>
-                </a:bodyPr>
-                <a:lstStyle>
-                  <a:lvl1pPr defTabSz="825500">
-                    <a:defRPr sz="4000" b="0">
-                      <a:solidFill>
-                        <a:srgbClr val="5E5E5E"/>
-                      </a:solidFill>
-                      <a:latin typeface="+mn-lt"/>
-                      <a:ea typeface="+mn-ea"/>
-                      <a:cs typeface="+mn-cs"/>
-                      <a:sym typeface="Helvetica Neue Medium"/>
-                    </a:defRPr>
-                  </a:lvl1pPr>
-                </a:lstStyle>
-                <a:p>
-                  <a:r>
-                    <a:rPr lang="pt-BR" dirty="0" smtClean="0"/>
-                    <a:t>Guiding Activities</a:t>
-                  </a:r>
-                  <a:endParaRPr/>
-                </a:p>
-              </p:txBody>
-            </p:sp>
-          </p:grpSp>
-          <p:sp>
-            <p:nvSpPr>
-              <p:cNvPr id="273" name="[a preencher]"/>
-              <p:cNvSpPr txBox="1"/>
-              <p:nvPr/>
-            </p:nvSpPr>
-            <p:spPr>
-              <a:xfrm>
-                <a:off x="-1297260" y="1097142"/>
-                <a:ext cx="3911395" cy="530321"/>
-              </a:xfrm>
-              <a:prstGeom prst="rect">
-                <a:avLst/>
-              </a:prstGeom>
-              <a:noFill/>
-              <a:ln w="12700" cap="flat">
-                <a:noFill/>
-                <a:miter lim="400000"/>
-              </a:ln>
-              <a:effectLst/>
-              <a:extLst>
-                <a:ext uri="{C572A759-6A51-4108-AA02-DFA0A04FC94B}">
-                  <ma14:wrappingTextBoxFlag xmlns="" xmlns:m="http://schemas.openxmlformats.org/officeDocument/2006/math" xmlns:a14="http://schemas.microsoft.com/office/drawing/2010/main" xmlns:ma14="http://schemas.microsoft.com/office/mac/drawingml/2011/main" val="1"/>
-                </a:ext>
-              </a:extLst>
-            </p:spPr>
-            <p:txBody>
-              <a:bodyPr wrap="square" lIns="26376" tIns="26376" rIns="26376" bIns="26376" numCol="1" anchor="ctr">
-                <a:spAutoFit/>
-              </a:bodyPr>
-              <a:lstStyle>
-                <a:lvl1pPr algn="l" defTabSz="825500">
-                  <a:defRPr sz="3100" b="0">
-                    <a:solidFill>
-                      <a:schemeClr val="accent3">
-                        <a:hueOff val="914337"/>
-                        <a:satOff val="31515"/>
-                        <a:lumOff val="-30790"/>
-                      </a:schemeClr>
-                    </a:solidFill>
-                    <a:latin typeface="Comic Sans MS"/>
-                    <a:ea typeface="Comic Sans MS"/>
-                    <a:cs typeface="Comic Sans MS"/>
-                    <a:sym typeface="Comic Sans MS"/>
-                  </a:defRPr>
-                </a:lvl1pPr>
-              </a:lstStyle>
-              <a:p>
-                <a:r>
-                  <a:t>[a preencher]</a:t>
-                </a:r>
-              </a:p>
-            </p:txBody>
-          </p:sp>
-        </p:grpSp>
-      </p:grpSp>
-      <p:sp>
-        <p:nvSpPr>
-          <p:cNvPr id="31" name="Retângulo"/>
-          <p:cNvSpPr/>
-          <p:nvPr/>
-        </p:nvSpPr>
-        <p:spPr>
-          <a:xfrm>
-            <a:off x="15509026" y="0"/>
-            <a:ext cx="4461596" cy="13716000"/>
-          </a:xfrm>
-          <a:prstGeom prst="rect">
-            <a:avLst/>
-          </a:prstGeom>
-          <a:solidFill>
-            <a:srgbClr val="C2D76D"/>
-          </a:solidFill>
-          <a:ln w="12700" cap="flat">
-            <a:noFill/>
-            <a:miter lim="400000"/>
-          </a:ln>
-          <a:effectLst/>
-        </p:spPr>
-        <p:txBody>
-          <a:bodyPr wrap="square" lIns="26376" tIns="26376" rIns="26376" bIns="26376" numCol="1" anchor="ctr">
-            <a:noAutofit/>
-          </a:bodyPr>
-          <a:lstStyle/>
-          <a:p>
-            <a:pPr defTabSz="825500">
-              <a:defRPr sz="3000" b="0">
-                <a:solidFill>
-                  <a:srgbClr val="FFFFFF"/>
-                </a:solidFill>
-                <a:latin typeface="+mn-lt"/>
-                <a:ea typeface="+mn-ea"/>
-                <a:cs typeface="+mn-cs"/>
-                <a:sym typeface="Helvetica Neue Medium"/>
-              </a:defRPr>
-            </a:pPr>
-            <a:endParaRPr/>
-          </a:p>
-        </p:txBody>
-      </p:sp>
-      <p:sp>
-        <p:nvSpPr>
-          <p:cNvPr id="32" name="Retângulo"/>
-          <p:cNvSpPr/>
-          <p:nvPr/>
-        </p:nvSpPr>
-        <p:spPr>
-          <a:xfrm>
-            <a:off x="20172785" y="0"/>
-            <a:ext cx="4211216" cy="13716000"/>
-          </a:xfrm>
-          <a:prstGeom prst="rect">
-            <a:avLst/>
-          </a:prstGeom>
-          <a:solidFill>
-            <a:srgbClr val="C2D76D"/>
-          </a:solidFill>
-          <a:ln w="12700" cap="flat">
-            <a:noFill/>
-            <a:miter lim="400000"/>
-          </a:ln>
-          <a:effectLst/>
-        </p:spPr>
-        <p:txBody>
-          <a:bodyPr wrap="square" lIns="26376" tIns="26376" rIns="26376" bIns="26376" numCol="1" anchor="ctr">
-            <a:noAutofit/>
-          </a:bodyPr>
-          <a:lstStyle/>
-          <a:p>
-            <a:pPr defTabSz="825500">
-              <a:defRPr sz="3000" b="0">
-                <a:solidFill>
-                  <a:srgbClr val="FFFFFF"/>
-                </a:solidFill>
-                <a:latin typeface="+mn-lt"/>
-                <a:ea typeface="+mn-ea"/>
-                <a:cs typeface="+mn-cs"/>
-                <a:sym typeface="Helvetica Neue Medium"/>
-              </a:defRPr>
-            </a:pPr>
-            <a:endParaRPr/>
-          </a:p>
-        </p:txBody>
-      </p:sp>
-      <p:sp>
-        <p:nvSpPr>
-          <p:cNvPr id="33" name="Main Benchmark"/>
-          <p:cNvSpPr txBox="1"/>
-          <p:nvPr/>
-        </p:nvSpPr>
-        <p:spPr>
-          <a:xfrm>
-            <a:off x="15588442" y="77757"/>
-            <a:ext cx="2505863" cy="668820"/>
-          </a:xfrm>
-          <a:prstGeom prst="rect">
-            <a:avLst/>
-          </a:prstGeom>
-          <a:noFill/>
-          <a:ln w="12700" cap="flat">
-            <a:noFill/>
-            <a:miter lim="400000"/>
-          </a:ln>
-          <a:effectLst/>
-          <a:extLst>
-            <a:ext uri="{C572A759-6A51-4108-AA02-DFA0A04FC94B}">
-              <ma14:wrappingTextBoxFlag xmlns="" xmlns:m="http://schemas.openxmlformats.org/officeDocument/2006/math" xmlns:a14="http://schemas.microsoft.com/office/drawing/2010/main" xmlns:ma14="http://schemas.microsoft.com/office/mac/drawingml/2011/main" val="1"/>
-            </a:ext>
-          </a:extLst>
-        </p:spPr>
-        <p:txBody>
-          <a:bodyPr wrap="none" lIns="26376" tIns="26376" rIns="26376" bIns="26376" numCol="1" anchor="ctr">
-            <a:spAutoFit/>
-          </a:bodyPr>
-          <a:lstStyle>
-            <a:lvl1pPr defTabSz="825500">
-              <a:defRPr sz="4000" b="0">
-                <a:solidFill>
-                  <a:srgbClr val="5E5E5E"/>
-                </a:solidFill>
-                <a:latin typeface="+mn-lt"/>
-                <a:ea typeface="+mn-ea"/>
-                <a:cs typeface="+mn-cs"/>
-                <a:sym typeface="Helvetica Neue Medium"/>
-              </a:defRPr>
-            </a:lvl1pPr>
-          </a:lstStyle>
-          <a:p>
-            <a:r>
-              <a:rPr lang="pt-BR" dirty="0" smtClean="0"/>
-              <a:t>Resources</a:t>
-            </a:r>
-            <a:endParaRPr/>
-          </a:p>
-        </p:txBody>
-      </p:sp>
-      <p:sp>
-        <p:nvSpPr>
-          <p:cNvPr id="34" name="[a preencher]"/>
-          <p:cNvSpPr txBox="1"/>
-          <p:nvPr/>
-        </p:nvSpPr>
-        <p:spPr>
-          <a:xfrm>
-            <a:off x="15686001" y="1174899"/>
-            <a:ext cx="3911396" cy="530321"/>
-          </a:xfrm>
-          <a:prstGeom prst="rect">
-            <a:avLst/>
-          </a:prstGeom>
-          <a:noFill/>
-          <a:ln w="12700" cap="flat">
-            <a:noFill/>
-            <a:miter lim="400000"/>
-          </a:ln>
-          <a:effectLst/>
-          <a:extLst>
-            <a:ext uri="{C572A759-6A51-4108-AA02-DFA0A04FC94B}">
-              <ma14:wrappingTextBoxFlag xmlns="" xmlns:m="http://schemas.openxmlformats.org/officeDocument/2006/math" xmlns:a14="http://schemas.microsoft.com/office/drawing/2010/main" xmlns:ma14="http://schemas.microsoft.com/office/mac/drawingml/2011/main" val="1"/>
-            </a:ext>
-          </a:extLst>
-        </p:spPr>
-        <p:txBody>
-          <a:bodyPr wrap="square" lIns="26376" tIns="26376" rIns="26376" bIns="26376" numCol="1" anchor="ctr">
-            <a:spAutoFit/>
-          </a:bodyPr>
-          <a:lstStyle>
-            <a:lvl1pPr algn="l" defTabSz="825500">
-              <a:defRPr sz="3100" b="0">
-                <a:solidFill>
-                  <a:schemeClr val="accent3">
-                    <a:hueOff val="914337"/>
-                    <a:satOff val="31515"/>
-                    <a:lumOff val="-30790"/>
-                  </a:schemeClr>
-                </a:solidFill>
-                <a:latin typeface="Comic Sans MS"/>
-                <a:ea typeface="Comic Sans MS"/>
-                <a:cs typeface="Comic Sans MS"/>
-                <a:sym typeface="Comic Sans MS"/>
-              </a:defRPr>
-            </a:lvl1pPr>
-          </a:lstStyle>
-          <a:p>
-            <a:r>
-              <a:t>[a preencher]</a:t>
-            </a:r>
-          </a:p>
-        </p:txBody>
-      </p:sp>
-      <p:sp>
-        <p:nvSpPr>
-          <p:cNvPr id="35" name="Main Benchmark"/>
-          <p:cNvSpPr txBox="1"/>
-          <p:nvPr/>
-        </p:nvSpPr>
-        <p:spPr>
-          <a:xfrm>
-            <a:off x="20375045" y="0"/>
-            <a:ext cx="1763672" cy="668820"/>
-          </a:xfrm>
-          <a:prstGeom prst="rect">
-            <a:avLst/>
-          </a:prstGeom>
-          <a:noFill/>
-          <a:ln w="12700" cap="flat">
-            <a:noFill/>
-            <a:miter lim="400000"/>
-          </a:ln>
-          <a:effectLst/>
-          <a:extLst>
-            <a:ext uri="{C572A759-6A51-4108-AA02-DFA0A04FC94B}">
-              <ma14:wrappingTextBoxFlag xmlns="" xmlns:m="http://schemas.openxmlformats.org/officeDocument/2006/math" xmlns:a14="http://schemas.microsoft.com/office/drawing/2010/main" xmlns:ma14="http://schemas.microsoft.com/office/mac/drawingml/2011/main" val="1"/>
-            </a:ext>
-          </a:extLst>
-        </p:spPr>
-        <p:txBody>
-          <a:bodyPr wrap="none" lIns="26376" tIns="26376" rIns="26376" bIns="26376" numCol="1" anchor="ctr">
-            <a:spAutoFit/>
-          </a:bodyPr>
-          <a:lstStyle>
-            <a:lvl1pPr defTabSz="825500">
-              <a:defRPr sz="4000" b="0">
-                <a:solidFill>
-                  <a:srgbClr val="5E5E5E"/>
-                </a:solidFill>
-                <a:latin typeface="+mn-lt"/>
-                <a:ea typeface="+mn-ea"/>
-                <a:cs typeface="+mn-cs"/>
-                <a:sym typeface="Helvetica Neue Medium"/>
-              </a:defRPr>
-            </a:lvl1pPr>
-          </a:lstStyle>
-          <a:p>
-            <a:r>
-              <a:rPr lang="pt-BR" dirty="0" smtClean="0"/>
-              <a:t>Results</a:t>
-            </a:r>
-            <a:endParaRPr/>
-          </a:p>
-        </p:txBody>
-      </p:sp>
-      <p:sp>
-        <p:nvSpPr>
-          <p:cNvPr id="36" name="[a preencher]"/>
-          <p:cNvSpPr txBox="1"/>
-          <p:nvPr/>
-        </p:nvSpPr>
-        <p:spPr>
-          <a:xfrm>
-            <a:off x="20472604" y="1097142"/>
-            <a:ext cx="3911396" cy="530321"/>
-          </a:xfrm>
-          <a:prstGeom prst="rect">
-            <a:avLst/>
-          </a:prstGeom>
-          <a:noFill/>
-          <a:ln w="12700" cap="flat">
-            <a:noFill/>
-            <a:miter lim="400000"/>
-          </a:ln>
-          <a:effectLst/>
-          <a:extLst>
-            <a:ext uri="{C572A759-6A51-4108-AA02-DFA0A04FC94B}">
-              <ma14:wrappingTextBoxFlag xmlns="" xmlns:m="http://schemas.openxmlformats.org/officeDocument/2006/math" xmlns:a14="http://schemas.microsoft.com/office/drawing/2010/main" xmlns:ma14="http://schemas.microsoft.com/office/mac/drawingml/2011/main" val="1"/>
+              <ma14:wrappingTextBoxFlag xmlns:ma14="http://schemas.microsoft.com/office/mac/drawingml/2011/main" xmlns:a14="http://schemas.microsoft.com/office/drawing/2010/main" xmlns:m="http://schemas.openxmlformats.org/officeDocument/2006/math" xmlns="" val="1"/>
             </a:ext>
           </a:extLst>
         </p:spPr>
